--- a/docs/lectures/lecture3.pptx
+++ b/docs/lectures/lecture3.pptx
@@ -5,7 +5,7 @@
     <p:sldMasterId id="2147483660" r:id="rId1"/>
   </p:sldMasterIdLst>
   <p:notesMasterIdLst>
-    <p:notesMasterId r:id="rId39"/>
+    <p:notesMasterId r:id="rId41"/>
   </p:notesMasterIdLst>
   <p:sldIdLst>
     <p:sldId id="256" r:id="rId2"/>
@@ -44,7 +44,9 @@
     <p:sldId id="321" r:id="rId35"/>
     <p:sldId id="322" r:id="rId36"/>
     <p:sldId id="323" r:id="rId37"/>
-    <p:sldId id="287" r:id="rId38"/>
+    <p:sldId id="324" r:id="rId38"/>
+    <p:sldId id="325" r:id="rId39"/>
+    <p:sldId id="287" r:id="rId40"/>
   </p:sldIdLst>
   <p:sldSz cx="9144000" cy="6858000" type="screen4x3"/>
   <p:notesSz cx="6858000" cy="9144000"/>
@@ -188,10 +190,26 @@
             <p14:sldId id="321"/>
             <p14:sldId id="322"/>
             <p14:sldId id="323"/>
+            <p14:sldId id="324"/>
+            <p14:sldId id="325"/>
             <p14:sldId id="287"/>
           </p14:sldIdLst>
         </p14:section>
       </p14:sectionLst>
+    </p:ext>
+    <p:ext uri="{EFAFB233-063F-42B5-8137-9DF3F51BA10A}">
+      <p15:sldGuideLst xmlns:p15="http://schemas.microsoft.com/office/powerpoint/2012/main">
+        <p15:guide id="1" orient="horz" pos="2160">
+          <p15:clr>
+            <a:srgbClr val="A4A3A4"/>
+          </p15:clr>
+        </p15:guide>
+        <p15:guide id="2" pos="2880">
+          <p15:clr>
+            <a:srgbClr val="A4A3A4"/>
+          </p15:clr>
+        </p15:guide>
+      </p15:sldGuideLst>
     </p:ext>
   </p:extLst>
 </p:presentation>
@@ -279,7 +297,7 @@
           <a:p>
             <a:fld id="{88225CEC-B4DB-421E-BD7D-F5D0F79EA658}" type="datetimeFigureOut">
               <a:rPr lang="en-US" smtClean="0"/>
-              <a:t>10/11/2020</a:t>
+              <a:t>10/14/2020</a:t>
             </a:fld>
             <a:endParaRPr lang="en-US"/>
           </a:p>
@@ -343,38 +361,37 @@
           <a:p>
             <a:pPr lvl="0"/>
             <a:r>
-              <a:rPr lang="en-US" smtClean="0"/>
+              <a:rPr lang="en-US"/>
               <a:t>Click to edit Master text styles</a:t>
             </a:r>
           </a:p>
           <a:p>
             <a:pPr lvl="1"/>
             <a:r>
-              <a:rPr lang="en-US" smtClean="0"/>
+              <a:rPr lang="en-US"/>
               <a:t>Second level</a:t>
             </a:r>
           </a:p>
           <a:p>
             <a:pPr lvl="2"/>
             <a:r>
-              <a:rPr lang="en-US" smtClean="0"/>
+              <a:rPr lang="en-US"/>
               <a:t>Third level</a:t>
             </a:r>
           </a:p>
           <a:p>
             <a:pPr lvl="3"/>
             <a:r>
-              <a:rPr lang="en-US" smtClean="0"/>
+              <a:rPr lang="en-US"/>
               <a:t>Fourth level</a:t>
             </a:r>
           </a:p>
           <a:p>
             <a:pPr lvl="4"/>
             <a:r>
-              <a:rPr lang="en-US" smtClean="0"/>
+              <a:rPr lang="en-US"/>
               <a:t>Fifth level</a:t>
             </a:r>
-            <a:endParaRPr lang="en-US"/>
           </a:p>
         </p:txBody>
       </p:sp>
@@ -753,10 +770,9 @@
           <a:lstStyle/>
           <a:p>
             <a:r>
-              <a:rPr lang="en-US" smtClean="0"/>
+              <a:rPr lang="en-US"/>
               <a:t>Click to edit Master title style</a:t>
             </a:r>
-            <a:endParaRPr lang="en-US"/>
           </a:p>
         </p:txBody>
       </p:sp>
@@ -872,10 +888,9 @@
           </a:lstStyle>
           <a:p>
             <a:r>
-              <a:rPr lang="en-US" smtClean="0"/>
+              <a:rPr lang="en-US"/>
               <a:t>Click to edit Master subtitle style</a:t>
             </a:r>
-            <a:endParaRPr lang="en-US"/>
           </a:p>
         </p:txBody>
       </p:sp>
@@ -896,7 +911,7 @@
           <a:p>
             <a:fld id="{2F895662-E2E6-47BC-B493-3EA4FCF734B6}" type="datetime1">
               <a:rPr lang="en-US" smtClean="0"/>
-              <a:t>10/11/2020</a:t>
+              <a:t>10/14/2020</a:t>
             </a:fld>
             <a:endParaRPr lang="en-US"/>
           </a:p>
@@ -990,10 +1005,9 @@
           <a:lstStyle/>
           <a:p>
             <a:r>
-              <a:rPr lang="en-US" smtClean="0"/>
+              <a:rPr lang="en-US"/>
               <a:t>Click to edit Master title style</a:t>
             </a:r>
-            <a:endParaRPr lang="en-US"/>
           </a:p>
         </p:txBody>
       </p:sp>
@@ -1014,38 +1028,37 @@
           <a:p>
             <a:pPr lvl="0"/>
             <a:r>
-              <a:rPr lang="en-US" smtClean="0"/>
+              <a:rPr lang="en-US"/>
               <a:t>Click to edit Master text styles</a:t>
             </a:r>
           </a:p>
           <a:p>
             <a:pPr lvl="1"/>
             <a:r>
-              <a:rPr lang="en-US" smtClean="0"/>
+              <a:rPr lang="en-US"/>
               <a:t>Second level</a:t>
             </a:r>
           </a:p>
           <a:p>
             <a:pPr lvl="2"/>
             <a:r>
-              <a:rPr lang="en-US" smtClean="0"/>
+              <a:rPr lang="en-US"/>
               <a:t>Third level</a:t>
             </a:r>
           </a:p>
           <a:p>
             <a:pPr lvl="3"/>
             <a:r>
-              <a:rPr lang="en-US" smtClean="0"/>
+              <a:rPr lang="en-US"/>
               <a:t>Fourth level</a:t>
             </a:r>
           </a:p>
           <a:p>
             <a:pPr lvl="4"/>
             <a:r>
-              <a:rPr lang="en-US" smtClean="0"/>
+              <a:rPr lang="en-US"/>
               <a:t>Fifth level</a:t>
             </a:r>
-            <a:endParaRPr lang="en-US"/>
           </a:p>
         </p:txBody>
       </p:sp>
@@ -1066,7 +1079,7 @@
           <a:p>
             <a:fld id="{0F4BFD65-5602-4172-B54C-6A65165A1845}" type="datetime1">
               <a:rPr lang="en-US" smtClean="0"/>
-              <a:t>10/11/2020</a:t>
+              <a:t>10/14/2020</a:t>
             </a:fld>
             <a:endParaRPr lang="en-US"/>
           </a:p>
@@ -1165,10 +1178,9 @@
           <a:lstStyle/>
           <a:p>
             <a:r>
-              <a:rPr lang="en-US" smtClean="0"/>
+              <a:rPr lang="en-US"/>
               <a:t>Click to edit Master title style</a:t>
             </a:r>
-            <a:endParaRPr lang="en-US"/>
           </a:p>
         </p:txBody>
       </p:sp>
@@ -1194,38 +1206,37 @@
           <a:p>
             <a:pPr lvl="0"/>
             <a:r>
-              <a:rPr lang="en-US" smtClean="0"/>
+              <a:rPr lang="en-US"/>
               <a:t>Click to edit Master text styles</a:t>
             </a:r>
           </a:p>
           <a:p>
             <a:pPr lvl="1"/>
             <a:r>
-              <a:rPr lang="en-US" smtClean="0"/>
+              <a:rPr lang="en-US"/>
               <a:t>Second level</a:t>
             </a:r>
           </a:p>
           <a:p>
             <a:pPr lvl="2"/>
             <a:r>
-              <a:rPr lang="en-US" smtClean="0"/>
+              <a:rPr lang="en-US"/>
               <a:t>Third level</a:t>
             </a:r>
           </a:p>
           <a:p>
             <a:pPr lvl="3"/>
             <a:r>
-              <a:rPr lang="en-US" smtClean="0"/>
+              <a:rPr lang="en-US"/>
               <a:t>Fourth level</a:t>
             </a:r>
           </a:p>
           <a:p>
             <a:pPr lvl="4"/>
             <a:r>
-              <a:rPr lang="en-US" smtClean="0"/>
+              <a:rPr lang="en-US"/>
               <a:t>Fifth level</a:t>
             </a:r>
-            <a:endParaRPr lang="en-US"/>
           </a:p>
         </p:txBody>
       </p:sp>
@@ -1246,7 +1257,7 @@
           <a:p>
             <a:fld id="{6CA290DE-8138-4626-BC3F-DF68A3BD09D8}" type="datetime1">
               <a:rPr lang="en-US" smtClean="0"/>
-              <a:t>10/11/2020</a:t>
+              <a:t>10/14/2020</a:t>
             </a:fld>
             <a:endParaRPr lang="en-US"/>
           </a:p>
@@ -1340,10 +1351,9 @@
           <a:lstStyle/>
           <a:p>
             <a:r>
-              <a:rPr lang="en-US" smtClean="0"/>
+              <a:rPr lang="en-US"/>
               <a:t>Click to edit Master title style</a:t>
             </a:r>
-            <a:endParaRPr lang="en-US"/>
           </a:p>
         </p:txBody>
       </p:sp>
@@ -1364,38 +1374,37 @@
           <a:p>
             <a:pPr lvl="0"/>
             <a:r>
-              <a:rPr lang="en-US" smtClean="0"/>
+              <a:rPr lang="en-US"/>
               <a:t>Click to edit Master text styles</a:t>
             </a:r>
           </a:p>
           <a:p>
             <a:pPr lvl="1"/>
             <a:r>
-              <a:rPr lang="en-US" smtClean="0"/>
+              <a:rPr lang="en-US"/>
               <a:t>Second level</a:t>
             </a:r>
           </a:p>
           <a:p>
             <a:pPr lvl="2"/>
             <a:r>
-              <a:rPr lang="en-US" smtClean="0"/>
+              <a:rPr lang="en-US"/>
               <a:t>Third level</a:t>
             </a:r>
           </a:p>
           <a:p>
             <a:pPr lvl="3"/>
             <a:r>
-              <a:rPr lang="en-US" smtClean="0"/>
+              <a:rPr lang="en-US"/>
               <a:t>Fourth level</a:t>
             </a:r>
           </a:p>
           <a:p>
             <a:pPr lvl="4"/>
             <a:r>
-              <a:rPr lang="en-US" smtClean="0"/>
+              <a:rPr lang="en-US"/>
               <a:t>Fifth level</a:t>
             </a:r>
-            <a:endParaRPr lang="en-US"/>
           </a:p>
         </p:txBody>
       </p:sp>
@@ -1416,7 +1425,7 @@
           <a:p>
             <a:fld id="{E1BE8E3F-75DF-45E8-9F6B-4F2E22494A32}" type="datetime1">
               <a:rPr lang="en-US" smtClean="0"/>
-              <a:t>10/11/2020</a:t>
+              <a:t>10/14/2020</a:t>
             </a:fld>
             <a:endParaRPr lang="en-US"/>
           </a:p>
@@ -1519,10 +1528,9 @@
           </a:lstStyle>
           <a:p>
             <a:r>
-              <a:rPr lang="en-US" dirty="0" smtClean="0"/>
+              <a:rPr lang="en-US" dirty="0"/>
               <a:t>Click to edit Master title style</a:t>
             </a:r>
-            <a:endParaRPr lang="en-US" dirty="0"/>
           </a:p>
         </p:txBody>
       </p:sp>
@@ -1639,7 +1647,7 @@
           <a:p>
             <a:pPr lvl="0"/>
             <a:r>
-              <a:rPr lang="en-US" dirty="0" smtClean="0"/>
+              <a:rPr lang="en-US" dirty="0"/>
               <a:t>Click to edit Master text styles</a:t>
             </a:r>
           </a:p>
@@ -1662,7 +1670,7 @@
           <a:p>
             <a:fld id="{82F4DA82-3E7C-4CFB-A30B-53D3893EF32E}" type="datetime1">
               <a:rPr lang="en-US" smtClean="0"/>
-              <a:t>10/11/2020</a:t>
+              <a:t>10/14/2020</a:t>
             </a:fld>
             <a:endParaRPr lang="en-US"/>
           </a:p>
@@ -1756,10 +1764,9 @@
           <a:lstStyle/>
           <a:p>
             <a:r>
-              <a:rPr lang="en-US" smtClean="0"/>
+              <a:rPr lang="en-US"/>
               <a:t>Click to edit Master title style</a:t>
             </a:r>
-            <a:endParaRPr lang="en-US"/>
           </a:p>
         </p:txBody>
       </p:sp>
@@ -1813,38 +1820,37 @@
           <a:p>
             <a:pPr lvl="0"/>
             <a:r>
-              <a:rPr lang="en-US" smtClean="0"/>
+              <a:rPr lang="en-US"/>
               <a:t>Click to edit Master text styles</a:t>
             </a:r>
           </a:p>
           <a:p>
             <a:pPr lvl="1"/>
             <a:r>
-              <a:rPr lang="en-US" smtClean="0"/>
+              <a:rPr lang="en-US"/>
               <a:t>Second level</a:t>
             </a:r>
           </a:p>
           <a:p>
             <a:pPr lvl="2"/>
             <a:r>
-              <a:rPr lang="en-US" smtClean="0"/>
+              <a:rPr lang="en-US"/>
               <a:t>Third level</a:t>
             </a:r>
           </a:p>
           <a:p>
             <a:pPr lvl="3"/>
             <a:r>
-              <a:rPr lang="en-US" smtClean="0"/>
+              <a:rPr lang="en-US"/>
               <a:t>Fourth level</a:t>
             </a:r>
           </a:p>
           <a:p>
             <a:pPr lvl="4"/>
             <a:r>
-              <a:rPr lang="en-US" smtClean="0"/>
+              <a:rPr lang="en-US"/>
               <a:t>Fifth level</a:t>
             </a:r>
-            <a:endParaRPr lang="en-US"/>
           </a:p>
         </p:txBody>
       </p:sp>
@@ -1898,38 +1904,37 @@
           <a:p>
             <a:pPr lvl="0"/>
             <a:r>
-              <a:rPr lang="en-US" smtClean="0"/>
+              <a:rPr lang="en-US"/>
               <a:t>Click to edit Master text styles</a:t>
             </a:r>
           </a:p>
           <a:p>
             <a:pPr lvl="1"/>
             <a:r>
-              <a:rPr lang="en-US" smtClean="0"/>
+              <a:rPr lang="en-US"/>
               <a:t>Second level</a:t>
             </a:r>
           </a:p>
           <a:p>
             <a:pPr lvl="2"/>
             <a:r>
-              <a:rPr lang="en-US" smtClean="0"/>
+              <a:rPr lang="en-US"/>
               <a:t>Third level</a:t>
             </a:r>
           </a:p>
           <a:p>
             <a:pPr lvl="3"/>
             <a:r>
-              <a:rPr lang="en-US" smtClean="0"/>
+              <a:rPr lang="en-US"/>
               <a:t>Fourth level</a:t>
             </a:r>
           </a:p>
           <a:p>
             <a:pPr lvl="4"/>
             <a:r>
-              <a:rPr lang="en-US" smtClean="0"/>
+              <a:rPr lang="en-US"/>
               <a:t>Fifth level</a:t>
             </a:r>
-            <a:endParaRPr lang="en-US"/>
           </a:p>
         </p:txBody>
       </p:sp>
@@ -1950,7 +1955,7 @@
           <a:p>
             <a:fld id="{36B3D8AD-4C83-4D73-AEE7-5E801ED5356C}" type="datetime1">
               <a:rPr lang="en-US" smtClean="0"/>
-              <a:t>10/11/2020</a:t>
+              <a:t>10/14/2020</a:t>
             </a:fld>
             <a:endParaRPr lang="en-US"/>
           </a:p>
@@ -2048,10 +2053,9 @@
           </a:lstStyle>
           <a:p>
             <a:r>
-              <a:rPr lang="en-US" smtClean="0"/>
+              <a:rPr lang="en-US"/>
               <a:t>Click to edit Master title style</a:t>
             </a:r>
-            <a:endParaRPr lang="en-US"/>
           </a:p>
         </p:txBody>
       </p:sp>
@@ -2114,7 +2118,7 @@
           <a:p>
             <a:pPr lvl="0"/>
             <a:r>
-              <a:rPr lang="en-US" smtClean="0"/>
+              <a:rPr lang="en-US"/>
               <a:t>Click to edit Master text styles</a:t>
             </a:r>
           </a:p>
@@ -2170,38 +2174,37 @@
           <a:p>
             <a:pPr lvl="0"/>
             <a:r>
-              <a:rPr lang="en-US" smtClean="0"/>
+              <a:rPr lang="en-US"/>
               <a:t>Click to edit Master text styles</a:t>
             </a:r>
           </a:p>
           <a:p>
             <a:pPr lvl="1"/>
             <a:r>
-              <a:rPr lang="en-US" smtClean="0"/>
+              <a:rPr lang="en-US"/>
               <a:t>Second level</a:t>
             </a:r>
           </a:p>
           <a:p>
             <a:pPr lvl="2"/>
             <a:r>
-              <a:rPr lang="en-US" smtClean="0"/>
+              <a:rPr lang="en-US"/>
               <a:t>Third level</a:t>
             </a:r>
           </a:p>
           <a:p>
             <a:pPr lvl="3"/>
             <a:r>
-              <a:rPr lang="en-US" smtClean="0"/>
+              <a:rPr lang="en-US"/>
               <a:t>Fourth level</a:t>
             </a:r>
           </a:p>
           <a:p>
             <a:pPr lvl="4"/>
             <a:r>
-              <a:rPr lang="en-US" smtClean="0"/>
+              <a:rPr lang="en-US"/>
               <a:t>Fifth level</a:t>
             </a:r>
-            <a:endParaRPr lang="en-US"/>
           </a:p>
         </p:txBody>
       </p:sp>
@@ -2264,7 +2267,7 @@
           <a:p>
             <a:pPr lvl="0"/>
             <a:r>
-              <a:rPr lang="en-US" smtClean="0"/>
+              <a:rPr lang="en-US"/>
               <a:t>Click to edit Master text styles</a:t>
             </a:r>
           </a:p>
@@ -2320,38 +2323,37 @@
           <a:p>
             <a:pPr lvl="0"/>
             <a:r>
-              <a:rPr lang="en-US" smtClean="0"/>
+              <a:rPr lang="en-US"/>
               <a:t>Click to edit Master text styles</a:t>
             </a:r>
           </a:p>
           <a:p>
             <a:pPr lvl="1"/>
             <a:r>
-              <a:rPr lang="en-US" smtClean="0"/>
+              <a:rPr lang="en-US"/>
               <a:t>Second level</a:t>
             </a:r>
           </a:p>
           <a:p>
             <a:pPr lvl="2"/>
             <a:r>
-              <a:rPr lang="en-US" smtClean="0"/>
+              <a:rPr lang="en-US"/>
               <a:t>Third level</a:t>
             </a:r>
           </a:p>
           <a:p>
             <a:pPr lvl="3"/>
             <a:r>
-              <a:rPr lang="en-US" smtClean="0"/>
+              <a:rPr lang="en-US"/>
               <a:t>Fourth level</a:t>
             </a:r>
           </a:p>
           <a:p>
             <a:pPr lvl="4"/>
             <a:r>
-              <a:rPr lang="en-US" smtClean="0"/>
+              <a:rPr lang="en-US"/>
               <a:t>Fifth level</a:t>
             </a:r>
-            <a:endParaRPr lang="en-US"/>
           </a:p>
         </p:txBody>
       </p:sp>
@@ -2372,7 +2374,7 @@
           <a:p>
             <a:fld id="{7E6893DB-DD64-49D6-A5C2-F6ACE2B1530B}" type="datetime1">
               <a:rPr lang="en-US" smtClean="0"/>
-              <a:t>10/11/2020</a:t>
+              <a:t>10/14/2020</a:t>
             </a:fld>
             <a:endParaRPr lang="en-US"/>
           </a:p>
@@ -2466,10 +2468,9 @@
           <a:lstStyle/>
           <a:p>
             <a:r>
-              <a:rPr lang="en-US" smtClean="0"/>
+              <a:rPr lang="en-US"/>
               <a:t>Click to edit Master title style</a:t>
             </a:r>
-            <a:endParaRPr lang="en-US"/>
           </a:p>
         </p:txBody>
       </p:sp>
@@ -2490,7 +2491,7 @@
           <a:p>
             <a:fld id="{FC0A94C3-7A0F-4E28-9A06-985C13FFBB01}" type="datetime1">
               <a:rPr lang="en-US" smtClean="0"/>
-              <a:t>10/11/2020</a:t>
+              <a:t>10/14/2020</a:t>
             </a:fld>
             <a:endParaRPr lang="en-US"/>
           </a:p>
@@ -2585,7 +2586,7 @@
           <a:p>
             <a:fld id="{8587B2D3-0011-41C0-B2C5-6B713844DB1C}" type="datetime1">
               <a:rPr lang="en-US" smtClean="0"/>
-              <a:t>10/11/2020</a:t>
+              <a:t>10/14/2020</a:t>
             </a:fld>
             <a:endParaRPr lang="en-US"/>
           </a:p>
@@ -2688,10 +2689,9 @@
           </a:lstStyle>
           <a:p>
             <a:r>
-              <a:rPr lang="en-US" smtClean="0"/>
+              <a:rPr lang="en-US"/>
               <a:t>Click to edit Master title style</a:t>
             </a:r>
-            <a:endParaRPr lang="en-US"/>
           </a:p>
         </p:txBody>
       </p:sp>
@@ -2745,38 +2745,37 @@
           <a:p>
             <a:pPr lvl="0"/>
             <a:r>
-              <a:rPr lang="en-US" smtClean="0"/>
+              <a:rPr lang="en-US"/>
               <a:t>Click to edit Master text styles</a:t>
             </a:r>
           </a:p>
           <a:p>
             <a:pPr lvl="1"/>
             <a:r>
-              <a:rPr lang="en-US" smtClean="0"/>
+              <a:rPr lang="en-US"/>
               <a:t>Second level</a:t>
             </a:r>
           </a:p>
           <a:p>
             <a:pPr lvl="2"/>
             <a:r>
-              <a:rPr lang="en-US" smtClean="0"/>
+              <a:rPr lang="en-US"/>
               <a:t>Third level</a:t>
             </a:r>
           </a:p>
           <a:p>
             <a:pPr lvl="3"/>
             <a:r>
-              <a:rPr lang="en-US" smtClean="0"/>
+              <a:rPr lang="en-US"/>
               <a:t>Fourth level</a:t>
             </a:r>
           </a:p>
           <a:p>
             <a:pPr lvl="4"/>
             <a:r>
-              <a:rPr lang="en-US" smtClean="0"/>
+              <a:rPr lang="en-US"/>
               <a:t>Fifth level</a:t>
             </a:r>
-            <a:endParaRPr lang="en-US"/>
           </a:p>
         </p:txBody>
       </p:sp>
@@ -2839,7 +2838,7 @@
           <a:p>
             <a:pPr lvl="0"/>
             <a:r>
-              <a:rPr lang="en-US" smtClean="0"/>
+              <a:rPr lang="en-US"/>
               <a:t>Click to edit Master text styles</a:t>
             </a:r>
           </a:p>
@@ -2862,7 +2861,7 @@
           <a:p>
             <a:fld id="{B53EE19A-9EFD-417C-93CE-FC2F485F3533}" type="datetime1">
               <a:rPr lang="en-US" smtClean="0"/>
-              <a:t>10/11/2020</a:t>
+              <a:t>10/14/2020</a:t>
             </a:fld>
             <a:endParaRPr lang="en-US"/>
           </a:p>
@@ -2965,10 +2964,9 @@
           </a:lstStyle>
           <a:p>
             <a:r>
-              <a:rPr lang="en-US" smtClean="0"/>
+              <a:rPr lang="en-US"/>
               <a:t>Click to edit Master title style</a:t>
             </a:r>
-            <a:endParaRPr lang="en-US"/>
           </a:p>
         </p:txBody>
       </p:sp>
@@ -3030,10 +3028,9 @@
           </a:lstStyle>
           <a:p>
             <a:r>
-              <a:rPr lang="en-US" smtClean="0"/>
+              <a:rPr lang="en-US"/>
               <a:t>Click icon to add picture</a:t>
             </a:r>
-            <a:endParaRPr lang="en-US"/>
           </a:p>
         </p:txBody>
       </p:sp>
@@ -3096,7 +3093,7 @@
           <a:p>
             <a:pPr lvl="0"/>
             <a:r>
-              <a:rPr lang="en-US" smtClean="0"/>
+              <a:rPr lang="en-US"/>
               <a:t>Click to edit Master text styles</a:t>
             </a:r>
           </a:p>
@@ -3119,7 +3116,7 @@
           <a:p>
             <a:fld id="{87D9954C-8CD1-4968-8DFE-C7948C62F830}" type="datetime1">
               <a:rPr lang="en-US" smtClean="0"/>
-              <a:t>10/11/2020</a:t>
+              <a:t>10/14/2020</a:t>
             </a:fld>
             <a:endParaRPr lang="en-US"/>
           </a:p>
@@ -3231,7 +3228,7 @@
           <a:lstStyle/>
           <a:p>
             <a:r>
-              <a:rPr lang="en-US" smtClean="0"/>
+              <a:rPr lang="en-US"/>
               <a:t>Click to edit Master title style</a:t>
             </a:r>
             <a:endParaRPr lang="en-US" dirty="0"/>
@@ -3265,35 +3262,35 @@
           <a:p>
             <a:pPr lvl="0"/>
             <a:r>
-              <a:rPr lang="en-US" smtClean="0"/>
+              <a:rPr lang="en-US"/>
               <a:t>Click to edit Master text styles</a:t>
             </a:r>
           </a:p>
           <a:p>
             <a:pPr lvl="1"/>
             <a:r>
-              <a:rPr lang="en-US" smtClean="0"/>
+              <a:rPr lang="en-US"/>
               <a:t>Second level</a:t>
             </a:r>
           </a:p>
           <a:p>
             <a:pPr lvl="2"/>
             <a:r>
-              <a:rPr lang="en-US" smtClean="0"/>
+              <a:rPr lang="en-US"/>
               <a:t>Third level</a:t>
             </a:r>
           </a:p>
           <a:p>
             <a:pPr lvl="3"/>
             <a:r>
-              <a:rPr lang="en-US" smtClean="0"/>
+              <a:rPr lang="en-US"/>
               <a:t>Fourth level</a:t>
             </a:r>
           </a:p>
           <a:p>
             <a:pPr lvl="4"/>
             <a:r>
-              <a:rPr lang="en-US" smtClean="0"/>
+              <a:rPr lang="en-US"/>
               <a:t>Fifth level</a:t>
             </a:r>
             <a:endParaRPr lang="en-US" dirty="0"/>
@@ -3335,7 +3332,7 @@
           <a:p>
             <a:fld id="{B4BF092D-FE75-4F27-B0C3-A897761F708C}" type="datetime1">
               <a:rPr lang="en-US" smtClean="0"/>
-              <a:t>10/11/2020</a:t>
+              <a:t>10/14/2020</a:t>
             </a:fld>
             <a:endParaRPr lang="en-US"/>
           </a:p>
@@ -3748,33 +3745,20 @@
               <a:rPr lang="en-US" dirty="0"/>
               <a:t>Visualizing Linear Models: </a:t>
             </a:r>
-            <a:r>
-              <a:rPr lang="en-US" dirty="0" smtClean="0"/>
-              <a:t/>
-            </a:r>
             <a:br>
-              <a:rPr lang="en-US" dirty="0" smtClean="0"/>
+              <a:rPr lang="en-US" dirty="0"/>
             </a:br>
             <a:r>
-              <a:rPr lang="en-US" dirty="0" smtClean="0"/>
-              <a:t>An </a:t>
-            </a:r>
-            <a:r>
               <a:rPr lang="en-US" dirty="0"/>
-              <a:t>R Bag of </a:t>
-            </a:r>
-            <a:r>
-              <a:rPr lang="en-US" dirty="0" smtClean="0"/>
-              <a:t>Tricks</a:t>
+              <a:t>An R Bag of Tricks</a:t>
             </a:r>
             <a:br>
-              <a:rPr lang="en-US" dirty="0" smtClean="0"/>
+              <a:rPr lang="en-US" dirty="0"/>
             </a:br>
             <a:r>
-              <a:rPr lang="en-US" dirty="0" smtClean="0"/>
+              <a:rPr lang="en-US" dirty="0"/>
               <a:t>Session 3: Examples &amp; Extensions</a:t>
             </a:r>
-            <a:endParaRPr lang="en-US" dirty="0"/>
           </a:p>
         </p:txBody>
       </p:sp>
@@ -3796,7 +3780,7 @@
         </p:spPr>
         <p:txBody>
           <a:bodyPr>
-            <a:normAutofit fontScale="70000" lnSpcReduction="20000"/>
+            <a:normAutofit fontScale="55000" lnSpcReduction="20000"/>
           </a:bodyPr>
           <a:lstStyle/>
           <a:p>
@@ -3807,16 +3791,27 @@
           </a:p>
           <a:p>
             <a:r>
-              <a:rPr lang="en-US" dirty="0" smtClean="0"/>
+              <a:rPr lang="en-US" dirty="0"/>
               <a:t>SCS Short Course</a:t>
             </a:r>
           </a:p>
           <a:p>
             <a:r>
-              <a:rPr lang="en-US" dirty="0" smtClean="0"/>
-              <a:t>Oct. 2020</a:t>
-            </a:r>
-            <a:endParaRPr lang="en-US" dirty="0"/>
+              <a:rPr lang="en-US" dirty="0"/>
+              <a:t>Oct. 22, 29, Nov. 5, 2020</a:t>
+            </a:r>
+          </a:p>
+          <a:p>
+            <a:r>
+              <a:rPr lang="en-US" dirty="0">
+                <a:hlinkClick r:id="rId3"/>
+              </a:rPr>
+              <a:t>https://friendly.github.io/VisMLM-course/</a:t>
+            </a:r>
+            <a:r>
+              <a:rPr lang="en-US" dirty="0"/>
+              <a:t> </a:t>
+            </a:r>
           </a:p>
         </p:txBody>
       </p:sp>
@@ -3829,7 +3824,7 @@
           <p:nvPr/>
         </p:nvPicPr>
         <p:blipFill>
-          <a:blip r:embed="rId3">
+          <a:blip r:embed="rId4">
             <a:extLst>
               <a:ext uri="{28A0092B-C50C-407E-A947-70E740481C1C}">
                 <a14:useLocalDpi xmlns:a14="http://schemas.microsoft.com/office/drawing/2010/main" val="0"/>
@@ -3859,7 +3854,7 @@
           <p:nvPr/>
         </p:nvPicPr>
         <p:blipFill>
-          <a:blip r:embed="rId4">
+          <a:blip r:embed="rId5">
             <a:extLst>
               <a:ext uri="{28A0092B-C50C-407E-A947-70E740481C1C}">
                 <a14:useLocalDpi xmlns:a14="http://schemas.microsoft.com/office/drawing/2010/main" val="0"/>
@@ -3889,7 +3884,7 @@
           <p:nvPr/>
         </p:nvPicPr>
         <p:blipFill>
-          <a:blip r:embed="rId5">
+          <a:blip r:embed="rId6">
             <a:extLst>
               <a:ext uri="{28A0092B-C50C-407E-A947-70E740481C1C}">
                 <a14:useLocalDpi xmlns:a14="http://schemas.microsoft.com/office/drawing/2010/main" val="0"/>
@@ -4036,10 +4031,9 @@
           <a:lstStyle/>
           <a:p>
             <a:r>
-              <a:rPr lang="en-US" dirty="0" smtClean="0"/>
+              <a:rPr lang="en-US" dirty="0"/>
               <a:t>Social cognitive measures</a:t>
             </a:r>
-            <a:endParaRPr lang="en-US" dirty="0"/>
           </a:p>
         </p:txBody>
       </p:sp>
@@ -4095,31 +4089,31 @@
           <a:lstStyle/>
           <a:p>
             <a:r>
-              <a:rPr lang="en-US" sz="1400" dirty="0" smtClean="0">
+              <a:rPr lang="en-US" sz="1400" dirty="0">
                 <a:latin typeface="SAS Monospace" panose="020B0609020202020204" pitchFamily="49" charset="0"/>
               </a:rPr>
               <a:t>&gt; data(</a:t>
             </a:r>
             <a:r>
-              <a:rPr lang="en-US" sz="1400" dirty="0" err="1" smtClean="0">
+              <a:rPr lang="en-US" sz="1400" dirty="0" err="1">
                 <a:latin typeface="SAS Monospace" panose="020B0609020202020204" pitchFamily="49" charset="0"/>
               </a:rPr>
               <a:t>SocialCog</a:t>
             </a:r>
             <a:r>
-              <a:rPr lang="en-US" sz="1400" dirty="0" smtClean="0">
+              <a:rPr lang="en-US" sz="1400" dirty="0">
                 <a:latin typeface="SAS Monospace" panose="020B0609020202020204" pitchFamily="49" charset="0"/>
               </a:rPr>
               <a:t>, package="</a:t>
             </a:r>
             <a:r>
-              <a:rPr lang="en-US" sz="1400" dirty="0" err="1" smtClean="0">
+              <a:rPr lang="en-US" sz="1400" dirty="0" err="1">
                 <a:latin typeface="SAS Monospace" panose="020B0609020202020204" pitchFamily="49" charset="0"/>
               </a:rPr>
               <a:t>heplots</a:t>
             </a:r>
             <a:r>
-              <a:rPr lang="en-US" sz="1400" dirty="0" smtClean="0">
+              <a:rPr lang="en-US" sz="1400" dirty="0">
                 <a:latin typeface="SAS Monospace" panose="020B0609020202020204" pitchFamily="49" charset="0"/>
               </a:rPr>
               <a:t>")</a:t>
@@ -4127,79 +4121,79 @@
           </a:p>
           <a:p>
             <a:r>
-              <a:rPr lang="en-US" sz="1400" dirty="0" smtClean="0">
+              <a:rPr lang="en-US" sz="1400" dirty="0">
                 <a:latin typeface="SAS Monospace" panose="020B0609020202020204" pitchFamily="49" charset="0"/>
               </a:rPr>
               <a:t>&gt; </a:t>
             </a:r>
             <a:r>
-              <a:rPr lang="en-US" sz="1400" dirty="0" err="1" smtClean="0">
+              <a:rPr lang="en-US" sz="1400" dirty="0" err="1">
                 <a:latin typeface="SAS Monospace" panose="020B0609020202020204" pitchFamily="49" charset="0"/>
               </a:rPr>
               <a:t>SC.mlm</a:t>
             </a:r>
             <a:r>
-              <a:rPr lang="en-US" sz="1400" dirty="0" smtClean="0">
+              <a:rPr lang="en-US" sz="1400" dirty="0">
                 <a:latin typeface="SAS Monospace" panose="020B0609020202020204" pitchFamily="49" charset="0"/>
               </a:rPr>
               <a:t> &lt;-  lm(</a:t>
             </a:r>
             <a:r>
-              <a:rPr lang="en-US" sz="1400" dirty="0" err="1" smtClean="0">
+              <a:rPr lang="en-US" sz="1400" dirty="0" err="1">
                 <a:latin typeface="SAS Monospace" panose="020B0609020202020204" pitchFamily="49" charset="0"/>
               </a:rPr>
               <a:t>cbind</a:t>
             </a:r>
             <a:r>
-              <a:rPr lang="en-US" sz="1400" dirty="0" smtClean="0">
+              <a:rPr lang="en-US" sz="1400" dirty="0">
                 <a:latin typeface="SAS Monospace" panose="020B0609020202020204" pitchFamily="49" charset="0"/>
               </a:rPr>
               <a:t>(</a:t>
             </a:r>
             <a:r>
-              <a:rPr lang="en-US" sz="1400" dirty="0" err="1" smtClean="0">
+              <a:rPr lang="en-US" sz="1400" dirty="0" err="1">
                 <a:latin typeface="SAS Monospace" panose="020B0609020202020204" pitchFamily="49" charset="0"/>
               </a:rPr>
               <a:t>MgeEmotions,ToM</a:t>
             </a:r>
             <a:r>
-              <a:rPr lang="en-US" sz="1400" dirty="0" smtClean="0">
+              <a:rPr lang="en-US" sz="1400" dirty="0">
                 <a:latin typeface="SAS Monospace" panose="020B0609020202020204" pitchFamily="49" charset="0"/>
               </a:rPr>
               <a:t>, </a:t>
             </a:r>
             <a:r>
-              <a:rPr lang="en-US" sz="1400" dirty="0" err="1" smtClean="0">
+              <a:rPr lang="en-US" sz="1400" dirty="0" err="1">
                 <a:latin typeface="SAS Monospace" panose="020B0609020202020204" pitchFamily="49" charset="0"/>
               </a:rPr>
               <a:t>ExtBias</a:t>
             </a:r>
             <a:r>
-              <a:rPr lang="en-US" sz="1400" dirty="0" smtClean="0">
+              <a:rPr lang="en-US" sz="1400" dirty="0">
                 <a:latin typeface="SAS Monospace" panose="020B0609020202020204" pitchFamily="49" charset="0"/>
               </a:rPr>
               <a:t>, </a:t>
             </a:r>
             <a:r>
-              <a:rPr lang="en-US" sz="1400" dirty="0" err="1" smtClean="0">
+              <a:rPr lang="en-US" sz="1400" dirty="0" err="1">
                 <a:latin typeface="SAS Monospace" panose="020B0609020202020204" pitchFamily="49" charset="0"/>
               </a:rPr>
               <a:t>PersBias</a:t>
             </a:r>
             <a:r>
-              <a:rPr lang="en-US" sz="1400" dirty="0" smtClean="0">
+              <a:rPr lang="en-US" sz="1400" dirty="0">
                 <a:latin typeface="SAS Monospace" panose="020B0609020202020204" pitchFamily="49" charset="0"/>
               </a:rPr>
               <a:t>) ~ </a:t>
             </a:r>
             <a:r>
-              <a:rPr lang="en-US" sz="1400" dirty="0" err="1" smtClean="0">
+              <a:rPr lang="en-US" sz="1400" dirty="0" err="1">
                 <a:latin typeface="SAS Monospace" panose="020B0609020202020204" pitchFamily="49" charset="0"/>
               </a:rPr>
               <a:t>Dx</a:t>
             </a:r>
             <a:r>
-              <a:rPr lang="en-US" sz="1400" dirty="0" smtClean="0">
+              <a:rPr lang="en-US" sz="1400" dirty="0">
                 <a:latin typeface="SAS Monospace" panose="020B0609020202020204" pitchFamily="49" charset="0"/>
               </a:rPr>
               <a:t>,</a:t>
@@ -4207,19 +4201,19 @@
           </a:p>
           <a:p>
             <a:r>
-              <a:rPr lang="en-US" sz="1400" dirty="0" smtClean="0">
+              <a:rPr lang="en-US" sz="1400" dirty="0">
                 <a:latin typeface="SAS Monospace" panose="020B0609020202020204" pitchFamily="49" charset="0"/>
               </a:rPr>
               <a:t>              data=</a:t>
             </a:r>
             <a:r>
-              <a:rPr lang="en-US" sz="1400" dirty="0" err="1" smtClean="0">
+              <a:rPr lang="en-US" sz="1400" dirty="0" err="1">
                 <a:latin typeface="SAS Monospace" panose="020B0609020202020204" pitchFamily="49" charset="0"/>
               </a:rPr>
               <a:t>SocialCog</a:t>
             </a:r>
             <a:r>
-              <a:rPr lang="en-US" sz="1400" dirty="0" smtClean="0">
+              <a:rPr lang="en-US" sz="1400" dirty="0">
                 <a:latin typeface="SAS Monospace" panose="020B0609020202020204" pitchFamily="49" charset="0"/>
               </a:rPr>
               <a:t>)</a:t>
@@ -4227,179 +4221,176 @@
           </a:p>
           <a:p>
             <a:r>
-              <a:rPr lang="en-US" sz="1400" dirty="0" smtClean="0">
+              <a:rPr lang="en-US" sz="1400" dirty="0">
                 <a:latin typeface="SAS Monospace" panose="020B0609020202020204" pitchFamily="49" charset="0"/>
               </a:rPr>
               <a:t>&gt; </a:t>
             </a:r>
             <a:r>
-              <a:rPr lang="en-US" sz="1400" dirty="0" err="1" smtClean="0">
+              <a:rPr lang="en-US" sz="1400" dirty="0" err="1">
                 <a:latin typeface="SAS Monospace" panose="020B0609020202020204" pitchFamily="49" charset="0"/>
               </a:rPr>
               <a:t>Anova</a:t>
             </a:r>
             <a:r>
-              <a:rPr lang="en-US" sz="1400" dirty="0" smtClean="0">
+              <a:rPr lang="en-US" sz="1400" dirty="0">
                 <a:latin typeface="SAS Monospace" panose="020B0609020202020204" pitchFamily="49" charset="0"/>
               </a:rPr>
               <a:t>(</a:t>
             </a:r>
             <a:r>
-              <a:rPr lang="en-US" sz="1400" dirty="0" err="1" smtClean="0">
+              <a:rPr lang="en-US" sz="1400" dirty="0" err="1">
                 <a:latin typeface="SAS Monospace" panose="020B0609020202020204" pitchFamily="49" charset="0"/>
               </a:rPr>
               <a:t>SC.mlm</a:t>
             </a:r>
             <a:r>
-              <a:rPr lang="en-US" sz="1400" dirty="0" smtClean="0">
+              <a:rPr lang="en-US" sz="1400" dirty="0">
                 <a:latin typeface="SAS Monospace" panose="020B0609020202020204" pitchFamily="49" charset="0"/>
               </a:rPr>
               <a:t>)</a:t>
             </a:r>
           </a:p>
           <a:p>
-            <a:endParaRPr lang="en-US" sz="1400" dirty="0" smtClean="0">
-              <a:latin typeface="SAS Monospace" panose="020B0609020202020204" pitchFamily="49" charset="0"/>
-            </a:endParaRPr>
-          </a:p>
-          <a:p>
-            <a:r>
-              <a:rPr lang="en-US" sz="1400" dirty="0" smtClean="0">
-                <a:latin typeface="SAS Monospace" panose="020B0609020202020204" pitchFamily="49" charset="0"/>
-              </a:rPr>
-              <a:t>Type II MANOVA Tests: </a:t>
-            </a:r>
-            <a:r>
-              <a:rPr lang="en-US" sz="1400" dirty="0" err="1" smtClean="0">
-                <a:latin typeface="SAS Monospace" panose="020B0609020202020204" pitchFamily="49" charset="0"/>
-              </a:rPr>
-              <a:t>Pillai</a:t>
-            </a:r>
-            <a:r>
-              <a:rPr lang="en-US" sz="1400" dirty="0" smtClean="0">
-                <a:latin typeface="SAS Monospace" panose="020B0609020202020204" pitchFamily="49" charset="0"/>
-              </a:rPr>
-              <a:t> test statistic</a:t>
-            </a:r>
-          </a:p>
-          <a:p>
-            <a:r>
-              <a:rPr lang="en-US" sz="1400" dirty="0" smtClean="0">
-                <a:latin typeface="SAS Monospace" panose="020B0609020202020204" pitchFamily="49" charset="0"/>
-              </a:rPr>
-              <a:t>   </a:t>
-            </a:r>
-            <a:r>
-              <a:rPr lang="en-US" sz="1400" dirty="0" err="1" smtClean="0">
-                <a:latin typeface="SAS Monospace" panose="020B0609020202020204" pitchFamily="49" charset="0"/>
-              </a:rPr>
-              <a:t>Df</a:t>
-            </a:r>
-            <a:r>
-              <a:rPr lang="en-US" sz="1400" dirty="0" smtClean="0">
-                <a:latin typeface="SAS Monospace" panose="020B0609020202020204" pitchFamily="49" charset="0"/>
-              </a:rPr>
-              <a:t> test stat </a:t>
-            </a:r>
-            <a:r>
-              <a:rPr lang="en-US" sz="1400" dirty="0" err="1" smtClean="0">
-                <a:latin typeface="SAS Monospace" panose="020B0609020202020204" pitchFamily="49" charset="0"/>
-              </a:rPr>
-              <a:t>approx</a:t>
-            </a:r>
-            <a:r>
-              <a:rPr lang="en-US" sz="1400" dirty="0" smtClean="0">
-                <a:latin typeface="SAS Monospace" panose="020B0609020202020204" pitchFamily="49" charset="0"/>
-              </a:rPr>
-              <a:t> F </a:t>
-            </a:r>
-            <a:r>
-              <a:rPr lang="en-US" sz="1400" dirty="0" err="1" smtClean="0">
-                <a:latin typeface="SAS Monospace" panose="020B0609020202020204" pitchFamily="49" charset="0"/>
-              </a:rPr>
-              <a:t>num</a:t>
-            </a:r>
-            <a:r>
-              <a:rPr lang="en-US" sz="1400" dirty="0" smtClean="0">
-                <a:latin typeface="SAS Monospace" panose="020B0609020202020204" pitchFamily="49" charset="0"/>
-              </a:rPr>
-              <a:t> </a:t>
-            </a:r>
-            <a:r>
-              <a:rPr lang="en-US" sz="1400" dirty="0" err="1" smtClean="0">
-                <a:latin typeface="SAS Monospace" panose="020B0609020202020204" pitchFamily="49" charset="0"/>
-              </a:rPr>
-              <a:t>Df</a:t>
-            </a:r>
-            <a:r>
-              <a:rPr lang="en-US" sz="1400" dirty="0" smtClean="0">
-                <a:latin typeface="SAS Monospace" panose="020B0609020202020204" pitchFamily="49" charset="0"/>
-              </a:rPr>
-              <a:t> den </a:t>
-            </a:r>
-            <a:r>
-              <a:rPr lang="en-US" sz="1400" dirty="0" err="1" smtClean="0">
-                <a:latin typeface="SAS Monospace" panose="020B0609020202020204" pitchFamily="49" charset="0"/>
-              </a:rPr>
-              <a:t>Df</a:t>
-            </a:r>
-            <a:r>
-              <a:rPr lang="en-US" sz="1400" dirty="0" smtClean="0">
-                <a:latin typeface="SAS Monospace" panose="020B0609020202020204" pitchFamily="49" charset="0"/>
-              </a:rPr>
-              <a:t>  </a:t>
-            </a:r>
-            <a:r>
-              <a:rPr lang="en-US" sz="1400" dirty="0" err="1" smtClean="0">
-                <a:latin typeface="SAS Monospace" panose="020B0609020202020204" pitchFamily="49" charset="0"/>
-              </a:rPr>
-              <a:t>Pr</a:t>
-            </a:r>
-            <a:r>
-              <a:rPr lang="en-US" sz="1400" dirty="0" smtClean="0">
-                <a:latin typeface="SAS Monospace" panose="020B0609020202020204" pitchFamily="49" charset="0"/>
-              </a:rPr>
-              <a:t>(&gt;F)    </a:t>
-            </a:r>
-          </a:p>
-          <a:p>
-            <a:r>
-              <a:rPr lang="en-US" sz="1400" dirty="0" err="1" smtClean="0">
-                <a:latin typeface="SAS Monospace" panose="020B0609020202020204" pitchFamily="49" charset="0"/>
-              </a:rPr>
-              <a:t>Dx</a:t>
-            </a:r>
-            <a:r>
-              <a:rPr lang="en-US" sz="1400" dirty="0" smtClean="0">
-                <a:latin typeface="SAS Monospace" panose="020B0609020202020204" pitchFamily="49" charset="0"/>
-              </a:rPr>
-              <a:t>  2     0.212     3.97      8    268 0.00018 ***</a:t>
-            </a:r>
-          </a:p>
-          <a:p>
-            <a:r>
-              <a:rPr lang="en-US" sz="1400" dirty="0" smtClean="0">
-                <a:latin typeface="SAS Monospace" panose="020B0609020202020204" pitchFamily="49" charset="0"/>
-              </a:rPr>
-              <a:t>---</a:t>
-            </a:r>
-          </a:p>
-          <a:p>
-            <a:r>
-              <a:rPr lang="en-US" sz="1400" dirty="0" err="1" smtClean="0">
-                <a:latin typeface="SAS Monospace" panose="020B0609020202020204" pitchFamily="49" charset="0"/>
-              </a:rPr>
-              <a:t>Signif</a:t>
-            </a:r>
-            <a:r>
-              <a:rPr lang="en-US" sz="1400" dirty="0" smtClean="0">
-                <a:latin typeface="SAS Monospace" panose="020B0609020202020204" pitchFamily="49" charset="0"/>
-              </a:rPr>
-              <a:t>. codes:  0 ‘***’ 0.001 ‘**’ 0.01 ‘*’ 0.05 ‘.’ 0.1 ‘ ’ 1</a:t>
-            </a:r>
             <a:endParaRPr lang="en-US" sz="1400" dirty="0">
               <a:latin typeface="SAS Monospace" panose="020B0609020202020204" pitchFamily="49" charset="0"/>
             </a:endParaRPr>
+          </a:p>
+          <a:p>
+            <a:r>
+              <a:rPr lang="en-US" sz="1400" dirty="0">
+                <a:latin typeface="SAS Monospace" panose="020B0609020202020204" pitchFamily="49" charset="0"/>
+              </a:rPr>
+              <a:t>Type II MANOVA Tests: </a:t>
+            </a:r>
+            <a:r>
+              <a:rPr lang="en-US" sz="1400" dirty="0" err="1">
+                <a:latin typeface="SAS Monospace" panose="020B0609020202020204" pitchFamily="49" charset="0"/>
+              </a:rPr>
+              <a:t>Pillai</a:t>
+            </a:r>
+            <a:r>
+              <a:rPr lang="en-US" sz="1400" dirty="0">
+                <a:latin typeface="SAS Monospace" panose="020B0609020202020204" pitchFamily="49" charset="0"/>
+              </a:rPr>
+              <a:t> test statistic</a:t>
+            </a:r>
+          </a:p>
+          <a:p>
+            <a:r>
+              <a:rPr lang="en-US" sz="1400" dirty="0">
+                <a:latin typeface="SAS Monospace" panose="020B0609020202020204" pitchFamily="49" charset="0"/>
+              </a:rPr>
+              <a:t>   </a:t>
+            </a:r>
+            <a:r>
+              <a:rPr lang="en-US" sz="1400" dirty="0" err="1">
+                <a:latin typeface="SAS Monospace" panose="020B0609020202020204" pitchFamily="49" charset="0"/>
+              </a:rPr>
+              <a:t>Df</a:t>
+            </a:r>
+            <a:r>
+              <a:rPr lang="en-US" sz="1400" dirty="0">
+                <a:latin typeface="SAS Monospace" panose="020B0609020202020204" pitchFamily="49" charset="0"/>
+              </a:rPr>
+              <a:t> test stat </a:t>
+            </a:r>
+            <a:r>
+              <a:rPr lang="en-US" sz="1400" dirty="0" err="1">
+                <a:latin typeface="SAS Monospace" panose="020B0609020202020204" pitchFamily="49" charset="0"/>
+              </a:rPr>
+              <a:t>approx</a:t>
+            </a:r>
+            <a:r>
+              <a:rPr lang="en-US" sz="1400" dirty="0">
+                <a:latin typeface="SAS Monospace" panose="020B0609020202020204" pitchFamily="49" charset="0"/>
+              </a:rPr>
+              <a:t> F </a:t>
+            </a:r>
+            <a:r>
+              <a:rPr lang="en-US" sz="1400" dirty="0" err="1">
+                <a:latin typeface="SAS Monospace" panose="020B0609020202020204" pitchFamily="49" charset="0"/>
+              </a:rPr>
+              <a:t>num</a:t>
+            </a:r>
+            <a:r>
+              <a:rPr lang="en-US" sz="1400" dirty="0">
+                <a:latin typeface="SAS Monospace" panose="020B0609020202020204" pitchFamily="49" charset="0"/>
+              </a:rPr>
+              <a:t> </a:t>
+            </a:r>
+            <a:r>
+              <a:rPr lang="en-US" sz="1400" dirty="0" err="1">
+                <a:latin typeface="SAS Monospace" panose="020B0609020202020204" pitchFamily="49" charset="0"/>
+              </a:rPr>
+              <a:t>Df</a:t>
+            </a:r>
+            <a:r>
+              <a:rPr lang="en-US" sz="1400" dirty="0">
+                <a:latin typeface="SAS Monospace" panose="020B0609020202020204" pitchFamily="49" charset="0"/>
+              </a:rPr>
+              <a:t> den </a:t>
+            </a:r>
+            <a:r>
+              <a:rPr lang="en-US" sz="1400" dirty="0" err="1">
+                <a:latin typeface="SAS Monospace" panose="020B0609020202020204" pitchFamily="49" charset="0"/>
+              </a:rPr>
+              <a:t>Df</a:t>
+            </a:r>
+            <a:r>
+              <a:rPr lang="en-US" sz="1400" dirty="0">
+                <a:latin typeface="SAS Monospace" panose="020B0609020202020204" pitchFamily="49" charset="0"/>
+              </a:rPr>
+              <a:t>  </a:t>
+            </a:r>
+            <a:r>
+              <a:rPr lang="en-US" sz="1400" dirty="0" err="1">
+                <a:latin typeface="SAS Monospace" panose="020B0609020202020204" pitchFamily="49" charset="0"/>
+              </a:rPr>
+              <a:t>Pr</a:t>
+            </a:r>
+            <a:r>
+              <a:rPr lang="en-US" sz="1400" dirty="0">
+                <a:latin typeface="SAS Monospace" panose="020B0609020202020204" pitchFamily="49" charset="0"/>
+              </a:rPr>
+              <a:t>(&gt;F)    </a:t>
+            </a:r>
+          </a:p>
+          <a:p>
+            <a:r>
+              <a:rPr lang="en-US" sz="1400" dirty="0" err="1">
+                <a:latin typeface="SAS Monospace" panose="020B0609020202020204" pitchFamily="49" charset="0"/>
+              </a:rPr>
+              <a:t>Dx</a:t>
+            </a:r>
+            <a:r>
+              <a:rPr lang="en-US" sz="1400" dirty="0">
+                <a:latin typeface="SAS Monospace" panose="020B0609020202020204" pitchFamily="49" charset="0"/>
+              </a:rPr>
+              <a:t>  2     0.212     3.97      8    268 0.00018 ***</a:t>
+            </a:r>
+          </a:p>
+          <a:p>
+            <a:r>
+              <a:rPr lang="en-US" sz="1400" dirty="0">
+                <a:latin typeface="SAS Monospace" panose="020B0609020202020204" pitchFamily="49" charset="0"/>
+              </a:rPr>
+              <a:t>---</a:t>
+            </a:r>
+          </a:p>
+          <a:p>
+            <a:r>
+              <a:rPr lang="en-US" sz="1400" dirty="0" err="1">
+                <a:latin typeface="SAS Monospace" panose="020B0609020202020204" pitchFamily="49" charset="0"/>
+              </a:rPr>
+              <a:t>Signif</a:t>
+            </a:r>
+            <a:r>
+              <a:rPr lang="en-US" sz="1400" dirty="0">
+                <a:latin typeface="SAS Monospace" panose="020B0609020202020204" pitchFamily="49" charset="0"/>
+              </a:rPr>
+              <a:t>. codes:  0 ‘***’ 0.001 ‘**’ 0.01 ‘*’ 0.05 ‘.’ 0.1 ‘ ’ 1</a:t>
+            </a:r>
           </a:p>
         </p:txBody>
       </p:sp>
@@ -4432,18 +4423,17 @@
           <a:lstStyle/>
           <a:p>
             <a:r>
-              <a:rPr lang="en-US" sz="2000" dirty="0" smtClean="0"/>
+              <a:rPr lang="en-US" sz="2000" dirty="0"/>
               <a:t>Test contrasts: Dx1 = Normal vs. Patient; Dx2 = </a:t>
             </a:r>
             <a:r>
-              <a:rPr lang="en-US" sz="2000" dirty="0" err="1" smtClean="0"/>
+              <a:rPr lang="en-US" sz="2000" dirty="0" err="1"/>
               <a:t>Schizo</a:t>
             </a:r>
             <a:r>
-              <a:rPr lang="en-US" sz="2000" dirty="0" smtClean="0"/>
+              <a:rPr lang="en-US" sz="2000" dirty="0"/>
               <a:t> vs. Schizoaffective</a:t>
             </a:r>
-            <a:endParaRPr lang="en-US" sz="2000" dirty="0"/>
           </a:p>
         </p:txBody>
       </p:sp>
@@ -4476,49 +4466,49 @@
           <a:lstStyle/>
           <a:p>
             <a:r>
-              <a:rPr lang="en-US" sz="1400" dirty="0" smtClean="0">
-                <a:latin typeface="SAS Monospace" panose="020B0609020202020204" pitchFamily="49" charset="0"/>
-              </a:rPr>
-              <a:t>&gt; print(</a:t>
-            </a:r>
-            <a:r>
-              <a:rPr lang="en-US" sz="1400" dirty="0" err="1" smtClean="0">
-                <a:latin typeface="SAS Monospace" panose="020B0609020202020204" pitchFamily="49" charset="0"/>
-              </a:rPr>
-              <a:t>linearHypothesis</a:t>
-            </a:r>
-            <a:r>
-              <a:rPr lang="en-US" sz="1400" dirty="0" smtClean="0">
-                <a:latin typeface="SAS Monospace" panose="020B0609020202020204" pitchFamily="49" charset="0"/>
-              </a:rPr>
-              <a:t>(</a:t>
-            </a:r>
-            <a:r>
-              <a:rPr lang="en-US" sz="1400" dirty="0" err="1" smtClean="0">
-                <a:latin typeface="SAS Monospace" panose="020B0609020202020204" pitchFamily="49" charset="0"/>
-              </a:rPr>
-              <a:t>SC.mlm</a:t>
-            </a:r>
-            <a:r>
               <a:rPr lang="en-US" sz="1400" dirty="0">
                 <a:latin typeface="SAS Monospace" panose="020B0609020202020204" pitchFamily="49" charset="0"/>
               </a:rPr>
-              <a:t>, "Dx1"), SSP=FALSE)</a:t>
-            </a:r>
-          </a:p>
-          <a:p>
+              <a:t>&gt; print(</a:t>
+            </a:r>
+            <a:r>
+              <a:rPr lang="en-US" sz="1400" dirty="0" err="1">
+                <a:latin typeface="SAS Monospace" panose="020B0609020202020204" pitchFamily="49" charset="0"/>
+              </a:rPr>
+              <a:t>linearHypothesis</a:t>
+            </a:r>
             <a:r>
               <a:rPr lang="en-US" sz="1400" dirty="0">
                 <a:latin typeface="SAS Monospace" panose="020B0609020202020204" pitchFamily="49" charset="0"/>
               </a:rPr>
-              <a:t>Multivariate Tests: </a:t>
-            </a:r>
-          </a:p>
-          <a:p>
+              <a:t>(</a:t>
+            </a:r>
+            <a:r>
+              <a:rPr lang="en-US" sz="1400" dirty="0" err="1">
+                <a:latin typeface="SAS Monospace" panose="020B0609020202020204" pitchFamily="49" charset="0"/>
+              </a:rPr>
+              <a:t>SC.mlm</a:t>
+            </a:r>
             <a:r>
               <a:rPr lang="en-US" sz="1400" dirty="0">
                 <a:latin typeface="SAS Monospace" panose="020B0609020202020204" pitchFamily="49" charset="0"/>
               </a:rPr>
+              <a:t>, "Dx1"), SSP=FALSE)</a:t>
+            </a:r>
+          </a:p>
+          <a:p>
+            <a:r>
+              <a:rPr lang="en-US" sz="1400" dirty="0">
+                <a:latin typeface="SAS Monospace" panose="020B0609020202020204" pitchFamily="49" charset="0"/>
+              </a:rPr>
+              <a:t>Multivariate Tests: </a:t>
+            </a:r>
+          </a:p>
+          <a:p>
+            <a:r>
+              <a:rPr lang="en-US" sz="1400" dirty="0">
+                <a:latin typeface="SAS Monospace" panose="020B0609020202020204" pitchFamily="49" charset="0"/>
+              </a:rPr>
               <a:t>                 </a:t>
             </a:r>
             <a:r>
@@ -4603,152 +4593,137 @@
             </a:r>
           </a:p>
           <a:p>
-            <a:endParaRPr lang="en-US" sz="1400" dirty="0" smtClean="0">
-              <a:latin typeface="SAS Monospace" panose="020B0609020202020204" pitchFamily="49" charset="0"/>
-            </a:endParaRPr>
-          </a:p>
-          <a:p>
-            <a:r>
-              <a:rPr lang="en-US" sz="1400" dirty="0" smtClean="0">
-                <a:latin typeface="SAS Monospace" panose="020B0609020202020204" pitchFamily="49" charset="0"/>
-              </a:rPr>
-              <a:t>&gt; </a:t>
-            </a:r>
-            <a:r>
-              <a:rPr lang="en-US" sz="1400" dirty="0">
-                <a:latin typeface="SAS Monospace" panose="020B0609020202020204" pitchFamily="49" charset="0"/>
-              </a:rPr>
-              <a:t>print(</a:t>
-            </a:r>
-            <a:r>
-              <a:rPr lang="en-US" sz="1400" dirty="0" err="1">
-                <a:latin typeface="SAS Monospace" panose="020B0609020202020204" pitchFamily="49" charset="0"/>
-              </a:rPr>
-              <a:t>linearHypothesis</a:t>
-            </a:r>
-            <a:r>
-              <a:rPr lang="en-US" sz="1400" dirty="0">
-                <a:latin typeface="SAS Monospace" panose="020B0609020202020204" pitchFamily="49" charset="0"/>
-              </a:rPr>
-              <a:t>(</a:t>
-            </a:r>
-            <a:r>
-              <a:rPr lang="en-US" sz="1400" dirty="0" err="1">
-                <a:latin typeface="SAS Monospace" panose="020B0609020202020204" pitchFamily="49" charset="0"/>
-              </a:rPr>
-              <a:t>SC.mlm</a:t>
-            </a:r>
-            <a:r>
-              <a:rPr lang="en-US" sz="1400" dirty="0">
-                <a:latin typeface="SAS Monospace" panose="020B0609020202020204" pitchFamily="49" charset="0"/>
-              </a:rPr>
-              <a:t>, "Dx2"), SSP=FALSE)</a:t>
-            </a:r>
-          </a:p>
-          <a:p>
-            <a:r>
-              <a:rPr lang="en-US" sz="1400" dirty="0">
-                <a:latin typeface="SAS Monospace" panose="020B0609020202020204" pitchFamily="49" charset="0"/>
-              </a:rPr>
-              <a:t>Multivariate Tests: </a:t>
-            </a:r>
-          </a:p>
-          <a:p>
-            <a:r>
-              <a:rPr lang="en-US" sz="1400" dirty="0">
-                <a:latin typeface="SAS Monospace" panose="020B0609020202020204" pitchFamily="49" charset="0"/>
-              </a:rPr>
-              <a:t>                 </a:t>
-            </a:r>
-            <a:r>
-              <a:rPr lang="en-US" sz="1400" dirty="0" err="1">
-                <a:latin typeface="SAS Monospace" panose="020B0609020202020204" pitchFamily="49" charset="0"/>
-              </a:rPr>
-              <a:t>Df</a:t>
-            </a:r>
-            <a:r>
-              <a:rPr lang="en-US" sz="1400" dirty="0">
-                <a:latin typeface="SAS Monospace" panose="020B0609020202020204" pitchFamily="49" charset="0"/>
-              </a:rPr>
-              <a:t> test stat </a:t>
-            </a:r>
-            <a:r>
-              <a:rPr lang="en-US" sz="1400" dirty="0" err="1">
-                <a:latin typeface="SAS Monospace" panose="020B0609020202020204" pitchFamily="49" charset="0"/>
-              </a:rPr>
-              <a:t>approx</a:t>
-            </a:r>
-            <a:r>
-              <a:rPr lang="en-US" sz="1400" dirty="0">
-                <a:latin typeface="SAS Monospace" panose="020B0609020202020204" pitchFamily="49" charset="0"/>
-              </a:rPr>
-              <a:t> F </a:t>
-            </a:r>
-            <a:r>
-              <a:rPr lang="en-US" sz="1400" dirty="0" err="1">
-                <a:latin typeface="SAS Monospace" panose="020B0609020202020204" pitchFamily="49" charset="0"/>
-              </a:rPr>
-              <a:t>num</a:t>
-            </a:r>
-            <a:r>
-              <a:rPr lang="en-US" sz="1400" dirty="0">
-                <a:latin typeface="SAS Monospace" panose="020B0609020202020204" pitchFamily="49" charset="0"/>
-              </a:rPr>
-              <a:t> </a:t>
-            </a:r>
-            <a:r>
-              <a:rPr lang="en-US" sz="1400" dirty="0" err="1">
-                <a:latin typeface="SAS Monospace" panose="020B0609020202020204" pitchFamily="49" charset="0"/>
-              </a:rPr>
-              <a:t>Df</a:t>
-            </a:r>
-            <a:r>
-              <a:rPr lang="en-US" sz="1400" dirty="0">
-                <a:latin typeface="SAS Monospace" panose="020B0609020202020204" pitchFamily="49" charset="0"/>
-              </a:rPr>
-              <a:t> den </a:t>
-            </a:r>
-            <a:r>
-              <a:rPr lang="en-US" sz="1400" dirty="0" err="1">
-                <a:latin typeface="SAS Monospace" panose="020B0609020202020204" pitchFamily="49" charset="0"/>
-              </a:rPr>
-              <a:t>Df</a:t>
-            </a:r>
-            <a:r>
-              <a:rPr lang="en-US" sz="1400" dirty="0">
-                <a:latin typeface="SAS Monospace" panose="020B0609020202020204" pitchFamily="49" charset="0"/>
-              </a:rPr>
-              <a:t> </a:t>
-            </a:r>
-            <a:r>
-              <a:rPr lang="en-US" sz="1400" dirty="0" err="1">
-                <a:latin typeface="SAS Monospace" panose="020B0609020202020204" pitchFamily="49" charset="0"/>
-              </a:rPr>
-              <a:t>Pr</a:t>
-            </a:r>
-            <a:r>
-              <a:rPr lang="en-US" sz="1400" dirty="0">
-                <a:latin typeface="SAS Monospace" panose="020B0609020202020204" pitchFamily="49" charset="0"/>
-              </a:rPr>
-              <a:t>(&gt;F)  </a:t>
-            </a:r>
-          </a:p>
-          <a:p>
-            <a:r>
-              <a:rPr lang="en-US" sz="1400" dirty="0">
-                <a:latin typeface="SAS Monospace" panose="020B0609020202020204" pitchFamily="49" charset="0"/>
-              </a:rPr>
-              <a:t>Pillai            1    0.0697    2.493      4    133 0.0461 </a:t>
-            </a:r>
-            <a:r>
-              <a:rPr lang="en-US" sz="1400" dirty="0" smtClean="0">
-                <a:latin typeface="SAS Monospace" panose="020B0609020202020204" pitchFamily="49" charset="0"/>
-              </a:rPr>
-              <a:t>*</a:t>
-            </a:r>
             <a:endParaRPr lang="en-US" sz="1400" dirty="0">
               <a:latin typeface="SAS Monospace" panose="020B0609020202020204" pitchFamily="49" charset="0"/>
             </a:endParaRPr>
+          </a:p>
+          <a:p>
+            <a:r>
+              <a:rPr lang="en-US" sz="1400" dirty="0">
+                <a:latin typeface="SAS Monospace" panose="020B0609020202020204" pitchFamily="49" charset="0"/>
+              </a:rPr>
+              <a:t>&gt; print(</a:t>
+            </a:r>
+            <a:r>
+              <a:rPr lang="en-US" sz="1400" dirty="0" err="1">
+                <a:latin typeface="SAS Monospace" panose="020B0609020202020204" pitchFamily="49" charset="0"/>
+              </a:rPr>
+              <a:t>linearHypothesis</a:t>
+            </a:r>
+            <a:r>
+              <a:rPr lang="en-US" sz="1400" dirty="0">
+                <a:latin typeface="SAS Monospace" panose="020B0609020202020204" pitchFamily="49" charset="0"/>
+              </a:rPr>
+              <a:t>(</a:t>
+            </a:r>
+            <a:r>
+              <a:rPr lang="en-US" sz="1400" dirty="0" err="1">
+                <a:latin typeface="SAS Monospace" panose="020B0609020202020204" pitchFamily="49" charset="0"/>
+              </a:rPr>
+              <a:t>SC.mlm</a:t>
+            </a:r>
+            <a:r>
+              <a:rPr lang="en-US" sz="1400" dirty="0">
+                <a:latin typeface="SAS Monospace" panose="020B0609020202020204" pitchFamily="49" charset="0"/>
+              </a:rPr>
+              <a:t>, "Dx2"), SSP=FALSE)</a:t>
+            </a:r>
+          </a:p>
+          <a:p>
+            <a:r>
+              <a:rPr lang="en-US" sz="1400" dirty="0">
+                <a:latin typeface="SAS Monospace" panose="020B0609020202020204" pitchFamily="49" charset="0"/>
+              </a:rPr>
+              <a:t>Multivariate Tests: </a:t>
+            </a:r>
+          </a:p>
+          <a:p>
+            <a:r>
+              <a:rPr lang="en-US" sz="1400" dirty="0">
+                <a:latin typeface="SAS Monospace" panose="020B0609020202020204" pitchFamily="49" charset="0"/>
+              </a:rPr>
+              <a:t>                 </a:t>
+            </a:r>
+            <a:r>
+              <a:rPr lang="en-US" sz="1400" dirty="0" err="1">
+                <a:latin typeface="SAS Monospace" panose="020B0609020202020204" pitchFamily="49" charset="0"/>
+              </a:rPr>
+              <a:t>Df</a:t>
+            </a:r>
+            <a:r>
+              <a:rPr lang="en-US" sz="1400" dirty="0">
+                <a:latin typeface="SAS Monospace" panose="020B0609020202020204" pitchFamily="49" charset="0"/>
+              </a:rPr>
+              <a:t> test stat </a:t>
+            </a:r>
+            <a:r>
+              <a:rPr lang="en-US" sz="1400" dirty="0" err="1">
+                <a:latin typeface="SAS Monospace" panose="020B0609020202020204" pitchFamily="49" charset="0"/>
+              </a:rPr>
+              <a:t>approx</a:t>
+            </a:r>
+            <a:r>
+              <a:rPr lang="en-US" sz="1400" dirty="0">
+                <a:latin typeface="SAS Monospace" panose="020B0609020202020204" pitchFamily="49" charset="0"/>
+              </a:rPr>
+              <a:t> F </a:t>
+            </a:r>
+            <a:r>
+              <a:rPr lang="en-US" sz="1400" dirty="0" err="1">
+                <a:latin typeface="SAS Monospace" panose="020B0609020202020204" pitchFamily="49" charset="0"/>
+              </a:rPr>
+              <a:t>num</a:t>
+            </a:r>
+            <a:r>
+              <a:rPr lang="en-US" sz="1400" dirty="0">
+                <a:latin typeface="SAS Monospace" panose="020B0609020202020204" pitchFamily="49" charset="0"/>
+              </a:rPr>
+              <a:t> </a:t>
+            </a:r>
+            <a:r>
+              <a:rPr lang="en-US" sz="1400" dirty="0" err="1">
+                <a:latin typeface="SAS Monospace" panose="020B0609020202020204" pitchFamily="49" charset="0"/>
+              </a:rPr>
+              <a:t>Df</a:t>
+            </a:r>
+            <a:r>
+              <a:rPr lang="en-US" sz="1400" dirty="0">
+                <a:latin typeface="SAS Monospace" panose="020B0609020202020204" pitchFamily="49" charset="0"/>
+              </a:rPr>
+              <a:t> den </a:t>
+            </a:r>
+            <a:r>
+              <a:rPr lang="en-US" sz="1400" dirty="0" err="1">
+                <a:latin typeface="SAS Monospace" panose="020B0609020202020204" pitchFamily="49" charset="0"/>
+              </a:rPr>
+              <a:t>Df</a:t>
+            </a:r>
+            <a:r>
+              <a:rPr lang="en-US" sz="1400" dirty="0">
+                <a:latin typeface="SAS Monospace" panose="020B0609020202020204" pitchFamily="49" charset="0"/>
+              </a:rPr>
+              <a:t> </a:t>
+            </a:r>
+            <a:r>
+              <a:rPr lang="en-US" sz="1400" dirty="0" err="1">
+                <a:latin typeface="SAS Monospace" panose="020B0609020202020204" pitchFamily="49" charset="0"/>
+              </a:rPr>
+              <a:t>Pr</a:t>
+            </a:r>
+            <a:r>
+              <a:rPr lang="en-US" sz="1400" dirty="0">
+                <a:latin typeface="SAS Monospace" panose="020B0609020202020204" pitchFamily="49" charset="0"/>
+              </a:rPr>
+              <a:t>(&gt;F)  </a:t>
+            </a:r>
+          </a:p>
+          <a:p>
+            <a:r>
+              <a:rPr lang="en-US" sz="1400" dirty="0">
+                <a:latin typeface="SAS Monospace" panose="020B0609020202020204" pitchFamily="49" charset="0"/>
+              </a:rPr>
+              <a:t>Pillai            1    0.0697    2.493      4    133 0.0461 *</a:t>
+            </a:r>
           </a:p>
         </p:txBody>
       </p:sp>
@@ -4871,13 +4846,6 @@
   <p:clrMapOvr>
     <a:masterClrMapping/>
   </p:clrMapOvr>
-  <p:timing>
-    <p:tnLst>
-      <p:par>
-        <p:cTn id="1" dur="indefinite" restart="never" nodeType="tmRoot"/>
-      </p:par>
-    </p:tnLst>
-  </p:timing>
 </p:sld>
 </file>
 
@@ -4916,10 +4884,9 @@
           <a:lstStyle/>
           <a:p>
             <a:r>
-              <a:rPr lang="en-US" dirty="0" smtClean="0"/>
+              <a:rPr lang="en-US" dirty="0"/>
               <a:t>Visualize me: data space</a:t>
             </a:r>
-            <a:endParaRPr lang="en-US" dirty="0"/>
           </a:p>
         </p:txBody>
       </p:sp>
@@ -5116,29 +5083,8 @@
               <a:rPr lang="en-US" sz="1400" dirty="0">
                 <a:latin typeface="SAS Monospace" panose="020B0609020202020204" pitchFamily="49" charset="0"/>
               </a:rPr>
-              <a:t>, hypotheses=list("Dx1</a:t>
-            </a:r>
-            <a:r>
-              <a:rPr lang="en-US" sz="1400" dirty="0" smtClean="0">
-                <a:latin typeface="SAS Monospace" panose="020B0609020202020204" pitchFamily="49" charset="0"/>
-              </a:rPr>
-              <a:t>", </a:t>
-            </a:r>
-            <a:r>
-              <a:rPr lang="en-US" sz="1400" dirty="0">
-                <a:latin typeface="SAS Monospace" panose="020B0609020202020204" pitchFamily="49" charset="0"/>
-              </a:rPr>
-              <a:t>"Dx2</a:t>
-            </a:r>
-            <a:r>
-              <a:rPr lang="en-US" sz="1400" dirty="0" smtClean="0">
-                <a:latin typeface="SAS Monospace" panose="020B0609020202020204" pitchFamily="49" charset="0"/>
-              </a:rPr>
-              <a:t>"),...)</a:t>
-            </a:r>
-            <a:endParaRPr lang="en-US" sz="1400" dirty="0">
-              <a:latin typeface="SAS Monospace" panose="020B0609020202020204" pitchFamily="49" charset="0"/>
-            </a:endParaRPr>
+              <a:t>, hypotheses=list("Dx1", "Dx2"),...)</a:t>
+            </a:r>
           </a:p>
         </p:txBody>
       </p:sp>
@@ -5183,26 +5129,11 @@
               <a:t>SC.mlm</a:t>
             </a:r>
             <a:r>
-              <a:rPr lang="en-US" sz="1400" dirty="0" smtClean="0">
-                <a:latin typeface="SAS Monospace" panose="020B0609020202020204" pitchFamily="49" charset="0"/>
-              </a:rPr>
-              <a:t>, </a:t>
-            </a:r>
-            <a:r>
               <a:rPr lang="en-US" sz="1400" dirty="0">
                 <a:latin typeface="SAS Monospace" panose="020B0609020202020204" pitchFamily="49" charset="0"/>
               </a:rPr>
-              <a:t>hypotheses=list("Dx1", "Dx2"),...)</a:t>
-            </a:r>
-            <a:r>
-              <a:rPr lang="en-US" sz="1400" dirty="0" smtClean="0">
-                <a:latin typeface="SAS Monospace" panose="020B0609020202020204" pitchFamily="49" charset="0"/>
-              </a:rPr>
-              <a:t> </a:t>
-            </a:r>
-            <a:endParaRPr lang="en-US" sz="1400" dirty="0">
-              <a:latin typeface="SAS Monospace" panose="020B0609020202020204" pitchFamily="49" charset="0"/>
-            </a:endParaRPr>
+              <a:t>, hypotheses=list("Dx1", "Dx2"),...) </a:t>
+            </a:r>
           </a:p>
         </p:txBody>
       </p:sp>
@@ -5229,26 +5160,25 @@
           <a:lstStyle/>
           <a:p>
             <a:r>
-              <a:rPr lang="en-US" sz="1600" dirty="0" smtClean="0"/>
+              <a:rPr lang="en-US" sz="1600" dirty="0"/>
               <a:t>The groups are ordered </a:t>
             </a:r>
             <a:r>
-              <a:rPr lang="en-US" sz="1600" dirty="0" err="1" smtClean="0"/>
+              <a:rPr lang="en-US" sz="1600" dirty="0" err="1"/>
               <a:t>Schizo</a:t>
             </a:r>
             <a:r>
-              <a:rPr lang="en-US" sz="1600" dirty="0" smtClean="0"/>
+              <a:rPr lang="en-US" sz="1600" dirty="0"/>
               <a:t> &lt; </a:t>
             </a:r>
             <a:r>
-              <a:rPr lang="en-US" sz="1600" dirty="0" err="1" smtClean="0"/>
+              <a:rPr lang="en-US" sz="1600" dirty="0" err="1"/>
               <a:t>ScAffective</a:t>
             </a:r>
             <a:r>
-              <a:rPr lang="en-US" sz="1600" dirty="0" smtClean="0"/>
+              <a:rPr lang="en-US" sz="1600" dirty="0"/>
               <a:t> &lt; Control on these measures</a:t>
             </a:r>
-            <a:endParaRPr lang="en-US" sz="1600" dirty="0"/>
           </a:p>
         </p:txBody>
       </p:sp>
@@ -5275,18 +5205,17 @@
           <a:lstStyle/>
           <a:p>
             <a:r>
-              <a:rPr lang="en-US" sz="1600" dirty="0" smtClean="0"/>
+              <a:rPr lang="en-US" sz="1600" dirty="0"/>
               <a:t>One of these </a:t>
             </a:r>
             <a:r>
-              <a:rPr lang="en-US" sz="1600" dirty="0" err="1" smtClean="0"/>
+              <a:rPr lang="en-US" sz="1600" dirty="0" err="1"/>
               <a:t>vars</a:t>
             </a:r>
             <a:r>
-              <a:rPr lang="en-US" sz="1600" dirty="0" smtClean="0"/>
+              <a:rPr lang="en-US" sz="1600" dirty="0"/>
               <a:t> is not like the others!</a:t>
             </a:r>
-            <a:endParaRPr lang="en-US" sz="1600" dirty="0"/>
           </a:p>
         </p:txBody>
       </p:sp>
@@ -5626,10 +5555,9 @@
           <a:lstStyle/>
           <a:p>
             <a:r>
-              <a:rPr lang="en-US" dirty="0" smtClean="0"/>
+              <a:rPr lang="en-US" dirty="0"/>
               <a:t>Visualize me: canonical space</a:t>
             </a:r>
-            <a:endParaRPr lang="en-US" dirty="0"/>
           </a:p>
         </p:txBody>
       </p:sp>
@@ -5709,51 +5637,50 @@
           <a:lstStyle/>
           <a:p>
             <a:r>
-              <a:rPr lang="en-US" dirty="0" smtClean="0"/>
+              <a:rPr lang="en-US" dirty="0"/>
               <a:t>Contrasts:</a:t>
             </a:r>
           </a:p>
           <a:p>
             <a:r>
-              <a:rPr lang="en-US" dirty="0" smtClean="0"/>
+              <a:rPr lang="en-US" dirty="0"/>
               <a:t>Dx1 : Control vs. patients. Controls &gt; patients on </a:t>
             </a:r>
             <a:r>
-              <a:rPr lang="en-US" dirty="0" err="1" smtClean="0"/>
+              <a:rPr lang="en-US" dirty="0" err="1"/>
               <a:t>MgeEmotions</a:t>
             </a:r>
             <a:r>
-              <a:rPr lang="en-US" dirty="0" smtClean="0"/>
+              <a:rPr lang="en-US" dirty="0"/>
               <a:t>, </a:t>
             </a:r>
             <a:r>
-              <a:rPr lang="en-US" dirty="0" err="1" smtClean="0"/>
+              <a:rPr lang="en-US" dirty="0" err="1"/>
               <a:t>ExtBias</a:t>
             </a:r>
             <a:r>
-              <a:rPr lang="en-US" dirty="0" smtClean="0"/>
+              <a:rPr lang="en-US" dirty="0"/>
               <a:t>, </a:t>
             </a:r>
             <a:r>
-              <a:rPr lang="en-US" dirty="0" err="1" smtClean="0"/>
+              <a:rPr lang="en-US" dirty="0" err="1"/>
               <a:t>ToM</a:t>
             </a:r>
-            <a:endParaRPr lang="en-US" dirty="0" smtClean="0"/>
-          </a:p>
-          <a:p>
-            <a:r>
-              <a:rPr lang="en-US" dirty="0" smtClean="0"/>
+            <a:endParaRPr lang="en-US" dirty="0"/>
+          </a:p>
+          <a:p>
+            <a:r>
+              <a:rPr lang="en-US" dirty="0"/>
               <a:t>Dx2 : </a:t>
             </a:r>
             <a:r>
-              <a:rPr lang="en-US" dirty="0" err="1" smtClean="0"/>
+              <a:rPr lang="en-US" dirty="0" err="1"/>
               <a:t>Schizo</a:t>
             </a:r>
             <a:r>
-              <a:rPr lang="en-US" dirty="0" smtClean="0"/>
+              <a:rPr lang="en-US" dirty="0"/>
               <a:t> vs. schizoaffective.</a:t>
             </a:r>
-            <a:endParaRPr lang="en-US" dirty="0"/>
           </a:p>
         </p:txBody>
       </p:sp>
@@ -5780,7 +5707,7 @@
           <a:lstStyle/>
           <a:p>
             <a:r>
-              <a:rPr lang="en-US" dirty="0" smtClean="0"/>
+              <a:rPr lang="en-US" dirty="0"/>
               <a:t>Can1: group order</a:t>
             </a:r>
           </a:p>
@@ -5789,10 +5716,9 @@
           </a:p>
           <a:p>
             <a:r>
-              <a:rPr lang="en-US" dirty="0" smtClean="0"/>
+              <a:rPr lang="en-US" dirty="0"/>
               <a:t>Can2: Schizoaffective vs. others</a:t>
             </a:r>
-            <a:endParaRPr lang="en-US" dirty="0"/>
           </a:p>
         </p:txBody>
       </p:sp>
@@ -5806,13 +5732,6 @@
   <p:clrMapOvr>
     <a:masterClrMapping/>
   </p:clrMapOvr>
-  <p:timing>
-    <p:tnLst>
-      <p:par>
-        <p:cTn id="1" dur="indefinite" restart="never" nodeType="tmRoot"/>
-      </p:par>
-    </p:tnLst>
-  </p:timing>
 </p:sld>
 </file>
 
@@ -5849,10 +5768,9 @@
           <a:lstStyle/>
           <a:p>
             <a:r>
-              <a:rPr lang="en-US" dirty="0" smtClean="0"/>
+              <a:rPr lang="en-US" dirty="0"/>
               <a:t>Model checking &amp; remedies</a:t>
             </a:r>
-            <a:endParaRPr lang="en-US" dirty="0"/>
           </a:p>
         </p:txBody>
       </p:sp>
@@ -5872,28 +5790,28 @@
           <a:lstStyle/>
           <a:p>
             <a:r>
-              <a:rPr lang="en-US" sz="2800" dirty="0" smtClean="0"/>
+              <a:rPr lang="en-US" sz="2800" dirty="0"/>
               <a:t>The MLM assumes residuals are multivariate normal</a:t>
             </a:r>
           </a:p>
           <a:p>
             <a:pPr lvl="1"/>
             <a:r>
-              <a:rPr lang="en-US" sz="2400" dirty="0" smtClean="0">
+              <a:rPr lang="en-US" sz="2400" dirty="0">
                 <a:sym typeface="Symbol"/>
               </a:rPr>
               <a:t></a:t>
             </a:r>
             <a:r>
-              <a:rPr lang="en-US" sz="2400" dirty="0" smtClean="0"/>
+              <a:rPr lang="en-US" sz="2400" dirty="0"/>
               <a:t> Squared </a:t>
             </a:r>
             <a:r>
-              <a:rPr lang="en-US" sz="2400" dirty="0" err="1" smtClean="0"/>
+              <a:rPr lang="en-US" sz="2400" dirty="0" err="1"/>
               <a:t>Mahalanobis</a:t>
             </a:r>
             <a:r>
-              <a:rPr lang="en-US" sz="2400" dirty="0" smtClean="0"/>
+              <a:rPr lang="en-US" sz="2400" dirty="0"/>
               <a:t> distances </a:t>
             </a:r>
           </a:p>
@@ -5903,176 +5821,160 @@
             </a:pPr>
             <a:r>
               <a:rPr lang="en-US" sz="2400" dirty="0"/>
-              <a:t> </a:t>
-            </a:r>
-            <a:r>
-              <a:rPr lang="en-US" sz="2400" dirty="0" smtClean="0"/>
-              <a:t>                     D</a:t>
-            </a:r>
-            <a:r>
-              <a:rPr lang="en-US" sz="2400" baseline="30000" dirty="0" smtClean="0"/>
+              <a:t>                      D</a:t>
+            </a:r>
+            <a:r>
+              <a:rPr lang="en-US" sz="2400" baseline="30000" dirty="0"/>
               <a:t>2</a:t>
             </a:r>
             <a:r>
-              <a:rPr lang="en-US" sz="2400" baseline="-25000" dirty="0" smtClean="0"/>
+              <a:rPr lang="en-US" sz="2400" baseline="-25000" dirty="0"/>
               <a:t>M</a:t>
             </a:r>
             <a:r>
-              <a:rPr lang="en-US" sz="2400" dirty="0" smtClean="0"/>
+              <a:rPr lang="en-US" sz="2400" dirty="0"/>
               <a:t> (</a:t>
             </a:r>
             <a:r>
-              <a:rPr lang="en-US" sz="2400" b="1" dirty="0" err="1" smtClean="0"/>
+              <a:rPr lang="en-US" sz="2400" b="1" dirty="0" err="1"/>
               <a:t>y</a:t>
             </a:r>
             <a:r>
-              <a:rPr lang="en-US" sz="2400" baseline="-25000" dirty="0" err="1" smtClean="0"/>
+              <a:rPr lang="en-US" sz="2400" baseline="-25000" dirty="0" err="1"/>
               <a:t>i</a:t>
             </a:r>
             <a:r>
-              <a:rPr lang="en-US" sz="2400" dirty="0" smtClean="0"/>
-              <a:t>) </a:t>
-            </a:r>
-            <a:r>
               <a:rPr lang="en-US" sz="2400" dirty="0"/>
-              <a:t>= (</a:t>
-            </a:r>
-            <a:r>
-              <a:rPr lang="en-US" sz="2400" b="1" dirty="0" err="1" smtClean="0"/>
+              <a:t>) = (</a:t>
+            </a:r>
+            <a:r>
+              <a:rPr lang="en-US" sz="2400" b="1" dirty="0" err="1"/>
               <a:t>y</a:t>
             </a:r>
             <a:r>
-              <a:rPr lang="en-US" sz="2400" baseline="-25000" dirty="0" err="1" smtClean="0"/>
+              <a:rPr lang="en-US" sz="2400" baseline="-25000" dirty="0" err="1"/>
               <a:t>i</a:t>
             </a:r>
             <a:r>
-              <a:rPr lang="en-US" sz="2400" dirty="0" smtClean="0"/>
+              <a:rPr lang="en-US" sz="2400" dirty="0"/>
               <a:t>-</a:t>
             </a:r>
             <a:r>
-              <a:rPr lang="en-US" sz="2400" b="1" dirty="0" smtClean="0"/>
-              <a:t>y</a:t>
-            </a:r>
-            <a:r>
               <a:rPr lang="en-US" sz="2400" b="1" dirty="0"/>
-              <a:t>̅</a:t>
+              <a:t>y̅</a:t>
             </a:r>
             <a:r>
               <a:rPr lang="en-US" sz="2400" dirty="0"/>
               <a:t>)</a:t>
             </a:r>
             <a:r>
-              <a:rPr lang="en-US" sz="2400" baseline="30000" dirty="0" smtClean="0"/>
+              <a:rPr lang="en-US" sz="2400" baseline="30000" dirty="0"/>
               <a:t>T</a:t>
             </a:r>
             <a:r>
-              <a:rPr lang="en-US" sz="2400" dirty="0" smtClean="0"/>
+              <a:rPr lang="en-US" sz="2400" dirty="0"/>
               <a:t> </a:t>
             </a:r>
             <a:r>
-              <a:rPr lang="en-US" sz="2400" b="1" dirty="0" smtClean="0"/>
+              <a:rPr lang="en-US" sz="2400" b="1" dirty="0"/>
               <a:t>S</a:t>
             </a:r>
             <a:r>
-              <a:rPr lang="en-US" sz="2400" baseline="30000" dirty="0" smtClean="0"/>
+              <a:rPr lang="en-US" sz="2400" baseline="30000" dirty="0"/>
               <a:t>-1 </a:t>
             </a:r>
             <a:r>
-              <a:rPr lang="en-US" sz="2400" dirty="0" smtClean="0"/>
+              <a:rPr lang="en-US" sz="2400" dirty="0"/>
               <a:t>(</a:t>
             </a:r>
             <a:r>
-              <a:rPr lang="en-US" sz="2400" b="1" dirty="0" err="1" smtClean="0"/>
+              <a:rPr lang="en-US" sz="2400" b="1" dirty="0" err="1"/>
               <a:t>y</a:t>
             </a:r>
             <a:r>
-              <a:rPr lang="en-US" sz="2400" baseline="-25000" dirty="0" err="1" smtClean="0"/>
+              <a:rPr lang="en-US" sz="2400" baseline="-25000" dirty="0" err="1"/>
               <a:t>i</a:t>
             </a:r>
             <a:r>
-              <a:rPr lang="en-US" sz="2400" dirty="0" smtClean="0"/>
+              <a:rPr lang="en-US" sz="2400" dirty="0"/>
               <a:t> -</a:t>
             </a:r>
             <a:r>
               <a:rPr lang="en-US" sz="2400" b="1" dirty="0"/>
-              <a:t>y</a:t>
-            </a:r>
-            <a:r>
-              <a:rPr lang="en-US" sz="2400" b="1" dirty="0" smtClean="0"/>
-              <a:t>̅</a:t>
-            </a:r>
-            <a:r>
-              <a:rPr lang="en-US" sz="2400" dirty="0" smtClean="0"/>
+              <a:t>y̅</a:t>
+            </a:r>
+            <a:r>
+              <a:rPr lang="en-US" sz="2400" dirty="0"/>
               <a:t>)    </a:t>
             </a:r>
             <a:r>
-              <a:rPr lang="en-US" sz="2400" dirty="0" smtClean="0">
+              <a:rPr lang="en-US" sz="2400" dirty="0">
                 <a:sym typeface="Symbol"/>
               </a:rPr>
               <a:t>    </a:t>
             </a:r>
             <a:r>
-              <a:rPr lang="el-GR" sz="2400" dirty="0" smtClean="0">
+              <a:rPr lang="el-GR" sz="2400" dirty="0">
                 <a:sym typeface="Symbol"/>
               </a:rPr>
               <a:t>χ</a:t>
             </a:r>
             <a:r>
-              <a:rPr lang="en-US" sz="2400" baseline="30000" dirty="0" smtClean="0">
+              <a:rPr lang="en-US" sz="2400" baseline="30000" dirty="0">
                 <a:sym typeface="Symbol"/>
               </a:rPr>
               <a:t>2</a:t>
             </a:r>
             <a:r>
-              <a:rPr lang="en-US" sz="2400" baseline="-25000" dirty="0" smtClean="0">
+              <a:rPr lang="en-US" sz="2400" baseline="-25000" dirty="0">
                 <a:sym typeface="Symbol"/>
               </a:rPr>
               <a:t>p</a:t>
             </a:r>
             <a:r>
-              <a:rPr lang="en-US" sz="2400" dirty="0" smtClean="0">
+              <a:rPr lang="en-US" sz="2400" dirty="0">
                 <a:sym typeface="Symbol"/>
               </a:rPr>
               <a:t> with p </a:t>
             </a:r>
             <a:r>
-              <a:rPr lang="en-US" sz="2400" dirty="0" err="1" smtClean="0">
+              <a:rPr lang="en-US" sz="2400" dirty="0" err="1">
                 <a:sym typeface="Symbol"/>
               </a:rPr>
               <a:t>d.f.</a:t>
             </a:r>
-            <a:endParaRPr lang="en-US" sz="2400" dirty="0" smtClean="0">
+            <a:endParaRPr lang="en-US" sz="2400" dirty="0">
               <a:sym typeface="Symbol"/>
             </a:endParaRPr>
           </a:p>
           <a:p>
             <a:pPr lvl="1"/>
             <a:r>
-              <a:rPr lang="en-US" sz="2400" dirty="0" smtClean="0">
+              <a:rPr lang="en-US" sz="2400" dirty="0">
                 <a:sym typeface="Symbol"/>
               </a:rPr>
               <a:t> a </a:t>
             </a:r>
             <a:r>
-              <a:rPr lang="en-US" sz="2400" dirty="0" err="1" smtClean="0">
+              <a:rPr lang="en-US" sz="2400" dirty="0" err="1">
                 <a:sym typeface="Symbol"/>
               </a:rPr>
               <a:t>quantile</a:t>
             </a:r>
             <a:r>
-              <a:rPr lang="en-US" sz="2400" dirty="0" smtClean="0">
+              <a:rPr lang="en-US" sz="2400" dirty="0">
                 <a:sym typeface="Symbol"/>
               </a:rPr>
               <a:t> – </a:t>
             </a:r>
             <a:r>
-              <a:rPr lang="en-US" sz="2400" dirty="0" err="1" smtClean="0">
+              <a:rPr lang="en-US" sz="2400" dirty="0" err="1">
                 <a:sym typeface="Symbol"/>
               </a:rPr>
               <a:t>quantile</a:t>
             </a:r>
             <a:r>
-              <a:rPr lang="en-US" sz="2400" dirty="0" smtClean="0">
+              <a:rPr lang="en-US" sz="2400" dirty="0">
                 <a:sym typeface="Symbol"/>
               </a:rPr>
               <a:t> plot of ordered </a:t>
@@ -6103,18 +6005,14 @@
             </a:r>
             <a:r>
               <a:rPr lang="en-US" sz="2400" dirty="0"/>
-              <a:t>) </a:t>
-            </a:r>
-            <a:r>
-              <a:rPr lang="en-US" sz="2400" dirty="0" smtClean="0"/>
-              <a:t>vs. </a:t>
-            </a:r>
-            <a:r>
-              <a:rPr lang="en-US" sz="2400" dirty="0" err="1" smtClean="0"/>
+              <a:t>) vs. </a:t>
+            </a:r>
+            <a:r>
+              <a:rPr lang="en-US" sz="2400" dirty="0" err="1"/>
               <a:t>quantiles</a:t>
             </a:r>
             <a:r>
-              <a:rPr lang="en-US" sz="2400" dirty="0" smtClean="0"/>
+              <a:rPr lang="en-US" sz="2400" dirty="0"/>
               <a:t> of </a:t>
             </a:r>
             <a:r>
@@ -6139,75 +6037,69 @@
               <a:rPr lang="en-US" sz="2400" dirty="0">
                 <a:sym typeface="Symbol"/>
               </a:rPr>
-              <a:t> </a:t>
-            </a:r>
-            <a:r>
-              <a:rPr lang="en-US" sz="2400" dirty="0" smtClean="0">
+              <a:t>  should plot as straight line</a:t>
+            </a:r>
+          </a:p>
+          <a:p>
+            <a:pPr lvl="1"/>
+            <a:r>
+              <a:rPr lang="en-US" sz="2400" dirty="0">
                 <a:sym typeface="Symbol"/>
               </a:rPr>
-              <a:t> should plot as straight line</a:t>
+              <a:t>Outliers are readily apparent</a:t>
             </a:r>
           </a:p>
           <a:p>
             <a:pPr lvl="1"/>
             <a:r>
-              <a:rPr lang="en-US" sz="2400" dirty="0" smtClean="0">
+              <a:rPr lang="en-US" sz="2400" dirty="0">
                 <a:sym typeface="Symbol"/>
               </a:rPr>
-              <a:t>Outliers are readily apparent</a:t>
+              <a:t>plots: </a:t>
+            </a:r>
+            <a:r>
+              <a:rPr lang="en-US" sz="2400" dirty="0" err="1">
+                <a:sym typeface="Symbol"/>
+              </a:rPr>
+              <a:t>heplots</a:t>
+            </a:r>
+            <a:r>
+              <a:rPr lang="en-US" sz="2400" dirty="0">
+                <a:sym typeface="Symbol"/>
+              </a:rPr>
+              <a:t>::</a:t>
+            </a:r>
+            <a:r>
+              <a:rPr lang="en-US" sz="2400" dirty="0" err="1">
+                <a:sym typeface="Symbol"/>
+              </a:rPr>
+              <a:t>cqplot</a:t>
+            </a:r>
+            <a:r>
+              <a:rPr lang="en-US" sz="2400" dirty="0">
+                <a:sym typeface="Symbol"/>
+              </a:rPr>
+              <a:t>()</a:t>
+            </a:r>
+          </a:p>
+          <a:p>
+            <a:r>
+              <a:rPr lang="en-US" sz="2800" dirty="0">
+                <a:sym typeface="Symbol"/>
+              </a:rPr>
+              <a:t>Influence plots</a:t>
             </a:r>
           </a:p>
           <a:p>
             <a:pPr lvl="1"/>
             <a:r>
-              <a:rPr lang="en-US" sz="2400" dirty="0" smtClean="0">
+              <a:rPr lang="en-US" sz="2400" dirty="0" err="1">
                 <a:sym typeface="Symbol"/>
               </a:rPr>
-              <a:t>plots: </a:t>
-            </a:r>
-            <a:r>
-              <a:rPr lang="en-US" sz="2400" dirty="0" err="1" smtClean="0">
-                <a:sym typeface="Symbol"/>
-              </a:rPr>
-              <a:t>heplots</a:t>
-            </a:r>
-            <a:r>
-              <a:rPr lang="en-US" sz="2400" dirty="0" smtClean="0">
-                <a:sym typeface="Symbol"/>
-              </a:rPr>
-              <a:t>::</a:t>
-            </a:r>
-            <a:r>
-              <a:rPr lang="en-US" sz="2400" dirty="0" err="1" smtClean="0">
-                <a:sym typeface="Symbol"/>
-              </a:rPr>
-              <a:t>cqplot</a:t>
-            </a:r>
-            <a:r>
-              <a:rPr lang="en-US" sz="2400" dirty="0" smtClean="0">
-                <a:sym typeface="Symbol"/>
-              </a:rPr>
-              <a:t>()</a:t>
-            </a:r>
-          </a:p>
-          <a:p>
-            <a:r>
-              <a:rPr lang="en-US" sz="2800" dirty="0" smtClean="0">
-                <a:sym typeface="Symbol"/>
-              </a:rPr>
-              <a:t>Influence plots</a:t>
-            </a:r>
-          </a:p>
-          <a:p>
-            <a:pPr lvl="1"/>
-            <a:r>
-              <a:rPr lang="en-US" sz="2400" dirty="0" err="1" smtClean="0">
-                <a:sym typeface="Symbol"/>
-              </a:rPr>
               <a:t>mvinfluence</a:t>
             </a:r>
             <a:r>
-              <a:rPr lang="en-US" sz="2400" dirty="0" smtClean="0">
+              <a:rPr lang="en-US" sz="2400" dirty="0">
                 <a:sym typeface="Symbol"/>
               </a:rPr>
               <a:t>::influence() calculates multivariate analogs of influence measures</a:t>
@@ -6248,13 +6140,6 @@
   <p:clrMapOvr>
     <a:masterClrMapping/>
   </p:clrMapOvr>
-  <p:timing>
-    <p:tnLst>
-      <p:par>
-        <p:cTn id="1" dur="indefinite" restart="never" nodeType="tmRoot"/>
-      </p:par>
-    </p:tnLst>
-  </p:timing>
 </p:sld>
 </file>
 
@@ -6291,11 +6176,11 @@
           <a:lstStyle/>
           <a:p>
             <a:r>
-              <a:rPr lang="en-US" dirty="0" smtClean="0"/>
+              <a:rPr lang="en-US" dirty="0"/>
               <a:t>Social cog: </a:t>
             </a:r>
             <a:r>
-              <a:rPr lang="en-US" dirty="0" err="1" smtClean="0"/>
+              <a:rPr lang="en-US" dirty="0" err="1"/>
               <a:t>cqplot</a:t>
             </a:r>
             <a:endParaRPr lang="en-US" dirty="0"/>
@@ -6348,34 +6233,33 @@
           <a:lstStyle/>
           <a:p>
             <a:r>
-              <a:rPr lang="en-US" sz="1600" dirty="0" err="1" smtClean="0">
+              <a:rPr lang="en-US" sz="1600" dirty="0" err="1">
                 <a:latin typeface="Lucida Console" pitchFamily="49" charset="0"/>
               </a:rPr>
               <a:t>heplots</a:t>
             </a:r>
             <a:r>
-              <a:rPr lang="en-US" sz="1600" dirty="0" smtClean="0">
+              <a:rPr lang="en-US" sz="1600" dirty="0">
                 <a:latin typeface="Lucida Console" pitchFamily="49" charset="0"/>
               </a:rPr>
               <a:t>::</a:t>
             </a:r>
             <a:r>
-              <a:rPr lang="en-US" sz="1600" dirty="0" err="1" smtClean="0">
+              <a:rPr lang="en-US" sz="1600" dirty="0" err="1">
                 <a:latin typeface="Lucida Console" pitchFamily="49" charset="0"/>
               </a:rPr>
               <a:t>cqplot</a:t>
             </a:r>
             <a:r>
-              <a:rPr lang="en-US" sz="1600" dirty="0" smtClean="0">
+              <a:rPr lang="en-US" sz="1600" dirty="0">
                 <a:latin typeface="Lucida Console" pitchFamily="49" charset="0"/>
               </a:rPr>
               <a:t>() </a:t>
             </a:r>
             <a:r>
-              <a:rPr lang="en-US" dirty="0" smtClean="0"/>
+              <a:rPr lang="en-US" dirty="0"/>
               <a:t>creates a chi-square QQ plot from a MLM</a:t>
             </a:r>
-            <a:endParaRPr lang="en-US" dirty="0"/>
           </a:p>
         </p:txBody>
       </p:sp>
@@ -6460,20 +6344,17 @@
               <a:t>, </a:t>
             </a:r>
             <a:r>
-              <a:rPr lang="en-US" dirty="0" err="1" smtClean="0">
+              <a:rPr lang="en-US" dirty="0" err="1">
                 <a:latin typeface="Lucida Console" pitchFamily="49" charset="0"/>
               </a:rPr>
               <a:t>id.n</a:t>
             </a:r>
             <a:r>
-              <a:rPr lang="en-US" dirty="0" smtClean="0">
+              <a:rPr lang="en-US" dirty="0">
                 <a:latin typeface="Lucida Console" pitchFamily="49" charset="0"/>
               </a:rPr>
               <a:t>=2)</a:t>
             </a:r>
-            <a:endParaRPr lang="en-US" dirty="0">
-              <a:latin typeface="Lucida Console" pitchFamily="49" charset="0"/>
-            </a:endParaRPr>
           </a:p>
         </p:txBody>
       </p:sp>
@@ -6500,7 +6381,7 @@
           <a:lstStyle/>
           <a:p>
             <a:r>
-              <a:rPr lang="en-US" dirty="0" smtClean="0"/>
+              <a:rPr lang="en-US" dirty="0"/>
               <a:t>One observation appears as an extreme outlier.</a:t>
             </a:r>
           </a:p>
@@ -6509,25 +6390,21 @@
           </a:p>
           <a:p>
             <a:r>
-              <a:rPr lang="en-US" dirty="0" smtClean="0"/>
+              <a:rPr lang="en-US" dirty="0"/>
               <a:t>This was a case w/ </a:t>
             </a:r>
             <a:r>
-              <a:rPr lang="en-US" dirty="0" err="1" smtClean="0"/>
+              <a:rPr lang="en-US" dirty="0" err="1"/>
               <a:t>ExtBias</a:t>
             </a:r>
             <a:r>
               <a:rPr lang="en-US" dirty="0"/>
-              <a:t> </a:t>
-            </a:r>
-            <a:r>
-              <a:rPr lang="en-US" dirty="0" smtClean="0"/>
-              <a:t>= -33,</a:t>
-            </a:r>
-          </a:p>
-          <a:p>
-            <a:r>
-              <a:rPr lang="en-US" dirty="0" smtClean="0"/>
+              <a:t> = -33,</a:t>
+            </a:r>
+          </a:p>
+          <a:p>
+            <a:r>
+              <a:rPr lang="en-US" dirty="0"/>
               <a:t>but valid range = (-10, +10)</a:t>
             </a:r>
           </a:p>
@@ -6536,17 +6413,17 @@
           </a:p>
           <a:p>
             <a:r>
-              <a:rPr lang="en-US" dirty="0" smtClean="0"/>
+              <a:rPr lang="en-US" dirty="0"/>
               <a:t>Refitting w/o case 15:</a:t>
             </a:r>
           </a:p>
           <a:p>
             <a:r>
-              <a:rPr lang="en-US" dirty="0" smtClean="0"/>
+              <a:rPr lang="en-US" dirty="0"/>
               <a:t>Overall &amp; DX1 tests still OK </a:t>
             </a:r>
             <a:r>
-              <a:rPr lang="en-US" dirty="0" smtClean="0">
+              <a:rPr lang="en-US" dirty="0">
                 <a:sym typeface="Wingdings"/>
               </a:rPr>
               <a:t></a:t>
@@ -6555,19 +6432,19 @@
           </a:p>
           <a:p>
             <a:r>
-              <a:rPr lang="en-US" dirty="0" smtClean="0"/>
+              <a:rPr lang="en-US" dirty="0"/>
               <a:t>Dx2 test: </a:t>
             </a:r>
             <a:r>
-              <a:rPr lang="en-US" i="1" dirty="0" smtClean="0"/>
+              <a:rPr lang="en-US" i="1" dirty="0"/>
               <a:t>p</a:t>
             </a:r>
             <a:r>
-              <a:rPr lang="en-US" dirty="0" smtClean="0"/>
+              <a:rPr lang="en-US" dirty="0"/>
               <a:t>=0.074, now NS </a:t>
             </a:r>
             <a:r>
-              <a:rPr lang="en-US" dirty="0" smtClean="0">
+              <a:rPr lang="en-US" dirty="0">
                 <a:sym typeface="Wingdings"/>
               </a:rPr>
               <a:t></a:t>
@@ -6586,13 +6463,6 @@
   <p:clrMapOvr>
     <a:masterClrMapping/>
   </p:clrMapOvr>
-  <p:timing>
-    <p:tnLst>
-      <p:par>
-        <p:cTn id="1" dur="indefinite" restart="never" nodeType="tmRoot"/>
-      </p:par>
-    </p:tnLst>
-  </p:timing>
 </p:sld>
 </file>
 
@@ -6629,10 +6499,9 @@
           <a:lstStyle/>
           <a:p>
             <a:r>
-              <a:rPr lang="en-US" dirty="0" smtClean="0"/>
+              <a:rPr lang="en-US" dirty="0"/>
               <a:t>Social cog: Influence</a:t>
             </a:r>
-            <a:endParaRPr lang="en-US" dirty="0"/>
           </a:p>
         </p:txBody>
       </p:sp>
@@ -6712,22 +6581,21 @@
           <a:lstStyle/>
           <a:p>
             <a:r>
-              <a:rPr lang="en-US" dirty="0" err="1" smtClean="0"/>
+              <a:rPr lang="en-US" dirty="0" err="1"/>
               <a:t>mvinfluence</a:t>
             </a:r>
             <a:r>
-              <a:rPr lang="en-US" dirty="0" smtClean="0"/>
+              <a:rPr lang="en-US" dirty="0"/>
               <a:t>::</a:t>
             </a:r>
             <a:r>
-              <a:rPr lang="en-US" dirty="0" err="1" smtClean="0"/>
+              <a:rPr lang="en-US" dirty="0" err="1"/>
               <a:t>influencePlot</a:t>
             </a:r>
             <a:r>
-              <a:rPr lang="en-US" dirty="0" smtClean="0"/>
+              <a:rPr lang="en-US" dirty="0"/>
               <a:t>() creates a multivariate analog of an influence plot</a:t>
             </a:r>
-            <a:endParaRPr lang="en-US" dirty="0"/>
           </a:p>
         </p:txBody>
       </p:sp>
@@ -6758,13 +6626,13 @@
           <a:lstStyle/>
           <a:p>
             <a:r>
-              <a:rPr lang="en-US" dirty="0" smtClean="0">
+              <a:rPr lang="en-US" dirty="0">
                 <a:latin typeface="Lucida Console" pitchFamily="49" charset="0"/>
               </a:rPr>
               <a:t>&gt;library(</a:t>
             </a:r>
             <a:r>
-              <a:rPr lang="en-US" dirty="0" err="1" smtClean="0">
+              <a:rPr lang="en-US" dirty="0" err="1">
                 <a:latin typeface="Lucida Console" pitchFamily="49" charset="0"/>
               </a:rPr>
               <a:t>mvinfluence</a:t>
@@ -6778,25 +6646,25 @@
           </a:p>
           <a:p>
             <a:r>
-              <a:rPr lang="en-US" dirty="0" smtClean="0">
+              <a:rPr lang="en-US" dirty="0">
                 <a:latin typeface="Lucida Console" pitchFamily="49" charset="0"/>
               </a:rPr>
               <a:t>&gt;</a:t>
             </a:r>
             <a:r>
-              <a:rPr lang="en-US" dirty="0" err="1" smtClean="0">
+              <a:rPr lang="en-US" dirty="0" err="1">
                 <a:latin typeface="Lucida Console" pitchFamily="49" charset="0"/>
               </a:rPr>
               <a:t>influencePlot</a:t>
             </a:r>
             <a:r>
-              <a:rPr lang="en-US" dirty="0" smtClean="0">
+              <a:rPr lang="en-US" dirty="0">
                 <a:latin typeface="Lucida Console" pitchFamily="49" charset="0"/>
               </a:rPr>
               <a:t>(</a:t>
             </a:r>
             <a:r>
-              <a:rPr lang="en-US" dirty="0" err="1" smtClean="0">
+              <a:rPr lang="en-US" dirty="0" err="1">
                 <a:latin typeface="Lucida Console" pitchFamily="49" charset="0"/>
               </a:rPr>
               <a:t>SC.mlm</a:t>
@@ -6805,17 +6673,11 @@
               <a:rPr lang="en-US" dirty="0">
                 <a:latin typeface="Lucida Console" pitchFamily="49" charset="0"/>
               </a:rPr>
-              <a:t>, </a:t>
-            </a:r>
-            <a:r>
-              <a:rPr lang="en-US" dirty="0" smtClean="0">
-                <a:latin typeface="Lucida Console" pitchFamily="49" charset="0"/>
-              </a:rPr>
-              <a:t>…)</a:t>
-            </a:r>
-          </a:p>
-          <a:p>
-            <a:endParaRPr lang="en-US" dirty="0" smtClean="0">
+              <a:t>, …)</a:t>
+            </a:r>
+          </a:p>
+          <a:p>
+            <a:endParaRPr lang="en-US" dirty="0">
               <a:latin typeface="Lucida Console" pitchFamily="49" charset="0"/>
             </a:endParaRPr>
           </a:p>
@@ -6824,31 +6686,7 @@
               <a:rPr lang="pt-BR" sz="1400" dirty="0">
                 <a:latin typeface="Lucida Console" pitchFamily="49" charset="0"/>
               </a:rPr>
-              <a:t> </a:t>
-            </a:r>
-            <a:r>
-              <a:rPr lang="pt-BR" sz="1400" dirty="0" smtClean="0">
-                <a:latin typeface="Lucida Console" pitchFamily="49" charset="0"/>
-              </a:rPr>
-              <a:t>  H      </a:t>
-            </a:r>
-            <a:r>
-              <a:rPr lang="pt-BR" sz="1400" dirty="0">
-                <a:latin typeface="Lucida Console" pitchFamily="49" charset="0"/>
-              </a:rPr>
-              <a:t>Q  </a:t>
-            </a:r>
-            <a:r>
-              <a:rPr lang="pt-BR" sz="1400" dirty="0" smtClean="0">
-                <a:latin typeface="Lucida Console" pitchFamily="49" charset="0"/>
-              </a:rPr>
-              <a:t>    CookD  L      </a:t>
-            </a:r>
-            <a:r>
-              <a:rPr lang="pt-BR" sz="1400" dirty="0">
-                <a:latin typeface="Lucida Console" pitchFamily="49" charset="0"/>
-              </a:rPr>
-              <a:t>R</a:t>
+              <a:t>   H      Q      CookD  L      R</a:t>
             </a:r>
           </a:p>
           <a:p>
@@ -6895,7 +6733,7 @@
           <a:lstStyle/>
           <a:p>
             <a:r>
-              <a:rPr lang="en-US" dirty="0" smtClean="0"/>
+              <a:rPr lang="en-US" dirty="0"/>
               <a:t>Case 15 stands out as hugely influential</a:t>
             </a:r>
           </a:p>
@@ -6904,10 +6742,9 @@
           </a:p>
           <a:p>
             <a:r>
-              <a:rPr lang="en-US" dirty="0" smtClean="0"/>
+              <a:rPr lang="en-US" dirty="0"/>
               <a:t>The 3 columns of circles correspond to the 3 groups</a:t>
             </a:r>
-            <a:endParaRPr lang="en-US" dirty="0"/>
           </a:p>
         </p:txBody>
       </p:sp>
@@ -6921,13 +6758,6 @@
   <p:clrMapOvr>
     <a:masterClrMapping/>
   </p:clrMapOvr>
-  <p:timing>
-    <p:tnLst>
-      <p:par>
-        <p:cTn id="1" dur="indefinite" restart="never" nodeType="tmRoot"/>
-      </p:par>
-    </p:tnLst>
-  </p:timing>
 </p:sld>
 </file>
 
@@ -7242,7 +7072,7 @@
           <a:graphicData uri="http://schemas.openxmlformats.org/presentationml/2006/ole">
             <mc:AlternateContent xmlns:mc="http://schemas.openxmlformats.org/markup-compatibility/2006">
               <mc:Choice xmlns:v="urn:schemas-microsoft-com:vml" Requires="v">
-                <p:oleObj spid="_x0000_s1054" name="Equation" r:id="rId3" imgW="2070000" imgH="253800" progId="Equation.DSMT4">
+                <p:oleObj spid="_x0000_s1059" name="Equation" r:id="rId3" imgW="2070000" imgH="253800" progId="Equation.DSMT4">
                   <p:embed/>
                 </p:oleObj>
               </mc:Choice>
@@ -7323,13 +7153,6 @@
   <p:clrMapOvr>
     <a:masterClrMapping/>
   </p:clrMapOvr>
-  <p:timing>
-    <p:tnLst>
-      <p:par>
-        <p:cTn id="1" dur="indefinite" restart="never" nodeType="tmRoot"/>
-      </p:par>
-    </p:tnLst>
-  </p:timing>
 </p:sld>
 </file>
 
@@ -7366,10 +7189,9 @@
           <a:lstStyle/>
           <a:p>
             <a:r>
-              <a:rPr lang="en-US" dirty="0" smtClean="0"/>
+              <a:rPr lang="en-US" dirty="0"/>
               <a:t>Robust MLMs</a:t>
             </a:r>
-            <a:endParaRPr lang="en-US" dirty="0"/>
           </a:p>
         </p:txBody>
       </p:sp>
@@ -7527,10 +7349,9 @@
               <a:t>SocialCog</a:t>
             </a:r>
             <a:r>
-              <a:rPr lang="en-US" dirty="0" smtClean="0"/>
+              <a:rPr lang="en-US" dirty="0"/>
               <a:t>)</a:t>
             </a:r>
-            <a:endParaRPr lang="en-US" dirty="0"/>
           </a:p>
         </p:txBody>
       </p:sp>
@@ -7561,25 +7382,25 @@
           <a:lstStyle/>
           <a:p>
             <a:r>
-              <a:rPr lang="en-US" sz="1000" dirty="0" smtClean="0">
+              <a:rPr lang="en-US" sz="1000" dirty="0">
                 <a:latin typeface="Lucida Console" pitchFamily="49" charset="0"/>
               </a:rPr>
               <a:t>&gt; print(</a:t>
             </a:r>
             <a:r>
-              <a:rPr lang="en-US" sz="1000" dirty="0" err="1" smtClean="0">
+              <a:rPr lang="en-US" sz="1000" dirty="0" err="1">
                 <a:latin typeface="Lucida Console" pitchFamily="49" charset="0"/>
               </a:rPr>
               <a:t>linearHypothesis</a:t>
             </a:r>
             <a:r>
-              <a:rPr lang="en-US" sz="1000" dirty="0" smtClean="0">
+              <a:rPr lang="en-US" sz="1000" dirty="0">
                 <a:latin typeface="Lucida Console" pitchFamily="49" charset="0"/>
               </a:rPr>
               <a:t>(</a:t>
             </a:r>
             <a:r>
-              <a:rPr lang="en-US" sz="1000" dirty="0" err="1" smtClean="0">
+              <a:rPr lang="en-US" sz="1000" dirty="0" err="1">
                 <a:latin typeface="Lucida Console" pitchFamily="49" charset="0"/>
               </a:rPr>
               <a:t>SC.rlm</a:t>
@@ -7612,148 +7433,112 @@
               <a:t>        </a:t>
             </a:r>
             <a:r>
-              <a:rPr lang="en-US" sz="1000" dirty="0" err="1" smtClean="0">
+              <a:rPr lang="en-US" sz="1000" dirty="0" err="1">
                 <a:latin typeface="Lucida Console" pitchFamily="49" charset="0"/>
               </a:rPr>
               <a:t>Df</a:t>
             </a:r>
             <a:r>
-              <a:rPr lang="en-US" sz="1000" dirty="0" smtClean="0">
+              <a:rPr lang="en-US" sz="1000" dirty="0">
+                <a:latin typeface="Lucida Console" pitchFamily="49" charset="0"/>
+              </a:rPr>
+              <a:t> test stat </a:t>
+            </a:r>
+            <a:r>
+              <a:rPr lang="en-US" sz="1000" dirty="0" err="1">
+                <a:latin typeface="Lucida Console" pitchFamily="49" charset="0"/>
+              </a:rPr>
+              <a:t>approx</a:t>
+            </a:r>
+            <a:r>
+              <a:rPr lang="en-US" sz="1000" dirty="0">
+                <a:latin typeface="Lucida Console" pitchFamily="49" charset="0"/>
+              </a:rPr>
+              <a:t> F </a:t>
+            </a:r>
+            <a:r>
+              <a:rPr lang="en-US" sz="1000" dirty="0" err="1">
+                <a:latin typeface="Lucida Console" pitchFamily="49" charset="0"/>
+              </a:rPr>
+              <a:t>num</a:t>
+            </a:r>
+            <a:r>
+              <a:rPr lang="en-US" sz="1000" dirty="0">
                 <a:latin typeface="Lucida Console" pitchFamily="49" charset="0"/>
               </a:rPr>
               <a:t> </a:t>
             </a:r>
             <a:r>
+              <a:rPr lang="en-US" sz="1000" dirty="0" err="1">
+                <a:latin typeface="Lucida Console" pitchFamily="49" charset="0"/>
+              </a:rPr>
+              <a:t>Df</a:t>
+            </a:r>
+            <a:r>
               <a:rPr lang="en-US" sz="1000" dirty="0">
                 <a:latin typeface="Lucida Console" pitchFamily="49" charset="0"/>
               </a:rPr>
-              <a:t>test stat </a:t>
+              <a:t> den </a:t>
             </a:r>
             <a:r>
               <a:rPr lang="en-US" sz="1000" dirty="0" err="1">
                 <a:latin typeface="Lucida Console" pitchFamily="49" charset="0"/>
               </a:rPr>
-              <a:t>approx</a:t>
+              <a:t>Df</a:t>
             </a:r>
             <a:r>
               <a:rPr lang="en-US" sz="1000" dirty="0">
                 <a:latin typeface="Lucida Console" pitchFamily="49" charset="0"/>
               </a:rPr>
-              <a:t> F </a:t>
+              <a:t> </a:t>
             </a:r>
             <a:r>
               <a:rPr lang="en-US" sz="1000" dirty="0" err="1">
                 <a:latin typeface="Lucida Console" pitchFamily="49" charset="0"/>
               </a:rPr>
-              <a:t>num</a:t>
+              <a:t>Pr</a:t>
             </a:r>
             <a:r>
               <a:rPr lang="en-US" sz="1000" dirty="0">
                 <a:latin typeface="Lucida Console" pitchFamily="49" charset="0"/>
               </a:rPr>
-              <a:t> </a:t>
-            </a:r>
+              <a:t>(&gt;F)  </a:t>
+            </a:r>
+          </a:p>
+          <a:p>
             <a:r>
               <a:rPr lang="en-US" sz="1000" dirty="0" err="1">
                 <a:latin typeface="Lucida Console" pitchFamily="49" charset="0"/>
               </a:rPr>
-              <a:t>Df</a:t>
+              <a:t>Pillai</a:t>
             </a:r>
             <a:r>
               <a:rPr lang="en-US" sz="1000" dirty="0">
                 <a:latin typeface="Lucida Console" pitchFamily="49" charset="0"/>
               </a:rPr>
-              <a:t> den </a:t>
-            </a:r>
+              <a:t>  1     0.069     2.44      4    132   0.05 *</a:t>
+            </a:r>
+          </a:p>
+          <a:p>
             <a:r>
               <a:rPr lang="en-US" sz="1000" dirty="0" err="1">
                 <a:latin typeface="Lucida Console" pitchFamily="49" charset="0"/>
               </a:rPr>
-              <a:t>Df</a:t>
+              <a:t>Wilks</a:t>
             </a:r>
             <a:r>
               <a:rPr lang="en-US" sz="1000" dirty="0">
                 <a:latin typeface="Lucida Console" pitchFamily="49" charset="0"/>
               </a:rPr>
-              <a:t> </a:t>
-            </a:r>
-            <a:r>
-              <a:rPr lang="en-US" sz="1000" dirty="0" err="1">
-                <a:latin typeface="Lucida Console" pitchFamily="49" charset="0"/>
-              </a:rPr>
-              <a:t>Pr</a:t>
-            </a:r>
+              <a:t>   1     0.931     2.44      4    132   0.05 *</a:t>
+            </a:r>
+          </a:p>
+          <a:p>
             <a:r>
               <a:rPr lang="en-US" sz="1000" dirty="0">
                 <a:latin typeface="Lucida Console" pitchFamily="49" charset="0"/>
               </a:rPr>
-              <a:t>(&gt;F)  </a:t>
-            </a:r>
-          </a:p>
-          <a:p>
-            <a:r>
-              <a:rPr lang="en-US" sz="1000" dirty="0" err="1">
-                <a:latin typeface="Lucida Console" pitchFamily="49" charset="0"/>
-              </a:rPr>
-              <a:t>Pillai</a:t>
-            </a:r>
-            <a:r>
-              <a:rPr lang="en-US" sz="1000" dirty="0">
-                <a:latin typeface="Lucida Console" pitchFamily="49" charset="0"/>
-              </a:rPr>
-              <a:t>  </a:t>
-            </a:r>
-            <a:r>
-              <a:rPr lang="en-US" sz="1000" dirty="0" smtClean="0">
-                <a:latin typeface="Lucida Console" pitchFamily="49" charset="0"/>
-              </a:rPr>
-              <a:t>1     </a:t>
-            </a:r>
-            <a:r>
-              <a:rPr lang="en-US" sz="1000" dirty="0">
-                <a:latin typeface="Lucida Console" pitchFamily="49" charset="0"/>
-              </a:rPr>
-              <a:t>0.069     2.44      4    132   0.05 *</a:t>
-            </a:r>
-          </a:p>
-          <a:p>
-            <a:r>
-              <a:rPr lang="en-US" sz="1000" dirty="0" err="1">
-                <a:latin typeface="Lucida Console" pitchFamily="49" charset="0"/>
-              </a:rPr>
-              <a:t>Wilks</a:t>
-            </a:r>
-            <a:r>
-              <a:rPr lang="en-US" sz="1000" dirty="0">
-                <a:latin typeface="Lucida Console" pitchFamily="49" charset="0"/>
-              </a:rPr>
-              <a:t>   </a:t>
-            </a:r>
-            <a:r>
-              <a:rPr lang="en-US" sz="1000" dirty="0" smtClean="0">
-                <a:latin typeface="Lucida Console" pitchFamily="49" charset="0"/>
-              </a:rPr>
-              <a:t>1     </a:t>
-            </a:r>
-            <a:r>
-              <a:rPr lang="en-US" sz="1000" dirty="0">
-                <a:latin typeface="Lucida Console" pitchFamily="49" charset="0"/>
-              </a:rPr>
-              <a:t>0.931     2.44      4    132   0.05 *</a:t>
-            </a:r>
-          </a:p>
-          <a:p>
-            <a:r>
-              <a:rPr lang="en-US" sz="1000" dirty="0">
-                <a:latin typeface="Lucida Console" pitchFamily="49" charset="0"/>
-              </a:rPr>
-              <a:t> </a:t>
-            </a:r>
-            <a:r>
-              <a:rPr lang="en-US" sz="1000" dirty="0" smtClean="0">
-                <a:latin typeface="Lucida Console" pitchFamily="49" charset="0"/>
-              </a:rPr>
-              <a:t>…</a:t>
+              <a:t> …</a:t>
             </a:r>
           </a:p>
         </p:txBody>
@@ -7814,14 +7599,13 @@
           <a:lstStyle/>
           <a:p>
             <a:r>
-              <a:rPr lang="en-US" dirty="0" err="1" smtClean="0"/>
+              <a:rPr lang="en-US" dirty="0" err="1"/>
               <a:t>Approx</a:t>
             </a:r>
             <a:r>
-              <a:rPr lang="en-US" dirty="0" smtClean="0"/>
+              <a:rPr lang="en-US" dirty="0"/>
               <a:t> test of Dx2 in robust model</a:t>
             </a:r>
-            <a:endParaRPr lang="en-US" dirty="0"/>
           </a:p>
         </p:txBody>
       </p:sp>
@@ -7835,13 +7619,6 @@
   <p:clrMapOvr>
     <a:masterClrMapping/>
   </p:clrMapOvr>
-  <p:timing>
-    <p:tnLst>
-      <p:par>
-        <p:cTn id="1" dur="indefinite" restart="never" nodeType="tmRoot"/>
-      </p:par>
-    </p:tnLst>
-  </p:timing>
 </p:sld>
 </file>
 
@@ -8013,13 +7790,8 @@
           <a:p>
             <a:r>
               <a:rPr lang="en-US" altLang="en-US" sz="3200" dirty="0"/>
-              <a:t>Robust MLMs: </a:t>
-            </a:r>
-            <a:r>
-              <a:rPr lang="en-US" altLang="en-US" sz="3200" dirty="0" smtClean="0"/>
-              <a:t>Pottery data</a:t>
-            </a:r>
-            <a:endParaRPr lang="en-US" altLang="en-US" sz="3200" dirty="0"/>
+              <a:t>Robust MLMs: Pottery data</a:t>
+            </a:r>
           </a:p>
         </p:txBody>
       </p:sp>
@@ -8050,7 +7822,6 @@
             <a:noFill/>
           </a:ln>
           <a:effectLst/>
-          <a:extLst/>
         </p:spPr>
         <p:txBody>
           <a:bodyPr>
@@ -8360,13 +8131,6 @@
   <p:clrMapOvr>
     <a:masterClrMapping/>
   </p:clrMapOvr>
-  <p:timing>
-    <p:tnLst>
-      <p:par>
-        <p:cTn id="1" dur="indefinite" restart="never" nodeType="tmRoot"/>
-      </p:par>
-    </p:tnLst>
-  </p:timing>
 </p:sld>
 </file>
 
@@ -8403,10 +8167,9 @@
           <a:lstStyle/>
           <a:p>
             <a:r>
-              <a:rPr lang="en-US" dirty="0" smtClean="0"/>
+              <a:rPr lang="en-US" dirty="0"/>
               <a:t>MMRA example: PA tasks &amp; ability</a:t>
             </a:r>
-            <a:endParaRPr lang="en-US" dirty="0"/>
           </a:p>
         </p:txBody>
       </p:sp>
@@ -8433,93 +8196,92 @@
           <a:lstStyle/>
           <a:p>
             <a:r>
-              <a:rPr lang="en-US" sz="2000" dirty="0" err="1" smtClean="0"/>
+              <a:rPr lang="en-US" sz="2000" dirty="0" err="1"/>
               <a:t>Rohwer</a:t>
             </a:r>
             <a:r>
-              <a:rPr lang="en-US" sz="2000" dirty="0" smtClean="0"/>
+              <a:rPr lang="en-US" sz="2000" dirty="0"/>
               <a:t> data from </a:t>
             </a:r>
             <a:r>
-              <a:rPr lang="en-US" sz="2000" dirty="0" err="1" smtClean="0"/>
+              <a:rPr lang="en-US" sz="2000" dirty="0" err="1"/>
               <a:t>Timm</a:t>
             </a:r>
             <a:r>
-              <a:rPr lang="en-US" sz="2000" dirty="0" smtClean="0"/>
+              <a:rPr lang="en-US" sz="2000" dirty="0"/>
               <a:t> (1975)</a:t>
             </a:r>
           </a:p>
           <a:p>
             <a:r>
-              <a:rPr lang="en-US" sz="2000" dirty="0" smtClean="0"/>
+              <a:rPr lang="en-US" sz="2000" dirty="0"/>
               <a:t>How well do paired associate (PA) tasks predict performance on measures of aptitude &amp; achievement in kindergarten children?</a:t>
             </a:r>
           </a:p>
           <a:p>
             <a:pPr lvl="1"/>
             <a:r>
-              <a:rPr lang="en-US" sz="2000" dirty="0" smtClean="0"/>
+              <a:rPr lang="en-US" sz="2000" dirty="0"/>
               <a:t>Samples: 69 children in two groups (schools): ‘Lo’ | ‘Hi’ SES</a:t>
             </a:r>
           </a:p>
           <a:p>
             <a:pPr lvl="1"/>
             <a:r>
-              <a:rPr lang="en-US" sz="2000" dirty="0" smtClean="0"/>
+              <a:rPr lang="en-US" sz="2000" dirty="0"/>
               <a:t>Outcomes (Y): </a:t>
             </a:r>
           </a:p>
           <a:p>
             <a:pPr lvl="2"/>
             <a:r>
-              <a:rPr lang="en-US" sz="1600" dirty="0" smtClean="0"/>
+              <a:rPr lang="en-US" sz="1600" dirty="0"/>
               <a:t>Scholastic aptitude test (SAT)</a:t>
             </a:r>
           </a:p>
           <a:p>
             <a:pPr lvl="2"/>
             <a:r>
-              <a:rPr lang="en-US" sz="1600" dirty="0" smtClean="0"/>
+              <a:rPr lang="en-US" sz="1600" dirty="0"/>
               <a:t>Peabody picture vocabulary test (PPVT)</a:t>
             </a:r>
           </a:p>
           <a:p>
             <a:pPr lvl="2"/>
             <a:r>
-              <a:rPr lang="en-US" sz="1600" dirty="0" smtClean="0"/>
+              <a:rPr lang="en-US" sz="1600" dirty="0"/>
               <a:t>Raven progressive matrices (Raven)</a:t>
             </a:r>
           </a:p>
           <a:p>
             <a:pPr lvl="1"/>
             <a:r>
-              <a:rPr lang="en-US" sz="2000" dirty="0" smtClean="0"/>
+              <a:rPr lang="en-US" sz="2000" dirty="0"/>
               <a:t>Predictors (X): Scores (0—40) on PA tasks where the stimuli were:</a:t>
             </a:r>
           </a:p>
           <a:p>
             <a:pPr lvl="2"/>
             <a:r>
-              <a:rPr lang="en-US" sz="1600" dirty="0" smtClean="0"/>
+              <a:rPr lang="en-US" sz="1600" dirty="0"/>
               <a:t>named (n), still (s), named-still (ns), named-action (</a:t>
             </a:r>
             <a:r>
-              <a:rPr lang="en-US" sz="1600" dirty="0" err="1" smtClean="0"/>
+              <a:rPr lang="en-US" sz="1600" dirty="0" err="1"/>
               <a:t>na</a:t>
             </a:r>
             <a:r>
-              <a:rPr lang="en-US" sz="1600" dirty="0" smtClean="0"/>
+              <a:rPr lang="en-US" sz="1600" dirty="0"/>
               <a:t>), sentence-still (</a:t>
             </a:r>
             <a:r>
-              <a:rPr lang="en-US" sz="1600" dirty="0" err="1" smtClean="0"/>
+              <a:rPr lang="en-US" sz="1600" dirty="0" err="1"/>
               <a:t>ss</a:t>
             </a:r>
             <a:r>
-              <a:rPr lang="en-US" sz="1600" dirty="0" smtClean="0"/>
+              <a:rPr lang="en-US" sz="1600" dirty="0"/>
               <a:t>)</a:t>
             </a:r>
-            <a:endParaRPr lang="en-US" sz="1600" dirty="0"/>
           </a:p>
         </p:txBody>
       </p:sp>
@@ -8573,16 +8335,10 @@
           <a:lstStyle/>
           <a:p>
             <a:r>
-              <a:rPr lang="en-US" sz="1200" dirty="0" smtClean="0">
-                <a:latin typeface="Lucida Console" pitchFamily="49" charset="0"/>
-              </a:rPr>
-              <a:t>&gt; data</a:t>
-            </a:r>
-            <a:r>
               <a:rPr lang="en-US" sz="1200" dirty="0">
                 <a:latin typeface="Lucida Console" pitchFamily="49" charset="0"/>
               </a:rPr>
-              <a:t>("</a:t>
+              <a:t>&gt; data("</a:t>
             </a:r>
             <a:r>
               <a:rPr lang="en-US" sz="1200" dirty="0" err="1">
@@ -8608,19 +8364,16 @@
               </a:rPr>
               <a:t>")</a:t>
             </a:r>
-            <a:endParaRPr lang="en-US" sz="1200" dirty="0" smtClean="0">
-              <a:latin typeface="Lucida Console" pitchFamily="49" charset="0"/>
-            </a:endParaRPr>
-          </a:p>
-          <a:p>
-            <a:r>
-              <a:rPr lang="en-US" sz="1200" dirty="0" smtClean="0">
+          </a:p>
+          <a:p>
+            <a:r>
+              <a:rPr lang="en-US" sz="1200" dirty="0">
                 <a:latin typeface="Lucida Console" pitchFamily="49" charset="0"/>
               </a:rPr>
               <a:t>&gt; car::some(</a:t>
             </a:r>
             <a:r>
-              <a:rPr lang="en-US" sz="1200" dirty="0" err="1" smtClean="0">
+              <a:rPr lang="en-US" sz="1200" dirty="0" err="1">
                 <a:latin typeface="Lucida Console" pitchFamily="49" charset="0"/>
               </a:rPr>
               <a:t>Rohwer</a:t>
@@ -8726,7 +8479,7 @@
           <a:lstStyle/>
           <a:p>
             <a:r>
-              <a:rPr lang="en-US" dirty="0" smtClean="0"/>
+              <a:rPr lang="en-US" dirty="0"/>
               <a:t>Having a group factor makes the analysis more complicated (MANCOVA)</a:t>
             </a:r>
           </a:p>
@@ -8734,14 +8487,13 @@
             <a:endParaRPr lang="en-US" dirty="0"/>
           </a:p>
           <a:p>
-            <a:endParaRPr lang="en-US" dirty="0" smtClean="0"/>
-          </a:p>
-          <a:p>
-            <a:r>
-              <a:rPr lang="en-US" dirty="0" smtClean="0"/>
+            <a:endParaRPr lang="en-US" dirty="0"/>
+          </a:p>
+          <a:p>
+            <a:r>
+              <a:rPr lang="en-US" dirty="0"/>
               <a:t>Start with analysis of the Hi SES group</a:t>
             </a:r>
-            <a:endParaRPr lang="en-US" dirty="0"/>
           </a:p>
         </p:txBody>
       </p:sp>
@@ -8772,16 +8524,10 @@
           <a:lstStyle/>
           <a:p>
             <a:r>
-              <a:rPr lang="en-US" sz="1200" dirty="0" smtClean="0">
-                <a:latin typeface="Lucida Console" pitchFamily="49" charset="0"/>
-              </a:rPr>
-              <a:t>&gt; Rohwer2 </a:t>
-            </a:r>
-            <a:r>
               <a:rPr lang="en-US" sz="1200" dirty="0">
                 <a:latin typeface="Lucida Console" pitchFamily="49" charset="0"/>
               </a:rPr>
-              <a:t>&lt;- subset(</a:t>
+              <a:t>&gt; Rohwer2 &lt;- subset(</a:t>
             </a:r>
             <a:r>
               <a:rPr lang="en-US" sz="1200" dirty="0" err="1">
@@ -8793,17 +8539,8 @@
               <a:rPr lang="en-US" sz="1200" dirty="0">
                 <a:latin typeface="Lucida Console" pitchFamily="49" charset="0"/>
               </a:rPr>
-              <a:t>, </a:t>
-            </a:r>
-            <a:r>
-              <a:rPr lang="en-US" sz="1200" dirty="0" smtClean="0">
-                <a:latin typeface="Lucida Console" pitchFamily="49" charset="0"/>
-              </a:rPr>
-              <a:t>subset=SES==“HI”)</a:t>
-            </a:r>
-            <a:endParaRPr lang="en-US" sz="1200" dirty="0">
-              <a:latin typeface="Lucida Console" pitchFamily="49" charset="0"/>
-            </a:endParaRPr>
+              <a:t>, subset=SES==“HI”)</a:t>
+            </a:r>
           </a:p>
         </p:txBody>
       </p:sp>
@@ -8817,13 +8554,6 @@
   <p:clrMapOvr>
     <a:masterClrMapping/>
   </p:clrMapOvr>
-  <p:timing>
-    <p:tnLst>
-      <p:par>
-        <p:cTn id="1" dur="indefinite" restart="never" nodeType="tmRoot"/>
-      </p:par>
-    </p:tnLst>
-  </p:timing>
 </p:sld>
 </file>
 
@@ -8860,10 +8590,9 @@
           <a:lstStyle/>
           <a:p>
             <a:r>
-              <a:rPr lang="en-US" dirty="0" smtClean="0"/>
+              <a:rPr lang="en-US" dirty="0"/>
               <a:t>Today’s topics</a:t>
             </a:r>
-            <a:endParaRPr lang="en-US" dirty="0"/>
           </a:p>
         </p:txBody>
       </p:sp>
@@ -8883,58 +8612,58 @@
           <a:lstStyle/>
           <a:p>
             <a:r>
-              <a:rPr lang="en-US" dirty="0" err="1" smtClean="0"/>
+              <a:rPr lang="en-US" dirty="0" err="1"/>
               <a:t>Manova</a:t>
             </a:r>
             <a:r>
-              <a:rPr lang="en-US" dirty="0" smtClean="0"/>
+              <a:rPr lang="en-US" dirty="0"/>
               <a:t> examples</a:t>
             </a:r>
           </a:p>
           <a:p>
             <a:pPr lvl="1"/>
             <a:r>
-              <a:rPr lang="en-US" dirty="0" smtClean="0"/>
+              <a:rPr lang="en-US" dirty="0"/>
               <a:t>Distinguishing among psychiatric groups</a:t>
             </a:r>
           </a:p>
           <a:p>
             <a:pPr lvl="1"/>
             <a:r>
-              <a:rPr lang="en-US" dirty="0" smtClean="0"/>
+              <a:rPr lang="en-US" dirty="0"/>
               <a:t>Robust MLMs</a:t>
             </a:r>
           </a:p>
           <a:p>
             <a:r>
-              <a:rPr lang="en-US" dirty="0" smtClean="0"/>
+              <a:rPr lang="en-US" dirty="0"/>
               <a:t>Multivariate regression</a:t>
             </a:r>
           </a:p>
           <a:p>
             <a:pPr lvl="1"/>
             <a:r>
-              <a:rPr lang="en-US" dirty="0" smtClean="0"/>
+              <a:rPr lang="en-US" dirty="0"/>
               <a:t>PA tests &amp; ability</a:t>
             </a:r>
           </a:p>
           <a:p>
             <a:pPr lvl="1"/>
             <a:r>
-              <a:rPr lang="en-US" dirty="0" smtClean="0"/>
+              <a:rPr lang="en-US" dirty="0"/>
               <a:t>Canonical correlation</a:t>
             </a:r>
           </a:p>
           <a:p>
             <a:pPr lvl="1"/>
             <a:r>
-              <a:rPr lang="en-US" dirty="0" smtClean="0"/>
+              <a:rPr lang="en-US" dirty="0"/>
               <a:t>MANCOVA &amp; homogeneity of regression</a:t>
             </a:r>
           </a:p>
           <a:p>
             <a:r>
-              <a:rPr lang="en-US" dirty="0" smtClean="0"/>
+              <a:rPr lang="en-US" dirty="0"/>
               <a:t>Homogeneity of variance</a:t>
             </a:r>
           </a:p>
@@ -8973,13 +8702,6 @@
   <p:clrMapOvr>
     <a:masterClrMapping/>
   </p:clrMapOvr>
-  <p:timing>
-    <p:tnLst>
-      <p:par>
-        <p:cTn id="1" dur="indefinite" restart="never" nodeType="tmRoot"/>
-      </p:par>
-    </p:tnLst>
-  </p:timing>
 </p:sld>
 </file>
 
@@ -9016,10 +8738,9 @@
           <a:lstStyle/>
           <a:p>
             <a:r>
-              <a:rPr lang="en-US" dirty="0" smtClean="0"/>
+              <a:rPr lang="en-US" dirty="0"/>
               <a:t>Why not univariate models?</a:t>
             </a:r>
-            <a:endParaRPr lang="en-US" dirty="0"/>
           </a:p>
         </p:txBody>
       </p:sp>
@@ -9164,13 +8885,7 @@
               <a:rPr lang="en-US" sz="1600" dirty="0">
                 <a:latin typeface="Lucida Console" pitchFamily="49" charset="0"/>
               </a:rPr>
-              <a:t>, data = Rohwer2</a:t>
-            </a:r>
-            <a:r>
-              <a:rPr lang="en-US" sz="1600" dirty="0" smtClean="0">
-                <a:latin typeface="Lucida Console" pitchFamily="49" charset="0"/>
-              </a:rPr>
-              <a:t>)</a:t>
+              <a:t>, data = Rohwer2)</a:t>
             </a:r>
           </a:p>
           <a:p>
@@ -9180,7 +8895,7 @@
           </a:p>
           <a:p>
             <a:r>
-              <a:rPr lang="en-US" sz="1600" dirty="0" smtClean="0">
+              <a:rPr lang="en-US" sz="1600" dirty="0">
                 <a:latin typeface="Lucida Console" pitchFamily="49" charset="0"/>
               </a:rPr>
               <a:t>library(stargazer)</a:t>
@@ -9188,26 +8903,11 @@
           </a:p>
           <a:p>
             <a:r>
-              <a:rPr lang="en-US" sz="1600" dirty="0" smtClean="0">
-                <a:latin typeface="Lucida Console" pitchFamily="49" charset="0"/>
-              </a:rPr>
-              <a:t>stargazer(rohwer.mod1</a:t>
-            </a:r>
-            <a:r>
               <a:rPr lang="en-US" sz="1600" dirty="0">
                 <a:latin typeface="Lucida Console" pitchFamily="49" charset="0"/>
               </a:rPr>
-              <a:t>, rohwer.mod2, rohwer.mod3</a:t>
-            </a:r>
-            <a:r>
-              <a:rPr lang="en-US" sz="1600" dirty="0" smtClean="0">
-                <a:latin typeface="Lucida Console" pitchFamily="49" charset="0"/>
-              </a:rPr>
-              <a:t>, type=“text”, …)</a:t>
-            </a:r>
-            <a:endParaRPr lang="en-US" sz="1600" dirty="0">
-              <a:latin typeface="Lucida Console" pitchFamily="49" charset="0"/>
-            </a:endParaRPr>
+              <a:t>stargazer(rohwer.mod1, rohwer.mod2, rohwer.mod3, type=“text”, …)</a:t>
+            </a:r>
           </a:p>
         </p:txBody>
       </p:sp>
@@ -9425,12 +9125,12 @@
           <a:lstStyle/>
           <a:p>
             <a:r>
-              <a:rPr lang="en-US" dirty="0" smtClean="0"/>
+              <a:rPr lang="en-US" dirty="0"/>
               <a:t>Results are disappointing</a:t>
             </a:r>
           </a:p>
           <a:p>
-            <a:endParaRPr lang="en-US" dirty="0" smtClean="0"/>
+            <a:endParaRPr lang="en-US" dirty="0"/>
           </a:p>
           <a:p>
             <a:pPr marL="285750" indent="-285750">
@@ -9438,15 +9138,15 @@
               <a:buChar char="•"/>
             </a:pPr>
             <a:r>
-              <a:rPr lang="en-US" sz="1600" dirty="0" smtClean="0"/>
+              <a:rPr lang="en-US" sz="1600" dirty="0"/>
               <a:t>Only model for SAT highly </a:t>
             </a:r>
             <a:r>
-              <a:rPr lang="en-US" sz="1600" dirty="0" err="1" smtClean="0"/>
+              <a:rPr lang="en-US" sz="1600" dirty="0" err="1"/>
               <a:t>signif</a:t>
             </a:r>
             <a:r>
-              <a:rPr lang="en-US" sz="1600" dirty="0" smtClean="0"/>
+              <a:rPr lang="en-US" sz="1600" dirty="0"/>
               <a:t>.</a:t>
             </a:r>
           </a:p>
@@ -9456,27 +9156,27 @@
               <a:buChar char="•"/>
             </a:pPr>
             <a:r>
-              <a:rPr lang="en-US" sz="1600" dirty="0" smtClean="0"/>
+              <a:rPr lang="en-US" sz="1600" dirty="0"/>
               <a:t>Only a few </a:t>
             </a:r>
             <a:r>
-              <a:rPr lang="en-US" sz="1600" dirty="0" err="1" smtClean="0"/>
+              <a:rPr lang="en-US" sz="1600" dirty="0" err="1"/>
               <a:t>coefs</a:t>
             </a:r>
             <a:r>
-              <a:rPr lang="en-US" sz="1600" dirty="0" smtClean="0"/>
+              <a:rPr lang="en-US" sz="1600" dirty="0"/>
               <a:t>. </a:t>
             </a:r>
             <a:r>
-              <a:rPr lang="en-US" sz="1600" dirty="0" err="1" smtClean="0"/>
+              <a:rPr lang="en-US" sz="1600" dirty="0" err="1"/>
               <a:t>signif</a:t>
             </a:r>
             <a:r>
-              <a:rPr lang="en-US" sz="1600" dirty="0" smtClean="0"/>
+              <a:rPr lang="en-US" sz="1600" dirty="0"/>
               <a:t>. </a:t>
             </a:r>
             <a:r>
-              <a:rPr lang="en-US" sz="1600" dirty="0" smtClean="0">
+              <a:rPr lang="en-US" sz="1600" dirty="0">
                 <a:sym typeface="Symbol"/>
               </a:rPr>
               <a:t>0</a:t>
@@ -9495,13 +9195,6 @@
   <p:clrMapOvr>
     <a:masterClrMapping/>
   </p:clrMapOvr>
-  <p:timing>
-    <p:tnLst>
-      <p:par>
-        <p:cTn id="1" dur="indefinite" restart="never" nodeType="tmRoot"/>
-      </p:par>
-    </p:tnLst>
-  </p:timing>
 </p:sld>
 </file>
 
@@ -9538,10 +9231,9 @@
           <a:lstStyle/>
           <a:p>
             <a:r>
-              <a:rPr lang="en-US" dirty="0" smtClean="0"/>
+              <a:rPr lang="en-US" dirty="0"/>
               <a:t>MANOVA tests</a:t>
             </a:r>
-            <a:endParaRPr lang="en-US" dirty="0"/>
           </a:p>
         </p:txBody>
       </p:sp>
@@ -9595,28 +9287,22 @@
           <a:lstStyle/>
           <a:p>
             <a:r>
-              <a:rPr lang="en-US" sz="1200" dirty="0" smtClean="0">
+              <a:rPr lang="en-US" sz="1200" dirty="0">
                 <a:latin typeface="Lucida Console" pitchFamily="49" charset="0"/>
               </a:rPr>
               <a:t>&gt; </a:t>
             </a:r>
             <a:r>
-              <a:rPr lang="en-US" sz="1200" dirty="0" err="1" smtClean="0">
+              <a:rPr lang="en-US" sz="1200" dirty="0" err="1">
                 <a:latin typeface="Lucida Console" pitchFamily="49" charset="0"/>
               </a:rPr>
               <a:t>rohwer.mlm</a:t>
             </a:r>
             <a:r>
-              <a:rPr lang="en-US" sz="1200" dirty="0" smtClean="0">
-                <a:latin typeface="Lucida Console" pitchFamily="49" charset="0"/>
-              </a:rPr>
-              <a:t> </a:t>
-            </a:r>
-            <a:r>
               <a:rPr lang="en-US" sz="1200" dirty="0">
                 <a:latin typeface="Lucida Console" pitchFamily="49" charset="0"/>
               </a:rPr>
-              <a:t>&lt;- lm(</a:t>
+              <a:t> &lt;- lm(</a:t>
             </a:r>
             <a:r>
               <a:rPr lang="en-US" sz="1200" dirty="0" err="1">
@@ -9657,31 +9343,31 @@
           </a:p>
           <a:p>
             <a:r>
-              <a:rPr lang="en-US" sz="1200" dirty="0" smtClean="0">
+              <a:rPr lang="en-US" sz="1200" dirty="0">
                 <a:latin typeface="Lucida Console" pitchFamily="49" charset="0"/>
               </a:rPr>
               <a:t>&gt; </a:t>
             </a:r>
             <a:r>
-              <a:rPr lang="en-US" sz="1200" dirty="0" err="1" smtClean="0">
+              <a:rPr lang="en-US" sz="1200" dirty="0" err="1">
                 <a:latin typeface="Lucida Console" pitchFamily="49" charset="0"/>
               </a:rPr>
               <a:t>Anova</a:t>
             </a:r>
             <a:r>
-              <a:rPr lang="en-US" sz="1200" dirty="0" smtClean="0">
+              <a:rPr lang="en-US" sz="1200" dirty="0">
                 <a:latin typeface="Lucida Console" pitchFamily="49" charset="0"/>
               </a:rPr>
               <a:t>(</a:t>
             </a:r>
             <a:r>
-              <a:rPr lang="en-US" sz="1200" dirty="0" err="1" smtClean="0">
+              <a:rPr lang="en-US" sz="1200" dirty="0" err="1">
                 <a:latin typeface="Lucida Console" pitchFamily="49" charset="0"/>
               </a:rPr>
               <a:t>rohwer.mlm</a:t>
             </a:r>
             <a:r>
-              <a:rPr lang="en-US" sz="1200" dirty="0" smtClean="0">
+              <a:rPr lang="en-US" sz="1200" dirty="0">
                 <a:latin typeface="Lucida Console" pitchFamily="49" charset="0"/>
               </a:rPr>
               <a:t>)</a:t>
@@ -9898,41 +9584,32 @@
               <a:rPr lang="en-US" sz="1200" dirty="0">
                 <a:latin typeface="Lucida Console" pitchFamily="49" charset="0"/>
               </a:rPr>
-              <a:t>&gt; </a:t>
-            </a:r>
-            <a:r>
-              <a:rPr lang="en-US" sz="1200" dirty="0" smtClean="0">
-                <a:latin typeface="Lucida Console" pitchFamily="49" charset="0"/>
-              </a:rPr>
-              <a:t>print(</a:t>
-            </a:r>
-            <a:r>
-              <a:rPr lang="en-US" sz="1200" dirty="0" err="1" smtClean="0">
+              <a:t>&gt; print(</a:t>
+            </a:r>
+            <a:r>
+              <a:rPr lang="en-US" sz="1200" dirty="0" err="1">
                 <a:latin typeface="Lucida Console" pitchFamily="49" charset="0"/>
               </a:rPr>
               <a:t>linearHypothesis</a:t>
             </a:r>
             <a:r>
-              <a:rPr lang="en-US" sz="1200" dirty="0" smtClean="0">
+              <a:rPr lang="en-US" sz="1200" dirty="0">
                 <a:latin typeface="Lucida Console" pitchFamily="49" charset="0"/>
               </a:rPr>
               <a:t>(</a:t>
             </a:r>
             <a:r>
-              <a:rPr lang="en-US" sz="1200" dirty="0" err="1" smtClean="0">
+              <a:rPr lang="en-US" sz="1200" dirty="0" err="1">
                 <a:latin typeface="Lucida Console" pitchFamily="49" charset="0"/>
               </a:rPr>
               <a:t>rohwer.mlm</a:t>
             </a:r>
             <a:r>
-              <a:rPr lang="en-US" sz="1200" dirty="0" smtClean="0">
+              <a:rPr lang="en-US" sz="1200" dirty="0">
                 <a:latin typeface="Lucida Console" pitchFamily="49" charset="0"/>
               </a:rPr>
               <a:t>, </a:t>
             </a:r>
-            <a:endParaRPr lang="en-US" sz="1200" dirty="0">
-              <a:latin typeface="Lucida Console" pitchFamily="49" charset="0"/>
-            </a:endParaRPr>
           </a:p>
           <a:p>
             <a:r>
@@ -9963,17 +9640,8 @@
               <a:rPr lang="en-US" sz="1200" dirty="0">
                 <a:latin typeface="Lucida Console" pitchFamily="49" charset="0"/>
               </a:rPr>
-              <a:t>")), </a:t>
-            </a:r>
-            <a:r>
-              <a:rPr lang="en-US" sz="1200" dirty="0" smtClean="0">
-                <a:latin typeface="Lucida Console" pitchFamily="49" charset="0"/>
-              </a:rPr>
-              <a:t>SSP=FALSE)</a:t>
-            </a:r>
-            <a:endParaRPr lang="en-US" sz="1200" dirty="0">
-              <a:latin typeface="Lucida Console" pitchFamily="49" charset="0"/>
-            </a:endParaRPr>
+              <a:t>")), SSP=FALSE)</a:t>
+            </a:r>
           </a:p>
           <a:p>
             <a:endParaRPr lang="en-US" sz="1200" dirty="0">
@@ -10149,42 +9817,41 @@
           <a:lstStyle/>
           <a:p>
             <a:r>
-              <a:rPr lang="en-US" dirty="0" smtClean="0"/>
+              <a:rPr lang="en-US" dirty="0"/>
               <a:t>Can also test overall hypothesis, H</a:t>
             </a:r>
             <a:r>
-              <a:rPr lang="en-US" baseline="-25000" dirty="0" smtClean="0"/>
+              <a:rPr lang="en-US" baseline="-25000" dirty="0"/>
               <a:t>0</a:t>
             </a:r>
             <a:r>
-              <a:rPr lang="en-US" dirty="0" smtClean="0"/>
+              <a:rPr lang="en-US" dirty="0"/>
               <a:t>: </a:t>
             </a:r>
             <a:r>
-              <a:rPr lang="en-US" b="1" dirty="0" smtClean="0"/>
+              <a:rPr lang="en-US" b="1" dirty="0"/>
               <a:t>B</a:t>
             </a:r>
             <a:r>
-              <a:rPr lang="en-US" dirty="0" smtClean="0"/>
+              <a:rPr lang="en-US" dirty="0"/>
               <a:t> = </a:t>
             </a:r>
             <a:r>
-              <a:rPr lang="en-US" b="1" dirty="0" smtClean="0"/>
+              <a:rPr lang="en-US" b="1" dirty="0"/>
               <a:t>0</a:t>
             </a:r>
             <a:r>
-              <a:rPr lang="en-US" dirty="0" smtClean="0"/>
+              <a:rPr lang="en-US" dirty="0"/>
               <a:t> (all </a:t>
             </a:r>
             <a:r>
-              <a:rPr lang="en-US" dirty="0" err="1" smtClean="0"/>
+              <a:rPr lang="en-US" dirty="0" err="1"/>
               <a:t>coefs</a:t>
             </a:r>
             <a:r>
-              <a:rPr lang="en-US" dirty="0" smtClean="0"/>
+              <a:rPr lang="en-US" dirty="0"/>
               <a:t> = 0)</a:t>
             </a:r>
-            <a:endParaRPr lang="en-US" dirty="0"/>
           </a:p>
         </p:txBody>
       </p:sp>
@@ -10213,16 +9880,16 @@
           <a:lstStyle/>
           <a:p>
             <a:r>
-              <a:rPr lang="en-US" sz="1600" dirty="0" smtClean="0"/>
+              <a:rPr lang="en-US" sz="1600" dirty="0"/>
               <a:t>Much better!</a:t>
             </a:r>
           </a:p>
           <a:p>
-            <a:endParaRPr lang="en-US" sz="1600" dirty="0" smtClean="0"/>
-          </a:p>
-          <a:p>
-            <a:r>
-              <a:rPr lang="en-US" sz="1600" dirty="0" smtClean="0"/>
+            <a:endParaRPr lang="en-US" sz="1600" dirty="0"/>
+          </a:p>
+          <a:p>
+            <a:r>
+              <a:rPr lang="en-US" sz="1600" dirty="0"/>
               <a:t>Multivariate tests:</a:t>
             </a:r>
           </a:p>
@@ -10232,14 +9899,14 @@
               <a:buChar char="•"/>
             </a:pPr>
             <a:r>
-              <a:rPr lang="en-US" sz="1400" dirty="0" smtClean="0"/>
+              <a:rPr lang="en-US" sz="1400" dirty="0"/>
               <a:t>pool evidence for all </a:t>
             </a:r>
             <a:r>
-              <a:rPr lang="en-US" sz="1400" dirty="0" err="1" smtClean="0"/>
+              <a:rPr lang="en-US" sz="1400" dirty="0" err="1"/>
               <a:t>Ys</a:t>
             </a:r>
-            <a:endParaRPr lang="en-US" sz="1400" dirty="0" smtClean="0"/>
+            <a:endParaRPr lang="en-US" sz="1400" dirty="0"/>
           </a:p>
           <a:p>
             <a:pPr marL="285750" indent="-285750">
@@ -10247,15 +9914,15 @@
               <a:buChar char="•"/>
             </a:pPr>
             <a:r>
-              <a:rPr lang="en-US" sz="1400" dirty="0" smtClean="0"/>
+              <a:rPr lang="en-US" sz="1400" dirty="0"/>
               <a:t>take correlations of </a:t>
             </a:r>
             <a:r>
-              <a:rPr lang="en-US" sz="1400" dirty="0" err="1" smtClean="0"/>
+              <a:rPr lang="en-US" sz="1400" dirty="0" err="1"/>
               <a:t>Ys</a:t>
             </a:r>
             <a:r>
-              <a:rPr lang="en-US" sz="1400" dirty="0" smtClean="0"/>
+              <a:rPr lang="en-US" sz="1400" dirty="0"/>
               <a:t> into account</a:t>
             </a:r>
           </a:p>
@@ -10286,18 +9953,17 @@
           <a:lstStyle/>
           <a:p>
             <a:r>
-              <a:rPr lang="en-US" sz="1600" dirty="0" smtClean="0"/>
+              <a:rPr lang="en-US" sz="1600" dirty="0"/>
               <a:t>Strongly reject H</a:t>
             </a:r>
             <a:r>
-              <a:rPr lang="en-US" sz="1600" baseline="-25000" dirty="0" smtClean="0"/>
+              <a:rPr lang="en-US" sz="1600" baseline="-25000" dirty="0"/>
               <a:t>0</a:t>
             </a:r>
             <a:r>
-              <a:rPr lang="en-US" sz="1600" dirty="0" smtClean="0"/>
+              <a:rPr lang="en-US" sz="1600" dirty="0"/>
               <a:t> by all criteria</a:t>
             </a:r>
-            <a:endParaRPr lang="en-US" sz="1600" dirty="0"/>
           </a:p>
         </p:txBody>
       </p:sp>
@@ -10311,13 +9977,6 @@
   <p:clrMapOvr>
     <a:masterClrMapping/>
   </p:clrMapOvr>
-  <p:timing>
-    <p:tnLst>
-      <p:par>
-        <p:cTn id="1" dur="indefinite" restart="never" nodeType="tmRoot"/>
-      </p:par>
-    </p:tnLst>
-  </p:timing>
 </p:sld>
 </file>
 
@@ -10354,10 +10013,9 @@
           <a:lstStyle/>
           <a:p>
             <a:r>
-              <a:rPr lang="en-US" dirty="0" smtClean="0"/>
+              <a:rPr lang="en-US" dirty="0"/>
               <a:t>Visualize me!</a:t>
             </a:r>
-            <a:endParaRPr lang="en-US" dirty="0"/>
           </a:p>
         </p:txBody>
       </p:sp>
@@ -10438,78 +10096,60 @@
               <a:rPr lang="en-US" sz="1200" dirty="0">
                 <a:latin typeface="Lucida Console" pitchFamily="49" charset="0"/>
               </a:rPr>
-              <a:t>", </a:t>
-            </a:r>
-            <a:r>
-              <a:rPr lang="en-US" sz="1200" dirty="0" smtClean="0">
-                <a:latin typeface="Lucida Console" pitchFamily="49" charset="0"/>
-              </a:rPr>
-              <a:t>"</a:t>
+              <a:t>", "magenta", "gray20")</a:t>
+            </a:r>
+          </a:p>
+          <a:p>
+            <a:r>
+              <a:rPr lang="en-US" sz="1200" dirty="0" err="1">
+                <a:latin typeface="Lucida Console" pitchFamily="49" charset="0"/>
+              </a:rPr>
+              <a:t>hyp</a:t>
             </a:r>
             <a:r>
               <a:rPr lang="en-US" sz="1200" dirty="0">
                 <a:latin typeface="Lucida Console" pitchFamily="49" charset="0"/>
               </a:rPr>
-              <a:t>magenta", "gray20")</a:t>
-            </a:r>
-          </a:p>
-          <a:p>
-            <a:r>
-              <a:rPr lang="en-US" sz="1200" dirty="0" err="1" smtClean="0">
-                <a:latin typeface="Lucida Console" pitchFamily="49" charset="0"/>
-              </a:rPr>
-              <a:t>hyp</a:t>
-            </a:r>
-            <a:r>
-              <a:rPr lang="en-US" sz="1200" dirty="0" smtClean="0">
-                <a:latin typeface="Lucida Console" pitchFamily="49" charset="0"/>
-              </a:rPr>
-              <a:t> </a:t>
+              <a:t> &lt;- list("</a:t>
+            </a:r>
+            <a:r>
+              <a:rPr lang="en-US" sz="1200" dirty="0" err="1">
+                <a:latin typeface="Lucida Console" pitchFamily="49" charset="0"/>
+              </a:rPr>
+              <a:t>Regr</a:t>
             </a:r>
             <a:r>
               <a:rPr lang="en-US" sz="1200" dirty="0">
                 <a:latin typeface="Lucida Console" pitchFamily="49" charset="0"/>
               </a:rPr>
-              <a:t>&lt;- list("</a:t>
+              <a:t>" = c("n", "s", "ns", "</a:t>
             </a:r>
             <a:r>
               <a:rPr lang="en-US" sz="1200" dirty="0" err="1">
                 <a:latin typeface="Lucida Console" pitchFamily="49" charset="0"/>
               </a:rPr>
-              <a:t>Regr</a:t>
+              <a:t>na</a:t>
             </a:r>
             <a:r>
               <a:rPr lang="en-US" sz="1200" dirty="0">
                 <a:latin typeface="Lucida Console" pitchFamily="49" charset="0"/>
               </a:rPr>
-              <a:t>" = c("n", "s", "ns", "</a:t>
+              <a:t>", "</a:t>
             </a:r>
             <a:r>
               <a:rPr lang="en-US" sz="1200" dirty="0" err="1">
                 <a:latin typeface="Lucida Console" pitchFamily="49" charset="0"/>
               </a:rPr>
-              <a:t>na</a:t>
+              <a:t>ss</a:t>
             </a:r>
             <a:r>
               <a:rPr lang="en-US" sz="1200" dirty="0">
                 <a:latin typeface="Lucida Console" pitchFamily="49" charset="0"/>
               </a:rPr>
-              <a:t>", "</a:t>
-            </a:r>
-            <a:r>
-              <a:rPr lang="en-US" sz="1200" dirty="0" err="1">
-                <a:latin typeface="Lucida Console" pitchFamily="49" charset="0"/>
-              </a:rPr>
-              <a:t>ss</a:t>
-            </a:r>
-            <a:r>
-              <a:rPr lang="en-US" sz="1200" dirty="0" smtClean="0">
-                <a:latin typeface="Lucida Console" pitchFamily="49" charset="0"/>
-              </a:rPr>
               <a:t>"))   </a:t>
             </a:r>
             <a:r>
-              <a:rPr lang="en-US" sz="1200" dirty="0" smtClean="0">
+              <a:rPr lang="en-US" sz="1200" dirty="0">
                 <a:solidFill>
                   <a:srgbClr val="00B050"/>
                 </a:solidFill>
@@ -10517,41 +10157,32 @@
               </a:rPr>
               <a:t># Test of B = 0</a:t>
             </a:r>
-            <a:endParaRPr lang="en-US" sz="1200" dirty="0">
-              <a:solidFill>
-                <a:srgbClr val="00B050"/>
-              </a:solidFill>
-              <a:latin typeface="Lucida Console" pitchFamily="49" charset="0"/>
-            </a:endParaRPr>
-          </a:p>
-          <a:p>
-            <a:r>
-              <a:rPr lang="en-US" sz="1200" dirty="0" err="1" smtClean="0">
+          </a:p>
+          <a:p>
+            <a:r>
+              <a:rPr lang="en-US" sz="1200" dirty="0" err="1">
                 <a:latin typeface="Lucida Console" pitchFamily="49" charset="0"/>
               </a:rPr>
               <a:t>heplot</a:t>
             </a:r>
             <a:r>
-              <a:rPr lang="en-US" sz="1200" dirty="0" smtClean="0">
+              <a:rPr lang="en-US" sz="1200" dirty="0">
                 <a:latin typeface="Lucida Console" pitchFamily="49" charset="0"/>
               </a:rPr>
               <a:t>(</a:t>
             </a:r>
             <a:r>
-              <a:rPr lang="en-US" sz="1200" dirty="0" err="1" smtClean="0">
+              <a:rPr lang="en-US" sz="1200" dirty="0" err="1">
                 <a:latin typeface="Lucida Console" pitchFamily="49" charset="0"/>
               </a:rPr>
               <a:t>rohwer.mlm</a:t>
             </a:r>
             <a:r>
-              <a:rPr lang="en-US" sz="1200" dirty="0" smtClean="0">
+              <a:rPr lang="en-US" sz="1200" dirty="0">
                 <a:latin typeface="Lucida Console" pitchFamily="49" charset="0"/>
               </a:rPr>
               <a:t>, </a:t>
             </a:r>
-            <a:endParaRPr lang="en-US" sz="1200" dirty="0">
-              <a:latin typeface="Lucida Console" pitchFamily="49" charset="0"/>
-            </a:endParaRPr>
           </a:p>
           <a:p>
             <a:r>
@@ -10590,29 +10221,20 @@
               <a:rPr lang="en-US" sz="1200" dirty="0">
                 <a:latin typeface="Lucida Console" pitchFamily="49" charset="0"/>
               </a:rPr>
-              <a:t>=0.1, </a:t>
-            </a:r>
-            <a:r>
-              <a:rPr lang="en-US" sz="1200" dirty="0" smtClean="0">
-                <a:latin typeface="Lucida Console" pitchFamily="49" charset="0"/>
-              </a:rPr>
-              <a:t>col=</a:t>
-            </a:r>
-            <a:r>
-              <a:rPr lang="en-US" sz="1200" dirty="0" err="1" smtClean="0">
+              <a:t>=0.1, col=</a:t>
+            </a:r>
+            <a:r>
+              <a:rPr lang="en-US" sz="1200" dirty="0" err="1">
                 <a:latin typeface="Lucida Console" pitchFamily="49" charset="0"/>
               </a:rPr>
               <a:t>cols,lwd</a:t>
             </a:r>
             <a:r>
-              <a:rPr lang="en-US" sz="1200" dirty="0" smtClean="0">
+              <a:rPr lang="en-US" sz="1200" dirty="0">
                 <a:latin typeface="Lucida Console" pitchFamily="49" charset="0"/>
               </a:rPr>
               <a:t>=c(1,3))</a:t>
             </a:r>
-            <a:endParaRPr lang="en-US" sz="1200" dirty="0">
-              <a:latin typeface="Lucida Console" pitchFamily="49" charset="0"/>
-            </a:endParaRPr>
           </a:p>
         </p:txBody>
       </p:sp>
@@ -10669,63 +10291,62 @@
           <a:lstStyle/>
           <a:p>
             <a:r>
-              <a:rPr lang="en-US" dirty="0" smtClean="0"/>
+              <a:rPr lang="en-US" dirty="0"/>
               <a:t>Each predictor gives a 1 </a:t>
             </a:r>
             <a:r>
-              <a:rPr lang="en-US" dirty="0" err="1" smtClean="0"/>
+              <a:rPr lang="en-US" dirty="0" err="1"/>
               <a:t>df</a:t>
             </a:r>
             <a:r>
-              <a:rPr lang="en-US" dirty="0" smtClean="0"/>
+              <a:rPr lang="en-US" dirty="0"/>
               <a:t> test -&gt; </a:t>
             </a:r>
             <a:r>
-              <a:rPr lang="en-US" b="1" dirty="0" smtClean="0"/>
+              <a:rPr lang="en-US" b="1" dirty="0"/>
               <a:t>H</a:t>
             </a:r>
             <a:r>
-              <a:rPr lang="en-US" baseline="-25000" dirty="0" smtClean="0"/>
+              <a:rPr lang="en-US" baseline="-25000" dirty="0"/>
               <a:t>i</a:t>
             </a:r>
             <a:r>
-              <a:rPr lang="en-US" dirty="0" smtClean="0"/>
+              <a:rPr lang="en-US" dirty="0"/>
               <a:t> ellipse is a line</a:t>
             </a:r>
+          </a:p>
+          <a:p>
+            <a:r>
+              <a:rPr lang="en-US" b="1" dirty="0"/>
+              <a:t>E</a:t>
+            </a:r>
+            <a:r>
+              <a:rPr lang="en-US" dirty="0"/>
+              <a:t> here is a 3D ellipsoid (rank(</a:t>
+            </a:r>
+            <a:r>
+              <a:rPr lang="en-US" b="1" dirty="0"/>
+              <a:t>E</a:t>
+            </a:r>
+            <a:r>
+              <a:rPr lang="en-US" dirty="0"/>
+              <a:t>) = min(</a:t>
+            </a:r>
+            <a:r>
+              <a:rPr lang="en-US" dirty="0" err="1"/>
+              <a:t>p,q</a:t>
+            </a:r>
+            <a:r>
+              <a:rPr lang="en-US" dirty="0"/>
+              <a:t>))</a:t>
+            </a:r>
+          </a:p>
+          <a:p>
             <a:endParaRPr lang="en-US" dirty="0"/>
           </a:p>
           <a:p>
             <a:r>
-              <a:rPr lang="en-US" b="1" dirty="0" smtClean="0"/>
-              <a:t>E</a:t>
-            </a:r>
-            <a:r>
-              <a:rPr lang="en-US" dirty="0" smtClean="0"/>
-              <a:t> here is a 3D ellipsoid (rank(</a:t>
-            </a:r>
-            <a:r>
-              <a:rPr lang="en-US" b="1" dirty="0" smtClean="0"/>
-              <a:t>E</a:t>
-            </a:r>
-            <a:r>
-              <a:rPr lang="en-US" dirty="0" smtClean="0"/>
-              <a:t>) = min(</a:t>
-            </a:r>
-            <a:r>
-              <a:rPr lang="en-US" dirty="0" err="1" smtClean="0"/>
-              <a:t>p,q</a:t>
-            </a:r>
-            <a:r>
-              <a:rPr lang="en-US" dirty="0" smtClean="0"/>
-              <a:t>))</a:t>
-            </a:r>
-          </a:p>
-          <a:p>
-            <a:endParaRPr lang="en-US" dirty="0"/>
-          </a:p>
-          <a:p>
-            <a:r>
-              <a:rPr lang="en-US" dirty="0" smtClean="0"/>
+              <a:rPr lang="en-US" dirty="0"/>
               <a:t>Interpretation:</a:t>
             </a:r>
           </a:p>
@@ -10738,26 +10359,25 @@
               <a:buChar char="•"/>
             </a:pPr>
             <a:r>
-              <a:rPr lang="en-US" dirty="0" smtClean="0"/>
+              <a:rPr lang="en-US" dirty="0"/>
               <a:t>Any </a:t>
             </a:r>
             <a:r>
-              <a:rPr lang="en-US" b="1" dirty="0" smtClean="0"/>
+              <a:rPr lang="en-US" b="1" dirty="0"/>
               <a:t>H</a:t>
             </a:r>
             <a:r>
-              <a:rPr lang="en-US" dirty="0" smtClean="0"/>
+              <a:rPr lang="en-US" dirty="0"/>
               <a:t> ellipse that protrudes outside </a:t>
             </a:r>
             <a:r>
-              <a:rPr lang="en-US" b="1" dirty="0" smtClean="0"/>
+              <a:rPr lang="en-US" b="1" dirty="0"/>
               <a:t>E</a:t>
             </a:r>
             <a:r>
-              <a:rPr lang="en-US" dirty="0" smtClean="0"/>
+              <a:rPr lang="en-US" dirty="0"/>
               <a:t> ellipse is significant by Roy’s test</a:t>
             </a:r>
-            <a:endParaRPr lang="en-US" dirty="0"/>
           </a:p>
           <a:p>
             <a:pPr marL="285750" indent="-285750">
@@ -10765,23 +10385,23 @@
               <a:buChar char="•"/>
             </a:pPr>
             <a:r>
-              <a:rPr lang="en-US" dirty="0" smtClean="0"/>
+              <a:rPr lang="en-US" dirty="0"/>
               <a:t>Length of each </a:t>
             </a:r>
             <a:r>
-              <a:rPr lang="en-US" b="1" dirty="0" smtClean="0"/>
+              <a:rPr lang="en-US" b="1" dirty="0"/>
               <a:t>H</a:t>
             </a:r>
             <a:r>
-              <a:rPr lang="en-US" baseline="-25000" dirty="0" smtClean="0"/>
+              <a:rPr lang="en-US" baseline="-25000" dirty="0"/>
               <a:t>i</a:t>
             </a:r>
             <a:r>
-              <a:rPr lang="en-US" dirty="0" smtClean="0"/>
+              <a:rPr lang="en-US" dirty="0"/>
               <a:t> line </a:t>
             </a:r>
             <a:r>
-              <a:rPr lang="en-US" dirty="0" smtClean="0">
+              <a:rPr lang="en-US" dirty="0">
                 <a:sym typeface="Symbol"/>
               </a:rPr>
               <a:t> strength of association</a:t>
@@ -10793,55 +10413,55 @@
               <a:buChar char="•"/>
             </a:pPr>
             <a:r>
-              <a:rPr lang="en-US" dirty="0" smtClean="0">
+              <a:rPr lang="en-US" dirty="0">
                 <a:sym typeface="Symbol"/>
               </a:rPr>
               <a:t>Orientation of each </a:t>
             </a:r>
             <a:r>
-              <a:rPr lang="en-US" b="1" dirty="0" smtClean="0">
+              <a:rPr lang="en-US" b="1" dirty="0">
                 <a:sym typeface="Symbol"/>
               </a:rPr>
               <a:t>H</a:t>
             </a:r>
             <a:r>
-              <a:rPr lang="en-US" baseline="-25000" dirty="0" smtClean="0">
+              <a:rPr lang="en-US" baseline="-25000" dirty="0">
                 <a:sym typeface="Symbol"/>
               </a:rPr>
               <a:t>i</a:t>
             </a:r>
             <a:r>
-              <a:rPr lang="en-US" dirty="0" smtClean="0">
+              <a:rPr lang="en-US" dirty="0">
                 <a:sym typeface="Symbol"/>
               </a:rPr>
               <a:t> line shows relation of X</a:t>
             </a:r>
             <a:r>
-              <a:rPr lang="en-US" baseline="-25000" dirty="0" smtClean="0">
+              <a:rPr lang="en-US" baseline="-25000" dirty="0">
                 <a:sym typeface="Symbol"/>
               </a:rPr>
               <a:t>i</a:t>
             </a:r>
             <a:r>
-              <a:rPr lang="en-US" dirty="0" smtClean="0">
+              <a:rPr lang="en-US" dirty="0">
                 <a:sym typeface="Symbol"/>
               </a:rPr>
               <a:t> to the two </a:t>
             </a:r>
             <a:r>
-              <a:rPr lang="en-US" dirty="0" err="1" smtClean="0">
+              <a:rPr lang="en-US" dirty="0" err="1">
                 <a:sym typeface="Symbol"/>
               </a:rPr>
               <a:t>Y</a:t>
             </a:r>
             <a:r>
-              <a:rPr lang="en-US" baseline="-25000" dirty="0" err="1" smtClean="0">
+              <a:rPr lang="en-US" baseline="-25000" dirty="0" err="1">
                 <a:sym typeface="Symbol"/>
               </a:rPr>
               <a:t>j</a:t>
             </a:r>
             <a:r>
-              <a:rPr lang="en-US" dirty="0" smtClean="0">
+              <a:rPr lang="en-US" dirty="0">
                 <a:sym typeface="Symbol"/>
               </a:rPr>
               <a:t> responses shown.</a:t>
@@ -10852,7 +10472,7 @@
               <a:buFont typeface="Arial" pitchFamily="34" charset="0"/>
               <a:buChar char="•"/>
             </a:pPr>
-            <a:endParaRPr lang="en-US" dirty="0" smtClean="0"/>
+            <a:endParaRPr lang="en-US" dirty="0"/>
           </a:p>
         </p:txBody>
       </p:sp>
@@ -10866,13 +10486,6 @@
   <p:clrMapOvr>
     <a:masterClrMapping/>
   </p:clrMapOvr>
-  <p:timing>
-    <p:tnLst>
-      <p:par>
-        <p:cTn id="1" dur="indefinite" restart="never" nodeType="tmRoot"/>
-      </p:par>
-    </p:tnLst>
-  </p:timing>
 </p:sld>
 </file>
 
@@ -10909,14 +10522,13 @@
           <a:lstStyle/>
           <a:p>
             <a:r>
-              <a:rPr lang="en-US" dirty="0" err="1" smtClean="0"/>
+              <a:rPr lang="en-US" dirty="0" err="1"/>
               <a:t>pairs.mlm</a:t>
             </a:r>
             <a:r>
-              <a:rPr lang="en-US" dirty="0" smtClean="0"/>
+              <a:rPr lang="en-US" dirty="0"/>
               <a:t>() plot</a:t>
             </a:r>
-            <a:endParaRPr lang="en-US" dirty="0"/>
           </a:p>
         </p:txBody>
       </p:sp>
@@ -10970,20 +10582,16 @@
           <a:lstStyle/>
           <a:p>
             <a:r>
-              <a:rPr lang="en-US" dirty="0" smtClean="0"/>
+              <a:rPr lang="en-US" dirty="0"/>
               <a:t>pairs(</a:t>
             </a:r>
             <a:r>
-              <a:rPr lang="en-US" dirty="0" err="1" smtClean="0"/>
+              <a:rPr lang="en-US" dirty="0" err="1"/>
               <a:t>rohwer.mlm</a:t>
             </a:r>
             <a:r>
-              <a:rPr lang="en-US" dirty="0" smtClean="0"/>
-              <a:t>, </a:t>
-            </a:r>
-            <a:r>
               <a:rPr lang="en-US" dirty="0"/>
-              <a:t>hypotheses=</a:t>
+              <a:t>, hypotheses=</a:t>
             </a:r>
             <a:r>
               <a:rPr lang="en-US" dirty="0" err="1"/>
@@ -10991,25 +10599,16 @@
             </a:r>
             <a:r>
               <a:rPr lang="en-US" dirty="0"/>
-              <a:t>, col=cols, </a:t>
-            </a:r>
-            <a:r>
-              <a:rPr lang="en-US" dirty="0" smtClean="0"/>
-              <a:t>fill=TRUE</a:t>
+              <a:t>, col=cols, fill=TRUE, </a:t>
+            </a:r>
+            <a:r>
+              <a:rPr lang="en-US" dirty="0" err="1"/>
+              <a:t>fill.alpha</a:t>
             </a:r>
             <a:r>
               <a:rPr lang="en-US" dirty="0"/>
-              <a:t>, </a:t>
-            </a:r>
-            <a:r>
-              <a:rPr lang="en-US" dirty="0" err="1" smtClean="0"/>
-              <a:t>fill.alpha</a:t>
-            </a:r>
-            <a:r>
-              <a:rPr lang="en-US" dirty="0" smtClean="0"/>
               <a:t>=0.1, …)</a:t>
             </a:r>
-            <a:endParaRPr lang="en-US" dirty="0"/>
           </a:p>
         </p:txBody>
       </p:sp>
@@ -11066,10 +10665,9 @@
           <a:lstStyle/>
           <a:p>
             <a:r>
-              <a:rPr lang="en-US" dirty="0" smtClean="0"/>
+              <a:rPr lang="en-US" dirty="0"/>
               <a:t>View all pairwise HE plots</a:t>
             </a:r>
-            <a:endParaRPr lang="en-US" dirty="0"/>
           </a:p>
         </p:txBody>
       </p:sp>
@@ -11096,7 +10694,7 @@
           <a:lstStyle/>
           <a:p>
             <a:r>
-              <a:rPr lang="en-US" dirty="0" smtClean="0"/>
+              <a:rPr lang="en-US" dirty="0"/>
               <a:t>Can now understand more subtle aspects</a:t>
             </a:r>
           </a:p>
@@ -11105,21 +10703,21 @@
           </a:p>
           <a:p>
             <a:r>
-              <a:rPr lang="en-US" dirty="0" smtClean="0"/>
+              <a:rPr lang="en-US" dirty="0"/>
               <a:t>SAT is best predicted overall, but relation with PA tests varies</a:t>
             </a:r>
           </a:p>
           <a:p>
             <a:r>
-              <a:rPr lang="en-US" dirty="0" smtClean="0"/>
+              <a:rPr lang="en-US" dirty="0"/>
               <a:t>The </a:t>
             </a:r>
             <a:r>
-              <a:rPr lang="en-US" dirty="0" err="1" smtClean="0"/>
+              <a:rPr lang="en-US" dirty="0" err="1"/>
               <a:t>na</a:t>
             </a:r>
             <a:r>
-              <a:rPr lang="en-US" dirty="0" smtClean="0"/>
+              <a:rPr lang="en-US" dirty="0"/>
               <a:t> &amp; ns tasks  are strongest for SAT</a:t>
             </a:r>
           </a:p>
@@ -11128,10 +10726,9 @@
           </a:p>
           <a:p>
             <a:r>
-              <a:rPr lang="en-US" dirty="0" smtClean="0"/>
+              <a:rPr lang="en-US" dirty="0"/>
               <a:t>Raven is weakly predicted</a:t>
             </a:r>
-            <a:endParaRPr lang="en-US" dirty="0"/>
           </a:p>
         </p:txBody>
       </p:sp>
@@ -11145,13 +10742,6 @@
   <p:clrMapOvr>
     <a:masterClrMapping/>
   </p:clrMapOvr>
-  <p:timing>
-    <p:tnLst>
-      <p:par>
-        <p:cTn id="1" dur="indefinite" restart="never" nodeType="tmRoot"/>
-      </p:par>
-    </p:tnLst>
-  </p:timing>
 </p:sld>
 </file>
 
@@ -11188,10 +10778,9 @@
           <a:lstStyle/>
           <a:p>
             <a:r>
-              <a:rPr lang="en-US" dirty="0" smtClean="0"/>
+              <a:rPr lang="en-US" dirty="0"/>
               <a:t>Canonical correlations</a:t>
             </a:r>
-            <a:endParaRPr lang="en-US" dirty="0"/>
           </a:p>
         </p:txBody>
       </p:sp>
@@ -11241,17 +10830,17 @@
           <a:lstStyle/>
           <a:p>
             <a:r>
-              <a:rPr lang="en-US" dirty="0" smtClean="0"/>
+              <a:rPr lang="en-US" dirty="0"/>
               <a:t>For quantitative (X, Y) data, canonical correlation analysis is an alternative to MMRA</a:t>
             </a:r>
           </a:p>
           <a:p>
             <a:r>
-              <a:rPr lang="en-US" dirty="0" smtClean="0"/>
+              <a:rPr lang="en-US" dirty="0"/>
               <a:t>It finds the weighted sums of the Y variables most highly correlated with the </a:t>
             </a:r>
             <a:r>
-              <a:rPr lang="en-US" dirty="0" err="1" smtClean="0"/>
+              <a:rPr lang="en-US" dirty="0" err="1"/>
               <a:t>Xs</a:t>
             </a:r>
             <a:endParaRPr lang="en-US" dirty="0"/>
@@ -11304,31 +10893,19 @@
               <a:rPr lang="en-US" sz="1100" dirty="0">
                 <a:latin typeface="Lucida Console" pitchFamily="49" charset="0"/>
               </a:rPr>
-              <a:t>&gt; </a:t>
-            </a:r>
-            <a:r>
-              <a:rPr lang="en-US" sz="1100" dirty="0" smtClean="0">
-                <a:latin typeface="Lucida Console" pitchFamily="49" charset="0"/>
-              </a:rPr>
-              <a:t>(</a:t>
-            </a:r>
-            <a:r>
-              <a:rPr lang="en-US" sz="1100" b="1" dirty="0" smtClean="0">
+              <a:t>&gt; (</a:t>
+            </a:r>
+            <a:r>
+              <a:rPr lang="en-US" sz="1100" b="1" dirty="0">
                 <a:latin typeface="Lucida Console" pitchFamily="49" charset="0"/>
               </a:rPr>
               <a:t>cc</a:t>
             </a:r>
             <a:r>
-              <a:rPr lang="en-US" sz="1100" dirty="0" smtClean="0">
-                <a:latin typeface="Lucida Console" pitchFamily="49" charset="0"/>
-              </a:rPr>
-              <a:t> </a:t>
-            </a:r>
-            <a:r>
               <a:rPr lang="en-US" sz="1100" dirty="0">
                 <a:latin typeface="Lucida Console" pitchFamily="49" charset="0"/>
               </a:rPr>
-              <a:t>&lt;- </a:t>
+              <a:t> &lt;- </a:t>
             </a:r>
             <a:r>
               <a:rPr lang="en-US" sz="1100" dirty="0" err="1">
@@ -11352,17 +10929,8 @@
               <a:rPr lang="en-US" sz="1100" dirty="0">
                 <a:latin typeface="Lucida Console" pitchFamily="49" charset="0"/>
               </a:rPr>
-              <a:t>=c("PA", "Ability</a:t>
-            </a:r>
-            <a:r>
-              <a:rPr lang="en-US" sz="1100" dirty="0" smtClean="0">
-                <a:latin typeface="Lucida Console" pitchFamily="49" charset="0"/>
-              </a:rPr>
-              <a:t>")))</a:t>
-            </a:r>
-            <a:endParaRPr lang="en-US" sz="1100" dirty="0">
-              <a:latin typeface="Lucida Console" pitchFamily="49" charset="0"/>
-            </a:endParaRPr>
+              <a:t>=c("PA", "Ability")))</a:t>
+            </a:r>
           </a:p>
           <a:p>
             <a:endParaRPr lang="en-US" sz="1100" dirty="0">
@@ -11621,10 +11189,9 @@
           <a:lstStyle/>
           <a:p>
             <a:r>
-              <a:rPr lang="en-US" dirty="0" smtClean="0"/>
+              <a:rPr lang="en-US" dirty="0"/>
               <a:t>Two dimensions acct for 91.7% of (X,Y) association</a:t>
             </a:r>
-            <a:endParaRPr lang="en-US" dirty="0"/>
           </a:p>
         </p:txBody>
       </p:sp>
@@ -11651,10 +11218,9 @@
           <a:lstStyle/>
           <a:p>
             <a:r>
-              <a:rPr lang="en-US" dirty="0" smtClean="0"/>
+              <a:rPr lang="en-US" dirty="0"/>
               <a:t>Only Can1 is significant</a:t>
             </a:r>
-            <a:endParaRPr lang="en-US" dirty="0"/>
           </a:p>
         </p:txBody>
       </p:sp>
@@ -11668,13 +11234,6 @@
   <p:clrMapOvr>
     <a:masterClrMapping/>
   </p:clrMapOvr>
-  <p:timing>
-    <p:tnLst>
-      <p:par>
-        <p:cTn id="1" dur="indefinite" restart="never" nodeType="tmRoot"/>
-      </p:par>
-    </p:tnLst>
-  </p:timing>
 </p:sld>
 </file>
 
@@ -11711,10 +11270,9 @@
           <a:lstStyle/>
           <a:p>
             <a:r>
-              <a:rPr lang="en-US" dirty="0" smtClean="0"/>
+              <a:rPr lang="en-US" dirty="0"/>
               <a:t>Visualize CCA in HE plot</a:t>
             </a:r>
-            <a:endParaRPr lang="en-US" dirty="0"/>
           </a:p>
         </p:txBody>
       </p:sp>
@@ -11838,22 +11396,16 @@
           </a:p>
           <a:p>
             <a:r>
-              <a:rPr lang="en-US" sz="1200" dirty="0" err="1" smtClean="0">
+              <a:rPr lang="en-US" sz="1200" dirty="0" err="1">
                 <a:latin typeface="Lucida Console" pitchFamily="49" charset="0"/>
               </a:rPr>
               <a:t>heplot</a:t>
             </a:r>
             <a:r>
-              <a:rPr lang="en-US" sz="1200" dirty="0" smtClean="0">
-                <a:latin typeface="Lucida Console" pitchFamily="49" charset="0"/>
-              </a:rPr>
-              <a:t>(cc</a:t>
-            </a:r>
-            <a:r>
               <a:rPr lang="en-US" sz="1200" dirty="0">
                 <a:latin typeface="Lucida Console" pitchFamily="49" charset="0"/>
               </a:rPr>
-              <a:t>, hypotheses=list("</a:t>
+              <a:t>(cc, hypotheses=list("</a:t>
             </a:r>
             <a:r>
               <a:rPr lang="en-US" sz="1200" dirty="0" err="1">
@@ -11973,17 +11525,8 @@
               <a:rPr lang="en-US" sz="1200" dirty="0">
                 <a:latin typeface="Lucida Console" pitchFamily="49" charset="0"/>
               </a:rPr>
-              <a:t>="black</a:t>
-            </a:r>
-            <a:r>
-              <a:rPr lang="en-US" sz="1200" dirty="0" smtClean="0">
-                <a:latin typeface="Lucida Console" pitchFamily="49" charset="0"/>
-              </a:rPr>
-              <a:t>")</a:t>
-            </a:r>
-            <a:endParaRPr lang="en-US" sz="1200" dirty="0">
-              <a:latin typeface="Lucida Console" pitchFamily="49" charset="0"/>
-            </a:endParaRPr>
+              <a:t>="black")</a:t>
+            </a:r>
           </a:p>
         </p:txBody>
       </p:sp>
@@ -12010,44 +11553,44 @@
           <a:lstStyle/>
           <a:p>
             <a:r>
-              <a:rPr lang="en-US" sz="1600" dirty="0" smtClean="0"/>
+              <a:rPr lang="en-US" sz="1600" dirty="0"/>
               <a:t>Residuals are uncorrelated in canonical space</a:t>
             </a:r>
           </a:p>
           <a:p>
-            <a:endParaRPr lang="en-US" sz="1600" b="1" dirty="0" smtClean="0"/>
-          </a:p>
-          <a:p>
-            <a:r>
-              <a:rPr lang="en-US" sz="1600" b="1" dirty="0" smtClean="0"/>
+            <a:endParaRPr lang="en-US" sz="1600" b="1" dirty="0"/>
+          </a:p>
+          <a:p>
+            <a:r>
+              <a:rPr lang="en-US" sz="1600" b="1" dirty="0"/>
               <a:t>H</a:t>
             </a:r>
             <a:r>
-              <a:rPr lang="en-US" sz="1600" dirty="0" smtClean="0"/>
+              <a:rPr lang="en-US" sz="1600" dirty="0"/>
               <a:t> ellipses for X terms same as in ordinary HE plots – outside </a:t>
             </a:r>
             <a:r>
-              <a:rPr lang="en-US" sz="1600" b="1" dirty="0" smtClean="0"/>
+              <a:rPr lang="en-US" sz="1600" b="1" dirty="0"/>
               <a:t>E</a:t>
             </a:r>
             <a:r>
-              <a:rPr lang="en-US" sz="1600" dirty="0" smtClean="0"/>
+              <a:rPr lang="en-US" sz="1600" dirty="0"/>
               <a:t> ellipse </a:t>
             </a:r>
             <a:r>
-              <a:rPr lang="en-US" sz="1600" i="1" dirty="0" err="1" smtClean="0"/>
+              <a:rPr lang="en-US" sz="1600" i="1" dirty="0" err="1"/>
               <a:t>iff</a:t>
             </a:r>
             <a:r>
-              <a:rPr lang="en-US" sz="1600" dirty="0" smtClean="0"/>
+              <a:rPr lang="en-US" sz="1600" dirty="0"/>
               <a:t> </a:t>
             </a:r>
             <a:r>
-              <a:rPr lang="en-US" sz="1600" dirty="0" err="1" smtClean="0"/>
+              <a:rPr lang="en-US" sz="1600" dirty="0" err="1"/>
               <a:t>signif</a:t>
             </a:r>
             <a:r>
-              <a:rPr lang="en-US" sz="1600" dirty="0" smtClean="0"/>
+              <a:rPr lang="en-US" sz="1600" dirty="0"/>
               <a:t>. by Roy’s test</a:t>
             </a:r>
           </a:p>
@@ -12056,15 +11599,15 @@
           </a:p>
           <a:p>
             <a:r>
-              <a:rPr lang="en-US" sz="1600" dirty="0" smtClean="0"/>
+              <a:rPr lang="en-US" sz="1600" dirty="0"/>
               <a:t>Variable vectors for </a:t>
             </a:r>
             <a:r>
-              <a:rPr lang="en-US" sz="1600" dirty="0" err="1" smtClean="0"/>
+              <a:rPr lang="en-US" sz="1600" dirty="0" err="1"/>
               <a:t>Ys</a:t>
             </a:r>
             <a:r>
-              <a:rPr lang="en-US" sz="1600" dirty="0" smtClean="0"/>
+              <a:rPr lang="en-US" sz="1600" dirty="0"/>
               <a:t>: correlations with canonical variables Ycan1, Ycan2</a:t>
             </a:r>
           </a:p>
@@ -12074,7 +11617,7 @@
               <a:buChar char="•"/>
             </a:pPr>
             <a:r>
-              <a:rPr lang="en-US" dirty="0" smtClean="0"/>
+              <a:rPr lang="en-US" dirty="0"/>
               <a:t>SAT &amp; PPVT: mainly Ycan1</a:t>
             </a:r>
           </a:p>
@@ -12084,10 +11627,9 @@
               <a:buChar char="•"/>
             </a:pPr>
             <a:r>
-              <a:rPr lang="en-US" dirty="0" smtClean="0"/>
+              <a:rPr lang="en-US" dirty="0"/>
               <a:t>Raven: more aligned with Ycan2</a:t>
             </a:r>
-            <a:endParaRPr lang="en-US" dirty="0"/>
           </a:p>
         </p:txBody>
       </p:sp>
@@ -12101,13 +11643,6 @@
   <p:clrMapOvr>
     <a:masterClrMapping/>
   </p:clrMapOvr>
-  <p:timing>
-    <p:tnLst>
-      <p:par>
-        <p:cTn id="1" dur="indefinite" restart="never" nodeType="tmRoot"/>
-      </p:par>
-    </p:tnLst>
-  </p:timing>
 </p:sld>
 </file>
 
@@ -12146,10 +11681,9 @@
           <a:lstStyle/>
           <a:p>
             <a:r>
-              <a:rPr lang="en-US" dirty="0" smtClean="0"/>
+              <a:rPr lang="en-US" dirty="0"/>
               <a:t>MANCOVA &amp; homogeneity of regression</a:t>
             </a:r>
-            <a:endParaRPr lang="en-US" dirty="0"/>
           </a:p>
         </p:txBody>
       </p:sp>
@@ -12174,7 +11708,7 @@
           <a:lstStyle/>
           <a:p>
             <a:r>
-              <a:rPr lang="en-US" sz="2400" dirty="0" smtClean="0"/>
+              <a:rPr lang="en-US" sz="2400" dirty="0"/>
               <a:t>With a group variable (SES) can test differences in means (intercepts)</a:t>
             </a:r>
           </a:p>
@@ -12213,39 +11747,39 @@
               <a:t> + </a:t>
             </a:r>
             <a:r>
-              <a:rPr lang="en-US" sz="1800" dirty="0" err="1" smtClean="0"/>
+              <a:rPr lang="en-US" sz="1800" dirty="0" err="1"/>
               <a:t>ss</a:t>
             </a:r>
             <a:r>
-              <a:rPr lang="en-US" sz="1800" dirty="0" smtClean="0"/>
+              <a:rPr lang="en-US" sz="1800" dirty="0"/>
               <a:t>, data=</a:t>
             </a:r>
             <a:r>
-              <a:rPr lang="en-US" sz="1800" dirty="0" err="1" smtClean="0"/>
+              <a:rPr lang="en-US" sz="1800" dirty="0" err="1"/>
               <a:t>Rohwer</a:t>
             </a:r>
             <a:r>
-              <a:rPr lang="en-US" sz="1800" dirty="0" smtClean="0"/>
+              <a:rPr lang="en-US" sz="1800" dirty="0"/>
               <a:t>)</a:t>
             </a:r>
           </a:p>
           <a:p>
             <a:pPr lvl="1"/>
             <a:r>
-              <a:rPr lang="en-US" sz="1800" dirty="0" smtClean="0"/>
+              <a:rPr lang="en-US" sz="1800" dirty="0"/>
               <a:t>This assumes that slopes (B) are the same for both groups (homogeneity of regression)</a:t>
             </a:r>
           </a:p>
           <a:p>
             <a:r>
-              <a:rPr lang="en-US" sz="2200" dirty="0" smtClean="0"/>
+              <a:rPr lang="en-US" sz="2200" dirty="0"/>
               <a:t>Can test for equal slopes by adding interactions of SES with </a:t>
             </a:r>
             <a:r>
-              <a:rPr lang="en-US" sz="2200" dirty="0" err="1" smtClean="0"/>
+              <a:rPr lang="en-US" sz="2200" dirty="0" err="1"/>
               <a:t>Xs</a:t>
             </a:r>
-            <a:endParaRPr lang="en-US" sz="2200" dirty="0" smtClean="0"/>
+            <a:endParaRPr lang="en-US" sz="2200" dirty="0"/>
           </a:p>
           <a:p>
             <a:pPr lvl="1"/>
@@ -12286,7 +11820,7 @@
               <a:t>ss</a:t>
             </a:r>
             <a:r>
-              <a:rPr lang="en-US" sz="1800" dirty="0" smtClean="0">
+              <a:rPr lang="en-US" sz="1800" dirty="0">
                 <a:solidFill>
                   <a:srgbClr val="FF0000"/>
                 </a:solidFill>
@@ -12294,16 +11828,15 @@
               <a:t>)</a:t>
             </a:r>
             <a:r>
-              <a:rPr lang="en-US" sz="1800" dirty="0" smtClean="0"/>
+              <a:rPr lang="en-US" sz="1800" dirty="0"/>
               <a:t>)</a:t>
             </a:r>
           </a:p>
           <a:p>
             <a:r>
-              <a:rPr lang="en-US" sz="2200" dirty="0" smtClean="0"/>
+              <a:rPr lang="en-US" sz="2200" dirty="0"/>
               <a:t>Or, fit separate models for each group</a:t>
             </a:r>
-            <a:endParaRPr lang="en-US" sz="2200" dirty="0"/>
           </a:p>
           <a:p>
             <a:pPr lvl="1"/>
@@ -12513,13 +12046,6 @@
   <p:clrMapOvr>
     <a:masterClrMapping/>
   </p:clrMapOvr>
-  <p:timing>
-    <p:tnLst>
-      <p:par>
-        <p:cTn id="1" dur="indefinite" restart="never" nodeType="tmRoot"/>
-      </p:par>
-    </p:tnLst>
-  </p:timing>
 </p:sld>
 </file>
 
@@ -12556,10 +12082,9 @@
           <a:lstStyle/>
           <a:p>
             <a:r>
-              <a:rPr lang="en-US" dirty="0" smtClean="0"/>
+              <a:rPr lang="en-US" dirty="0"/>
               <a:t>MANCOVA</a:t>
             </a:r>
-            <a:endParaRPr lang="en-US" dirty="0"/>
           </a:p>
         </p:txBody>
       </p:sp>
@@ -12609,10 +12134,9 @@
           <a:lstStyle/>
           <a:p>
             <a:r>
-              <a:rPr lang="en-US" dirty="0" smtClean="0"/>
+              <a:rPr lang="en-US" dirty="0"/>
               <a:t>Fit the MANCOVA model &amp; test hypotheses</a:t>
             </a:r>
-            <a:endParaRPr lang="en-US" dirty="0"/>
           </a:p>
         </p:txBody>
       </p:sp>
@@ -12924,13 +12448,6 @@
   <p:clrMapOvr>
     <a:masterClrMapping/>
   </p:clrMapOvr>
-  <p:timing>
-    <p:tnLst>
-      <p:par>
-        <p:cTn id="1" dur="indefinite" restart="never" nodeType="tmRoot"/>
-      </p:par>
-    </p:tnLst>
-  </p:timing>
 </p:sld>
 </file>
 
@@ -12967,10 +12484,9 @@
           <a:lstStyle/>
           <a:p>
             <a:r>
-              <a:rPr lang="en-US" dirty="0" smtClean="0"/>
+              <a:rPr lang="en-US" dirty="0"/>
               <a:t>Visualize effects</a:t>
             </a:r>
-            <a:endParaRPr lang="en-US" dirty="0"/>
           </a:p>
         </p:txBody>
       </p:sp>
@@ -13132,17 +12648,8 @@
               <a:rPr lang="en-US" sz="1400" dirty="0">
                 <a:latin typeface="Lucida Console" pitchFamily="49" charset="0"/>
               </a:rPr>
-              <a:t>=0.1</a:t>
-            </a:r>
-            <a:r>
-              <a:rPr lang="en-US" sz="1400" dirty="0" smtClean="0">
-                <a:latin typeface="Lucida Console" pitchFamily="49" charset="0"/>
-              </a:rPr>
-              <a:t>)</a:t>
-            </a:r>
-            <a:endParaRPr lang="en-US" sz="1400" dirty="0">
-              <a:latin typeface="Lucida Console" pitchFamily="49" charset="0"/>
-            </a:endParaRPr>
+              <a:t>=0.1)</a:t>
+            </a:r>
           </a:p>
         </p:txBody>
       </p:sp>
@@ -13169,16 +12676,15 @@
           <a:lstStyle/>
           <a:p>
             <a:r>
-              <a:rPr lang="en-US" dirty="0" smtClean="0"/>
+              <a:rPr lang="en-US" dirty="0"/>
               <a:t>The SES effect is positive for all Y variables</a:t>
             </a:r>
           </a:p>
           <a:p>
             <a:r>
-              <a:rPr lang="en-US" dirty="0" smtClean="0"/>
+              <a:rPr lang="en-US" dirty="0"/>
               <a:t>Hi SES group &gt; Lo SES group</a:t>
             </a:r>
-            <a:endParaRPr lang="en-US" dirty="0"/>
           </a:p>
         </p:txBody>
       </p:sp>
@@ -13192,13 +12698,6 @@
   <p:clrMapOvr>
     <a:masterClrMapping/>
   </p:clrMapOvr>
-  <p:timing>
-    <p:tnLst>
-      <p:par>
-        <p:cTn id="1" dur="indefinite" restart="never" nodeType="tmRoot"/>
-      </p:par>
-    </p:tnLst>
-  </p:timing>
 </p:sld>
 </file>
 
@@ -13235,10 +12734,9 @@
           <a:lstStyle/>
           <a:p>
             <a:r>
-              <a:rPr lang="en-US" dirty="0" smtClean="0"/>
+              <a:rPr lang="en-US" dirty="0"/>
               <a:t>Fit model with interactions</a:t>
             </a:r>
-            <a:endParaRPr lang="en-US" dirty="0"/>
           </a:p>
         </p:txBody>
       </p:sp>
@@ -13696,10 +13194,9 @@
           <a:lstStyle/>
           <a:p>
             <a:r>
-              <a:rPr lang="en-US" dirty="0" smtClean="0"/>
+              <a:rPr lang="en-US" dirty="0"/>
               <a:t>OK, as expected</a:t>
             </a:r>
-            <a:endParaRPr lang="en-US" dirty="0"/>
           </a:p>
         </p:txBody>
       </p:sp>
@@ -13816,10 +13313,9 @@
           <a:lstStyle/>
           <a:p>
             <a:r>
-              <a:rPr lang="en-US" dirty="0" smtClean="0"/>
+              <a:rPr lang="en-US" dirty="0"/>
               <a:t>Hmm ???</a:t>
             </a:r>
-            <a:endParaRPr lang="en-US" dirty="0"/>
           </a:p>
         </p:txBody>
       </p:sp>
@@ -13833,13 +13329,6 @@
   <p:clrMapOvr>
     <a:masterClrMapping/>
   </p:clrMapOvr>
-  <p:timing>
-    <p:tnLst>
-      <p:par>
-        <p:cTn id="1" dur="indefinite" restart="never" nodeType="tmRoot"/>
-      </p:par>
-    </p:tnLst>
-  </p:timing>
 </p:sld>
 </file>
 
@@ -13878,18 +13367,9 @@
           <a:lstStyle/>
           <a:p>
             <a:r>
-              <a:rPr lang="en-US" sz="2400" dirty="0" smtClean="0"/>
-              <a:t>Ex: Neuro- </a:t>
-            </a:r>
-            <a:r>
               <a:rPr lang="en-US" sz="2400" dirty="0"/>
-              <a:t>&amp;</a:t>
-            </a:r>
-            <a:r>
-              <a:rPr lang="en-US" sz="2400" dirty="0" smtClean="0"/>
-              <a:t> Social-Cognitive measures in psychiatric groups</a:t>
-            </a:r>
-            <a:endParaRPr lang="en-US" sz="2400" dirty="0"/>
+              <a:t>Ex: Neuro- &amp; Social-Cognitive measures in psychiatric groups</a:t>
+            </a:r>
           </a:p>
         </p:txBody>
       </p:sp>
@@ -13911,14 +13391,14 @@
           <a:lstStyle/>
           <a:p>
             <a:r>
-              <a:rPr lang="en-US" sz="2000" dirty="0" smtClean="0"/>
+              <a:rPr lang="en-US" sz="2000" dirty="0"/>
               <a:t>A study by Leah Hartman @York examined whether patients classified as ‘schizophrenic’ or ‘schizoaffective’ (on DSM-IV) could be distinguished from a normal, control sample on standardized tests in the following domains:</a:t>
             </a:r>
           </a:p>
           <a:p>
             <a:pPr lvl="1"/>
             <a:r>
-              <a:rPr lang="en-US" sz="2000" dirty="0" err="1" smtClean="0">
+              <a:rPr lang="en-US" sz="2000" dirty="0" err="1">
                 <a:solidFill>
                   <a:srgbClr val="FF0000"/>
                 </a:solidFill>
@@ -13926,7 +13406,7 @@
               <a:t>Neuro</a:t>
             </a:r>
             <a:r>
-              <a:rPr lang="en-US" sz="2000" dirty="0" smtClean="0">
+              <a:rPr lang="en-US" sz="2000" dirty="0">
                 <a:solidFill>
                   <a:srgbClr val="FF0000"/>
                 </a:solidFill>
@@ -13934,14 +13414,14 @@
               <a:t>-Cognitive</a:t>
             </a:r>
             <a:r>
-              <a:rPr lang="en-US" sz="2000" dirty="0" smtClean="0"/>
+              <a:rPr lang="en-US" sz="2000" dirty="0"/>
               <a:t>: processing speed, attention, verbal learning, visual learning, problem solving</a:t>
             </a:r>
           </a:p>
           <a:p>
             <a:pPr lvl="1"/>
             <a:r>
-              <a:rPr lang="en-US" sz="2000" dirty="0" smtClean="0">
+              <a:rPr lang="en-US" sz="2000" dirty="0">
                 <a:solidFill>
                   <a:srgbClr val="FF0000"/>
                 </a:solidFill>
@@ -13949,55 +13429,54 @@
               <a:t>Social-cognitive</a:t>
             </a:r>
             <a:r>
-              <a:rPr lang="en-US" sz="2000" dirty="0" smtClean="0"/>
+              <a:rPr lang="en-US" sz="2000" dirty="0"/>
               <a:t>: managing emotions, theory of mind, externalizing bias, personalizing bias</a:t>
             </a:r>
           </a:p>
           <a:p>
             <a:r>
-              <a:rPr lang="en-US" sz="2800" dirty="0" smtClean="0"/>
+              <a:rPr lang="en-US" sz="2800" dirty="0"/>
               <a:t>Research questions </a:t>
             </a:r>
             <a:r>
-              <a:rPr lang="en-US" sz="2800" dirty="0" smtClean="0">
+              <a:rPr lang="en-US" sz="2800" dirty="0">
                 <a:sym typeface="Symbol"/>
               </a:rPr>
               <a:t></a:t>
             </a:r>
             <a:r>
-              <a:rPr lang="en-US" sz="2800" dirty="0" smtClean="0"/>
+              <a:rPr lang="en-US" sz="2800" dirty="0"/>
               <a:t> MANOVA contrasts</a:t>
             </a:r>
           </a:p>
           <a:p>
             <a:pPr lvl="1"/>
             <a:r>
-              <a:rPr lang="en-US" sz="2000" dirty="0" smtClean="0"/>
+              <a:rPr lang="en-US" sz="2000" dirty="0"/>
               <a:t>Analyze </a:t>
             </a:r>
             <a:r>
-              <a:rPr lang="en-US" sz="2000" dirty="0" err="1" smtClean="0"/>
+              <a:rPr lang="en-US" sz="2000" dirty="0" err="1"/>
               <a:t>neuro</a:t>
             </a:r>
             <a:r>
-              <a:rPr lang="en-US" sz="2000" dirty="0" smtClean="0"/>
+              <a:rPr lang="en-US" sz="2000" dirty="0"/>
               <a:t>-cog (NC) and social-cog (SC) separately</a:t>
             </a:r>
           </a:p>
           <a:p>
             <a:pPr lvl="1"/>
             <a:r>
-              <a:rPr lang="en-US" sz="2000" dirty="0" smtClean="0"/>
+              <a:rPr lang="en-US" sz="2000" dirty="0"/>
               <a:t>Do the two psychiatric groups differ from the controls?</a:t>
             </a:r>
           </a:p>
           <a:p>
             <a:pPr lvl="1"/>
             <a:r>
-              <a:rPr lang="en-US" sz="2000" dirty="0" smtClean="0"/>
+              <a:rPr lang="en-US" sz="2000" dirty="0"/>
               <a:t>Do the psychiatric groups differ from each other?</a:t>
             </a:r>
-            <a:endParaRPr lang="en-US" sz="2000" dirty="0"/>
           </a:p>
         </p:txBody>
       </p:sp>
@@ -14024,73 +13503,38 @@
           <a:lstStyle/>
           <a:p>
             <a:r>
-              <a:rPr lang="en-US" sz="1200" dirty="0" smtClean="0"/>
-              <a:t>See: Friendly</a:t>
-            </a:r>
-            <a:r>
               <a:rPr lang="en-US" sz="1200" dirty="0"/>
-              <a:t> </a:t>
-            </a:r>
-            <a:r>
-              <a:rPr lang="en-US" sz="1200" dirty="0" smtClean="0"/>
-              <a:t>&amp; </a:t>
-            </a:r>
-            <a:r>
-              <a:rPr lang="en-US" sz="1200" dirty="0" err="1" smtClean="0"/>
+              <a:t>See: Friendly &amp; </a:t>
+            </a:r>
+            <a:r>
+              <a:rPr lang="en-US" sz="1200" dirty="0" err="1"/>
               <a:t>Sigal</a:t>
             </a:r>
             <a:r>
               <a:rPr lang="en-US" sz="1200" dirty="0"/>
-              <a:t> </a:t>
-            </a:r>
-            <a:r>
-              <a:rPr lang="en-US" sz="1200" dirty="0" smtClean="0"/>
-              <a:t>(2017), Graphical </a:t>
-            </a:r>
-            <a:r>
-              <a:rPr lang="en-US" sz="1200" dirty="0"/>
-              <a:t>Methods for Multivariate Linear Models in Psychological Research: An R Tutorial</a:t>
+              <a:t> (2017), Graphical Methods for Multivariate Linear Models in Psychological Research: An R Tutorial</a:t>
             </a:r>
             <a:br>
               <a:rPr lang="en-US" sz="1200" dirty="0"/>
             </a:br>
             <a:r>
               <a:rPr lang="en-US" sz="1200" i="1" dirty="0"/>
-              <a:t>The Quantitative Methods for Psychology, </a:t>
-            </a:r>
-            <a:r>
-              <a:rPr lang="en-US" sz="1200" i="1" dirty="0" smtClean="0"/>
-              <a:t> 13</a:t>
+              <a:t>The Quantitative Methods for Psychology,  13</a:t>
             </a:r>
             <a:r>
               <a:rPr lang="en-US" sz="1200" dirty="0"/>
-              <a:t>, </a:t>
-            </a:r>
-            <a:r>
-              <a:rPr lang="en-US" sz="1200" dirty="0" smtClean="0"/>
-              <a:t>20-45</a:t>
-            </a:r>
-            <a:r>
-              <a:rPr lang="en-US" sz="1200" dirty="0"/>
-              <a:t>, </a:t>
+              <a:t>, 20-45, </a:t>
             </a:r>
             <a:r>
               <a:rPr lang="en-US" sz="1200" dirty="0">
                 <a:hlinkClick r:id="rId2"/>
               </a:rPr>
-              <a:t>http://</a:t>
-            </a:r>
-            <a:r>
-              <a:rPr lang="en-US" sz="1200" dirty="0" smtClean="0">
-                <a:hlinkClick r:id="rId2"/>
-              </a:rPr>
-              <a:t>dx.doi.org/10.20982/tqmp.13.1.p020</a:t>
-            </a:r>
-            <a:r>
-              <a:rPr lang="en-US" sz="1200" dirty="0" smtClean="0"/>
+              <a:t>http://dx.doi.org/10.20982/tqmp.13.1.p020</a:t>
+            </a:r>
+            <a:r>
+              <a:rPr lang="en-US" sz="1200" dirty="0"/>
               <a:t>    </a:t>
             </a:r>
-            <a:endParaRPr lang="en-US" sz="1200" dirty="0"/>
           </a:p>
         </p:txBody>
       </p:sp>
@@ -14127,13 +13571,6 @@
   <p:clrMapOvr>
     <a:masterClrMapping/>
   </p:clrMapOvr>
-  <p:timing>
-    <p:tnLst>
-      <p:par>
-        <p:cTn id="1" dur="indefinite" restart="never" nodeType="tmRoot"/>
-      </p:par>
-    </p:tnLst>
-  </p:timing>
 </p:sld>
 </file>
 
@@ -14170,10 +13607,9 @@
           <a:lstStyle/>
           <a:p>
             <a:r>
-              <a:rPr lang="en-US" dirty="0" smtClean="0"/>
+              <a:rPr lang="en-US" dirty="0"/>
               <a:t>Test interactions</a:t>
             </a:r>
-            <a:endParaRPr lang="en-US" dirty="0"/>
           </a:p>
         </p:txBody>
       </p:sp>
@@ -14223,11 +13659,11 @@
           <a:lstStyle/>
           <a:p>
             <a:r>
-              <a:rPr lang="en-US" dirty="0" smtClean="0"/>
+              <a:rPr lang="en-US" dirty="0"/>
               <a:t>Can test all interactions </a:t>
             </a:r>
             <a:r>
-              <a:rPr lang="en-US" dirty="0" smtClean="0">
+              <a:rPr lang="en-US" dirty="0">
                 <a:solidFill>
                   <a:srgbClr val="FF0000"/>
                 </a:solidFill>
@@ -14235,41 +13671,40 @@
               <a:t>simultaneously</a:t>
             </a:r>
             <a:r>
-              <a:rPr lang="en-US" dirty="0" smtClean="0"/>
+              <a:rPr lang="en-US" dirty="0"/>
               <a:t> with </a:t>
             </a:r>
             <a:r>
-              <a:rPr lang="en-US" dirty="0" err="1" smtClean="0"/>
+              <a:rPr lang="en-US" dirty="0" err="1"/>
               <a:t>linearHypothesis</a:t>
             </a:r>
             <a:r>
-              <a:rPr lang="en-US" dirty="0" smtClean="0"/>
+              <a:rPr lang="en-US" dirty="0"/>
               <a:t>()</a:t>
             </a:r>
           </a:p>
           <a:p>
             <a:r>
-              <a:rPr lang="en-US" dirty="0" smtClean="0"/>
+              <a:rPr lang="en-US" dirty="0"/>
               <a:t>Do I need any interaction terms?</a:t>
             </a:r>
           </a:p>
           <a:p>
-            <a:endParaRPr lang="en-US" dirty="0" smtClean="0"/>
-          </a:p>
-          <a:p>
-            <a:r>
-              <a:rPr lang="en-US" dirty="0" smtClean="0"/>
+            <a:endParaRPr lang="en-US" dirty="0"/>
+          </a:p>
+          <a:p>
+            <a:r>
+              <a:rPr lang="en-US" dirty="0"/>
               <a:t>I use ‘</a:t>
             </a:r>
             <a:r>
-              <a:rPr lang="en-US" dirty="0" err="1" smtClean="0"/>
+              <a:rPr lang="en-US" dirty="0" err="1"/>
               <a:t>grep</a:t>
             </a:r>
             <a:r>
-              <a:rPr lang="en-US" dirty="0" smtClean="0"/>
+              <a:rPr lang="en-US" dirty="0"/>
               <a:t>’ trick here to find the names of coefficients like ‘SES:’ containing a ‘:’ </a:t>
             </a:r>
-            <a:endParaRPr lang="en-US" dirty="0"/>
           </a:p>
         </p:txBody>
       </p:sp>
@@ -14620,10 +14055,9 @@
           <a:lstStyle/>
           <a:p>
             <a:r>
-              <a:rPr lang="en-US" dirty="0" smtClean="0"/>
+              <a:rPr lang="en-US" dirty="0"/>
               <a:t>Evidence shows that some slopes differ for Hi/Lo SES </a:t>
             </a:r>
-            <a:endParaRPr lang="en-US" dirty="0"/>
           </a:p>
         </p:txBody>
       </p:sp>
@@ -14637,13 +14071,6 @@
   <p:clrMapOvr>
     <a:masterClrMapping/>
   </p:clrMapOvr>
-  <p:timing>
-    <p:tnLst>
-      <p:par>
-        <p:cTn id="1" dur="indefinite" restart="never" nodeType="tmRoot"/>
-      </p:par>
-    </p:tnLst>
-  </p:timing>
 </p:sld>
 </file>
 
@@ -14680,10 +14107,9 @@
           <a:lstStyle/>
           <a:p>
             <a:r>
-              <a:rPr lang="en-US" dirty="0" smtClean="0"/>
+              <a:rPr lang="en-US" dirty="0"/>
               <a:t>Fit separate models</a:t>
             </a:r>
-            <a:endParaRPr lang="en-US" dirty="0"/>
           </a:p>
         </p:txBody>
       </p:sp>
@@ -14860,17 +14286,8 @@
               <a:rPr lang="en-US" sz="1400" dirty="0">
                 <a:latin typeface="Lucida Console" pitchFamily="49" charset="0"/>
               </a:rPr>
-              <a:t>, subset = SES == "Lo</a:t>
-            </a:r>
-            <a:r>
-              <a:rPr lang="en-US" sz="1400" dirty="0" smtClean="0">
-                <a:latin typeface="Lucida Console" pitchFamily="49" charset="0"/>
-              </a:rPr>
-              <a:t>")</a:t>
-            </a:r>
-            <a:endParaRPr lang="en-US" sz="1400" dirty="0">
-              <a:latin typeface="Lucida Console" pitchFamily="49" charset="0"/>
-            </a:endParaRPr>
+              <a:t>, subset = SES == "Lo")</a:t>
+            </a:r>
           </a:p>
         </p:txBody>
       </p:sp>
@@ -14897,24 +14314,23 @@
           <a:lstStyle/>
           <a:p>
             <a:r>
-              <a:rPr lang="en-US" dirty="0" smtClean="0"/>
+              <a:rPr lang="en-US" dirty="0"/>
               <a:t>Fitting a model for each group allows all slopes to differ</a:t>
             </a:r>
           </a:p>
           <a:p>
             <a:r>
-              <a:rPr lang="en-US" dirty="0" smtClean="0"/>
+              <a:rPr lang="en-US" dirty="0"/>
               <a:t>Also allows within-group </a:t>
             </a:r>
             <a:r>
-              <a:rPr lang="en-US" dirty="0" err="1" smtClean="0"/>
+              <a:rPr lang="en-US" dirty="0" err="1"/>
               <a:t>covariances</a:t>
             </a:r>
             <a:r>
-              <a:rPr lang="en-US" dirty="0" smtClean="0"/>
+              <a:rPr lang="en-US" dirty="0"/>
               <a:t> to differ</a:t>
             </a:r>
-            <a:endParaRPr lang="en-US" dirty="0"/>
           </a:p>
         </p:txBody>
       </p:sp>
@@ -14971,7 +14387,7 @@
           <a:lstStyle/>
           <a:p>
             <a:r>
-              <a:rPr lang="en-US" dirty="0" smtClean="0"/>
+              <a:rPr lang="en-US" dirty="0"/>
               <a:t>For SAT &amp; PPVT:</a:t>
             </a:r>
           </a:p>
@@ -14981,7 +14397,7 @@
               <a:buChar char="•"/>
             </a:pPr>
             <a:r>
-              <a:rPr lang="en-US" dirty="0" smtClean="0"/>
+              <a:rPr lang="en-US" dirty="0"/>
               <a:t>means higher for Hi SES</a:t>
             </a:r>
           </a:p>
@@ -14991,7 +14407,7 @@
               <a:buChar char="•"/>
             </a:pPr>
             <a:r>
-              <a:rPr lang="en-US" dirty="0" smtClean="0"/>
+              <a:rPr lang="en-US" dirty="0"/>
               <a:t>within-group covariance larger for Hi SES</a:t>
             </a:r>
           </a:p>
@@ -15001,20 +14417,19 @@
               <a:buChar char="•"/>
             </a:pPr>
             <a:r>
-              <a:rPr lang="en-US" dirty="0" smtClean="0"/>
+              <a:rPr lang="en-US" dirty="0"/>
               <a:t>slopes of predictors smaller for Hi SES </a:t>
             </a:r>
             <a:r>
-              <a:rPr lang="en-US" dirty="0" smtClean="0">
+              <a:rPr lang="en-US" dirty="0">
                 <a:sym typeface="Symbol"/>
               </a:rPr>
               <a:t></a:t>
             </a:r>
             <a:r>
-              <a:rPr lang="en-US" dirty="0" smtClean="0"/>
+              <a:rPr lang="en-US" dirty="0"/>
               <a:t> SAT more important for this group.</a:t>
             </a:r>
-            <a:endParaRPr lang="en-US" dirty="0"/>
           </a:p>
         </p:txBody>
       </p:sp>
@@ -15028,13 +14443,6 @@
   <p:clrMapOvr>
     <a:masterClrMapping/>
   </p:clrMapOvr>
-  <p:timing>
-    <p:tnLst>
-      <p:par>
-        <p:cTn id="1" dur="indefinite" restart="never" nodeType="tmRoot"/>
-      </p:par>
-    </p:tnLst>
-  </p:timing>
 </p:sld>
 </file>
 
@@ -15071,10 +14479,9 @@
           <a:lstStyle/>
           <a:p>
             <a:r>
-              <a:rPr lang="en-US" dirty="0" smtClean="0"/>
+              <a:rPr lang="en-US" dirty="0"/>
               <a:t>Homogeneity of (co)variances</a:t>
             </a:r>
-            <a:endParaRPr lang="en-US" dirty="0"/>
           </a:p>
         </p:txBody>
       </p:sp>
@@ -15099,7 +14506,7 @@
           <a:lstStyle/>
           <a:p>
             <a:r>
-              <a:rPr lang="en-US" sz="2800" dirty="0" smtClean="0"/>
+              <a:rPr lang="en-US" sz="2800" dirty="0"/>
               <a:t>ANOVA assumes equality of residual variances</a:t>
             </a:r>
           </a:p>
@@ -15113,11 +14520,11 @@
             <a:pPr marL="0" indent="0">
               <a:buNone/>
             </a:pPr>
-            <a:endParaRPr lang="en-US" dirty="0" smtClean="0"/>
-          </a:p>
-          <a:p>
-            <a:r>
-              <a:rPr lang="en-US" sz="2800" dirty="0" smtClean="0"/>
+            <a:endParaRPr lang="en-US" dirty="0"/>
+          </a:p>
+          <a:p>
+            <a:r>
+              <a:rPr lang="en-US" sz="2800" dirty="0"/>
               <a:t>MANOVA: assumes equality of covariance matrices</a:t>
             </a:r>
           </a:p>
@@ -15213,12 +14620,8 @@
               <a:p>
                 <a:pPr marL="0" lvl="1"/>
                 <a:r>
-                  <a:rPr lang="en-US" dirty="0" smtClean="0"/>
-                  <a:t>Levine’s test: </a:t>
-                </a:r>
-                <a:r>
                   <a:rPr lang="en-US" dirty="0"/>
-                  <a:t>ANOVA of </a:t>
+                  <a:t>Levine’s test: ANOVA of </a:t>
                 </a:r>
                 <a:r>
                   <a:rPr lang="en-US" dirty="0" err="1"/>
@@ -15255,7 +14658,7 @@
                         <m:chr m:val="̅"/>
                         <m:ctrlPr>
                           <a:rPr lang="en-US" i="1">
-                            <a:latin typeface="Cambria Math"/>
+                            <a:latin typeface="Cambria Math" panose="02040503050406030204" pitchFamily="18" charset="0"/>
                           </a:rPr>
                         </m:ctrlPr>
                       </m:accPr>
@@ -15456,10 +14859,9 @@
           <a:lstStyle/>
           <a:p>
             <a:r>
-              <a:rPr lang="en-US" dirty="0" smtClean="0"/>
+              <a:rPr lang="en-US" dirty="0"/>
               <a:t>Box’s M test:</a:t>
             </a:r>
-            <a:endParaRPr lang="en-US" dirty="0"/>
           </a:p>
         </p:txBody>
       </p:sp>
@@ -15769,7 +15171,7 @@
                       <m:sSubSupPr>
                         <m:ctrlPr>
                           <a:rPr lang="en-US" b="0" i="1" smtClean="0">
-                            <a:latin typeface="Cambria Math"/>
+                            <a:latin typeface="Cambria Math" panose="02040503050406030204" pitchFamily="18" charset="0"/>
                           </a:rPr>
                         </m:ctrlPr>
                       </m:sSubSupPr>
@@ -15808,7 +15210,7 @@
                       <m:sSubSupPr>
                         <m:ctrlPr>
                           <a:rPr lang="en-US" i="1">
-                            <a:latin typeface="Cambria Math"/>
+                            <a:latin typeface="Cambria Math" panose="02040503050406030204" pitchFamily="18" charset="0"/>
                           </a:rPr>
                         </m:ctrlPr>
                       </m:sSubSupPr>
@@ -15840,7 +15242,7 @@
                   </m:oMath>
                 </a14:m>
                 <a:r>
-                  <a:rPr lang="en-US" dirty="0" smtClean="0"/>
+                  <a:rPr lang="en-US" dirty="0"/>
                   <a:t>= … = </a:t>
                 </a:r>
                 <a14:m>
@@ -15849,7 +15251,7 @@
                       <m:sSubSupPr>
                         <m:ctrlPr>
                           <a:rPr lang="en-US" i="1">
-                            <a:latin typeface="Cambria Math"/>
+                            <a:latin typeface="Cambria Math" panose="02040503050406030204" pitchFamily="18" charset="0"/>
                           </a:rPr>
                         </m:ctrlPr>
                       </m:sSubSupPr>
@@ -15880,7 +15282,7 @@
                     </m:sSubSup>
                   </m:oMath>
                 </a14:m>
-                <a:endParaRPr lang="en-US" dirty="0" smtClean="0"/>
+                <a:endParaRPr lang="en-US" dirty="0"/>
               </a:p>
             </p:txBody>
           </p:sp>
@@ -15954,7 +15356,7 @@
                       <m:sSubPr>
                         <m:ctrlPr>
                           <a:rPr lang="en-US" b="0" i="1" smtClean="0">
-                            <a:latin typeface="Cambria Math"/>
+                            <a:latin typeface="Cambria Math" panose="02040503050406030204" pitchFamily="18" charset="0"/>
                           </a:rPr>
                         </m:ctrlPr>
                       </m:sSubPr>
@@ -15981,7 +15383,7 @@
                   </m:oMath>
                 </a14:m>
                 <a:r>
-                  <a:rPr lang="en-US" b="0" dirty="0" smtClean="0"/>
+                  <a:rPr lang="en-US" b="0" dirty="0"/>
                   <a:t>= </a:t>
                 </a:r>
                 <a14:m>
@@ -15990,7 +15392,7 @@
                       <m:sSubPr>
                         <m:ctrlPr>
                           <a:rPr lang="en-US" i="1">
-                            <a:latin typeface="Cambria Math"/>
+                            <a:latin typeface="Cambria Math" panose="02040503050406030204" pitchFamily="18" charset="0"/>
                           </a:rPr>
                         </m:ctrlPr>
                       </m:sSubPr>
@@ -16017,7 +15419,7 @@
                   </m:oMath>
                 </a14:m>
                 <a:r>
-                  <a:rPr lang="en-US" b="0" dirty="0" smtClean="0"/>
+                  <a:rPr lang="en-US" b="0" dirty="0"/>
                   <a:t>= … = </a:t>
                 </a:r>
                 <a14:m>
@@ -16026,7 +15428,7 @@
                       <m:sSubPr>
                         <m:ctrlPr>
                           <a:rPr lang="en-US" i="1">
-                            <a:latin typeface="Cambria Math"/>
+                            <a:latin typeface="Cambria Math" panose="02040503050406030204" pitchFamily="18" charset="0"/>
                           </a:rPr>
                         </m:ctrlPr>
                       </m:sSubPr>
@@ -16052,7 +15454,7 @@
                     </m:sSub>
                   </m:oMath>
                 </a14:m>
-                <a:endParaRPr lang="en-US" b="0" dirty="0" smtClean="0"/>
+                <a:endParaRPr lang="en-US" b="0" dirty="0"/>
               </a:p>
             </p:txBody>
           </p:sp>
@@ -16106,13 +15508,6 @@
   <p:clrMapOvr>
     <a:masterClrMapping/>
   </p:clrMapOvr>
-  <p:timing>
-    <p:tnLst>
-      <p:par>
-        <p:cTn id="1" dur="indefinite" restart="never" nodeType="tmRoot"/>
-      </p:par>
-    </p:tnLst>
-  </p:timing>
 </p:sld>
 </file>
 
@@ -16653,10 +16048,9 @@
           <a:lstStyle/>
           <a:p>
             <a:r>
-              <a:rPr lang="en-US" dirty="0" smtClean="0"/>
+              <a:rPr lang="en-US" dirty="0"/>
               <a:t>View all pairs</a:t>
             </a:r>
-            <a:endParaRPr lang="en-US" dirty="0"/>
           </a:p>
         </p:txBody>
       </p:sp>
@@ -16764,31 +16158,14 @@
             </a:r>
             <a:r>
               <a:rPr lang="en-US" dirty="0"/>
-              <a:t>, </a:t>
-            </a:r>
-            <a:r>
-              <a:rPr lang="en-US" dirty="0" smtClean="0"/>
-              <a:t> </a:t>
+              <a:t>,  </a:t>
             </a:r>
           </a:p>
           <a:p>
             <a:r>
               <a:rPr lang="en-US" dirty="0"/>
-              <a:t> </a:t>
-            </a:r>
-            <a:r>
-              <a:rPr lang="en-US" dirty="0" smtClean="0"/>
-              <a:t>       center=TRUE, variables=1:4</a:t>
-            </a:r>
-            <a:r>
-              <a:rPr lang="en-US" dirty="0"/>
-              <a:t>, </a:t>
-            </a:r>
-            <a:r>
-              <a:rPr lang="en-US" dirty="0" smtClean="0"/>
-              <a:t> …)</a:t>
-            </a:r>
-            <a:endParaRPr lang="en-US" dirty="0"/>
+              <a:t>        center=TRUE, variables=1:4,  …)</a:t>
+            </a:r>
           </a:p>
         </p:txBody>
       </p:sp>
@@ -16815,11 +16192,11 @@
           <a:lstStyle/>
           <a:p>
             <a:r>
-              <a:rPr lang="en-US" dirty="0" smtClean="0"/>
+              <a:rPr lang="en-US" dirty="0"/>
               <a:t>In all cases, </a:t>
             </a:r>
             <a:r>
-              <a:rPr lang="en-US" dirty="0" err="1" smtClean="0">
+              <a:rPr lang="en-US" dirty="0" err="1">
                 <a:solidFill>
                   <a:srgbClr val="FF0000"/>
                 </a:solidFill>
@@ -16827,7 +16204,7 @@
               <a:t>setosa</a:t>
             </a:r>
             <a:r>
-              <a:rPr lang="en-US" dirty="0" smtClean="0"/>
+              <a:rPr lang="en-US" dirty="0"/>
               <a:t> stands out as different from the others</a:t>
             </a:r>
           </a:p>
@@ -16837,7 +16214,7 @@
               <a:buChar char="•"/>
             </a:pPr>
             <a:r>
-              <a:rPr lang="en-US" dirty="0" smtClean="0"/>
+              <a:rPr lang="en-US" dirty="0"/>
               <a:t>sometimes correlation differs</a:t>
             </a:r>
           </a:p>
@@ -16847,10 +16224,9 @@
               <a:buChar char="•"/>
             </a:pPr>
             <a:r>
-              <a:rPr lang="en-US" dirty="0" smtClean="0"/>
+              <a:rPr lang="en-US" dirty="0"/>
               <a:t>sometimes smaller variance(s)</a:t>
             </a:r>
-            <a:endParaRPr lang="en-US" dirty="0"/>
           </a:p>
         </p:txBody>
       </p:sp>
@@ -16864,13 +16240,6 @@
   <p:clrMapOvr>
     <a:masterClrMapping/>
   </p:clrMapOvr>
-  <p:timing>
-    <p:tnLst>
-      <p:par>
-        <p:cTn id="1" dur="indefinite" restart="never" nodeType="tmRoot"/>
-      </p:par>
-    </p:tnLst>
-  </p:timing>
 </p:sld>
 </file>
 
@@ -17275,11 +16644,7 @@
             </a:r>
             <a:r>
               <a:rPr lang="en-US" sz="1400" dirty="0"/>
-              <a:t>(iris[,1:4</a:t>
-            </a:r>
-            <a:r>
-              <a:rPr lang="en-US" sz="1400" dirty="0" smtClean="0"/>
-              <a:t>])</a:t>
+              <a:t>(iris[,1:4])</a:t>
             </a:r>
           </a:p>
           <a:p>
@@ -17305,11 +16670,7 @@
             </a:r>
             <a:r>
               <a:rPr lang="en-US" sz="1400" dirty="0"/>
-              <a:t>,  </a:t>
-            </a:r>
-            <a:r>
-              <a:rPr lang="en-US" sz="1400" dirty="0" smtClean="0"/>
-              <a:t>…)</a:t>
+              <a:t>,  …)</a:t>
             </a:r>
           </a:p>
           <a:p>
@@ -17338,7 +16699,7 @@
               <a:t>,  </a:t>
             </a:r>
             <a:r>
-              <a:rPr lang="en-US" sz="1400" dirty="0" smtClean="0">
+              <a:rPr lang="en-US" sz="1400" dirty="0">
                 <a:solidFill>
                   <a:srgbClr val="FF0000"/>
                 </a:solidFill>
@@ -17346,10 +16707,9 @@
               <a:t>center=TRUE</a:t>
             </a:r>
             <a:r>
-              <a:rPr lang="en-US" sz="1400" dirty="0" smtClean="0"/>
+              <a:rPr lang="en-US" sz="1400" dirty="0"/>
               <a:t>, …)</a:t>
             </a:r>
-            <a:endParaRPr lang="en-US" sz="1400" dirty="0"/>
           </a:p>
         </p:txBody>
       </p:sp>
@@ -17396,15 +16756,15 @@
               <a:t>, </a:t>
             </a:r>
             <a:r>
-              <a:rPr lang="en-US" sz="1400" dirty="0" err="1" smtClean="0"/>
+              <a:rPr lang="en-US" sz="1400" dirty="0" err="1"/>
               <a:t>iris$Species</a:t>
             </a:r>
             <a:r>
-              <a:rPr lang="en-US" sz="1400" dirty="0" smtClean="0"/>
+              <a:rPr lang="en-US" sz="1400" dirty="0"/>
               <a:t>, </a:t>
             </a:r>
             <a:r>
-              <a:rPr lang="en-US" sz="1400" dirty="0" smtClean="0">
+              <a:rPr lang="en-US" sz="1400" dirty="0">
                 <a:solidFill>
                   <a:srgbClr val="FF0000"/>
                 </a:solidFill>
@@ -17413,24 +16773,16 @@
             </a:r>
             <a:r>
               <a:rPr lang="en-US" sz="1400" dirty="0"/>
-              <a:t>, </a:t>
-            </a:r>
-            <a:r>
-              <a:rPr lang="en-US" sz="1400" dirty="0" smtClean="0"/>
-              <a:t>  </a:t>
+              <a:t>,   </a:t>
             </a:r>
           </a:p>
           <a:p>
             <a:r>
               <a:rPr lang="en-US" sz="1400" dirty="0"/>
-              <a:t> </a:t>
-            </a:r>
-            <a:r>
-              <a:rPr lang="en-US" sz="1400" dirty="0" smtClean="0"/>
-              <a:t>                     </a:t>
-            </a:r>
-            <a:r>
-              <a:rPr lang="en-US" sz="1400" dirty="0" smtClean="0">
+              <a:t>                      </a:t>
+            </a:r>
+            <a:r>
+              <a:rPr lang="en-US" sz="1400" dirty="0">
                 <a:solidFill>
                   <a:srgbClr val="FF0000"/>
                 </a:solidFill>
@@ -17439,13 +16791,8 @@
             </a:r>
             <a:r>
               <a:rPr lang="en-US" sz="1400" dirty="0"/>
-              <a:t>, </a:t>
-            </a:r>
-            <a:r>
-              <a:rPr lang="en-US" sz="1400" dirty="0" smtClean="0"/>
-              <a:t>…)</a:t>
-            </a:r>
-            <a:endParaRPr lang="en-US" sz="1400" dirty="0"/>
+              <a:t>, …)</a:t>
+            </a:r>
           </a:p>
         </p:txBody>
       </p:sp>
@@ -17929,7 +17276,7 @@
         </p:blipFill>
         <p:spPr bwMode="auto">
           <a:xfrm>
-            <a:off x="457203" y="2511666"/>
+            <a:off x="398929" y="2371725"/>
             <a:ext cx="5760762" cy="3291864"/>
           </a:xfrm>
           <a:prstGeom prst="rect">
@@ -18089,13 +17436,6 @@
   <p:clrMapOvr>
     <a:masterClrMapping/>
   </p:clrMapOvr>
-  <p:timing>
-    <p:tnLst>
-      <p:par>
-        <p:cTn id="1" dur="indefinite" restart="never" nodeType="tmRoot"/>
-      </p:par>
-    </p:tnLst>
-  </p:timing>
 </p:sld>
 </file>
 
@@ -18118,6 +17458,525 @@
       </p:grpSpPr>
       <p:sp>
         <p:nvSpPr>
+          <p:cNvPr id="2" name="Title 1">
+            <a:extLst>
+              <a:ext uri="{FF2B5EF4-FFF2-40B4-BE49-F238E27FC236}">
+                <a16:creationId xmlns:a16="http://schemas.microsoft.com/office/drawing/2014/main" id="{C319ED4D-C7C7-4F9B-BBE0-431E0943391E}"/>
+              </a:ext>
+            </a:extLst>
+          </p:cNvPr>
+          <p:cNvSpPr>
+            <a:spLocks noGrp="1"/>
+          </p:cNvSpPr>
+          <p:nvPr>
+            <p:ph type="title"/>
+          </p:nvPr>
+        </p:nvSpPr>
+        <p:spPr/>
+        <p:txBody>
+          <a:bodyPr/>
+          <a:lstStyle/>
+          <a:p>
+            <a:r>
+              <a:rPr lang="en-US" dirty="0"/>
+              <a:t>Diabetes data</a:t>
+            </a:r>
+          </a:p>
+        </p:txBody>
+      </p:sp>
+      <p:sp>
+        <p:nvSpPr>
+          <p:cNvPr id="3" name="Slide Number Placeholder 2">
+            <a:extLst>
+              <a:ext uri="{FF2B5EF4-FFF2-40B4-BE49-F238E27FC236}">
+                <a16:creationId xmlns:a16="http://schemas.microsoft.com/office/drawing/2014/main" id="{D84FCFE1-D078-40D3-885E-F5926E497202}"/>
+              </a:ext>
+            </a:extLst>
+          </p:cNvPr>
+          <p:cNvSpPr>
+            <a:spLocks noGrp="1"/>
+          </p:cNvSpPr>
+          <p:nvPr>
+            <p:ph type="sldNum" sz="quarter" idx="12"/>
+          </p:nvPr>
+        </p:nvSpPr>
+        <p:spPr/>
+        <p:txBody>
+          <a:bodyPr/>
+          <a:lstStyle/>
+          <a:p>
+            <a:fld id="{810B7604-93B8-4136-B9BD-D1CE89EE20B0}" type="slidenum">
+              <a:rPr lang="en-US" smtClean="0"/>
+              <a:t>37</a:t>
+            </a:fld>
+            <a:endParaRPr lang="en-US"/>
+          </a:p>
+        </p:txBody>
+      </p:sp>
+      <p:sp>
+        <p:nvSpPr>
+          <p:cNvPr id="8" name="TextBox 7" descr="covEllipses pairs plot for Diabetes data">
+            <a:extLst>
+              <a:ext uri="{FF2B5EF4-FFF2-40B4-BE49-F238E27FC236}">
+                <a16:creationId xmlns:a16="http://schemas.microsoft.com/office/drawing/2014/main" id="{344D1868-570C-4961-A503-A858120BECC5}"/>
+              </a:ext>
+            </a:extLst>
+          </p:cNvPr>
+          <p:cNvSpPr txBox="1"/>
+          <p:nvPr/>
+        </p:nvSpPr>
+        <p:spPr>
+          <a:xfrm>
+            <a:off x="457200" y="1295400"/>
+            <a:ext cx="8229600" cy="646331"/>
+          </a:xfrm>
+          <a:prstGeom prst="rect">
+            <a:avLst/>
+          </a:prstGeom>
+          <a:solidFill>
+            <a:srgbClr val="FFFF00">
+              <a:alpha val="10000"/>
+            </a:srgbClr>
+          </a:solidFill>
+        </p:spPr>
+        <p:txBody>
+          <a:bodyPr wrap="square" rtlCol="0">
+            <a:spAutoFit/>
+          </a:bodyPr>
+          <a:lstStyle/>
+          <a:p>
+            <a:r>
+              <a:rPr lang="en-US" dirty="0" err="1"/>
+              <a:t>covEllipses</a:t>
+            </a:r>
+            <a:r>
+              <a:rPr lang="en-US" dirty="0"/>
+              <a:t>(Diabetes[,2:5], </a:t>
+            </a:r>
+            <a:r>
+              <a:rPr lang="en-US" dirty="0" err="1"/>
+              <a:t>Diabetes$group</a:t>
+            </a:r>
+            <a:r>
+              <a:rPr lang="en-US" dirty="0"/>
+              <a:t>, fill=TRUE, pooled=FALSE, </a:t>
+            </a:r>
+          </a:p>
+          <a:p>
+            <a:r>
+              <a:rPr lang="en-US" dirty="0"/>
+              <a:t>                    col=c("blue", "red", "</a:t>
+            </a:r>
+            <a:r>
+              <a:rPr lang="en-US" dirty="0" err="1"/>
+              <a:t>darkgreen</a:t>
+            </a:r>
+            <a:r>
+              <a:rPr lang="en-US" dirty="0"/>
+              <a:t>"), variables=1:3)</a:t>
+            </a:r>
+          </a:p>
+        </p:txBody>
+      </p:sp>
+      <p:pic>
+        <p:nvPicPr>
+          <p:cNvPr id="10" name="Picture 9" descr="Diagram&#10;&#10;Description automatically generated">
+            <a:extLst>
+              <a:ext uri="{FF2B5EF4-FFF2-40B4-BE49-F238E27FC236}">
+                <a16:creationId xmlns:a16="http://schemas.microsoft.com/office/drawing/2014/main" id="{03668E40-3307-4FAD-BC7C-379BA379F7B8}"/>
+              </a:ext>
+            </a:extLst>
+          </p:cNvPr>
+          <p:cNvPicPr>
+            <a:picLocks noChangeAspect="1"/>
+          </p:cNvPicPr>
+          <p:nvPr/>
+        </p:nvPicPr>
+        <p:blipFill>
+          <a:blip r:embed="rId2">
+            <a:extLst>
+              <a:ext uri="{28A0092B-C50C-407E-A947-70E740481C1C}">
+                <a14:useLocalDpi xmlns:a14="http://schemas.microsoft.com/office/drawing/2010/main" val="0"/>
+              </a:ext>
+            </a:extLst>
+          </a:blip>
+          <a:stretch>
+            <a:fillRect/>
+          </a:stretch>
+        </p:blipFill>
+        <p:spPr>
+          <a:xfrm>
+            <a:off x="488311" y="2139232"/>
+            <a:ext cx="4742857" cy="4714286"/>
+          </a:xfrm>
+          <a:prstGeom prst="rect">
+            <a:avLst/>
+          </a:prstGeom>
+        </p:spPr>
+      </p:pic>
+      <p:sp>
+        <p:nvSpPr>
+          <p:cNvPr id="11" name="TextBox 10">
+            <a:extLst>
+              <a:ext uri="{FF2B5EF4-FFF2-40B4-BE49-F238E27FC236}">
+                <a16:creationId xmlns:a16="http://schemas.microsoft.com/office/drawing/2014/main" id="{DE212E92-8647-46DD-B251-F39B120D3D9F}"/>
+              </a:ext>
+            </a:extLst>
+          </p:cNvPr>
+          <p:cNvSpPr txBox="1"/>
+          <p:nvPr/>
+        </p:nvSpPr>
+        <p:spPr>
+          <a:xfrm>
+            <a:off x="5410200" y="2286000"/>
+            <a:ext cx="3245489" cy="2031325"/>
+          </a:xfrm>
+          <a:prstGeom prst="rect">
+            <a:avLst/>
+          </a:prstGeom>
+          <a:noFill/>
+        </p:spPr>
+        <p:txBody>
+          <a:bodyPr wrap="square" rtlCol="0">
+            <a:spAutoFit/>
+          </a:bodyPr>
+          <a:lstStyle/>
+          <a:p>
+            <a:r>
+              <a:rPr lang="en-US" dirty="0"/>
+              <a:t>Two groups of diabetic patients and a normal group were measured on blood glucose and insulin</a:t>
+            </a:r>
+          </a:p>
+          <a:p>
+            <a:endParaRPr lang="en-US" dirty="0"/>
+          </a:p>
+          <a:p>
+            <a:r>
+              <a:rPr lang="en-US" dirty="0"/>
+              <a:t>The differences in correlation and variances are dramatic here</a:t>
+            </a:r>
+          </a:p>
+        </p:txBody>
+      </p:sp>
+    </p:spTree>
+    <p:extLst>
+      <p:ext uri="{BB962C8B-B14F-4D97-AF65-F5344CB8AC3E}">
+        <p14:creationId xmlns:p14="http://schemas.microsoft.com/office/powerpoint/2010/main" val="3045280409"/>
+      </p:ext>
+    </p:extLst>
+  </p:cSld>
+  <p:clrMapOvr>
+    <a:masterClrMapping/>
+  </p:clrMapOvr>
+</p:sld>
+</file>
+
+<file path=ppt/slides/slide38.xml><?xml version="1.0" encoding="utf-8"?>
+<p:sld xmlns:a="http://schemas.openxmlformats.org/drawingml/2006/main" xmlns:r="http://schemas.openxmlformats.org/officeDocument/2006/relationships" xmlns:p="http://schemas.openxmlformats.org/presentationml/2006/main">
+  <p:cSld>
+    <p:spTree>
+      <p:nvGrpSpPr>
+        <p:cNvPr id="1" name=""/>
+        <p:cNvGrpSpPr/>
+        <p:nvPr/>
+      </p:nvGrpSpPr>
+      <p:grpSpPr>
+        <a:xfrm>
+          <a:off x="0" y="0"/>
+          <a:ext cx="0" cy="0"/>
+          <a:chOff x="0" y="0"/>
+          <a:chExt cx="0" cy="0"/>
+        </a:xfrm>
+      </p:grpSpPr>
+      <p:pic>
+        <p:nvPicPr>
+          <p:cNvPr id="6" name="Picture 5" descr="Plot of log determinants for diabetes data&#10;&#10;Description automatically generated">
+            <a:extLst>
+              <a:ext uri="{FF2B5EF4-FFF2-40B4-BE49-F238E27FC236}">
+                <a16:creationId xmlns:a16="http://schemas.microsoft.com/office/drawing/2014/main" id="{C398D016-4C12-4D4F-887E-E886801FC089}"/>
+              </a:ext>
+            </a:extLst>
+          </p:cNvPr>
+          <p:cNvPicPr>
+            <a:picLocks noChangeAspect="1"/>
+          </p:cNvPicPr>
+          <p:nvPr/>
+        </p:nvPicPr>
+        <p:blipFill>
+          <a:blip r:embed="rId2">
+            <a:extLst>
+              <a:ext uri="{28A0092B-C50C-407E-A947-70E740481C1C}">
+                <a14:useLocalDpi xmlns:a14="http://schemas.microsoft.com/office/drawing/2010/main" val="0"/>
+              </a:ext>
+            </a:extLst>
+          </a:blip>
+          <a:stretch>
+            <a:fillRect/>
+          </a:stretch>
+        </p:blipFill>
+        <p:spPr>
+          <a:xfrm>
+            <a:off x="3326910" y="4113228"/>
+            <a:ext cx="5494286" cy="2245714"/>
+          </a:xfrm>
+          <a:prstGeom prst="rect">
+            <a:avLst/>
+          </a:prstGeom>
+        </p:spPr>
+      </p:pic>
+      <p:sp>
+        <p:nvSpPr>
+          <p:cNvPr id="2" name="Title 1">
+            <a:extLst>
+              <a:ext uri="{FF2B5EF4-FFF2-40B4-BE49-F238E27FC236}">
+                <a16:creationId xmlns:a16="http://schemas.microsoft.com/office/drawing/2014/main" id="{B4B45134-50BE-4E7A-BBD8-B1D4A6CDAECE}"/>
+              </a:ext>
+            </a:extLst>
+          </p:cNvPr>
+          <p:cNvSpPr>
+            <a:spLocks noGrp="1"/>
+          </p:cNvSpPr>
+          <p:nvPr>
+            <p:ph type="title"/>
+          </p:nvPr>
+        </p:nvSpPr>
+        <p:spPr/>
+        <p:txBody>
+          <a:bodyPr/>
+          <a:lstStyle/>
+          <a:p>
+            <a:r>
+              <a:rPr lang="en-US" dirty="0"/>
+              <a:t>Box’s </a:t>
+            </a:r>
+            <a:r>
+              <a:rPr lang="en-US" i="1" dirty="0"/>
+              <a:t>M</a:t>
+            </a:r>
+            <a:r>
+              <a:rPr lang="en-US" dirty="0"/>
+              <a:t> test</a:t>
+            </a:r>
+          </a:p>
+        </p:txBody>
+      </p:sp>
+      <p:sp>
+        <p:nvSpPr>
+          <p:cNvPr id="3" name="Slide Number Placeholder 2">
+            <a:extLst>
+              <a:ext uri="{FF2B5EF4-FFF2-40B4-BE49-F238E27FC236}">
+                <a16:creationId xmlns:a16="http://schemas.microsoft.com/office/drawing/2014/main" id="{C1EC9D79-9EF8-4F0A-893A-E51449AF9C78}"/>
+              </a:ext>
+            </a:extLst>
+          </p:cNvPr>
+          <p:cNvSpPr>
+            <a:spLocks noGrp="1"/>
+          </p:cNvSpPr>
+          <p:nvPr>
+            <p:ph type="sldNum" sz="quarter" idx="12"/>
+          </p:nvPr>
+        </p:nvSpPr>
+        <p:spPr/>
+        <p:txBody>
+          <a:bodyPr/>
+          <a:lstStyle/>
+          <a:p>
+            <a:fld id="{810B7604-93B8-4136-B9BD-D1CE89EE20B0}" type="slidenum">
+              <a:rPr lang="en-US" smtClean="0"/>
+              <a:t>38</a:t>
+            </a:fld>
+            <a:endParaRPr lang="en-US"/>
+          </a:p>
+        </p:txBody>
+      </p:sp>
+      <p:sp>
+        <p:nvSpPr>
+          <p:cNvPr id="4" name="TextBox 3">
+            <a:extLst>
+              <a:ext uri="{FF2B5EF4-FFF2-40B4-BE49-F238E27FC236}">
+                <a16:creationId xmlns:a16="http://schemas.microsoft.com/office/drawing/2014/main" id="{1EE1CC4E-9B59-42C5-BA2E-E0F3F5105CD0}"/>
+              </a:ext>
+            </a:extLst>
+          </p:cNvPr>
+          <p:cNvSpPr txBox="1"/>
+          <p:nvPr/>
+        </p:nvSpPr>
+        <p:spPr>
+          <a:xfrm>
+            <a:off x="457200" y="1155549"/>
+            <a:ext cx="8229600" cy="2308324"/>
+          </a:xfrm>
+          <a:prstGeom prst="rect">
+            <a:avLst/>
+          </a:prstGeom>
+          <a:solidFill>
+            <a:srgbClr val="FFFF00">
+              <a:alpha val="10000"/>
+            </a:srgbClr>
+          </a:solidFill>
+        </p:spPr>
+        <p:txBody>
+          <a:bodyPr wrap="square" rtlCol="0">
+            <a:spAutoFit/>
+          </a:bodyPr>
+          <a:lstStyle/>
+          <a:p>
+            <a:r>
+              <a:rPr lang="en-US" sz="1600" dirty="0" err="1"/>
+              <a:t>diab.boxm</a:t>
+            </a:r>
+            <a:r>
+              <a:rPr lang="en-US" sz="1600" dirty="0"/>
+              <a:t> &lt;- </a:t>
+            </a:r>
+            <a:r>
+              <a:rPr lang="en-US" sz="1600" dirty="0" err="1"/>
+              <a:t>boxM</a:t>
+            </a:r>
+            <a:r>
+              <a:rPr lang="en-US" sz="1600" dirty="0"/>
+              <a:t>(Diabetes[,2:5], </a:t>
+            </a:r>
+            <a:r>
+              <a:rPr lang="en-US" sz="1600" dirty="0" err="1"/>
+              <a:t>Diabetes$group</a:t>
+            </a:r>
+            <a:r>
+              <a:rPr lang="en-US" sz="1600" dirty="0"/>
+              <a:t>)</a:t>
+            </a:r>
+          </a:p>
+          <a:p>
+            <a:r>
+              <a:rPr lang="en-US" sz="1600" dirty="0" err="1"/>
+              <a:t>diab.boxm</a:t>
+            </a:r>
+            <a:endParaRPr lang="en-US" sz="1600" dirty="0"/>
+          </a:p>
+          <a:p>
+            <a:r>
+              <a:rPr lang="en-US" sz="1600" dirty="0"/>
+              <a:t>## </a:t>
+            </a:r>
+          </a:p>
+          <a:p>
+            <a:r>
+              <a:rPr lang="en-US" sz="1600" dirty="0"/>
+              <a:t>##  Box's M-test for Homogeneity of Covariance Matrices</a:t>
+            </a:r>
+          </a:p>
+          <a:p>
+            <a:r>
+              <a:rPr lang="en-US" sz="1600" dirty="0"/>
+              <a:t>## </a:t>
+            </a:r>
+          </a:p>
+          <a:p>
+            <a:r>
+              <a:rPr lang="en-US" sz="1600" dirty="0"/>
+              <a:t>## data:  Diabetes[, 2:5]</a:t>
+            </a:r>
+          </a:p>
+          <a:p>
+            <a:r>
+              <a:rPr lang="en-US" sz="1600" dirty="0"/>
+              <a:t>## Chi-</a:t>
+            </a:r>
+            <a:r>
+              <a:rPr lang="en-US" sz="1600" dirty="0" err="1"/>
+              <a:t>Sq</a:t>
+            </a:r>
+            <a:r>
+              <a:rPr lang="en-US" sz="1600" dirty="0"/>
+              <a:t> (approx.) = 383, df = 20, p-value &lt;2e-16</a:t>
+            </a:r>
+          </a:p>
+          <a:p>
+            <a:endParaRPr lang="en-US" sz="1600" dirty="0"/>
+          </a:p>
+          <a:p>
+            <a:r>
+              <a:rPr lang="en-US" sz="1600" dirty="0"/>
+              <a:t>plot(</a:t>
+            </a:r>
+            <a:r>
+              <a:rPr lang="en-US" sz="1600" dirty="0" err="1"/>
+              <a:t>diab.boxm</a:t>
+            </a:r>
+            <a:r>
+              <a:rPr lang="en-US" sz="1600" dirty="0"/>
+              <a:t>)</a:t>
+            </a:r>
+          </a:p>
+        </p:txBody>
+      </p:sp>
+      <p:sp>
+        <p:nvSpPr>
+          <p:cNvPr id="7" name="TextBox 6">
+            <a:extLst>
+              <a:ext uri="{FF2B5EF4-FFF2-40B4-BE49-F238E27FC236}">
+                <a16:creationId xmlns:a16="http://schemas.microsoft.com/office/drawing/2014/main" id="{07114B79-7DB3-48D7-9784-C4EFA563E9C8}"/>
+              </a:ext>
+            </a:extLst>
+          </p:cNvPr>
+          <p:cNvSpPr txBox="1"/>
+          <p:nvPr/>
+        </p:nvSpPr>
+        <p:spPr>
+          <a:xfrm>
+            <a:off x="457200" y="4113228"/>
+            <a:ext cx="2514600" cy="369332"/>
+          </a:xfrm>
+          <a:prstGeom prst="rect">
+            <a:avLst/>
+          </a:prstGeom>
+          <a:noFill/>
+        </p:spPr>
+        <p:txBody>
+          <a:bodyPr wrap="square" rtlCol="0">
+            <a:spAutoFit/>
+          </a:bodyPr>
+          <a:lstStyle/>
+          <a:p>
+            <a:r>
+              <a:rPr lang="en-US" dirty="0"/>
+              <a:t>All pairs differ!</a:t>
+            </a:r>
+          </a:p>
+        </p:txBody>
+      </p:sp>
+    </p:spTree>
+    <p:extLst>
+      <p:ext uri="{BB962C8B-B14F-4D97-AF65-F5344CB8AC3E}">
+        <p14:creationId xmlns:p14="http://schemas.microsoft.com/office/powerpoint/2010/main" val="218597674"/>
+      </p:ext>
+    </p:extLst>
+  </p:cSld>
+  <p:clrMapOvr>
+    <a:masterClrMapping/>
+  </p:clrMapOvr>
+</p:sld>
+</file>
+
+<file path=ppt/slides/slide39.xml><?xml version="1.0" encoding="utf-8"?>
+<p:sld xmlns:a="http://schemas.openxmlformats.org/drawingml/2006/main" xmlns:r="http://schemas.openxmlformats.org/officeDocument/2006/relationships" xmlns:p="http://schemas.openxmlformats.org/presentationml/2006/main">
+  <p:cSld>
+    <p:spTree>
+      <p:nvGrpSpPr>
+        <p:cNvPr id="1" name=""/>
+        <p:cNvGrpSpPr/>
+        <p:nvPr/>
+      </p:nvGrpSpPr>
+      <p:grpSpPr>
+        <a:xfrm>
+          <a:off x="0" y="0"/>
+          <a:ext cx="0" cy="0"/>
+          <a:chOff x="0" y="0"/>
+          <a:chExt cx="0" cy="0"/>
+        </a:xfrm>
+      </p:grpSpPr>
+      <p:sp>
+        <p:nvSpPr>
           <p:cNvPr id="2" name="Title 1"/>
           <p:cNvSpPr>
             <a:spLocks noGrp="1"/>
@@ -18132,10 +17991,9 @@
           <a:lstStyle/>
           <a:p>
             <a:r>
-              <a:rPr lang="en-US" dirty="0" smtClean="0"/>
+              <a:rPr lang="en-US" dirty="0"/>
               <a:t>Summary</a:t>
             </a:r>
-            <a:endParaRPr lang="en-US" dirty="0"/>
           </a:p>
         </p:txBody>
       </p:sp>
@@ -18157,48 +18015,48 @@
           <a:lstStyle/>
           <a:p>
             <a:r>
-              <a:rPr lang="en-US" sz="2400" dirty="0" smtClean="0"/>
+              <a:rPr lang="en-US" sz="2400" dirty="0"/>
               <a:t>MANOVA tests of MLMs are easily visualized in HE plots</a:t>
             </a:r>
           </a:p>
           <a:p>
             <a:pPr lvl="1"/>
             <a:r>
-              <a:rPr lang="en-US" sz="2000" dirty="0" smtClean="0"/>
+              <a:rPr lang="en-US" sz="2000" dirty="0"/>
               <a:t>Contrasts among groups can be easily shown</a:t>
             </a:r>
           </a:p>
           <a:p>
             <a:pPr lvl="1"/>
             <a:r>
-              <a:rPr lang="en-US" sz="2000" dirty="0" smtClean="0"/>
+              <a:rPr lang="en-US" sz="2000" dirty="0"/>
               <a:t>Canonical plots show data in 2D/3D space of max. group differences</a:t>
             </a:r>
           </a:p>
           <a:p>
             <a:pPr lvl="1"/>
             <a:r>
-              <a:rPr lang="en-US" sz="2000" dirty="0" smtClean="0"/>
+              <a:rPr lang="en-US" sz="2000" dirty="0"/>
               <a:t>Robust methods can help guard against outliers</a:t>
             </a:r>
           </a:p>
           <a:p>
             <a:r>
-              <a:rPr lang="en-US" sz="2400" dirty="0" smtClean="0"/>
+              <a:rPr lang="en-US" sz="2400" dirty="0"/>
               <a:t>MMRA models</a:t>
             </a:r>
           </a:p>
           <a:p>
             <a:pPr lvl="1"/>
             <a:r>
-              <a:rPr lang="en-US" sz="2000" dirty="0" smtClean="0"/>
+              <a:rPr lang="en-US" sz="2000" dirty="0"/>
               <a:t>Visualize effects of quant. predictors as lines in data space</a:t>
             </a:r>
           </a:p>
           <a:p>
             <a:pPr lvl="1"/>
             <a:r>
-              <a:rPr lang="en-US" sz="2000" dirty="0" smtClean="0"/>
+              <a:rPr lang="en-US" sz="2000" dirty="0"/>
               <a:t>Test &amp; visualize any linear hypothesis</a:t>
             </a:r>
           </a:p>
@@ -18206,94 +18064,85 @@
             <a:pPr lvl="1"/>
             <a:r>
               <a:rPr lang="en-US" sz="2000" dirty="0"/>
-              <a:t>Canonical </a:t>
-            </a:r>
-            <a:r>
-              <a:rPr lang="en-US" sz="2000" dirty="0" smtClean="0"/>
-              <a:t>correlations: visualize in 2D/3D of max. (X, Y) correlations</a:t>
-            </a:r>
-          </a:p>
-          <a:p>
-            <a:r>
-              <a:rPr lang="en-US" sz="2400" dirty="0" smtClean="0"/>
+              <a:t>Canonical correlations: visualize in 2D/3D of max. (X, Y) correlations</a:t>
+            </a:r>
+          </a:p>
+          <a:p>
+            <a:r>
+              <a:rPr lang="en-US" sz="2400" dirty="0"/>
               <a:t>Homogeneity of </a:t>
             </a:r>
             <a:r>
-              <a:rPr lang="en-US" sz="2400" dirty="0" err="1" smtClean="0"/>
+              <a:rPr lang="en-US" sz="2400" dirty="0" err="1"/>
               <a:t>covariances</a:t>
             </a:r>
-            <a:endParaRPr lang="en-US" sz="2400" dirty="0" smtClean="0"/>
+            <a:endParaRPr lang="en-US" sz="2400" dirty="0"/>
           </a:p>
           <a:p>
             <a:pPr lvl="1"/>
             <a:r>
-              <a:rPr lang="en-US" sz="2000" dirty="0" smtClean="0"/>
+              <a:rPr lang="en-US" sz="2000" dirty="0"/>
               <a:t>Visualize within-group </a:t>
             </a:r>
             <a:r>
-              <a:rPr lang="en-US" sz="2000" b="1" dirty="0" smtClean="0"/>
+              <a:rPr lang="en-US" sz="2000" b="1" dirty="0"/>
               <a:t>S</a:t>
             </a:r>
             <a:r>
-              <a:rPr lang="en-US" sz="2000" baseline="-25000" dirty="0" smtClean="0"/>
+              <a:rPr lang="en-US" sz="2000" baseline="-25000" dirty="0"/>
               <a:t>i</a:t>
             </a:r>
             <a:r>
-              <a:rPr lang="en-US" sz="2000" dirty="0" smtClean="0"/>
+              <a:rPr lang="en-US" sz="2000" dirty="0"/>
               <a:t> and pooled </a:t>
             </a:r>
             <a:r>
-              <a:rPr lang="en-US" sz="2000" b="1" dirty="0" err="1" smtClean="0"/>
+              <a:rPr lang="en-US" sz="2000" b="1" dirty="0" err="1"/>
               <a:t>S</a:t>
             </a:r>
             <a:r>
-              <a:rPr lang="en-US" sz="2000" baseline="-25000" dirty="0" err="1" smtClean="0"/>
+              <a:rPr lang="en-US" sz="2000" baseline="-25000" dirty="0" err="1"/>
               <a:t>p</a:t>
             </a:r>
             <a:r>
-              <a:rPr lang="en-US" sz="2000" dirty="0" smtClean="0"/>
+              <a:rPr lang="en-US" sz="2000" dirty="0"/>
               <a:t> by data ellipses</a:t>
             </a:r>
           </a:p>
           <a:p>
             <a:pPr lvl="1"/>
             <a:r>
-              <a:rPr lang="en-US" sz="2000" dirty="0" smtClean="0"/>
+              <a:rPr lang="en-US" sz="2000" dirty="0"/>
               <a:t>Visualize Box’s M test by simple dot plot of |</a:t>
             </a:r>
             <a:r>
-              <a:rPr lang="en-US" sz="2000" b="1" dirty="0" err="1" smtClean="0"/>
+              <a:rPr lang="en-US" sz="2000" b="1" dirty="0" err="1"/>
               <a:t>S</a:t>
             </a:r>
             <a:r>
-              <a:rPr lang="en-US" sz="2000" baseline="-25000" dirty="0" err="1" smtClean="0"/>
+              <a:rPr lang="en-US" sz="2000" baseline="-25000" dirty="0" err="1"/>
               <a:t>p</a:t>
             </a:r>
             <a:r>
-              <a:rPr lang="en-US" sz="2000" dirty="0" err="1" smtClean="0"/>
+              <a:rPr lang="en-US" sz="2000" dirty="0" err="1"/>
               <a:t>|and</a:t>
             </a:r>
             <a:r>
-              <a:rPr lang="en-US" sz="2000" dirty="0" smtClean="0"/>
-              <a:t> </a:t>
+              <a:rPr lang="en-US" sz="2000" dirty="0"/>
+              <a:t> |</a:t>
+            </a:r>
+            <a:r>
+              <a:rPr lang="en-US" sz="2000" b="1" dirty="0"/>
+              <a:t>S</a:t>
+            </a:r>
+            <a:r>
+              <a:rPr lang="en-US" sz="2000" baseline="-25000" dirty="0"/>
+              <a:t>i</a:t>
             </a:r>
             <a:r>
               <a:rPr lang="en-US" sz="2000" dirty="0"/>
               <a:t>|</a:t>
             </a:r>
-            <a:r>
-              <a:rPr lang="en-US" sz="2000" b="1" dirty="0" smtClean="0"/>
-              <a:t>S</a:t>
-            </a:r>
-            <a:r>
-              <a:rPr lang="en-US" sz="2000" baseline="-25000" dirty="0" smtClean="0"/>
-              <a:t>i</a:t>
-            </a:r>
-            <a:r>
-              <a:rPr lang="en-US" sz="2000" dirty="0" smtClean="0"/>
-              <a:t>|</a:t>
-            </a:r>
-            <a:endParaRPr lang="en-US" sz="2000" dirty="0"/>
           </a:p>
         </p:txBody>
       </p:sp>
@@ -18314,7 +18163,7 @@
           <a:p>
             <a:fld id="{810B7604-93B8-4136-B9BD-D1CE89EE20B0}" type="slidenum">
               <a:rPr lang="en-US" smtClean="0"/>
-              <a:t>37</a:t>
+              <a:t>39</a:t>
             </a:fld>
             <a:endParaRPr lang="en-US"/>
           </a:p>
@@ -19387,10 +19236,9 @@
           <a:lstStyle/>
           <a:p>
             <a:r>
-              <a:rPr lang="en-US" dirty="0" smtClean="0"/>
+              <a:rPr lang="en-US" dirty="0"/>
               <a:t>Neuro-cognitive measures</a:t>
             </a:r>
-            <a:endParaRPr lang="en-US" dirty="0"/>
           </a:p>
         </p:txBody>
       </p:sp>
@@ -19500,22 +19348,13 @@
           </a:p>
           <a:p>
             <a:r>
-              <a:rPr lang="en-US" sz="1400" dirty="0" smtClean="0">
-                <a:solidFill>
-                  <a:srgbClr val="00B050"/>
-                </a:solidFill>
-                <a:latin typeface="SAS Monospace" panose="020B0609020202020204" pitchFamily="49" charset="0"/>
-              </a:rPr>
-              <a:t># fit the </a:t>
-            </a:r>
-            <a:r>
               <a:rPr lang="en-US" sz="1400" dirty="0">
                 <a:solidFill>
                   <a:srgbClr val="00B050"/>
                 </a:solidFill>
                 <a:latin typeface="SAS Monospace" panose="020B0609020202020204" pitchFamily="49" charset="0"/>
               </a:rPr>
-              <a:t>MANOVA model, test hypotheses</a:t>
+              <a:t># fit the MANOVA model, test hypotheses</a:t>
             </a:r>
           </a:p>
           <a:p>
@@ -19529,40 +19368,22 @@
               <a:rPr lang="en-US" sz="1400" dirty="0">
                 <a:latin typeface="SAS Monospace" panose="020B0609020202020204" pitchFamily="49" charset="0"/>
               </a:rPr>
-              <a:t> &lt;- </a:t>
-            </a:r>
-            <a:r>
-              <a:rPr lang="en-US" sz="1400" dirty="0" smtClean="0">
+              <a:t> &lt;- lm(</a:t>
+            </a:r>
+            <a:r>
+              <a:rPr lang="en-US" sz="1400" dirty="0" err="1">
                 <a:latin typeface="SAS Monospace" panose="020B0609020202020204" pitchFamily="49" charset="0"/>
               </a:rPr>
-              <a:t>lm(</a:t>
-            </a:r>
-            <a:r>
-              <a:rPr lang="en-US" sz="1400" dirty="0" err="1" smtClean="0">
-                <a:latin typeface="SAS Monospace" panose="020B0609020202020204" pitchFamily="49" charset="0"/>
-              </a:rPr>
               <a:t>cbind</a:t>
-            </a:r>
-            <a:r>
-              <a:rPr lang="en-US" sz="1400" dirty="0" smtClean="0">
-                <a:latin typeface="SAS Monospace" panose="020B0609020202020204" pitchFamily="49" charset="0"/>
-              </a:rPr>
-              <a:t>(Speed</a:t>
             </a:r>
             <a:r>
               <a:rPr lang="en-US" sz="1400" dirty="0">
                 <a:latin typeface="SAS Monospace" panose="020B0609020202020204" pitchFamily="49" charset="0"/>
               </a:rPr>
-              <a:t>, Attention, </a:t>
-            </a:r>
-            <a:r>
-              <a:rPr lang="en-US" sz="1400" dirty="0" smtClean="0">
-                <a:latin typeface="SAS Monospace" panose="020B0609020202020204" pitchFamily="49" charset="0"/>
-              </a:rPr>
-              <a:t>Memory, Verbal, </a:t>
-            </a:r>
-            <a:r>
-              <a:rPr lang="en-US" sz="1400" dirty="0" err="1" smtClean="0">
+              <a:t>(Speed, Attention, Memory, Verbal, </a:t>
+            </a:r>
+            <a:r>
+              <a:rPr lang="en-US" sz="1400" dirty="0" err="1">
                 <a:latin typeface="SAS Monospace" panose="020B0609020202020204" pitchFamily="49" charset="0"/>
               </a:rPr>
               <a:t>Visual,ProbSolv</a:t>
@@ -19591,16 +19412,10 @@
               <a:rPr lang="en-US" sz="1400" dirty="0">
                 <a:latin typeface="SAS Monospace" panose="020B0609020202020204" pitchFamily="49" charset="0"/>
               </a:rPr>
-              <a:t>             </a:t>
-            </a:r>
-            <a:r>
-              <a:rPr lang="en-US" sz="1400" dirty="0" smtClean="0">
-                <a:latin typeface="SAS Monospace" panose="020B0609020202020204" pitchFamily="49" charset="0"/>
-              </a:rPr>
-              <a:t>data=</a:t>
-            </a:r>
-            <a:r>
-              <a:rPr lang="en-US" sz="1400" dirty="0" err="1" smtClean="0">
+              <a:t>             data=</a:t>
+            </a:r>
+            <a:r>
+              <a:rPr lang="en-US" sz="1400" dirty="0" err="1">
                 <a:latin typeface="SAS Monospace" panose="020B0609020202020204" pitchFamily="49" charset="0"/>
               </a:rPr>
               <a:t>NeuroCog</a:t>
@@ -19632,7 +19447,7 @@
               <a:t>NC.mlm</a:t>
             </a:r>
             <a:r>
-              <a:rPr lang="en-US" sz="1400" dirty="0" smtClean="0">
+              <a:rPr lang="en-US" sz="1400" dirty="0">
                 <a:latin typeface="SAS Monospace" panose="020B0609020202020204" pitchFamily="49" charset="0"/>
               </a:rPr>
               <a:t>)</a:t>
@@ -19769,17 +19584,8 @@
               <a:rPr lang="en-US" sz="1400" dirty="0">
                 <a:latin typeface="SAS Monospace" panose="020B0609020202020204" pitchFamily="49" charset="0"/>
               </a:rPr>
-              <a:t>. codes:  0 ‘***’ 0.001 ‘**’ 0.01 ‘*’ 0.05 ‘.’ 0.1 ‘ ’ </a:t>
-            </a:r>
-            <a:r>
-              <a:rPr lang="en-US" sz="1400" dirty="0" smtClean="0">
-                <a:latin typeface="SAS Monospace" panose="020B0609020202020204" pitchFamily="49" charset="0"/>
-              </a:rPr>
-              <a:t>1</a:t>
-            </a:r>
-            <a:endParaRPr lang="en-US" sz="1400" dirty="0">
-              <a:latin typeface="SAS Monospace" panose="020B0609020202020204" pitchFamily="49" charset="0"/>
-            </a:endParaRPr>
+              <a:t>. codes:  0 ‘***’ 0.001 ‘**’ 0.01 ‘*’ 0.05 ‘.’ 0.1 ‘ ’ 1</a:t>
+            </a:r>
           </a:p>
         </p:txBody>
       </p:sp>
@@ -19829,16 +19635,15 @@
           <a:lstStyle/>
           <a:p>
             <a:r>
-              <a:rPr lang="en-US" dirty="0" smtClean="0"/>
+              <a:rPr lang="en-US" dirty="0"/>
               <a:t>So, the groups differ.  But how?</a:t>
             </a:r>
           </a:p>
           <a:p>
             <a:r>
-              <a:rPr lang="en-US" dirty="0" smtClean="0"/>
+              <a:rPr lang="en-US" dirty="0"/>
               <a:t>What about the research hypotheses?</a:t>
             </a:r>
-            <a:endParaRPr lang="en-US" dirty="0"/>
           </a:p>
         </p:txBody>
       </p:sp>
@@ -19918,17 +19723,8 @@
               <a:rPr lang="en-US" sz="1400" dirty="0">
                 <a:latin typeface="SAS Monospace" panose="020B0609020202020204" pitchFamily="49" charset="0"/>
               </a:rPr>
-              <a:t>Control          1.0    </a:t>
-            </a:r>
-            <a:r>
-              <a:rPr lang="en-US" sz="1400" dirty="0" smtClean="0">
-                <a:latin typeface="SAS Monospace" panose="020B0609020202020204" pitchFamily="49" charset="0"/>
-              </a:rPr>
-              <a:t>0</a:t>
-            </a:r>
-            <a:endParaRPr lang="en-US" sz="1400" dirty="0">
-              <a:latin typeface="SAS Monospace" panose="020B0609020202020204" pitchFamily="49" charset="0"/>
-            </a:endParaRPr>
+              <a:t>Control          1.0    0</a:t>
+            </a:r>
           </a:p>
         </p:txBody>
       </p:sp>
@@ -19978,13 +19774,6 @@
   <p:clrMapOvr>
     <a:masterClrMapping/>
   </p:clrMapOvr>
-  <p:timing>
-    <p:tnLst>
-      <p:par>
-        <p:cTn id="1" dur="indefinite" restart="never" nodeType="tmRoot"/>
-      </p:par>
-    </p:tnLst>
-  </p:timing>
 </p:sld>
 </file>
 
@@ -20021,14 +19810,13 @@
           <a:lstStyle/>
           <a:p>
             <a:r>
-              <a:rPr lang="en-US" dirty="0" err="1" smtClean="0"/>
+              <a:rPr lang="en-US" dirty="0" err="1"/>
               <a:t>Neuro</a:t>
             </a:r>
             <a:r>
-              <a:rPr lang="en-US" dirty="0" smtClean="0"/>
+              <a:rPr lang="en-US" dirty="0"/>
               <a:t>-cognitive measures</a:t>
             </a:r>
-            <a:endParaRPr lang="en-US" dirty="0"/>
           </a:p>
         </p:txBody>
       </p:sp>
@@ -20082,383 +19870,380 @@
           <a:lstStyle/>
           <a:p>
             <a:r>
-              <a:rPr lang="en-US" sz="1400" dirty="0" smtClean="0">
+              <a:rPr lang="en-US" sz="1400" dirty="0">
                 <a:latin typeface="Lucida Console" pitchFamily="49" charset="0"/>
               </a:rPr>
               <a:t>&gt; print(</a:t>
             </a:r>
             <a:r>
-              <a:rPr lang="en-US" sz="1400" dirty="0" err="1" smtClean="0">
+              <a:rPr lang="en-US" sz="1400" dirty="0" err="1">
                 <a:latin typeface="Lucida Console" pitchFamily="49" charset="0"/>
               </a:rPr>
               <a:t>linearHypothesis</a:t>
             </a:r>
             <a:r>
-              <a:rPr lang="en-US" sz="1400" dirty="0" smtClean="0">
+              <a:rPr lang="en-US" sz="1400" dirty="0">
                 <a:latin typeface="Lucida Console" pitchFamily="49" charset="0"/>
               </a:rPr>
               <a:t>(</a:t>
             </a:r>
             <a:r>
-              <a:rPr lang="en-US" sz="1400" dirty="0" err="1" smtClean="0">
+              <a:rPr lang="en-US" sz="1400" dirty="0" err="1">
                 <a:latin typeface="Lucida Console" pitchFamily="49" charset="0"/>
               </a:rPr>
               <a:t>NC.mlm</a:t>
             </a:r>
             <a:r>
-              <a:rPr lang="en-US" sz="1400" dirty="0" smtClean="0">
+              <a:rPr lang="en-US" sz="1400" dirty="0">
                 <a:latin typeface="Lucida Console" pitchFamily="49" charset="0"/>
               </a:rPr>
               <a:t>, "Dx1"), SSP=FALSE)</a:t>
             </a:r>
           </a:p>
           <a:p>
-            <a:endParaRPr lang="en-US" sz="1400" dirty="0" smtClean="0">
-              <a:latin typeface="Lucida Console" pitchFamily="49" charset="0"/>
-            </a:endParaRPr>
-          </a:p>
-          <a:p>
-            <a:r>
-              <a:rPr lang="en-US" sz="1400" dirty="0" smtClean="0">
-                <a:latin typeface="Lucida Console" pitchFamily="49" charset="0"/>
-              </a:rPr>
-              <a:t>Multivariate Tests: </a:t>
-            </a:r>
-          </a:p>
-          <a:p>
-            <a:r>
-              <a:rPr lang="en-US" sz="1400" dirty="0" smtClean="0">
-                <a:latin typeface="Lucida Console" pitchFamily="49" charset="0"/>
-              </a:rPr>
-              <a:t>                 </a:t>
-            </a:r>
-            <a:r>
-              <a:rPr lang="en-US" sz="1400" dirty="0" err="1" smtClean="0">
-                <a:latin typeface="Lucida Console" pitchFamily="49" charset="0"/>
-              </a:rPr>
-              <a:t>Df</a:t>
-            </a:r>
-            <a:r>
-              <a:rPr lang="en-US" sz="1400" dirty="0" smtClean="0">
-                <a:latin typeface="Lucida Console" pitchFamily="49" charset="0"/>
-              </a:rPr>
-              <a:t> test stat </a:t>
-            </a:r>
-            <a:r>
-              <a:rPr lang="en-US" sz="1400" dirty="0" err="1" smtClean="0">
-                <a:latin typeface="Lucida Console" pitchFamily="49" charset="0"/>
-              </a:rPr>
-              <a:t>approx</a:t>
-            </a:r>
-            <a:r>
-              <a:rPr lang="en-US" sz="1400" dirty="0" smtClean="0">
-                <a:latin typeface="Lucida Console" pitchFamily="49" charset="0"/>
-              </a:rPr>
-              <a:t> F </a:t>
-            </a:r>
-            <a:r>
-              <a:rPr lang="en-US" sz="1400" dirty="0" err="1" smtClean="0">
-                <a:latin typeface="Lucida Console" pitchFamily="49" charset="0"/>
-              </a:rPr>
-              <a:t>num</a:t>
-            </a:r>
-            <a:r>
-              <a:rPr lang="en-US" sz="1400" dirty="0" smtClean="0">
-                <a:latin typeface="Lucida Console" pitchFamily="49" charset="0"/>
-              </a:rPr>
-              <a:t> </a:t>
-            </a:r>
-            <a:r>
-              <a:rPr lang="en-US" sz="1400" dirty="0" err="1" smtClean="0">
-                <a:latin typeface="Lucida Console" pitchFamily="49" charset="0"/>
-              </a:rPr>
-              <a:t>Df</a:t>
-            </a:r>
-            <a:r>
-              <a:rPr lang="en-US" sz="1400" dirty="0" smtClean="0">
-                <a:latin typeface="Lucida Console" pitchFamily="49" charset="0"/>
-              </a:rPr>
-              <a:t> den </a:t>
-            </a:r>
-            <a:r>
-              <a:rPr lang="en-US" sz="1400" dirty="0" err="1" smtClean="0">
-                <a:latin typeface="Lucida Console" pitchFamily="49" charset="0"/>
-              </a:rPr>
-              <a:t>Df</a:t>
-            </a:r>
-            <a:r>
-              <a:rPr lang="en-US" sz="1400" dirty="0" smtClean="0">
-                <a:latin typeface="Lucida Console" pitchFamily="49" charset="0"/>
-              </a:rPr>
-              <a:t>  </a:t>
-            </a:r>
-            <a:r>
-              <a:rPr lang="en-US" sz="1400" dirty="0" err="1" smtClean="0">
-                <a:latin typeface="Lucida Console" pitchFamily="49" charset="0"/>
-              </a:rPr>
-              <a:t>Pr</a:t>
-            </a:r>
-            <a:r>
-              <a:rPr lang="en-US" sz="1400" dirty="0" smtClean="0">
-                <a:latin typeface="Lucida Console" pitchFamily="49" charset="0"/>
-              </a:rPr>
-              <a:t>(&gt;F)    </a:t>
-            </a:r>
-          </a:p>
-          <a:p>
-            <a:r>
-              <a:rPr lang="en-US" sz="1400" dirty="0" err="1" smtClean="0">
-                <a:latin typeface="Lucida Console" pitchFamily="49" charset="0"/>
-              </a:rPr>
-              <a:t>Pillai</a:t>
-            </a:r>
-            <a:r>
-              <a:rPr lang="en-US" sz="1400" dirty="0" smtClean="0">
-                <a:latin typeface="Lucida Console" pitchFamily="49" charset="0"/>
-              </a:rPr>
-              <a:t>            1     0.289     15.9      6    234 2.8e-15 ***</a:t>
-            </a:r>
-          </a:p>
-          <a:p>
-            <a:r>
-              <a:rPr lang="en-US" sz="1400" dirty="0" err="1" smtClean="0">
-                <a:latin typeface="Lucida Console" pitchFamily="49" charset="0"/>
-              </a:rPr>
-              <a:t>Wilks</a:t>
-            </a:r>
-            <a:r>
-              <a:rPr lang="en-US" sz="1400" dirty="0" smtClean="0">
-                <a:latin typeface="Lucida Console" pitchFamily="49" charset="0"/>
-              </a:rPr>
-              <a:t>             1     0.711     15.9      6    234 2.8e-15 ***</a:t>
-            </a:r>
-          </a:p>
-          <a:p>
-            <a:r>
-              <a:rPr lang="en-US" sz="1400" dirty="0" err="1" smtClean="0">
-                <a:latin typeface="Lucida Console" pitchFamily="49" charset="0"/>
-              </a:rPr>
-              <a:t>Hotelling-Lawley</a:t>
-            </a:r>
-            <a:r>
-              <a:rPr lang="en-US" sz="1400" dirty="0" smtClean="0">
-                <a:latin typeface="Lucida Console" pitchFamily="49" charset="0"/>
-              </a:rPr>
-              <a:t>  1     0.407     15.9      6    234 2.8e-15 ***</a:t>
-            </a:r>
-          </a:p>
-          <a:p>
-            <a:r>
-              <a:rPr lang="en-US" sz="1400" dirty="0" smtClean="0">
-                <a:latin typeface="Lucida Console" pitchFamily="49" charset="0"/>
-              </a:rPr>
-              <a:t>Roy               1     0.407     15.9      6    234 2.8e-15 ***</a:t>
-            </a:r>
-          </a:p>
-          <a:p>
-            <a:r>
-              <a:rPr lang="en-US" sz="1400" dirty="0" smtClean="0">
-                <a:latin typeface="Lucida Console" pitchFamily="49" charset="0"/>
-              </a:rPr>
-              <a:t>---</a:t>
-            </a:r>
-          </a:p>
-          <a:p>
-            <a:r>
-              <a:rPr lang="en-US" sz="1400" dirty="0" err="1" smtClean="0">
-                <a:latin typeface="Lucida Console" pitchFamily="49" charset="0"/>
-              </a:rPr>
-              <a:t>Signif</a:t>
-            </a:r>
-            <a:r>
-              <a:rPr lang="en-US" sz="1400" dirty="0" smtClean="0">
-                <a:latin typeface="Lucida Console" pitchFamily="49" charset="0"/>
-              </a:rPr>
-              <a:t>. codes:  0 ‘***’ 0.001 ‘**’ 0.01 ‘*’ 0.05 ‘.’ 0.1 ‘ ’ 1</a:t>
-            </a:r>
-          </a:p>
-          <a:p>
-            <a:endParaRPr lang="en-US" sz="1400" dirty="0" smtClean="0">
-              <a:latin typeface="Lucida Console" pitchFamily="49" charset="0"/>
-            </a:endParaRPr>
-          </a:p>
-          <a:p>
-            <a:r>
-              <a:rPr lang="en-US" sz="1400" dirty="0" smtClean="0">
-                <a:latin typeface="Lucida Console" pitchFamily="49" charset="0"/>
-              </a:rPr>
-              <a:t>&gt; print(</a:t>
-            </a:r>
-            <a:r>
-              <a:rPr lang="en-US" sz="1400" dirty="0" err="1" smtClean="0">
-                <a:latin typeface="Lucida Console" pitchFamily="49" charset="0"/>
-              </a:rPr>
-              <a:t>linearHypothesis</a:t>
-            </a:r>
-            <a:r>
-              <a:rPr lang="en-US" sz="1400" dirty="0" smtClean="0">
-                <a:latin typeface="Lucida Console" pitchFamily="49" charset="0"/>
-              </a:rPr>
-              <a:t>(</a:t>
-            </a:r>
-            <a:r>
-              <a:rPr lang="en-US" sz="1400" dirty="0" err="1" smtClean="0">
-                <a:latin typeface="Lucida Console" pitchFamily="49" charset="0"/>
-              </a:rPr>
-              <a:t>NC.mlm</a:t>
-            </a:r>
-            <a:r>
-              <a:rPr lang="en-US" sz="1400" dirty="0" smtClean="0">
-                <a:latin typeface="Lucida Console" pitchFamily="49" charset="0"/>
-              </a:rPr>
-              <a:t>, "Dx2"), SSP=FALSE)</a:t>
-            </a:r>
-          </a:p>
-          <a:p>
-            <a:endParaRPr lang="en-US" sz="1400" dirty="0" smtClean="0">
-              <a:latin typeface="Lucida Console" pitchFamily="49" charset="0"/>
-            </a:endParaRPr>
-          </a:p>
-          <a:p>
-            <a:r>
-              <a:rPr lang="en-US" sz="1400" dirty="0" smtClean="0">
-                <a:latin typeface="Lucida Console" pitchFamily="49" charset="0"/>
-              </a:rPr>
-              <a:t>Multivariate Tests: </a:t>
-            </a:r>
-          </a:p>
-          <a:p>
-            <a:r>
-              <a:rPr lang="en-US" sz="1400" dirty="0" smtClean="0">
-                <a:latin typeface="Lucida Console" pitchFamily="49" charset="0"/>
-              </a:rPr>
-              <a:t>                 </a:t>
-            </a:r>
-            <a:r>
-              <a:rPr lang="en-US" sz="1400" dirty="0" err="1" smtClean="0">
-                <a:latin typeface="Lucida Console" pitchFamily="49" charset="0"/>
-              </a:rPr>
-              <a:t>Df</a:t>
-            </a:r>
-            <a:r>
-              <a:rPr lang="en-US" sz="1400" dirty="0" smtClean="0">
-                <a:latin typeface="Lucida Console" pitchFamily="49" charset="0"/>
-              </a:rPr>
-              <a:t> test stat </a:t>
-            </a:r>
-            <a:r>
-              <a:rPr lang="en-US" sz="1400" dirty="0" err="1" smtClean="0">
-                <a:latin typeface="Lucida Console" pitchFamily="49" charset="0"/>
-              </a:rPr>
-              <a:t>approx</a:t>
-            </a:r>
-            <a:r>
-              <a:rPr lang="en-US" sz="1400" dirty="0" smtClean="0">
-                <a:latin typeface="Lucida Console" pitchFamily="49" charset="0"/>
-              </a:rPr>
-              <a:t> F </a:t>
-            </a:r>
-            <a:r>
-              <a:rPr lang="en-US" sz="1400" dirty="0" err="1" smtClean="0">
-                <a:latin typeface="Lucida Console" pitchFamily="49" charset="0"/>
-              </a:rPr>
-              <a:t>num</a:t>
-            </a:r>
-            <a:r>
-              <a:rPr lang="en-US" sz="1400" dirty="0" smtClean="0">
-                <a:latin typeface="Lucida Console" pitchFamily="49" charset="0"/>
-              </a:rPr>
-              <a:t> </a:t>
-            </a:r>
-            <a:r>
-              <a:rPr lang="en-US" sz="1400" dirty="0" err="1" smtClean="0">
-                <a:latin typeface="Lucida Console" pitchFamily="49" charset="0"/>
-              </a:rPr>
-              <a:t>Df</a:t>
-            </a:r>
-            <a:r>
-              <a:rPr lang="en-US" sz="1400" dirty="0" smtClean="0">
-                <a:latin typeface="Lucida Console" pitchFamily="49" charset="0"/>
-              </a:rPr>
-              <a:t> den </a:t>
-            </a:r>
-            <a:r>
-              <a:rPr lang="en-US" sz="1400" dirty="0" err="1" smtClean="0">
-                <a:latin typeface="Lucida Console" pitchFamily="49" charset="0"/>
-              </a:rPr>
-              <a:t>Df</a:t>
-            </a:r>
-            <a:r>
-              <a:rPr lang="en-US" sz="1400" dirty="0" smtClean="0">
-                <a:latin typeface="Lucida Console" pitchFamily="49" charset="0"/>
-              </a:rPr>
-              <a:t> </a:t>
-            </a:r>
-            <a:r>
-              <a:rPr lang="en-US" sz="1400" dirty="0" err="1" smtClean="0">
-                <a:latin typeface="Lucida Console" pitchFamily="49" charset="0"/>
-              </a:rPr>
-              <a:t>Pr</a:t>
-            </a:r>
-            <a:r>
-              <a:rPr lang="en-US" sz="1400" dirty="0" smtClean="0">
-                <a:latin typeface="Lucida Console" pitchFamily="49" charset="0"/>
-              </a:rPr>
-              <a:t>(&gt;F)</a:t>
-            </a:r>
-          </a:p>
-          <a:p>
-            <a:r>
-              <a:rPr lang="en-US" sz="1400" dirty="0" err="1" smtClean="0">
-                <a:latin typeface="Lucida Console" pitchFamily="49" charset="0"/>
-              </a:rPr>
-              <a:t>Pillai</a:t>
-            </a:r>
-            <a:r>
-              <a:rPr lang="en-US" sz="1400" dirty="0" smtClean="0">
-                <a:latin typeface="Lucida Console" pitchFamily="49" charset="0"/>
-              </a:rPr>
-              <a:t>            1     0.006    0.249      6    234   0.96</a:t>
-            </a:r>
-          </a:p>
-          <a:p>
-            <a:r>
-              <a:rPr lang="en-US" sz="1400" dirty="0" err="1" smtClean="0">
-                <a:latin typeface="Lucida Console" pitchFamily="49" charset="0"/>
-              </a:rPr>
-              <a:t>Wilks</a:t>
-            </a:r>
-            <a:r>
-              <a:rPr lang="en-US" sz="1400" dirty="0" smtClean="0">
-                <a:latin typeface="Lucida Console" pitchFamily="49" charset="0"/>
-              </a:rPr>
-              <a:t>             1     0.994    0.249      6    234   0.96</a:t>
-            </a:r>
-          </a:p>
-          <a:p>
-            <a:r>
-              <a:rPr lang="en-US" sz="1400" dirty="0" err="1" smtClean="0">
-                <a:latin typeface="Lucida Console" pitchFamily="49" charset="0"/>
-              </a:rPr>
-              <a:t>Hotelling-Lawley</a:t>
-            </a:r>
-            <a:r>
-              <a:rPr lang="en-US" sz="1400" dirty="0" smtClean="0">
-                <a:latin typeface="Lucida Console" pitchFamily="49" charset="0"/>
-              </a:rPr>
-              <a:t>  1     0.006    0.249      6    234   0.96</a:t>
-            </a:r>
-          </a:p>
-          <a:p>
-            <a:r>
-              <a:rPr lang="en-US" sz="1400" dirty="0" smtClean="0">
-                <a:latin typeface="Lucida Console" pitchFamily="49" charset="0"/>
-              </a:rPr>
-              <a:t>Roy               1     0.006    0.249      6    234   0.96</a:t>
-            </a:r>
             <a:endParaRPr lang="en-US" sz="1400" dirty="0">
               <a:latin typeface="Lucida Console" pitchFamily="49" charset="0"/>
             </a:endParaRPr>
+          </a:p>
+          <a:p>
+            <a:r>
+              <a:rPr lang="en-US" sz="1400" dirty="0">
+                <a:latin typeface="Lucida Console" pitchFamily="49" charset="0"/>
+              </a:rPr>
+              <a:t>Multivariate Tests: </a:t>
+            </a:r>
+          </a:p>
+          <a:p>
+            <a:r>
+              <a:rPr lang="en-US" sz="1400" dirty="0">
+                <a:latin typeface="Lucida Console" pitchFamily="49" charset="0"/>
+              </a:rPr>
+              <a:t>                 </a:t>
+            </a:r>
+            <a:r>
+              <a:rPr lang="en-US" sz="1400" dirty="0" err="1">
+                <a:latin typeface="Lucida Console" pitchFamily="49" charset="0"/>
+              </a:rPr>
+              <a:t>Df</a:t>
+            </a:r>
+            <a:r>
+              <a:rPr lang="en-US" sz="1400" dirty="0">
+                <a:latin typeface="Lucida Console" pitchFamily="49" charset="0"/>
+              </a:rPr>
+              <a:t> test stat </a:t>
+            </a:r>
+            <a:r>
+              <a:rPr lang="en-US" sz="1400" dirty="0" err="1">
+                <a:latin typeface="Lucida Console" pitchFamily="49" charset="0"/>
+              </a:rPr>
+              <a:t>approx</a:t>
+            </a:r>
+            <a:r>
+              <a:rPr lang="en-US" sz="1400" dirty="0">
+                <a:latin typeface="Lucida Console" pitchFamily="49" charset="0"/>
+              </a:rPr>
+              <a:t> F </a:t>
+            </a:r>
+            <a:r>
+              <a:rPr lang="en-US" sz="1400" dirty="0" err="1">
+                <a:latin typeface="Lucida Console" pitchFamily="49" charset="0"/>
+              </a:rPr>
+              <a:t>num</a:t>
+            </a:r>
+            <a:r>
+              <a:rPr lang="en-US" sz="1400" dirty="0">
+                <a:latin typeface="Lucida Console" pitchFamily="49" charset="0"/>
+              </a:rPr>
+              <a:t> </a:t>
+            </a:r>
+            <a:r>
+              <a:rPr lang="en-US" sz="1400" dirty="0" err="1">
+                <a:latin typeface="Lucida Console" pitchFamily="49" charset="0"/>
+              </a:rPr>
+              <a:t>Df</a:t>
+            </a:r>
+            <a:r>
+              <a:rPr lang="en-US" sz="1400" dirty="0">
+                <a:latin typeface="Lucida Console" pitchFamily="49" charset="0"/>
+              </a:rPr>
+              <a:t> den </a:t>
+            </a:r>
+            <a:r>
+              <a:rPr lang="en-US" sz="1400" dirty="0" err="1">
+                <a:latin typeface="Lucida Console" pitchFamily="49" charset="0"/>
+              </a:rPr>
+              <a:t>Df</a:t>
+            </a:r>
+            <a:r>
+              <a:rPr lang="en-US" sz="1400" dirty="0">
+                <a:latin typeface="Lucida Console" pitchFamily="49" charset="0"/>
+              </a:rPr>
+              <a:t>  </a:t>
+            </a:r>
+            <a:r>
+              <a:rPr lang="en-US" sz="1400" dirty="0" err="1">
+                <a:latin typeface="Lucida Console" pitchFamily="49" charset="0"/>
+              </a:rPr>
+              <a:t>Pr</a:t>
+            </a:r>
+            <a:r>
+              <a:rPr lang="en-US" sz="1400" dirty="0">
+                <a:latin typeface="Lucida Console" pitchFamily="49" charset="0"/>
+              </a:rPr>
+              <a:t>(&gt;F)    </a:t>
+            </a:r>
+          </a:p>
+          <a:p>
+            <a:r>
+              <a:rPr lang="en-US" sz="1400" dirty="0" err="1">
+                <a:latin typeface="Lucida Console" pitchFamily="49" charset="0"/>
+              </a:rPr>
+              <a:t>Pillai</a:t>
+            </a:r>
+            <a:r>
+              <a:rPr lang="en-US" sz="1400" dirty="0">
+                <a:latin typeface="Lucida Console" pitchFamily="49" charset="0"/>
+              </a:rPr>
+              <a:t>            1     0.289     15.9      6    234 2.8e-15 ***</a:t>
+            </a:r>
+          </a:p>
+          <a:p>
+            <a:r>
+              <a:rPr lang="en-US" sz="1400" dirty="0" err="1">
+                <a:latin typeface="Lucida Console" pitchFamily="49" charset="0"/>
+              </a:rPr>
+              <a:t>Wilks</a:t>
+            </a:r>
+            <a:r>
+              <a:rPr lang="en-US" sz="1400" dirty="0">
+                <a:latin typeface="Lucida Console" pitchFamily="49" charset="0"/>
+              </a:rPr>
+              <a:t>             1     0.711     15.9      6    234 2.8e-15 ***</a:t>
+            </a:r>
+          </a:p>
+          <a:p>
+            <a:r>
+              <a:rPr lang="en-US" sz="1400" dirty="0" err="1">
+                <a:latin typeface="Lucida Console" pitchFamily="49" charset="0"/>
+              </a:rPr>
+              <a:t>Hotelling-Lawley</a:t>
+            </a:r>
+            <a:r>
+              <a:rPr lang="en-US" sz="1400" dirty="0">
+                <a:latin typeface="Lucida Console" pitchFamily="49" charset="0"/>
+              </a:rPr>
+              <a:t>  1     0.407     15.9      6    234 2.8e-15 ***</a:t>
+            </a:r>
+          </a:p>
+          <a:p>
+            <a:r>
+              <a:rPr lang="en-US" sz="1400" dirty="0">
+                <a:latin typeface="Lucida Console" pitchFamily="49" charset="0"/>
+              </a:rPr>
+              <a:t>Roy               1     0.407     15.9      6    234 2.8e-15 ***</a:t>
+            </a:r>
+          </a:p>
+          <a:p>
+            <a:r>
+              <a:rPr lang="en-US" sz="1400" dirty="0">
+                <a:latin typeface="Lucida Console" pitchFamily="49" charset="0"/>
+              </a:rPr>
+              <a:t>---</a:t>
+            </a:r>
+          </a:p>
+          <a:p>
+            <a:r>
+              <a:rPr lang="en-US" sz="1400" dirty="0" err="1">
+                <a:latin typeface="Lucida Console" pitchFamily="49" charset="0"/>
+              </a:rPr>
+              <a:t>Signif</a:t>
+            </a:r>
+            <a:r>
+              <a:rPr lang="en-US" sz="1400" dirty="0">
+                <a:latin typeface="Lucida Console" pitchFamily="49" charset="0"/>
+              </a:rPr>
+              <a:t>. codes:  0 ‘***’ 0.001 ‘**’ 0.01 ‘*’ 0.05 ‘.’ 0.1 ‘ ’ 1</a:t>
+            </a:r>
+          </a:p>
+          <a:p>
+            <a:endParaRPr lang="en-US" sz="1400" dirty="0">
+              <a:latin typeface="Lucida Console" pitchFamily="49" charset="0"/>
+            </a:endParaRPr>
+          </a:p>
+          <a:p>
+            <a:r>
+              <a:rPr lang="en-US" sz="1400" dirty="0">
+                <a:latin typeface="Lucida Console" pitchFamily="49" charset="0"/>
+              </a:rPr>
+              <a:t>&gt; print(</a:t>
+            </a:r>
+            <a:r>
+              <a:rPr lang="en-US" sz="1400" dirty="0" err="1">
+                <a:latin typeface="Lucida Console" pitchFamily="49" charset="0"/>
+              </a:rPr>
+              <a:t>linearHypothesis</a:t>
+            </a:r>
+            <a:r>
+              <a:rPr lang="en-US" sz="1400" dirty="0">
+                <a:latin typeface="Lucida Console" pitchFamily="49" charset="0"/>
+              </a:rPr>
+              <a:t>(</a:t>
+            </a:r>
+            <a:r>
+              <a:rPr lang="en-US" sz="1400" dirty="0" err="1">
+                <a:latin typeface="Lucida Console" pitchFamily="49" charset="0"/>
+              </a:rPr>
+              <a:t>NC.mlm</a:t>
+            </a:r>
+            <a:r>
+              <a:rPr lang="en-US" sz="1400" dirty="0">
+                <a:latin typeface="Lucida Console" pitchFamily="49" charset="0"/>
+              </a:rPr>
+              <a:t>, "Dx2"), SSP=FALSE)</a:t>
+            </a:r>
+          </a:p>
+          <a:p>
+            <a:endParaRPr lang="en-US" sz="1400" dirty="0">
+              <a:latin typeface="Lucida Console" pitchFamily="49" charset="0"/>
+            </a:endParaRPr>
+          </a:p>
+          <a:p>
+            <a:r>
+              <a:rPr lang="en-US" sz="1400" dirty="0">
+                <a:latin typeface="Lucida Console" pitchFamily="49" charset="0"/>
+              </a:rPr>
+              <a:t>Multivariate Tests: </a:t>
+            </a:r>
+          </a:p>
+          <a:p>
+            <a:r>
+              <a:rPr lang="en-US" sz="1400" dirty="0">
+                <a:latin typeface="Lucida Console" pitchFamily="49" charset="0"/>
+              </a:rPr>
+              <a:t>                 </a:t>
+            </a:r>
+            <a:r>
+              <a:rPr lang="en-US" sz="1400" dirty="0" err="1">
+                <a:latin typeface="Lucida Console" pitchFamily="49" charset="0"/>
+              </a:rPr>
+              <a:t>Df</a:t>
+            </a:r>
+            <a:r>
+              <a:rPr lang="en-US" sz="1400" dirty="0">
+                <a:latin typeface="Lucida Console" pitchFamily="49" charset="0"/>
+              </a:rPr>
+              <a:t> test stat </a:t>
+            </a:r>
+            <a:r>
+              <a:rPr lang="en-US" sz="1400" dirty="0" err="1">
+                <a:latin typeface="Lucida Console" pitchFamily="49" charset="0"/>
+              </a:rPr>
+              <a:t>approx</a:t>
+            </a:r>
+            <a:r>
+              <a:rPr lang="en-US" sz="1400" dirty="0">
+                <a:latin typeface="Lucida Console" pitchFamily="49" charset="0"/>
+              </a:rPr>
+              <a:t> F </a:t>
+            </a:r>
+            <a:r>
+              <a:rPr lang="en-US" sz="1400" dirty="0" err="1">
+                <a:latin typeface="Lucida Console" pitchFamily="49" charset="0"/>
+              </a:rPr>
+              <a:t>num</a:t>
+            </a:r>
+            <a:r>
+              <a:rPr lang="en-US" sz="1400" dirty="0">
+                <a:latin typeface="Lucida Console" pitchFamily="49" charset="0"/>
+              </a:rPr>
+              <a:t> </a:t>
+            </a:r>
+            <a:r>
+              <a:rPr lang="en-US" sz="1400" dirty="0" err="1">
+                <a:latin typeface="Lucida Console" pitchFamily="49" charset="0"/>
+              </a:rPr>
+              <a:t>Df</a:t>
+            </a:r>
+            <a:r>
+              <a:rPr lang="en-US" sz="1400" dirty="0">
+                <a:latin typeface="Lucida Console" pitchFamily="49" charset="0"/>
+              </a:rPr>
+              <a:t> den </a:t>
+            </a:r>
+            <a:r>
+              <a:rPr lang="en-US" sz="1400" dirty="0" err="1">
+                <a:latin typeface="Lucida Console" pitchFamily="49" charset="0"/>
+              </a:rPr>
+              <a:t>Df</a:t>
+            </a:r>
+            <a:r>
+              <a:rPr lang="en-US" sz="1400" dirty="0">
+                <a:latin typeface="Lucida Console" pitchFamily="49" charset="0"/>
+              </a:rPr>
+              <a:t> </a:t>
+            </a:r>
+            <a:r>
+              <a:rPr lang="en-US" sz="1400" dirty="0" err="1">
+                <a:latin typeface="Lucida Console" pitchFamily="49" charset="0"/>
+              </a:rPr>
+              <a:t>Pr</a:t>
+            </a:r>
+            <a:r>
+              <a:rPr lang="en-US" sz="1400" dirty="0">
+                <a:latin typeface="Lucida Console" pitchFamily="49" charset="0"/>
+              </a:rPr>
+              <a:t>(&gt;F)</a:t>
+            </a:r>
+          </a:p>
+          <a:p>
+            <a:r>
+              <a:rPr lang="en-US" sz="1400" dirty="0" err="1">
+                <a:latin typeface="Lucida Console" pitchFamily="49" charset="0"/>
+              </a:rPr>
+              <a:t>Pillai</a:t>
+            </a:r>
+            <a:r>
+              <a:rPr lang="en-US" sz="1400" dirty="0">
+                <a:latin typeface="Lucida Console" pitchFamily="49" charset="0"/>
+              </a:rPr>
+              <a:t>            1     0.006    0.249      6    234   0.96</a:t>
+            </a:r>
+          </a:p>
+          <a:p>
+            <a:r>
+              <a:rPr lang="en-US" sz="1400" dirty="0" err="1">
+                <a:latin typeface="Lucida Console" pitchFamily="49" charset="0"/>
+              </a:rPr>
+              <a:t>Wilks</a:t>
+            </a:r>
+            <a:r>
+              <a:rPr lang="en-US" sz="1400" dirty="0">
+                <a:latin typeface="Lucida Console" pitchFamily="49" charset="0"/>
+              </a:rPr>
+              <a:t>             1     0.994    0.249      6    234   0.96</a:t>
+            </a:r>
+          </a:p>
+          <a:p>
+            <a:r>
+              <a:rPr lang="en-US" sz="1400" dirty="0" err="1">
+                <a:latin typeface="Lucida Console" pitchFamily="49" charset="0"/>
+              </a:rPr>
+              <a:t>Hotelling-Lawley</a:t>
+            </a:r>
+            <a:r>
+              <a:rPr lang="en-US" sz="1400" dirty="0">
+                <a:latin typeface="Lucida Console" pitchFamily="49" charset="0"/>
+              </a:rPr>
+              <a:t>  1     0.006    0.249      6    234   0.96</a:t>
+            </a:r>
+          </a:p>
+          <a:p>
+            <a:r>
+              <a:rPr lang="en-US" sz="1400" dirty="0">
+                <a:latin typeface="Lucida Console" pitchFamily="49" charset="0"/>
+              </a:rPr>
+              <a:t>Roy               1     0.006    0.249      6    234   0.96</a:t>
+            </a:r>
           </a:p>
         </p:txBody>
       </p:sp>
@@ -20485,17 +20270,17 @@
           <a:lstStyle/>
           <a:p>
             <a:r>
-              <a:rPr lang="en-US" dirty="0" smtClean="0"/>
+              <a:rPr lang="en-US" dirty="0"/>
               <a:t>A simple result: Control </a:t>
             </a:r>
             <a:r>
-              <a:rPr lang="en-US" b="1" dirty="0" smtClean="0">
+              <a:rPr lang="en-US" b="1" dirty="0">
                 <a:sym typeface="Symbol"/>
               </a:rPr>
               <a:t></a:t>
             </a:r>
             <a:r>
-              <a:rPr lang="en-US" dirty="0" smtClean="0">
+              <a:rPr lang="en-US" dirty="0">
                 <a:sym typeface="Symbol"/>
               </a:rPr>
               <a:t> (Schizophrenia   Schizoaffective)</a:t>
@@ -20588,13 +20373,6 @@
   <p:clrMapOvr>
     <a:masterClrMapping/>
   </p:clrMapOvr>
-  <p:timing>
-    <p:tnLst>
-      <p:par>
-        <p:cTn id="1" dur="indefinite" restart="never" nodeType="tmRoot"/>
-      </p:par>
-    </p:tnLst>
-  </p:timing>
 </p:sld>
 </file>
 
@@ -20633,10 +20411,9 @@
           <a:lstStyle/>
           <a:p>
             <a:r>
-              <a:rPr lang="en-US" dirty="0" smtClean="0"/>
+              <a:rPr lang="en-US" dirty="0"/>
               <a:t>Visualize me: in data space</a:t>
             </a:r>
-            <a:endParaRPr lang="en-US" dirty="0"/>
           </a:p>
         </p:txBody>
       </p:sp>
@@ -20734,7 +20511,7 @@
               </a:spcAft>
             </a:pPr>
             <a:r>
-              <a:rPr lang="en-US" dirty="0" smtClean="0">
+              <a:rPr lang="en-US" dirty="0">
                 <a:solidFill>
                   <a:srgbClr val="00B050"/>
                 </a:solidFill>
@@ -20744,44 +20521,41 @@
           </a:p>
           <a:p>
             <a:r>
-              <a:rPr lang="en-US" sz="1600" dirty="0" err="1" smtClean="0">
+              <a:rPr lang="en-US" sz="1600" dirty="0" err="1">
                 <a:latin typeface="SAS Monospace" panose="020B0609020202020204" pitchFamily="49" charset="0"/>
               </a:rPr>
               <a:t>heplot</a:t>
             </a:r>
             <a:r>
-              <a:rPr lang="en-US" sz="1600" dirty="0" smtClean="0">
+              <a:rPr lang="en-US" sz="1600" dirty="0">
                 <a:latin typeface="SAS Monospace" panose="020B0609020202020204" pitchFamily="49" charset="0"/>
               </a:rPr>
               <a:t>(</a:t>
             </a:r>
             <a:r>
-              <a:rPr lang="en-US" sz="1600" dirty="0" err="1" smtClean="0">
+              <a:rPr lang="en-US" sz="1600" dirty="0" err="1">
                 <a:latin typeface="SAS Monospace" panose="020B0609020202020204" pitchFamily="49" charset="0"/>
               </a:rPr>
               <a:t>NC.mlm</a:t>
             </a:r>
             <a:r>
-              <a:rPr lang="en-US" sz="1600" dirty="0" smtClean="0">
+              <a:rPr lang="en-US" sz="1600" dirty="0">
                 <a:latin typeface="SAS Monospace" panose="020B0609020202020204" pitchFamily="49" charset="0"/>
               </a:rPr>
               <a:t>, </a:t>
             </a:r>
             <a:r>
-              <a:rPr lang="en-US" sz="1600" dirty="0" err="1" smtClean="0">
+              <a:rPr lang="en-US" sz="1600" dirty="0" err="1">
                 <a:latin typeface="SAS Monospace" panose="020B0609020202020204" pitchFamily="49" charset="0"/>
               </a:rPr>
               <a:t>var</a:t>
             </a:r>
             <a:r>
-              <a:rPr lang="en-US" sz="1600" dirty="0" smtClean="0">
+              <a:rPr lang="en-US" sz="1600" dirty="0">
                 <a:latin typeface="SAS Monospace" panose="020B0609020202020204" pitchFamily="49" charset="0"/>
               </a:rPr>
               <a:t>=1:2, ...)</a:t>
             </a:r>
-            <a:endParaRPr lang="en-US" sz="1600" dirty="0">
-              <a:latin typeface="SAS Monospace" panose="020B0609020202020204" pitchFamily="49" charset="0"/>
-            </a:endParaRPr>
           </a:p>
         </p:txBody>
       </p:sp>
@@ -20819,7 +20593,7 @@
               </a:spcAft>
             </a:pPr>
             <a:r>
-              <a:rPr lang="en-US" dirty="0" smtClean="0">
+              <a:rPr lang="en-US" dirty="0">
                 <a:solidFill>
                   <a:srgbClr val="00B050"/>
                 </a:solidFill>
@@ -20829,26 +20603,23 @@
           </a:p>
           <a:p>
             <a:r>
-              <a:rPr lang="en-US" sz="1600" dirty="0" smtClean="0">
+              <a:rPr lang="en-US" sz="1600" dirty="0">
                 <a:latin typeface="SAS Monospace" panose="020B0609020202020204" pitchFamily="49" charset="0"/>
               </a:rPr>
               <a:t>pairs(</a:t>
             </a:r>
             <a:r>
-              <a:rPr lang="en-US" sz="1600" dirty="0" err="1" smtClean="0">
+              <a:rPr lang="en-US" sz="1600" dirty="0" err="1">
                 <a:latin typeface="SAS Monospace" panose="020B0609020202020204" pitchFamily="49" charset="0"/>
               </a:rPr>
               <a:t>NC.mlm</a:t>
             </a:r>
             <a:r>
-              <a:rPr lang="en-US" sz="1600" dirty="0" smtClean="0">
+              <a:rPr lang="en-US" sz="1600" dirty="0">
                 <a:latin typeface="SAS Monospace" panose="020B0609020202020204" pitchFamily="49" charset="0"/>
               </a:rPr>
               <a:t>, ...)</a:t>
             </a:r>
-            <a:endParaRPr lang="en-US" sz="1600" dirty="0">
-              <a:latin typeface="SAS Monospace" panose="020B0609020202020204" pitchFamily="49" charset="0"/>
-            </a:endParaRPr>
           </a:p>
         </p:txBody>
       </p:sp>
@@ -20958,32 +20729,31 @@
           <a:lstStyle/>
           <a:p>
             <a:r>
-              <a:rPr lang="en-US" dirty="0" smtClean="0"/>
+              <a:rPr lang="en-US" dirty="0"/>
               <a:t>Wow! All </a:t>
             </a:r>
             <a:r>
-              <a:rPr lang="en-US" dirty="0" err="1" smtClean="0"/>
+              <a:rPr lang="en-US" dirty="0" err="1"/>
               <a:t>neuro</a:t>
             </a:r>
             <a:r>
-              <a:rPr lang="en-US" dirty="0" smtClean="0"/>
+              <a:rPr lang="en-US" dirty="0"/>
               <a:t>-cog measures highly correlated in group means!</a:t>
             </a:r>
           </a:p>
           <a:p>
             <a:r>
-              <a:rPr lang="en-US" dirty="0" smtClean="0"/>
+              <a:rPr lang="en-US" dirty="0"/>
               <a:t>Only 1 dim. of </a:t>
             </a:r>
             <a:r>
-              <a:rPr lang="en-US" b="1" dirty="0" smtClean="0"/>
+              <a:rPr lang="en-US" b="1" dirty="0"/>
               <a:t>H</a:t>
             </a:r>
             <a:r>
-              <a:rPr lang="en-US" dirty="0" smtClean="0"/>
+              <a:rPr lang="en-US" dirty="0"/>
               <a:t> variation</a:t>
             </a:r>
-            <a:endParaRPr lang="en-US" dirty="0"/>
           </a:p>
         </p:txBody>
       </p:sp>
@@ -20997,13 +20767,6 @@
   <p:clrMapOvr>
     <a:masterClrMapping/>
   </p:clrMapOvr>
-  <p:timing>
-    <p:tnLst>
-      <p:par>
-        <p:cTn id="1" dur="indefinite" restart="never" nodeType="tmRoot"/>
-      </p:par>
-    </p:tnLst>
-  </p:timing>
 </p:sld>
 </file>
 
@@ -21043,13 +20806,8 @@
           <a:p>
             <a:r>
               <a:rPr lang="en-US" dirty="0"/>
-              <a:t>Visualize me: in </a:t>
-            </a:r>
-            <a:r>
-              <a:rPr lang="en-US" dirty="0" smtClean="0"/>
-              <a:t>canonical space</a:t>
-            </a:r>
-            <a:endParaRPr lang="en-US" dirty="0"/>
+              <a:t>Visualize me: in canonical space</a:t>
+            </a:r>
           </a:p>
         </p:txBody>
       </p:sp>
@@ -21183,30 +20941,30 @@
           <a:lstStyle/>
           <a:p>
             <a:r>
-              <a:rPr lang="en-US" sz="1600" dirty="0" smtClean="0"/>
+              <a:rPr lang="en-US" sz="1600" dirty="0"/>
               <a:t>Very simple interpretation</a:t>
             </a:r>
           </a:p>
           <a:p>
-            <a:endParaRPr lang="en-US" sz="1600" dirty="0" smtClean="0"/>
-          </a:p>
-          <a:p>
-            <a:r>
-              <a:rPr lang="en-US" sz="1600" dirty="0" smtClean="0"/>
+            <a:endParaRPr lang="en-US" sz="1600" dirty="0"/>
+          </a:p>
+          <a:p>
+            <a:r>
+              <a:rPr lang="en-US" sz="1600" dirty="0"/>
               <a:t>Can1: normal vs. others</a:t>
             </a:r>
           </a:p>
           <a:p>
             <a:r>
-              <a:rPr lang="en-US" sz="1600" dirty="0" smtClean="0"/>
+              <a:rPr lang="en-US" sz="1600" dirty="0"/>
               <a:t>All </a:t>
             </a:r>
             <a:r>
-              <a:rPr lang="en-US" sz="1600" dirty="0" err="1" smtClean="0"/>
+              <a:rPr lang="en-US" sz="1600" dirty="0" err="1"/>
               <a:t>vars</a:t>
             </a:r>
             <a:r>
-              <a:rPr lang="en-US" sz="1600" dirty="0" smtClean="0"/>
+              <a:rPr lang="en-US" sz="1600" dirty="0"/>
               <a:t> highly correlated; </a:t>
             </a:r>
           </a:p>
@@ -21215,7 +20973,7 @@
           </a:p>
           <a:p>
             <a:r>
-              <a:rPr lang="en-US" sz="1600" dirty="0" smtClean="0"/>
+              <a:rPr lang="en-US" sz="1600" dirty="0"/>
               <a:t>Can2: only 1.5%, NS; but perhaps suggestive </a:t>
             </a:r>
           </a:p>
@@ -21231,13 +20989,6 @@
   <p:clrMapOvr>
     <a:masterClrMapping/>
   </p:clrMapOvr>
-  <p:timing>
-    <p:tnLst>
-      <p:par>
-        <p:cTn id="1" dur="indefinite" restart="never" nodeType="tmRoot"/>
-      </p:par>
-    </p:tnLst>
-  </p:timing>
 </p:sld>
 </file>
 
@@ -21277,13 +21028,8 @@
           <a:p>
             <a:r>
               <a:rPr lang="en-US" dirty="0"/>
-              <a:t>Visualize me: </a:t>
-            </a:r>
-            <a:r>
-              <a:rPr lang="en-US" dirty="0" smtClean="0"/>
-              <a:t>canonical HE plots</a:t>
-            </a:r>
-            <a:endParaRPr lang="en-US" dirty="0"/>
+              <a:t>Visualize me: canonical HE plots</a:t>
+            </a:r>
           </a:p>
         </p:txBody>
       </p:sp>
@@ -21394,11 +21140,7 @@
           <a:p>
             <a:r>
               <a:rPr lang="en-US" sz="1600" dirty="0"/>
-              <a:t>The multivariate “juicer</a:t>
-            </a:r>
-            <a:r>
-              <a:rPr lang="en-US" sz="1600" dirty="0" smtClean="0"/>
-              <a:t>”</a:t>
+              <a:t>The multivariate “juicer”</a:t>
             </a:r>
           </a:p>
           <a:p>
@@ -21406,7 +21148,7 @@
           </a:p>
           <a:p>
             <a:r>
-              <a:rPr lang="en-US" sz="1600" dirty="0" smtClean="0"/>
+              <a:rPr lang="en-US" sz="1600" dirty="0"/>
               <a:t>Shows just group means, H ellipse &amp; E ellipse </a:t>
             </a:r>
           </a:p>
@@ -21415,10 +21157,9 @@
           </a:p>
           <a:p>
             <a:r>
-              <a:rPr lang="en-US" sz="1600" dirty="0" smtClean="0"/>
+              <a:rPr lang="en-US" sz="1600" dirty="0"/>
               <a:t>Variable vectors offer interpretation of Can dimensions.</a:t>
             </a:r>
-            <a:endParaRPr lang="en-US" sz="1600" dirty="0"/>
           </a:p>
           <a:p>
             <a:endParaRPr lang="en-US" dirty="0"/>
@@ -21435,13 +21176,6 @@
   <p:clrMapOvr>
     <a:masterClrMapping/>
   </p:clrMapOvr>
-  <p:timing>
-    <p:tnLst>
-      <p:par>
-        <p:cTn id="1" dur="indefinite" restart="never" nodeType="tmRoot"/>
-      </p:par>
-    </p:tnLst>
-  </p:timing>
 </p:sld>
 </file>
 
@@ -21478,10 +21212,9 @@
           <a:lstStyle/>
           <a:p>
             <a:r>
-              <a:rPr lang="en-US" dirty="0" smtClean="0"/>
+              <a:rPr lang="en-US" dirty="0"/>
               <a:t>Social cognitive measures</a:t>
             </a:r>
-            <a:endParaRPr lang="en-US" dirty="0"/>
           </a:p>
         </p:txBody>
       </p:sp>
@@ -21503,35 +21236,27 @@
           <a:lstStyle/>
           <a:p>
             <a:r>
-              <a:rPr lang="en-US" sz="2800" dirty="0" smtClean="0"/>
+              <a:rPr lang="en-US" sz="2800" dirty="0"/>
               <a:t>These measures deal with the person’s perception and cognitive processing of emotions of others</a:t>
             </a:r>
           </a:p>
           <a:p>
             <a:pPr lvl="1"/>
             <a:r>
-              <a:rPr lang="en-US" sz="2400" dirty="0" smtClean="0"/>
-              <a:t>Scales: </a:t>
-            </a:r>
-            <a:r>
               <a:rPr lang="en-US" sz="2400" dirty="0"/>
-              <a:t>managing emotions, theory of mind, externalizing bias, personalizing </a:t>
-            </a:r>
-            <a:r>
-              <a:rPr lang="en-US" sz="2400" dirty="0" smtClean="0"/>
-              <a:t>bias</a:t>
-            </a:r>
-          </a:p>
-          <a:p>
-            <a:r>
-              <a:rPr lang="en-US" sz="2800" dirty="0" smtClean="0"/>
+              <a:t>Scales: managing emotions, theory of mind, externalizing bias, personalizing bias</a:t>
+            </a:r>
+          </a:p>
+          <a:p>
+            <a:r>
+              <a:rPr lang="en-US" sz="2800" dirty="0"/>
               <a:t>Questions:</a:t>
             </a:r>
           </a:p>
           <a:p>
             <a:pPr lvl="1"/>
             <a:r>
-              <a:rPr lang="en-US" sz="2000" dirty="0" smtClean="0"/>
+              <a:rPr lang="en-US" sz="2000" dirty="0"/>
               <a:t>Do these differentiate normal from patient groups?</a:t>
             </a:r>
           </a:p>
@@ -21539,20 +21264,15 @@
             <a:pPr lvl="1"/>
             <a:r>
               <a:rPr lang="en-US" sz="2000" dirty="0"/>
-              <a:t>C</a:t>
-            </a:r>
-            <a:r>
-              <a:rPr lang="en-US" sz="2000" dirty="0" smtClean="0"/>
-              <a:t>an they distinguish between schizophrenic &amp; schizoaffective</a:t>
+              <a:t>Can they distinguish between schizophrenic &amp; schizoaffective</a:t>
             </a:r>
           </a:p>
           <a:p>
             <a:pPr lvl="1"/>
             <a:r>
-              <a:rPr lang="en-US" sz="2000" dirty="0" smtClean="0"/>
+              <a:rPr lang="en-US" sz="2000" dirty="0"/>
               <a:t>If so, this could be a major finding.</a:t>
             </a:r>
-            <a:endParaRPr lang="en-US" sz="2000" dirty="0"/>
           </a:p>
         </p:txBody>
       </p:sp>
@@ -21589,13 +21309,6 @@
   <p:clrMapOvr>
     <a:masterClrMapping/>
   </p:clrMapOvr>
-  <p:timing>
-    <p:tnLst>
-      <p:par>
-        <p:cTn id="1" dur="indefinite" restart="never" nodeType="tmRoot"/>
-      </p:par>
-    </p:tnLst>
-  </p:timing>
 </p:sld>
 </file>
 

--- a/docs/lectures/lecture3.pptx
+++ b/docs/lectures/lecture3.pptx
@@ -297,7 +297,7 @@
           <a:p>
             <a:fld id="{88225CEC-B4DB-421E-BD7D-F5D0F79EA658}" type="datetimeFigureOut">
               <a:rPr lang="en-US" smtClean="0"/>
-              <a:t>10/14/2020</a:t>
+              <a:t>2/6/2021</a:t>
             </a:fld>
             <a:endParaRPr lang="en-US"/>
           </a:p>
@@ -911,7 +911,7 @@
           <a:p>
             <a:fld id="{2F895662-E2E6-47BC-B493-3EA4FCF734B6}" type="datetime1">
               <a:rPr lang="en-US" smtClean="0"/>
-              <a:t>10/14/2020</a:t>
+              <a:t>2/6/2021</a:t>
             </a:fld>
             <a:endParaRPr lang="en-US"/>
           </a:p>
@@ -1079,7 +1079,7 @@
           <a:p>
             <a:fld id="{0F4BFD65-5602-4172-B54C-6A65165A1845}" type="datetime1">
               <a:rPr lang="en-US" smtClean="0"/>
-              <a:t>10/14/2020</a:t>
+              <a:t>2/6/2021</a:t>
             </a:fld>
             <a:endParaRPr lang="en-US"/>
           </a:p>
@@ -1257,7 +1257,7 @@
           <a:p>
             <a:fld id="{6CA290DE-8138-4626-BC3F-DF68A3BD09D8}" type="datetime1">
               <a:rPr lang="en-US" smtClean="0"/>
-              <a:t>10/14/2020</a:t>
+              <a:t>2/6/2021</a:t>
             </a:fld>
             <a:endParaRPr lang="en-US"/>
           </a:p>
@@ -1425,7 +1425,7 @@
           <a:p>
             <a:fld id="{E1BE8E3F-75DF-45E8-9F6B-4F2E22494A32}" type="datetime1">
               <a:rPr lang="en-US" smtClean="0"/>
-              <a:t>10/14/2020</a:t>
+              <a:t>2/6/2021</a:t>
             </a:fld>
             <a:endParaRPr lang="en-US"/>
           </a:p>
@@ -1670,7 +1670,7 @@
           <a:p>
             <a:fld id="{82F4DA82-3E7C-4CFB-A30B-53D3893EF32E}" type="datetime1">
               <a:rPr lang="en-US" smtClean="0"/>
-              <a:t>10/14/2020</a:t>
+              <a:t>2/6/2021</a:t>
             </a:fld>
             <a:endParaRPr lang="en-US"/>
           </a:p>
@@ -1955,7 +1955,7 @@
           <a:p>
             <a:fld id="{36B3D8AD-4C83-4D73-AEE7-5E801ED5356C}" type="datetime1">
               <a:rPr lang="en-US" smtClean="0"/>
-              <a:t>10/14/2020</a:t>
+              <a:t>2/6/2021</a:t>
             </a:fld>
             <a:endParaRPr lang="en-US"/>
           </a:p>
@@ -2374,7 +2374,7 @@
           <a:p>
             <a:fld id="{7E6893DB-DD64-49D6-A5C2-F6ACE2B1530B}" type="datetime1">
               <a:rPr lang="en-US" smtClean="0"/>
-              <a:t>10/14/2020</a:t>
+              <a:t>2/6/2021</a:t>
             </a:fld>
             <a:endParaRPr lang="en-US"/>
           </a:p>
@@ -2491,7 +2491,7 @@
           <a:p>
             <a:fld id="{FC0A94C3-7A0F-4E28-9A06-985C13FFBB01}" type="datetime1">
               <a:rPr lang="en-US" smtClean="0"/>
-              <a:t>10/14/2020</a:t>
+              <a:t>2/6/2021</a:t>
             </a:fld>
             <a:endParaRPr lang="en-US"/>
           </a:p>
@@ -2586,7 +2586,7 @@
           <a:p>
             <a:fld id="{8587B2D3-0011-41C0-B2C5-6B713844DB1C}" type="datetime1">
               <a:rPr lang="en-US" smtClean="0"/>
-              <a:t>10/14/2020</a:t>
+              <a:t>2/6/2021</a:t>
             </a:fld>
             <a:endParaRPr lang="en-US"/>
           </a:p>
@@ -2861,7 +2861,7 @@
           <a:p>
             <a:fld id="{B53EE19A-9EFD-417C-93CE-FC2F485F3533}" type="datetime1">
               <a:rPr lang="en-US" smtClean="0"/>
-              <a:t>10/14/2020</a:t>
+              <a:t>2/6/2021</a:t>
             </a:fld>
             <a:endParaRPr lang="en-US"/>
           </a:p>
@@ -3116,7 +3116,7 @@
           <a:p>
             <a:fld id="{87D9954C-8CD1-4968-8DFE-C7948C62F830}" type="datetime1">
               <a:rPr lang="en-US" smtClean="0"/>
-              <a:t>10/14/2020</a:t>
+              <a:t>2/6/2021</a:t>
             </a:fld>
             <a:endParaRPr lang="en-US"/>
           </a:p>
@@ -3332,7 +3332,7 @@
           <a:p>
             <a:fld id="{B4BF092D-FE75-4F27-B0C3-A897761F708C}" type="datetime1">
               <a:rPr lang="en-US" smtClean="0"/>
-              <a:t>10/14/2020</a:t>
+              <a:t>2/6/2021</a:t>
             </a:fld>
             <a:endParaRPr lang="en-US"/>
           </a:p>
@@ -3798,7 +3798,7 @@
           <a:p>
             <a:r>
               <a:rPr lang="en-US" dirty="0"/>
-              <a:t>Oct. 22, 29, Nov. 5, 2020</a:t>
+              <a:t>March, 2021</a:t>
             </a:r>
           </a:p>
           <a:p>
@@ -6453,6 +6453,48 @@
           </a:p>
         </p:txBody>
       </p:sp>
+      <p:cxnSp>
+        <p:nvCxnSpPr>
+          <p:cNvPr id="3" name="Straight Arrow Connector 2">
+            <a:extLst>
+              <a:ext uri="{FF2B5EF4-FFF2-40B4-BE49-F238E27FC236}">
+                <a16:creationId xmlns:a16="http://schemas.microsoft.com/office/drawing/2014/main" id="{894DA071-210C-4BD1-8F3C-D60690B0157A}"/>
+              </a:ext>
+            </a:extLst>
+          </p:cNvPr>
+          <p:cNvCxnSpPr/>
+          <p:nvPr/>
+        </p:nvCxnSpPr>
+        <p:spPr>
+          <a:xfrm flipH="1" flipV="1">
+            <a:off x="5257800" y="2667000"/>
+            <a:ext cx="228600" cy="76200"/>
+          </a:xfrm>
+          <a:prstGeom prst="straightConnector1">
+            <a:avLst/>
+          </a:prstGeom>
+          <a:ln w="31750">
+            <a:solidFill>
+              <a:srgbClr val="FF0000"/>
+            </a:solidFill>
+            <a:tailEnd type="triangle"/>
+          </a:ln>
+        </p:spPr>
+        <p:style>
+          <a:lnRef idx="1">
+            <a:schemeClr val="accent1"/>
+          </a:lnRef>
+          <a:fillRef idx="0">
+            <a:schemeClr val="accent1"/>
+          </a:fillRef>
+          <a:effectRef idx="0">
+            <a:schemeClr val="accent1"/>
+          </a:effectRef>
+          <a:fontRef idx="minor">
+            <a:schemeClr val="tx1"/>
+          </a:fontRef>
+        </p:style>
+      </p:cxnSp>
     </p:spTree>
     <p:extLst>
       <p:ext uri="{BB962C8B-B14F-4D97-AF65-F5344CB8AC3E}">
@@ -7072,7 +7114,7 @@
           <a:graphicData uri="http://schemas.openxmlformats.org/presentationml/2006/ole">
             <mc:AlternateContent xmlns:mc="http://schemas.openxmlformats.org/markup-compatibility/2006">
               <mc:Choice xmlns:v="urn:schemas-microsoft-com:vml" Requires="v">
-                <p:oleObj spid="_x0000_s1059" name="Equation" r:id="rId3" imgW="2070000" imgH="253800" progId="Equation.DSMT4">
+                <p:oleObj spid="_x0000_s1061" name="Equation" r:id="rId3" imgW="2070000" imgH="253800" progId="Equation.DSMT4">
                   <p:embed/>
                 </p:oleObj>
               </mc:Choice>

--- a/docs/lectures/lecture3.pptx
+++ b/docs/lectures/lecture3.pptx
@@ -315,7 +315,7 @@
           <a:p>
             <a:fld id="{88225CEC-B4DB-421E-BD7D-F5D0F79EA658}" type="datetimeFigureOut">
               <a:rPr lang="en-US" smtClean="0"/>
-              <a:t>3/15/2021</a:t>
+              <a:t>11/1/2021</a:t>
             </a:fld>
             <a:endParaRPr lang="en-US"/>
           </a:p>
@@ -929,7 +929,7 @@
           <a:p>
             <a:fld id="{2F895662-E2E6-47BC-B493-3EA4FCF734B6}" type="datetime1">
               <a:rPr lang="en-US" smtClean="0"/>
-              <a:t>3/15/2021</a:t>
+              <a:t>11/1/2021</a:t>
             </a:fld>
             <a:endParaRPr lang="en-US"/>
           </a:p>
@@ -1097,7 +1097,7 @@
           <a:p>
             <a:fld id="{0F4BFD65-5602-4172-B54C-6A65165A1845}" type="datetime1">
               <a:rPr lang="en-US" smtClean="0"/>
-              <a:t>3/15/2021</a:t>
+              <a:t>11/1/2021</a:t>
             </a:fld>
             <a:endParaRPr lang="en-US"/>
           </a:p>
@@ -1275,7 +1275,7 @@
           <a:p>
             <a:fld id="{6CA290DE-8138-4626-BC3F-DF68A3BD09D8}" type="datetime1">
               <a:rPr lang="en-US" smtClean="0"/>
-              <a:t>3/15/2021</a:t>
+              <a:t>11/1/2021</a:t>
             </a:fld>
             <a:endParaRPr lang="en-US"/>
           </a:p>
@@ -1443,7 +1443,7 @@
           <a:p>
             <a:fld id="{E1BE8E3F-75DF-45E8-9F6B-4F2E22494A32}" type="datetime1">
               <a:rPr lang="en-US" smtClean="0"/>
-              <a:t>3/15/2021</a:t>
+              <a:t>11/1/2021</a:t>
             </a:fld>
             <a:endParaRPr lang="en-US"/>
           </a:p>
@@ -1688,7 +1688,7 @@
           <a:p>
             <a:fld id="{82F4DA82-3E7C-4CFB-A30B-53D3893EF32E}" type="datetime1">
               <a:rPr lang="en-US" smtClean="0"/>
-              <a:t>3/15/2021</a:t>
+              <a:t>11/1/2021</a:t>
             </a:fld>
             <a:endParaRPr lang="en-US"/>
           </a:p>
@@ -1973,7 +1973,7 @@
           <a:p>
             <a:fld id="{36B3D8AD-4C83-4D73-AEE7-5E801ED5356C}" type="datetime1">
               <a:rPr lang="en-US" smtClean="0"/>
-              <a:t>3/15/2021</a:t>
+              <a:t>11/1/2021</a:t>
             </a:fld>
             <a:endParaRPr lang="en-US"/>
           </a:p>
@@ -2392,7 +2392,7 @@
           <a:p>
             <a:fld id="{7E6893DB-DD64-49D6-A5C2-F6ACE2B1530B}" type="datetime1">
               <a:rPr lang="en-US" smtClean="0"/>
-              <a:t>3/15/2021</a:t>
+              <a:t>11/1/2021</a:t>
             </a:fld>
             <a:endParaRPr lang="en-US"/>
           </a:p>
@@ -2509,7 +2509,7 @@
           <a:p>
             <a:fld id="{FC0A94C3-7A0F-4E28-9A06-985C13FFBB01}" type="datetime1">
               <a:rPr lang="en-US" smtClean="0"/>
-              <a:t>3/15/2021</a:t>
+              <a:t>11/1/2021</a:t>
             </a:fld>
             <a:endParaRPr lang="en-US"/>
           </a:p>
@@ -2604,7 +2604,7 @@
           <a:p>
             <a:fld id="{8587B2D3-0011-41C0-B2C5-6B713844DB1C}" type="datetime1">
               <a:rPr lang="en-US" smtClean="0"/>
-              <a:t>3/15/2021</a:t>
+              <a:t>11/1/2021</a:t>
             </a:fld>
             <a:endParaRPr lang="en-US"/>
           </a:p>
@@ -2879,7 +2879,7 @@
           <a:p>
             <a:fld id="{B53EE19A-9EFD-417C-93CE-FC2F485F3533}" type="datetime1">
               <a:rPr lang="en-US" smtClean="0"/>
-              <a:t>3/15/2021</a:t>
+              <a:t>11/1/2021</a:t>
             </a:fld>
             <a:endParaRPr lang="en-US"/>
           </a:p>
@@ -3134,7 +3134,7 @@
           <a:p>
             <a:fld id="{87D9954C-8CD1-4968-8DFE-C7948C62F830}" type="datetime1">
               <a:rPr lang="en-US" smtClean="0"/>
-              <a:t>3/15/2021</a:t>
+              <a:t>11/1/2021</a:t>
             </a:fld>
             <a:endParaRPr lang="en-US"/>
           </a:p>
@@ -3350,7 +3350,7 @@
           <a:p>
             <a:fld id="{B4BF092D-FE75-4F27-B0C3-A897761F708C}" type="datetime1">
               <a:rPr lang="en-US" smtClean="0"/>
-              <a:t>3/15/2021</a:t>
+              <a:t>11/1/2021</a:t>
             </a:fld>
             <a:endParaRPr lang="en-US"/>
           </a:p>
@@ -3816,7 +3816,7 @@
           <a:p>
             <a:r>
               <a:rPr lang="en-US" dirty="0"/>
-              <a:t>March, 2021</a:t>
+              <a:t>Oct-Nov, 2021</a:t>
             </a:r>
           </a:p>
           <a:p>
@@ -7702,7 +7702,7 @@
           <a:graphicData uri="http://schemas.openxmlformats.org/presentationml/2006/ole">
             <mc:AlternateContent xmlns:mc="http://schemas.openxmlformats.org/markup-compatibility/2006">
               <mc:Choice xmlns:v="urn:schemas-microsoft-com:vml" Requires="v">
-                <p:oleObj spid="_x0000_s1066" name="Equation" r:id="rId3" imgW="2070000" imgH="253800" progId="Equation.DSMT4">
+                <p:oleObj spid="_x0000_s1068" name="Equation" r:id="rId3" imgW="2070000" imgH="253800" progId="Equation.DSMT4">
                   <p:embed/>
                 </p:oleObj>
               </mc:Choice>

--- a/docs/lectures/lecture3.pptx
+++ b/docs/lectures/lecture3.pptx
@@ -5,51 +5,55 @@
     <p:sldMasterId id="2147483660" r:id="rId1"/>
   </p:sldMasterIdLst>
   <p:notesMasterIdLst>
-    <p:notesMasterId r:id="rId44"/>
+    <p:notesMasterId r:id="rId48"/>
   </p:notesMasterIdLst>
   <p:sldIdLst>
     <p:sldId id="256" r:id="rId2"/>
     <p:sldId id="257" r:id="rId3"/>
     <p:sldId id="288" r:id="rId4"/>
     <p:sldId id="326" r:id="rId5"/>
-    <p:sldId id="289" r:id="rId6"/>
-    <p:sldId id="295" r:id="rId7"/>
-    <p:sldId id="290" r:id="rId8"/>
-    <p:sldId id="291" r:id="rId9"/>
-    <p:sldId id="292" r:id="rId10"/>
-    <p:sldId id="296" r:id="rId11"/>
-    <p:sldId id="293" r:id="rId12"/>
-    <p:sldId id="294" r:id="rId13"/>
-    <p:sldId id="297" r:id="rId14"/>
-    <p:sldId id="298" r:id="rId15"/>
-    <p:sldId id="299" r:id="rId16"/>
-    <p:sldId id="300" r:id="rId17"/>
-    <p:sldId id="301" r:id="rId18"/>
-    <p:sldId id="303" r:id="rId19"/>
-    <p:sldId id="302" r:id="rId20"/>
-    <p:sldId id="304" r:id="rId21"/>
-    <p:sldId id="305" r:id="rId22"/>
-    <p:sldId id="306" r:id="rId23"/>
-    <p:sldId id="307" r:id="rId24"/>
-    <p:sldId id="308" r:id="rId25"/>
-    <p:sldId id="309" r:id="rId26"/>
-    <p:sldId id="310" r:id="rId27"/>
-    <p:sldId id="312" r:id="rId28"/>
-    <p:sldId id="313" r:id="rId29"/>
-    <p:sldId id="314" r:id="rId30"/>
-    <p:sldId id="315" r:id="rId31"/>
-    <p:sldId id="316" r:id="rId32"/>
-    <p:sldId id="317" r:id="rId33"/>
-    <p:sldId id="318" r:id="rId34"/>
-    <p:sldId id="320" r:id="rId35"/>
-    <p:sldId id="321" r:id="rId36"/>
-    <p:sldId id="322" r:id="rId37"/>
-    <p:sldId id="323" r:id="rId38"/>
-    <p:sldId id="327" r:id="rId39"/>
-    <p:sldId id="328" r:id="rId40"/>
-    <p:sldId id="324" r:id="rId41"/>
-    <p:sldId id="325" r:id="rId42"/>
-    <p:sldId id="287" r:id="rId43"/>
+    <p:sldId id="329" r:id="rId6"/>
+    <p:sldId id="331" r:id="rId7"/>
+    <p:sldId id="289" r:id="rId8"/>
+    <p:sldId id="295" r:id="rId9"/>
+    <p:sldId id="290" r:id="rId10"/>
+    <p:sldId id="291" r:id="rId11"/>
+    <p:sldId id="292" r:id="rId12"/>
+    <p:sldId id="296" r:id="rId13"/>
+    <p:sldId id="330" r:id="rId14"/>
+    <p:sldId id="293" r:id="rId15"/>
+    <p:sldId id="294" r:id="rId16"/>
+    <p:sldId id="297" r:id="rId17"/>
+    <p:sldId id="298" r:id="rId18"/>
+    <p:sldId id="299" r:id="rId19"/>
+    <p:sldId id="300" r:id="rId20"/>
+    <p:sldId id="301" r:id="rId21"/>
+    <p:sldId id="303" r:id="rId22"/>
+    <p:sldId id="332" r:id="rId23"/>
+    <p:sldId id="302" r:id="rId24"/>
+    <p:sldId id="304" r:id="rId25"/>
+    <p:sldId id="305" r:id="rId26"/>
+    <p:sldId id="306" r:id="rId27"/>
+    <p:sldId id="307" r:id="rId28"/>
+    <p:sldId id="308" r:id="rId29"/>
+    <p:sldId id="309" r:id="rId30"/>
+    <p:sldId id="310" r:id="rId31"/>
+    <p:sldId id="312" r:id="rId32"/>
+    <p:sldId id="313" r:id="rId33"/>
+    <p:sldId id="314" r:id="rId34"/>
+    <p:sldId id="315" r:id="rId35"/>
+    <p:sldId id="316" r:id="rId36"/>
+    <p:sldId id="317" r:id="rId37"/>
+    <p:sldId id="318" r:id="rId38"/>
+    <p:sldId id="320" r:id="rId39"/>
+    <p:sldId id="321" r:id="rId40"/>
+    <p:sldId id="322" r:id="rId41"/>
+    <p:sldId id="323" r:id="rId42"/>
+    <p:sldId id="327" r:id="rId43"/>
+    <p:sldId id="328" r:id="rId44"/>
+    <p:sldId id="324" r:id="rId45"/>
+    <p:sldId id="325" r:id="rId46"/>
+    <p:sldId id="287" r:id="rId47"/>
   </p:sldIdLst>
   <p:sldSz cx="9144000" cy="6858000" type="screen4x3"/>
   <p:notesSz cx="6858000" cy="9144000"/>
@@ -157,20 +161,40 @@
             <p14:sldId id="257"/>
             <p14:sldId id="288"/>
             <p14:sldId id="326"/>
+          </p14:sldIdLst>
+        </p14:section>
+        <p14:section name="Neuro-cognitive measures" id="{93ECA7A0-73E4-4458-AB6F-7A05276ED9AF}">
+          <p14:sldIdLst>
+            <p14:sldId id="329"/>
+            <p14:sldId id="331"/>
             <p14:sldId id="289"/>
             <p14:sldId id="295"/>
             <p14:sldId id="290"/>
             <p14:sldId id="291"/>
             <p14:sldId id="292"/>
+          </p14:sldIdLst>
+        </p14:section>
+        <p14:section name="Social-cognitive measures" id="{65DEEF45-9B54-49FF-994B-92ACC0871BFC}">
+          <p14:sldIdLst>
             <p14:sldId id="296"/>
+            <p14:sldId id="330"/>
             <p14:sldId id="293"/>
             <p14:sldId id="294"/>
             <p14:sldId id="297"/>
+          </p14:sldIdLst>
+        </p14:section>
+        <p14:section name="Model checking" id="{60A1974D-4B80-46D4-B2DB-6ECBA6B821C6}">
+          <p14:sldIdLst>
             <p14:sldId id="298"/>
             <p14:sldId id="299"/>
             <p14:sldId id="300"/>
+          </p14:sldIdLst>
+        </p14:section>
+        <p14:section name="Robust MLMs" id="{0BB2B9B0-7600-4096-B170-2917EC578836}">
+          <p14:sldIdLst>
             <p14:sldId id="301"/>
             <p14:sldId id="303"/>
+            <p14:sldId id="332"/>
             <p14:sldId id="302"/>
           </p14:sldIdLst>
         </p14:section>
@@ -189,11 +213,19 @@
             <p14:sldId id="315"/>
             <p14:sldId id="316"/>
             <p14:sldId id="317"/>
+          </p14:sldIdLst>
+        </p14:section>
+        <p14:section name="Homogeneity" id="{DA1EA9D5-7120-437A-AED6-FA32C16379C2}">
+          <p14:sldIdLst>
             <p14:sldId id="318"/>
             <p14:sldId id="320"/>
             <p14:sldId id="321"/>
             <p14:sldId id="322"/>
             <p14:sldId id="323"/>
+          </p14:sldIdLst>
+        </p14:section>
+        <p14:section name="Diabetes data" id="{7CEF5A39-8B31-4771-98B6-E3E260F2EDED}">
+          <p14:sldIdLst>
             <p14:sldId id="327"/>
             <p14:sldId id="328"/>
             <p14:sldId id="324"/>
@@ -315,7 +347,7 @@
           <a:p>
             <a:fld id="{88225CEC-B4DB-421E-BD7D-F5D0F79EA658}" type="datetimeFigureOut">
               <a:rPr lang="en-US" smtClean="0"/>
-              <a:t>11/1/2021</a:t>
+              <a:t>11/9/2021</a:t>
             </a:fld>
             <a:endParaRPr lang="en-US"/>
           </a:p>
@@ -731,7 +763,7 @@
           <a:p>
             <a:fld id="{C62E08BF-5AC2-4B21-B7F5-DC86E889445B}" type="slidenum">
               <a:rPr lang="en-US" smtClean="0"/>
-              <a:t>30</a:t>
+              <a:t>34</a:t>
             </a:fld>
             <a:endParaRPr lang="en-US"/>
           </a:p>
@@ -929,7 +961,7 @@
           <a:p>
             <a:fld id="{2F895662-E2E6-47BC-B493-3EA4FCF734B6}" type="datetime1">
               <a:rPr lang="en-US" smtClean="0"/>
-              <a:t>11/1/2021</a:t>
+              <a:t>11/9/2021</a:t>
             </a:fld>
             <a:endParaRPr lang="en-US"/>
           </a:p>
@@ -1097,7 +1129,7 @@
           <a:p>
             <a:fld id="{0F4BFD65-5602-4172-B54C-6A65165A1845}" type="datetime1">
               <a:rPr lang="en-US" smtClean="0"/>
-              <a:t>11/1/2021</a:t>
+              <a:t>11/9/2021</a:t>
             </a:fld>
             <a:endParaRPr lang="en-US"/>
           </a:p>
@@ -1275,7 +1307,7 @@
           <a:p>
             <a:fld id="{6CA290DE-8138-4626-BC3F-DF68A3BD09D8}" type="datetime1">
               <a:rPr lang="en-US" smtClean="0"/>
-              <a:t>11/1/2021</a:t>
+              <a:t>11/9/2021</a:t>
             </a:fld>
             <a:endParaRPr lang="en-US"/>
           </a:p>
@@ -1443,7 +1475,7 @@
           <a:p>
             <a:fld id="{E1BE8E3F-75DF-45E8-9F6B-4F2E22494A32}" type="datetime1">
               <a:rPr lang="en-US" smtClean="0"/>
-              <a:t>11/1/2021</a:t>
+              <a:t>11/9/2021</a:t>
             </a:fld>
             <a:endParaRPr lang="en-US"/>
           </a:p>
@@ -1688,7 +1720,7 @@
           <a:p>
             <a:fld id="{82F4DA82-3E7C-4CFB-A30B-53D3893EF32E}" type="datetime1">
               <a:rPr lang="en-US" smtClean="0"/>
-              <a:t>11/1/2021</a:t>
+              <a:t>11/9/2021</a:t>
             </a:fld>
             <a:endParaRPr lang="en-US"/>
           </a:p>
@@ -1973,7 +2005,7 @@
           <a:p>
             <a:fld id="{36B3D8AD-4C83-4D73-AEE7-5E801ED5356C}" type="datetime1">
               <a:rPr lang="en-US" smtClean="0"/>
-              <a:t>11/1/2021</a:t>
+              <a:t>11/9/2021</a:t>
             </a:fld>
             <a:endParaRPr lang="en-US"/>
           </a:p>
@@ -2392,7 +2424,7 @@
           <a:p>
             <a:fld id="{7E6893DB-DD64-49D6-A5C2-F6ACE2B1530B}" type="datetime1">
               <a:rPr lang="en-US" smtClean="0"/>
-              <a:t>11/1/2021</a:t>
+              <a:t>11/9/2021</a:t>
             </a:fld>
             <a:endParaRPr lang="en-US"/>
           </a:p>
@@ -2509,7 +2541,7 @@
           <a:p>
             <a:fld id="{FC0A94C3-7A0F-4E28-9A06-985C13FFBB01}" type="datetime1">
               <a:rPr lang="en-US" smtClean="0"/>
-              <a:t>11/1/2021</a:t>
+              <a:t>11/9/2021</a:t>
             </a:fld>
             <a:endParaRPr lang="en-US"/>
           </a:p>
@@ -2604,7 +2636,7 @@
           <a:p>
             <a:fld id="{8587B2D3-0011-41C0-B2C5-6B713844DB1C}" type="datetime1">
               <a:rPr lang="en-US" smtClean="0"/>
-              <a:t>11/1/2021</a:t>
+              <a:t>11/9/2021</a:t>
             </a:fld>
             <a:endParaRPr lang="en-US"/>
           </a:p>
@@ -2879,7 +2911,7 @@
           <a:p>
             <a:fld id="{B53EE19A-9EFD-417C-93CE-FC2F485F3533}" type="datetime1">
               <a:rPr lang="en-US" smtClean="0"/>
-              <a:t>11/1/2021</a:t>
+              <a:t>11/9/2021</a:t>
             </a:fld>
             <a:endParaRPr lang="en-US"/>
           </a:p>
@@ -3134,7 +3166,7 @@
           <a:p>
             <a:fld id="{87D9954C-8CD1-4968-8DFE-C7948C62F830}" type="datetime1">
               <a:rPr lang="en-US" smtClean="0"/>
-              <a:t>11/1/2021</a:t>
+              <a:t>11/9/2021</a:t>
             </a:fld>
             <a:endParaRPr lang="en-US"/>
           </a:p>
@@ -3350,7 +3382,7 @@
           <a:p>
             <a:fld id="{B4BF092D-FE75-4F27-B0C3-A897761F708C}" type="datetime1">
               <a:rPr lang="en-US" smtClean="0"/>
-              <a:t>11/1/2021</a:t>
+              <a:t>11/9/2021</a:t>
             </a:fld>
             <a:endParaRPr lang="en-US"/>
           </a:p>
@@ -4043,6 +4075,415 @@
         </p:nvSpPr>
         <p:spPr/>
         <p:txBody>
+          <a:bodyPr>
+            <a:normAutofit/>
+          </a:bodyPr>
+          <a:lstStyle/>
+          <a:p>
+            <a:r>
+              <a:rPr lang="en-US" dirty="0"/>
+              <a:t>Visualize me: in canonical space</a:t>
+            </a:r>
+          </a:p>
+        </p:txBody>
+      </p:sp>
+      <p:pic>
+        <p:nvPicPr>
+          <p:cNvPr id="3" name="Picture 2"/>
+          <p:cNvPicPr>
+            <a:picLocks noChangeAspect="1" noChangeArrowheads="1"/>
+          </p:cNvPicPr>
+          <p:nvPr/>
+        </p:nvPicPr>
+        <p:blipFill>
+          <a:blip r:embed="rId2">
+            <a:extLst>
+              <a:ext uri="{28A0092B-C50C-407E-A947-70E740481C1C}">
+                <a14:useLocalDpi xmlns:a14="http://schemas.microsoft.com/office/drawing/2010/main" val="0"/>
+              </a:ext>
+            </a:extLst>
+          </a:blip>
+          <a:srcRect/>
+          <a:stretch>
+            <a:fillRect/>
+          </a:stretch>
+        </p:blipFill>
+        <p:spPr bwMode="auto">
+          <a:xfrm>
+            <a:off x="492485" y="1143000"/>
+            <a:ext cx="7965715" cy="1600200"/>
+          </a:xfrm>
+          <a:prstGeom prst="rect">
+            <a:avLst/>
+          </a:prstGeom>
+          <a:noFill/>
+          <a:ln>
+            <a:noFill/>
+          </a:ln>
+          <a:extLst>
+            <a:ext uri="{909E8E84-426E-40DD-AFC4-6F175D3DCCD1}">
+              <a14:hiddenFill xmlns:a14="http://schemas.microsoft.com/office/drawing/2010/main">
+                <a:solidFill>
+                  <a:schemeClr val="accent1"/>
+                </a:solidFill>
+              </a14:hiddenFill>
+            </a:ext>
+            <a:ext uri="{91240B29-F687-4F45-9708-019B960494DF}">
+              <a14:hiddenLine xmlns:a14="http://schemas.microsoft.com/office/drawing/2010/main" w="9525">
+                <a:solidFill>
+                  <a:schemeClr val="tx1"/>
+                </a:solidFill>
+                <a:miter lim="800000"/>
+                <a:headEnd/>
+                <a:tailEnd/>
+              </a14:hiddenLine>
+            </a:ext>
+          </a:extLst>
+        </p:spPr>
+      </p:pic>
+      <p:pic>
+        <p:nvPicPr>
+          <p:cNvPr id="4" name="Picture 3"/>
+          <p:cNvPicPr>
+            <a:picLocks noChangeAspect="1"/>
+          </p:cNvPicPr>
+          <p:nvPr/>
+        </p:nvPicPr>
+        <p:blipFill>
+          <a:blip r:embed="rId3">
+            <a:extLst>
+              <a:ext uri="{28A0092B-C50C-407E-A947-70E740481C1C}">
+                <a14:useLocalDpi xmlns:a14="http://schemas.microsoft.com/office/drawing/2010/main" val="0"/>
+              </a:ext>
+            </a:extLst>
+          </a:blip>
+          <a:stretch>
+            <a:fillRect/>
+          </a:stretch>
+        </p:blipFill>
+        <p:spPr>
+          <a:xfrm>
+            <a:off x="685800" y="3100754"/>
+            <a:ext cx="5405714" cy="3394286"/>
+          </a:xfrm>
+          <a:prstGeom prst="rect">
+            <a:avLst/>
+          </a:prstGeom>
+        </p:spPr>
+      </p:pic>
+      <p:sp>
+        <p:nvSpPr>
+          <p:cNvPr id="5" name="Slide Number Placeholder 4"/>
+          <p:cNvSpPr>
+            <a:spLocks noGrp="1"/>
+          </p:cNvSpPr>
+          <p:nvPr>
+            <p:ph type="sldNum" sz="quarter" idx="12"/>
+          </p:nvPr>
+        </p:nvSpPr>
+        <p:spPr/>
+        <p:txBody>
+          <a:bodyPr/>
+          <a:lstStyle/>
+          <a:p>
+            <a:fld id="{621225AB-15B9-4C79-A121-04D1DC7E2307}" type="slidenum">
+              <a:rPr lang="en-US" smtClean="0"/>
+              <a:t>10</a:t>
+            </a:fld>
+            <a:endParaRPr lang="en-US"/>
+          </a:p>
+        </p:txBody>
+      </p:sp>
+      <p:sp>
+        <p:nvSpPr>
+          <p:cNvPr id="6" name="TextBox 5"/>
+          <p:cNvSpPr txBox="1"/>
+          <p:nvPr/>
+        </p:nvSpPr>
+        <p:spPr>
+          <a:xfrm>
+            <a:off x="6091514" y="3276600"/>
+            <a:ext cx="2671486" cy="2062103"/>
+          </a:xfrm>
+          <a:prstGeom prst="rect">
+            <a:avLst/>
+          </a:prstGeom>
+          <a:noFill/>
+        </p:spPr>
+        <p:txBody>
+          <a:bodyPr wrap="square" rtlCol="0">
+            <a:spAutoFit/>
+          </a:bodyPr>
+          <a:lstStyle/>
+          <a:p>
+            <a:r>
+              <a:rPr lang="en-US" sz="1600" dirty="0"/>
+              <a:t>Very simple interpretation</a:t>
+            </a:r>
+          </a:p>
+          <a:p>
+            <a:endParaRPr lang="en-US" sz="1600" dirty="0"/>
+          </a:p>
+          <a:p>
+            <a:r>
+              <a:rPr lang="en-US" sz="1600" dirty="0"/>
+              <a:t>Can1: normal vs. others</a:t>
+            </a:r>
+          </a:p>
+          <a:p>
+            <a:r>
+              <a:rPr lang="en-US" sz="1600" dirty="0"/>
+              <a:t>All vars highly + correlated; </a:t>
+            </a:r>
+          </a:p>
+          <a:p>
+            <a:endParaRPr lang="en-US" sz="1600" dirty="0"/>
+          </a:p>
+          <a:p>
+            <a:r>
+              <a:rPr lang="en-US" sz="1600" dirty="0"/>
+              <a:t>Can2: only 1.5%, NS; but perhaps suggestive (</a:t>
+            </a:r>
+            <a:r>
+              <a:rPr lang="en-US" sz="1600" dirty="0" err="1"/>
+              <a:t>ProbSolv</a:t>
+            </a:r>
+            <a:r>
+              <a:rPr lang="en-US" sz="1600" dirty="0"/>
+              <a:t> vs. Attention) </a:t>
+            </a:r>
+          </a:p>
+        </p:txBody>
+      </p:sp>
+    </p:spTree>
+    <p:extLst>
+      <p:ext uri="{BB962C8B-B14F-4D97-AF65-F5344CB8AC3E}">
+        <p14:creationId xmlns:p14="http://schemas.microsoft.com/office/powerpoint/2010/main" val="2638531879"/>
+      </p:ext>
+    </p:extLst>
+  </p:cSld>
+  <p:clrMapOvr>
+    <a:masterClrMapping/>
+  </p:clrMapOvr>
+</p:sld>
+</file>
+
+<file path=ppt/slides/slide11.xml><?xml version="1.0" encoding="utf-8"?>
+<p:sld xmlns:a="http://schemas.openxmlformats.org/drawingml/2006/main" xmlns:r="http://schemas.openxmlformats.org/officeDocument/2006/relationships" xmlns:p="http://schemas.openxmlformats.org/presentationml/2006/main">
+  <p:cSld>
+    <p:spTree>
+      <p:nvGrpSpPr>
+        <p:cNvPr id="1" name=""/>
+        <p:cNvGrpSpPr/>
+        <p:nvPr/>
+      </p:nvGrpSpPr>
+      <p:grpSpPr>
+        <a:xfrm>
+          <a:off x="0" y="0"/>
+          <a:ext cx="0" cy="0"/>
+          <a:chOff x="0" y="0"/>
+          <a:chExt cx="0" cy="0"/>
+        </a:xfrm>
+      </p:grpSpPr>
+      <p:sp>
+        <p:nvSpPr>
+          <p:cNvPr id="2" name="Title 1"/>
+          <p:cNvSpPr>
+            <a:spLocks noGrp="1"/>
+          </p:cNvSpPr>
+          <p:nvPr>
+            <p:ph type="title"/>
+          </p:nvPr>
+        </p:nvSpPr>
+        <p:spPr/>
+        <p:txBody>
+          <a:bodyPr>
+            <a:normAutofit/>
+          </a:bodyPr>
+          <a:lstStyle/>
+          <a:p>
+            <a:r>
+              <a:rPr lang="en-US" dirty="0"/>
+              <a:t>Visualize me: canonical HE plots</a:t>
+            </a:r>
+          </a:p>
+        </p:txBody>
+      </p:sp>
+      <p:pic>
+        <p:nvPicPr>
+          <p:cNvPr id="3" name="Picture 2"/>
+          <p:cNvPicPr>
+            <a:picLocks noChangeAspect="1"/>
+          </p:cNvPicPr>
+          <p:nvPr/>
+        </p:nvPicPr>
+        <p:blipFill>
+          <a:blip r:embed="rId2">
+            <a:extLst>
+              <a:ext uri="{28A0092B-C50C-407E-A947-70E740481C1C}">
+                <a14:useLocalDpi xmlns:a14="http://schemas.microsoft.com/office/drawing/2010/main" val="0"/>
+              </a:ext>
+            </a:extLst>
+          </a:blip>
+          <a:stretch>
+            <a:fillRect/>
+          </a:stretch>
+        </p:blipFill>
+        <p:spPr>
+          <a:xfrm>
+            <a:off x="411480" y="1143000"/>
+            <a:ext cx="7779525" cy="1748572"/>
+          </a:xfrm>
+          <a:prstGeom prst="rect">
+            <a:avLst/>
+          </a:prstGeom>
+        </p:spPr>
+      </p:pic>
+      <p:pic>
+        <p:nvPicPr>
+          <p:cNvPr id="4" name="Picture 3"/>
+          <p:cNvPicPr>
+            <a:picLocks noChangeAspect="1"/>
+          </p:cNvPicPr>
+          <p:nvPr/>
+        </p:nvPicPr>
+        <p:blipFill>
+          <a:blip r:embed="rId3">
+            <a:extLst>
+              <a:ext uri="{28A0092B-C50C-407E-A947-70E740481C1C}">
+                <a14:useLocalDpi xmlns:a14="http://schemas.microsoft.com/office/drawing/2010/main" val="0"/>
+              </a:ext>
+            </a:extLst>
+          </a:blip>
+          <a:stretch>
+            <a:fillRect/>
+          </a:stretch>
+        </p:blipFill>
+        <p:spPr>
+          <a:xfrm>
+            <a:off x="685800" y="3124200"/>
+            <a:ext cx="5405714" cy="3434286"/>
+          </a:xfrm>
+          <a:prstGeom prst="rect">
+            <a:avLst/>
+          </a:prstGeom>
+        </p:spPr>
+      </p:pic>
+      <p:sp>
+        <p:nvSpPr>
+          <p:cNvPr id="5" name="Slide Number Placeholder 4"/>
+          <p:cNvSpPr>
+            <a:spLocks noGrp="1"/>
+          </p:cNvSpPr>
+          <p:nvPr>
+            <p:ph type="sldNum" sz="quarter" idx="12"/>
+          </p:nvPr>
+        </p:nvSpPr>
+        <p:spPr/>
+        <p:txBody>
+          <a:bodyPr/>
+          <a:lstStyle/>
+          <a:p>
+            <a:fld id="{621225AB-15B9-4C79-A121-04D1DC7E2307}" type="slidenum">
+              <a:rPr lang="en-US" smtClean="0"/>
+              <a:t>11</a:t>
+            </a:fld>
+            <a:endParaRPr lang="en-US"/>
+          </a:p>
+        </p:txBody>
+      </p:sp>
+      <p:sp>
+        <p:nvSpPr>
+          <p:cNvPr id="6" name="TextBox 5"/>
+          <p:cNvSpPr txBox="1"/>
+          <p:nvPr/>
+        </p:nvSpPr>
+        <p:spPr>
+          <a:xfrm>
+            <a:off x="6248400" y="3276600"/>
+            <a:ext cx="2438400" cy="2339102"/>
+          </a:xfrm>
+          <a:prstGeom prst="rect">
+            <a:avLst/>
+          </a:prstGeom>
+          <a:noFill/>
+        </p:spPr>
+        <p:txBody>
+          <a:bodyPr wrap="square" rtlCol="0">
+            <a:spAutoFit/>
+          </a:bodyPr>
+          <a:lstStyle/>
+          <a:p>
+            <a:r>
+              <a:rPr lang="en-US" sz="1600" dirty="0"/>
+              <a:t>The multivariate “juicer”</a:t>
+            </a:r>
+          </a:p>
+          <a:p>
+            <a:endParaRPr lang="en-US" sz="1600" dirty="0"/>
+          </a:p>
+          <a:p>
+            <a:r>
+              <a:rPr lang="en-US" sz="1600" dirty="0"/>
+              <a:t>Shows just group means, H ellipse &amp; E ellipse </a:t>
+            </a:r>
+          </a:p>
+          <a:p>
+            <a:endParaRPr lang="en-US" sz="1600" dirty="0"/>
+          </a:p>
+          <a:p>
+            <a:r>
+              <a:rPr lang="en-US" sz="1600" dirty="0"/>
+              <a:t>Variable vectors offer interpretation of Can dimensions.</a:t>
+            </a:r>
+          </a:p>
+          <a:p>
+            <a:endParaRPr lang="en-US" dirty="0"/>
+          </a:p>
+        </p:txBody>
+      </p:sp>
+    </p:spTree>
+    <p:extLst>
+      <p:ext uri="{BB962C8B-B14F-4D97-AF65-F5344CB8AC3E}">
+        <p14:creationId xmlns:p14="http://schemas.microsoft.com/office/powerpoint/2010/main" val="2977873038"/>
+      </p:ext>
+    </p:extLst>
+  </p:cSld>
+  <p:clrMapOvr>
+    <a:masterClrMapping/>
+  </p:clrMapOvr>
+</p:sld>
+</file>
+
+<file path=ppt/slides/slide12.xml><?xml version="1.0" encoding="utf-8"?>
+<p:sld xmlns:a="http://schemas.openxmlformats.org/drawingml/2006/main" xmlns:r="http://schemas.openxmlformats.org/officeDocument/2006/relationships" xmlns:p="http://schemas.openxmlformats.org/presentationml/2006/main">
+  <p:cSld>
+    <p:spTree>
+      <p:nvGrpSpPr>
+        <p:cNvPr id="1" name=""/>
+        <p:cNvGrpSpPr/>
+        <p:nvPr/>
+      </p:nvGrpSpPr>
+      <p:grpSpPr>
+        <a:xfrm>
+          <a:off x="0" y="0"/>
+          <a:ext cx="0" cy="0"/>
+          <a:chOff x="0" y="0"/>
+          <a:chExt cx="0" cy="0"/>
+        </a:xfrm>
+      </p:grpSpPr>
+      <p:sp>
+        <p:nvSpPr>
+          <p:cNvPr id="2" name="Title 1"/>
+          <p:cNvSpPr>
+            <a:spLocks noGrp="1"/>
+          </p:cNvSpPr>
+          <p:nvPr>
+            <p:ph type="title"/>
+          </p:nvPr>
+        </p:nvSpPr>
+        <p:spPr/>
+        <p:txBody>
           <a:bodyPr/>
           <a:lstStyle/>
           <a:p>
@@ -4128,7 +4569,7 @@
           <a:p>
             <a:fld id="{810B7604-93B8-4136-B9BD-D1CE89EE20B0}" type="slidenum">
               <a:rPr lang="en-US" smtClean="0"/>
-              <a:t>10</a:t>
+              <a:t>12</a:t>
             </a:fld>
             <a:endParaRPr lang="en-US"/>
           </a:p>
@@ -4399,7 +4840,7 @@
 </p:sld>
 </file>
 
-<file path=ppt/slides/slide11.xml><?xml version="1.0" encoding="utf-8"?>
+<file path=ppt/slides/slide13.xml><?xml version="1.0" encoding="utf-8"?>
 <p:sld xmlns:a="http://schemas.openxmlformats.org/drawingml/2006/main" xmlns:r="http://schemas.openxmlformats.org/officeDocument/2006/relationships" xmlns:p="http://schemas.openxmlformats.org/presentationml/2006/main">
   <p:cSld>
     <p:spTree>
@@ -4418,6 +4859,651 @@
       </p:grpSpPr>
       <p:sp>
         <p:nvSpPr>
+          <p:cNvPr id="2" name="Title 1">
+            <a:extLst>
+              <a:ext uri="{FF2B5EF4-FFF2-40B4-BE49-F238E27FC236}">
+                <a16:creationId xmlns:a16="http://schemas.microsoft.com/office/drawing/2014/main" id="{81810FFD-18AC-4FE8-87F9-D3D656CDEA08}"/>
+              </a:ext>
+            </a:extLst>
+          </p:cNvPr>
+          <p:cNvSpPr>
+            <a:spLocks noGrp="1"/>
+          </p:cNvSpPr>
+          <p:nvPr>
+            <p:ph type="title"/>
+          </p:nvPr>
+        </p:nvSpPr>
+        <p:spPr/>
+        <p:txBody>
+          <a:bodyPr/>
+          <a:lstStyle/>
+          <a:p>
+            <a:r>
+              <a:rPr lang="en-US" dirty="0"/>
+              <a:t>Social cognitive measures</a:t>
+            </a:r>
+          </a:p>
+        </p:txBody>
+      </p:sp>
+      <p:sp>
+        <p:nvSpPr>
+          <p:cNvPr id="3" name="Slide Number Placeholder 2">
+            <a:extLst>
+              <a:ext uri="{FF2B5EF4-FFF2-40B4-BE49-F238E27FC236}">
+                <a16:creationId xmlns:a16="http://schemas.microsoft.com/office/drawing/2014/main" id="{74CF3A1D-023A-4D15-A60D-611D1DC62071}"/>
+              </a:ext>
+            </a:extLst>
+          </p:cNvPr>
+          <p:cNvSpPr>
+            <a:spLocks noGrp="1"/>
+          </p:cNvSpPr>
+          <p:nvPr>
+            <p:ph type="sldNum" sz="quarter" idx="12"/>
+          </p:nvPr>
+        </p:nvSpPr>
+        <p:spPr/>
+        <p:txBody>
+          <a:bodyPr/>
+          <a:lstStyle/>
+          <a:p>
+            <a:fld id="{810B7604-93B8-4136-B9BD-D1CE89EE20B0}" type="slidenum">
+              <a:rPr lang="en-US" smtClean="0"/>
+              <a:t>13</a:t>
+            </a:fld>
+            <a:endParaRPr lang="en-US"/>
+          </a:p>
+        </p:txBody>
+      </p:sp>
+      <p:sp>
+        <p:nvSpPr>
+          <p:cNvPr id="4" name="TextBox 3">
+            <a:extLst>
+              <a:ext uri="{FF2B5EF4-FFF2-40B4-BE49-F238E27FC236}">
+                <a16:creationId xmlns:a16="http://schemas.microsoft.com/office/drawing/2014/main" id="{EAA60626-290E-4530-854D-631C3C7FF3B5}"/>
+              </a:ext>
+            </a:extLst>
+          </p:cNvPr>
+          <p:cNvSpPr txBox="1"/>
+          <p:nvPr/>
+        </p:nvSpPr>
+        <p:spPr>
+          <a:xfrm>
+            <a:off x="457200" y="1676400"/>
+            <a:ext cx="8229600" cy="2308324"/>
+          </a:xfrm>
+          <a:prstGeom prst="rect">
+            <a:avLst/>
+          </a:prstGeom>
+          <a:solidFill>
+            <a:srgbClr val="FFFF00">
+              <a:alpha val="20000"/>
+            </a:srgbClr>
+          </a:solidFill>
+        </p:spPr>
+        <p:txBody>
+          <a:bodyPr wrap="square" rtlCol="0">
+            <a:spAutoFit/>
+          </a:bodyPr>
+          <a:lstStyle/>
+          <a:p>
+            <a:r>
+              <a:rPr lang="en-US" sz="1200" dirty="0">
+                <a:latin typeface="Lucida Console" panose="020B0609040504020204" pitchFamily="49" charset="0"/>
+              </a:rPr>
+              <a:t>&gt; car::some(</a:t>
+            </a:r>
+            <a:r>
+              <a:rPr lang="en-US" sz="1200" dirty="0" err="1">
+                <a:latin typeface="Lucida Console" panose="020B0609040504020204" pitchFamily="49" charset="0"/>
+              </a:rPr>
+              <a:t>SocialCog</a:t>
+            </a:r>
+            <a:r>
+              <a:rPr lang="en-US" sz="1200" dirty="0">
+                <a:latin typeface="Lucida Console" panose="020B0609040504020204" pitchFamily="49" charset="0"/>
+              </a:rPr>
+              <a:t>)</a:t>
+            </a:r>
+          </a:p>
+          <a:p>
+            <a:r>
+              <a:rPr lang="en-US" sz="1200" dirty="0">
+                <a:latin typeface="Lucida Console" panose="020B0609040504020204" pitchFamily="49" charset="0"/>
+              </a:rPr>
+              <a:t>                 Dx </a:t>
+            </a:r>
+            <a:r>
+              <a:rPr lang="en-US" sz="1200" dirty="0" err="1">
+                <a:latin typeface="Lucida Console" panose="020B0609040504020204" pitchFamily="49" charset="0"/>
+              </a:rPr>
+              <a:t>MgeEmotions</a:t>
+            </a:r>
+            <a:r>
+              <a:rPr lang="en-US" sz="1200" dirty="0">
+                <a:latin typeface="Lucida Console" panose="020B0609040504020204" pitchFamily="49" charset="0"/>
+              </a:rPr>
+              <a:t> </a:t>
+            </a:r>
+            <a:r>
+              <a:rPr lang="en-US" sz="1200" dirty="0" err="1">
+                <a:latin typeface="Lucida Console" panose="020B0609040504020204" pitchFamily="49" charset="0"/>
+              </a:rPr>
+              <a:t>ToM</a:t>
+            </a:r>
+            <a:r>
+              <a:rPr lang="en-US" sz="1200" dirty="0">
+                <a:latin typeface="Lucida Console" panose="020B0609040504020204" pitchFamily="49" charset="0"/>
+              </a:rPr>
+              <a:t> </a:t>
+            </a:r>
+            <a:r>
+              <a:rPr lang="en-US" sz="1200" dirty="0" err="1">
+                <a:latin typeface="Lucida Console" panose="020B0609040504020204" pitchFamily="49" charset="0"/>
+              </a:rPr>
+              <a:t>ExtBias</a:t>
+            </a:r>
+            <a:r>
+              <a:rPr lang="en-US" sz="1200" dirty="0">
+                <a:latin typeface="Lucida Console" panose="020B0609040504020204" pitchFamily="49" charset="0"/>
+              </a:rPr>
+              <a:t>  </a:t>
+            </a:r>
+            <a:r>
+              <a:rPr lang="en-US" sz="1200" dirty="0" err="1">
+                <a:latin typeface="Lucida Console" panose="020B0609040504020204" pitchFamily="49" charset="0"/>
+              </a:rPr>
+              <a:t>PersBias</a:t>
+            </a:r>
+            <a:endParaRPr lang="en-US" sz="1200" dirty="0">
+              <a:latin typeface="Lucida Console" panose="020B0609040504020204" pitchFamily="49" charset="0"/>
+            </a:endParaRPr>
+          </a:p>
+          <a:p>
+            <a:r>
+              <a:rPr lang="en-US" sz="1200" dirty="0">
+                <a:latin typeface="Lucida Console" panose="020B0609040504020204" pitchFamily="49" charset="0"/>
+              </a:rPr>
+              <a:t>24    Schizophrenia          32  18      -2      1.00</a:t>
+            </a:r>
+          </a:p>
+          <a:p>
+            <a:r>
+              <a:rPr lang="en-US" sz="1200" dirty="0">
+                <a:latin typeface="Lucida Console" panose="020B0609040504020204" pitchFamily="49" charset="0"/>
+              </a:rPr>
+              <a:t>58    Schizophrenia          32  17       4      0.92</a:t>
+            </a:r>
+          </a:p>
+          <a:p>
+            <a:r>
+              <a:rPr lang="en-US" sz="1200" dirty="0">
+                <a:latin typeface="Lucida Console" panose="020B0609040504020204" pitchFamily="49" charset="0"/>
+              </a:rPr>
+              <a:t>69    Schizophrenia          52  23       2      0.80</a:t>
+            </a:r>
+          </a:p>
+          <a:p>
+            <a:r>
+              <a:rPr lang="en-US" sz="1200" dirty="0">
+                <a:latin typeface="Lucida Console" panose="020B0609040504020204" pitchFamily="49" charset="0"/>
+              </a:rPr>
+              <a:t>85  Schizoaffective          28  12      -5      1.00</a:t>
+            </a:r>
+          </a:p>
+          <a:p>
+            <a:r>
+              <a:rPr lang="en-US" sz="1200" dirty="0">
+                <a:latin typeface="Lucida Console" panose="020B0609040504020204" pitchFamily="49" charset="0"/>
+              </a:rPr>
+              <a:t>99  Schizoaffective          40  22       1      0.36</a:t>
+            </a:r>
+          </a:p>
+          <a:p>
+            <a:r>
+              <a:rPr lang="en-US" sz="1200" dirty="0">
+                <a:latin typeface="Lucida Console" panose="020B0609040504020204" pitchFamily="49" charset="0"/>
+              </a:rPr>
+              <a:t>111 Schizoaffective          51  23       6      0.91</a:t>
+            </a:r>
+          </a:p>
+          <a:p>
+            <a:r>
+              <a:rPr lang="en-US" sz="1200" dirty="0">
+                <a:latin typeface="Lucida Console" panose="020B0609040504020204" pitchFamily="49" charset="0"/>
+              </a:rPr>
+              <a:t>124         Control          51  24      -5      1.00</a:t>
+            </a:r>
+          </a:p>
+          <a:p>
+            <a:r>
+              <a:rPr lang="en-US" sz="1200" dirty="0">
+                <a:latin typeface="Lucida Console" panose="020B0609040504020204" pitchFamily="49" charset="0"/>
+              </a:rPr>
+              <a:t>155         Control          57  28       1      0.30</a:t>
+            </a:r>
+          </a:p>
+          <a:p>
+            <a:r>
+              <a:rPr lang="en-US" sz="1200" dirty="0">
+                <a:latin typeface="Lucida Console" panose="020B0609040504020204" pitchFamily="49" charset="0"/>
+              </a:rPr>
+              <a:t>168         Control          47  32       0      0.77</a:t>
+            </a:r>
+          </a:p>
+          <a:p>
+            <a:r>
+              <a:rPr lang="en-US" sz="1200" dirty="0">
+                <a:latin typeface="Lucida Console" panose="020B0609040504020204" pitchFamily="49" charset="0"/>
+              </a:rPr>
+              <a:t>216         Control          64  31       3      0.69</a:t>
+            </a:r>
+          </a:p>
+        </p:txBody>
+      </p:sp>
+      <p:sp>
+        <p:nvSpPr>
+          <p:cNvPr id="7" name="TextBox 6">
+            <a:extLst>
+              <a:ext uri="{FF2B5EF4-FFF2-40B4-BE49-F238E27FC236}">
+                <a16:creationId xmlns:a16="http://schemas.microsoft.com/office/drawing/2014/main" id="{309C3DBC-88E3-4C78-BA48-34B544B1CE2B}"/>
+              </a:ext>
+            </a:extLst>
+          </p:cNvPr>
+          <p:cNvSpPr txBox="1"/>
+          <p:nvPr/>
+        </p:nvSpPr>
+        <p:spPr>
+          <a:xfrm>
+            <a:off x="672830" y="4004179"/>
+            <a:ext cx="8001000" cy="338554"/>
+          </a:xfrm>
+          <a:prstGeom prst="rect">
+            <a:avLst/>
+          </a:prstGeom>
+          <a:noFill/>
+        </p:spPr>
+        <p:txBody>
+          <a:bodyPr wrap="square" rtlCol="0">
+            <a:spAutoFit/>
+          </a:bodyPr>
+          <a:lstStyle/>
+          <a:p>
+            <a:r>
+              <a:rPr lang="en-US" sz="1600" dirty="0"/>
+              <a:t>    diagnostic group      ------- social-cognitive measures ------</a:t>
+            </a:r>
+          </a:p>
+        </p:txBody>
+      </p:sp>
+      <p:sp>
+        <p:nvSpPr>
+          <p:cNvPr id="8" name="TextBox 7">
+            <a:extLst>
+              <a:ext uri="{FF2B5EF4-FFF2-40B4-BE49-F238E27FC236}">
+                <a16:creationId xmlns:a16="http://schemas.microsoft.com/office/drawing/2014/main" id="{A02783C9-6915-4E25-8B94-7A16C3A05408}"/>
+              </a:ext>
+            </a:extLst>
+          </p:cNvPr>
+          <p:cNvSpPr txBox="1"/>
+          <p:nvPr/>
+        </p:nvSpPr>
+        <p:spPr>
+          <a:xfrm>
+            <a:off x="457200" y="1219200"/>
+            <a:ext cx="1219200" cy="461665"/>
+          </a:xfrm>
+          <a:prstGeom prst="rect">
+            <a:avLst/>
+          </a:prstGeom>
+          <a:noFill/>
+        </p:spPr>
+        <p:txBody>
+          <a:bodyPr wrap="square" rtlCol="0">
+            <a:spAutoFit/>
+          </a:bodyPr>
+          <a:lstStyle/>
+          <a:p>
+            <a:r>
+              <a:rPr lang="en-US" sz="2400" dirty="0"/>
+              <a:t>Data</a:t>
+            </a:r>
+          </a:p>
+        </p:txBody>
+      </p:sp>
+      <p:sp>
+        <p:nvSpPr>
+          <p:cNvPr id="5" name="TextBox 4">
+            <a:extLst>
+              <a:ext uri="{FF2B5EF4-FFF2-40B4-BE49-F238E27FC236}">
+                <a16:creationId xmlns:a16="http://schemas.microsoft.com/office/drawing/2014/main" id="{BD039A72-83D1-4233-9FFE-79B39B242D82}"/>
+              </a:ext>
+            </a:extLst>
+          </p:cNvPr>
+          <p:cNvSpPr txBox="1"/>
+          <p:nvPr/>
+        </p:nvSpPr>
+        <p:spPr>
+          <a:xfrm>
+            <a:off x="533400" y="4419600"/>
+            <a:ext cx="7543800" cy="1846659"/>
+          </a:xfrm>
+          <a:prstGeom prst="rect">
+            <a:avLst/>
+          </a:prstGeom>
+          <a:noFill/>
+        </p:spPr>
+        <p:txBody>
+          <a:bodyPr wrap="square" rtlCol="0">
+            <a:spAutoFit/>
+          </a:bodyPr>
+          <a:lstStyle/>
+          <a:p>
+            <a:r>
+              <a:rPr lang="en-US" sz="2400" dirty="0"/>
+              <a:t>Analyses</a:t>
+            </a:r>
+          </a:p>
+          <a:p>
+            <a:r>
+              <a:rPr lang="en-US" dirty="0"/>
+              <a:t>Standard MANOVA test: </a:t>
+            </a:r>
+          </a:p>
+          <a:p>
+            <a:r>
+              <a:rPr lang="en-US" dirty="0"/>
+              <a:t>     </a:t>
+            </a:r>
+            <a:r>
+              <a:rPr lang="en-US" sz="1600" dirty="0" err="1">
+                <a:latin typeface="Lucida Console" panose="020B0609040504020204" pitchFamily="49" charset="0"/>
+              </a:rPr>
+              <a:t>Anova</a:t>
+            </a:r>
+            <a:r>
+              <a:rPr lang="en-US" sz="1600" dirty="0">
+                <a:latin typeface="Lucida Console" panose="020B0609040504020204" pitchFamily="49" charset="0"/>
+              </a:rPr>
+              <a:t>(</a:t>
+            </a:r>
+            <a:r>
+              <a:rPr lang="en-US" sz="1600" dirty="0" err="1">
+                <a:latin typeface="Lucida Console" panose="020B0609040504020204" pitchFamily="49" charset="0"/>
+              </a:rPr>
+              <a:t>SC.mlm</a:t>
+            </a:r>
+            <a:r>
+              <a:rPr lang="en-US" sz="1600" dirty="0">
+                <a:latin typeface="Lucida Console" panose="020B0609040504020204" pitchFamily="49" charset="0"/>
+              </a:rPr>
+              <a:t> = </a:t>
+            </a:r>
+            <a:r>
+              <a:rPr lang="en-US" sz="1600" dirty="0" err="1">
+                <a:latin typeface="Lucida Console" panose="020B0609040504020204" pitchFamily="49" charset="0"/>
+              </a:rPr>
+              <a:t>lm</a:t>
+            </a:r>
+            <a:r>
+              <a:rPr lang="en-US" sz="1600" dirty="0">
+                <a:latin typeface="Lucida Console" panose="020B0609040504020204" pitchFamily="49" charset="0"/>
+              </a:rPr>
+              <a:t>(</a:t>
+            </a:r>
+            <a:r>
+              <a:rPr lang="en-US" sz="1600" dirty="0" err="1">
+                <a:latin typeface="Lucida Console" panose="020B0609040504020204" pitchFamily="49" charset="0"/>
+              </a:rPr>
+              <a:t>cbind</a:t>
+            </a:r>
+            <a:r>
+              <a:rPr lang="en-US" sz="1600" dirty="0">
+                <a:latin typeface="Lucida Console" panose="020B0609040504020204" pitchFamily="49" charset="0"/>
+              </a:rPr>
+              <a:t>(…) ~ DX, data=</a:t>
+            </a:r>
+            <a:r>
+              <a:rPr lang="en-US" sz="1600" dirty="0" err="1">
+                <a:latin typeface="Lucida Console" panose="020B0609040504020204" pitchFamily="49" charset="0"/>
+              </a:rPr>
+              <a:t>SocialCog</a:t>
+            </a:r>
+            <a:r>
+              <a:rPr lang="en-US" dirty="0">
+                <a:latin typeface="Lucida Console" panose="020B0609040504020204" pitchFamily="49" charset="0"/>
+              </a:rPr>
+              <a:t>)</a:t>
+            </a:r>
+          </a:p>
+          <a:p>
+            <a:r>
+              <a:rPr lang="en-US" dirty="0"/>
+              <a:t>Test contrasts: </a:t>
+            </a:r>
+          </a:p>
+          <a:p>
+            <a:r>
+              <a:rPr lang="en-US" dirty="0"/>
+              <a:t>     </a:t>
+            </a:r>
+            <a:r>
+              <a:rPr lang="en-US" sz="1400" dirty="0" err="1">
+                <a:latin typeface="Lucida Console" panose="020B0609040504020204" pitchFamily="49" charset="0"/>
+              </a:rPr>
+              <a:t>linearHypotheses</a:t>
+            </a:r>
+            <a:r>
+              <a:rPr lang="en-US" sz="1400" dirty="0">
+                <a:latin typeface="Lucida Console" panose="020B0609040504020204" pitchFamily="49" charset="0"/>
+              </a:rPr>
+              <a:t>(</a:t>
+            </a:r>
+            <a:r>
+              <a:rPr lang="en-US" sz="1400" dirty="0" err="1">
+                <a:latin typeface="Lucida Console" panose="020B0609040504020204" pitchFamily="49" charset="0"/>
+              </a:rPr>
+              <a:t>SC.mlm</a:t>
+            </a:r>
+            <a:r>
+              <a:rPr lang="en-US" sz="1400" dirty="0">
+                <a:latin typeface="Lucida Console" panose="020B0609040504020204" pitchFamily="49" charset="0"/>
+              </a:rPr>
+              <a:t>, “Dx1”)</a:t>
+            </a:r>
+          </a:p>
+          <a:p>
+            <a:r>
+              <a:rPr lang="en-US" dirty="0"/>
+              <a:t>     </a:t>
+            </a:r>
+            <a:r>
+              <a:rPr lang="en-US" sz="1400" dirty="0" err="1">
+                <a:latin typeface="Lucida Console" panose="020B0609040504020204" pitchFamily="49" charset="0"/>
+              </a:rPr>
+              <a:t>linearHypotheses</a:t>
+            </a:r>
+            <a:r>
+              <a:rPr lang="en-US" sz="1400" dirty="0">
+                <a:latin typeface="Lucida Console" panose="020B0609040504020204" pitchFamily="49" charset="0"/>
+              </a:rPr>
+              <a:t>(</a:t>
+            </a:r>
+            <a:r>
+              <a:rPr lang="en-US" sz="1400" dirty="0" err="1">
+                <a:latin typeface="Lucida Console" panose="020B0609040504020204" pitchFamily="49" charset="0"/>
+              </a:rPr>
+              <a:t>SC.mlm</a:t>
+            </a:r>
+            <a:r>
+              <a:rPr lang="en-US" sz="1400" dirty="0">
+                <a:latin typeface="Lucida Console" panose="020B0609040504020204" pitchFamily="49" charset="0"/>
+              </a:rPr>
+              <a:t>, “Dx2”)</a:t>
+            </a:r>
+          </a:p>
+        </p:txBody>
+      </p:sp>
+      <p:sp>
+        <p:nvSpPr>
+          <p:cNvPr id="9" name="TextBox 8">
+            <a:extLst>
+              <a:ext uri="{FF2B5EF4-FFF2-40B4-BE49-F238E27FC236}">
+                <a16:creationId xmlns:a16="http://schemas.microsoft.com/office/drawing/2014/main" id="{09050EA4-A4FE-4B03-A805-EB5B9EE88B39}"/>
+              </a:ext>
+            </a:extLst>
+          </p:cNvPr>
+          <p:cNvSpPr txBox="1"/>
+          <p:nvPr/>
+        </p:nvSpPr>
+        <p:spPr>
+          <a:xfrm>
+            <a:off x="6013324" y="5444452"/>
+            <a:ext cx="2572961" cy="1015663"/>
+          </a:xfrm>
+          <a:prstGeom prst="rect">
+            <a:avLst/>
+          </a:prstGeom>
+          <a:solidFill>
+            <a:schemeClr val="accent6">
+              <a:lumMod val="20000"/>
+              <a:lumOff val="80000"/>
+              <a:alpha val="50000"/>
+            </a:schemeClr>
+          </a:solidFill>
+        </p:spPr>
+        <p:txBody>
+          <a:bodyPr wrap="square" rtlCol="0">
+            <a:spAutoFit/>
+          </a:bodyPr>
+          <a:lstStyle/>
+          <a:p>
+            <a:r>
+              <a:rPr lang="en-US" sz="1200" dirty="0">
+                <a:latin typeface="SAS Monospace" panose="020B0609020202020204" pitchFamily="49" charset="0"/>
+              </a:rPr>
+              <a:t>&gt; contrasts(</a:t>
+            </a:r>
+            <a:r>
+              <a:rPr lang="en-US" sz="1200" dirty="0" err="1">
+                <a:latin typeface="SAS Monospace" panose="020B0609020202020204" pitchFamily="49" charset="0"/>
+              </a:rPr>
+              <a:t>SocialCog$Dx</a:t>
+            </a:r>
+            <a:r>
+              <a:rPr lang="en-US" sz="1200" dirty="0">
+                <a:latin typeface="SAS Monospace" panose="020B0609020202020204" pitchFamily="49" charset="0"/>
+              </a:rPr>
+              <a:t>)</a:t>
+            </a:r>
+          </a:p>
+          <a:p>
+            <a:r>
+              <a:rPr lang="en-US" sz="1200" dirty="0">
+                <a:latin typeface="SAS Monospace" panose="020B0609020202020204" pitchFamily="49" charset="0"/>
+              </a:rPr>
+              <a:t>                [,1] [,2]</a:t>
+            </a:r>
+          </a:p>
+          <a:p>
+            <a:r>
+              <a:rPr lang="en-US" sz="1200" dirty="0">
+                <a:latin typeface="SAS Monospace" panose="020B0609020202020204" pitchFamily="49" charset="0"/>
+              </a:rPr>
+              <a:t>Schizophrenia   -0.5    1</a:t>
+            </a:r>
+          </a:p>
+          <a:p>
+            <a:r>
+              <a:rPr lang="en-US" sz="1200" dirty="0">
+                <a:latin typeface="SAS Monospace" panose="020B0609020202020204" pitchFamily="49" charset="0"/>
+              </a:rPr>
+              <a:t>Schizoaffective -0.5   -1</a:t>
+            </a:r>
+          </a:p>
+          <a:p>
+            <a:r>
+              <a:rPr lang="en-US" sz="1200" dirty="0">
+                <a:latin typeface="SAS Monospace" panose="020B0609020202020204" pitchFamily="49" charset="0"/>
+              </a:rPr>
+              <a:t>Control          1.0    0</a:t>
+            </a:r>
+          </a:p>
+        </p:txBody>
+      </p:sp>
+      <p:cxnSp>
+        <p:nvCxnSpPr>
+          <p:cNvPr id="10" name="Straight Arrow Connector 9">
+            <a:extLst>
+              <a:ext uri="{FF2B5EF4-FFF2-40B4-BE49-F238E27FC236}">
+                <a16:creationId xmlns:a16="http://schemas.microsoft.com/office/drawing/2014/main" id="{F40B70F4-9673-4F03-8518-F8D0A211BC11}"/>
+              </a:ext>
+            </a:extLst>
+          </p:cNvPr>
+          <p:cNvCxnSpPr/>
+          <p:nvPr/>
+        </p:nvCxnSpPr>
+        <p:spPr>
+          <a:xfrm>
+            <a:off x="3886200" y="4342733"/>
+            <a:ext cx="0" cy="838867"/>
+          </a:xfrm>
+          <a:prstGeom prst="straightConnector1">
+            <a:avLst/>
+          </a:prstGeom>
+          <a:ln w="31750">
+            <a:solidFill>
+              <a:srgbClr val="FF0000"/>
+            </a:solidFill>
+            <a:tailEnd type="triangle"/>
+          </a:ln>
+        </p:spPr>
+        <p:style>
+          <a:lnRef idx="1">
+            <a:schemeClr val="accent1"/>
+          </a:lnRef>
+          <a:fillRef idx="0">
+            <a:schemeClr val="accent1"/>
+          </a:fillRef>
+          <a:effectRef idx="0">
+            <a:schemeClr val="accent1"/>
+          </a:effectRef>
+          <a:fontRef idx="minor">
+            <a:schemeClr val="tx1"/>
+          </a:fontRef>
+        </p:style>
+      </p:cxnSp>
+    </p:spTree>
+    <p:extLst>
+      <p:ext uri="{BB962C8B-B14F-4D97-AF65-F5344CB8AC3E}">
+        <p14:creationId xmlns:p14="http://schemas.microsoft.com/office/powerpoint/2010/main" val="1401034710"/>
+      </p:ext>
+    </p:extLst>
+  </p:cSld>
+  <p:clrMapOvr>
+    <a:masterClrMapping/>
+  </p:clrMapOvr>
+</p:sld>
+</file>
+
+<file path=ppt/slides/slide14.xml><?xml version="1.0" encoding="utf-8"?>
+<p:sld xmlns:a="http://schemas.openxmlformats.org/drawingml/2006/main" xmlns:r="http://schemas.openxmlformats.org/officeDocument/2006/relationships" xmlns:p="http://schemas.openxmlformats.org/presentationml/2006/main">
+  <p:cSld>
+    <p:spTree>
+      <p:nvGrpSpPr>
+        <p:cNvPr id="1" name=""/>
+        <p:cNvGrpSpPr/>
+        <p:nvPr/>
+      </p:nvGrpSpPr>
+      <p:grpSpPr>
+        <a:xfrm>
+          <a:off x="0" y="0"/>
+          <a:ext cx="0" cy="0"/>
+          <a:chOff x="0" y="0"/>
+          <a:chExt cx="0" cy="0"/>
+        </a:xfrm>
+      </p:grpSpPr>
+      <p:sp>
+        <p:nvSpPr>
           <p:cNvPr id="2" name="Title 1"/>
           <p:cNvSpPr>
             <a:spLocks noGrp="1"/>
@@ -4457,7 +5543,7 @@
           <a:p>
             <a:fld id="{621225AB-15B9-4C79-A121-04D1DC7E2307}" type="slidenum">
               <a:rPr lang="en-US" smtClean="0"/>
-              <a:t>11</a:t>
+              <a:t>14</a:t>
             </a:fld>
             <a:endParaRPr lang="en-US"/>
           </a:p>
@@ -5404,7 +6490,7 @@
 </p:sld>
 </file>
 
-<file path=ppt/slides/slide12.xml><?xml version="1.0" encoding="utf-8"?>
+<file path=ppt/slides/slide15.xml><?xml version="1.0" encoding="utf-8"?>
 <p:sld xmlns:a="http://schemas.openxmlformats.org/drawingml/2006/main" xmlns:r="http://schemas.openxmlformats.org/officeDocument/2006/relationships" xmlns:p="http://schemas.openxmlformats.org/presentationml/2006/main">
   <p:cSld>
     <p:spTree>
@@ -5462,7 +6548,7 @@
           <a:p>
             <a:fld id="{621225AB-15B9-4C79-A121-04D1DC7E2307}" type="slidenum">
               <a:rPr lang="en-US" smtClean="0"/>
-              <a:t>12</a:t>
+              <a:t>15</a:t>
             </a:fld>
             <a:endParaRPr lang="en-US"/>
           </a:p>
@@ -6075,7 +7161,7 @@
 </p:sld>
 </file>
 
-<file path=ppt/slides/slide13.xml><?xml version="1.0" encoding="utf-8"?>
+<file path=ppt/slides/slide16.xml><?xml version="1.0" encoding="utf-8"?>
 <p:sld xmlns:a="http://schemas.openxmlformats.org/drawingml/2006/main" xmlns:r="http://schemas.openxmlformats.org/officeDocument/2006/relationships" xmlns:p="http://schemas.openxmlformats.org/presentationml/2006/main">
   <p:cSld>
     <p:spTree>
@@ -6133,7 +7219,7 @@
           <a:p>
             <a:fld id="{621225AB-15B9-4C79-A121-04D1DC7E2307}" type="slidenum">
               <a:rPr lang="en-US" smtClean="0"/>
-              <a:t>13</a:t>
+              <a:t>16</a:t>
             </a:fld>
             <a:endParaRPr lang="en-US"/>
           </a:p>
@@ -6323,7 +7409,7 @@
 </p:sld>
 </file>
 
-<file path=ppt/slides/slide14.xml><?xml version="1.0" encoding="utf-8"?>
+<file path=ppt/slides/slide17.xml><?xml version="1.0" encoding="utf-8"?>
 <p:sld xmlns:a="http://schemas.openxmlformats.org/drawingml/2006/main" xmlns:r="http://schemas.openxmlformats.org/officeDocument/2006/relationships" xmlns:p="http://schemas.openxmlformats.org/presentationml/2006/main">
   <p:cSld>
     <p:spTree>
@@ -6712,7 +7798,7 @@
           <a:p>
             <a:fld id="{810B7604-93B8-4136-B9BD-D1CE89EE20B0}" type="slidenum">
               <a:rPr lang="en-US" smtClean="0"/>
-              <a:t>14</a:t>
+              <a:t>17</a:t>
             </a:fld>
             <a:endParaRPr lang="en-US"/>
           </a:p>
@@ -6731,7 +7817,7 @@
 </p:sld>
 </file>
 
-<file path=ppt/slides/slide15.xml><?xml version="1.0" encoding="utf-8"?>
+<file path=ppt/slides/slide18.xml><?xml version="1.0" encoding="utf-8"?>
 <p:sld xmlns:a="http://schemas.openxmlformats.org/drawingml/2006/main" xmlns:r="http://schemas.openxmlformats.org/officeDocument/2006/relationships" xmlns:p="http://schemas.openxmlformats.org/presentationml/2006/main">
   <p:cSld>
     <p:spTree>
@@ -6792,7 +7878,7 @@
           <a:p>
             <a:fld id="{810B7604-93B8-4136-B9BD-D1CE89EE20B0}" type="slidenum">
               <a:rPr lang="en-US" smtClean="0"/>
-              <a:t>15</a:t>
+              <a:t>18</a:t>
             </a:fld>
             <a:endParaRPr lang="en-US"/>
           </a:p>
@@ -7096,7 +8182,7 @@
 </p:sld>
 </file>
 
-<file path=ppt/slides/slide16.xml><?xml version="1.0" encoding="utf-8"?>
+<file path=ppt/slides/slide19.xml><?xml version="1.0" encoding="utf-8"?>
 <p:sld xmlns:a="http://schemas.openxmlformats.org/drawingml/2006/main" xmlns:r="http://schemas.openxmlformats.org/officeDocument/2006/relationships" xmlns:p="http://schemas.openxmlformats.org/presentationml/2006/main">
   <p:cSld>
     <p:spTree>
@@ -7152,7 +8238,7 @@
           <a:p>
             <a:fld id="{810B7604-93B8-4136-B9BD-D1CE89EE20B0}" type="slidenum">
               <a:rPr lang="en-US" smtClean="0"/>
-              <a:t>16</a:t>
+              <a:t>19</a:t>
             </a:fld>
             <a:endParaRPr lang="en-US"/>
           </a:p>
@@ -7391,7 +8477,7 @@
 </p:sld>
 </file>
 
-<file path=ppt/slides/slide17.xml><?xml version="1.0" encoding="utf-8"?>
+<file path=ppt/slides/slide2.xml><?xml version="1.0" encoding="utf-8"?>
 <p:sld xmlns:a="http://schemas.openxmlformats.org/drawingml/2006/main" xmlns:r="http://schemas.openxmlformats.org/officeDocument/2006/relationships" xmlns:p="http://schemas.openxmlformats.org/presentationml/2006/main">
   <p:cSld>
     <p:spTree>
@@ -7410,6 +8496,154 @@
       </p:grpSpPr>
       <p:sp>
         <p:nvSpPr>
+          <p:cNvPr id="2" name="Title 1"/>
+          <p:cNvSpPr>
+            <a:spLocks noGrp="1"/>
+          </p:cNvSpPr>
+          <p:nvPr>
+            <p:ph type="title"/>
+          </p:nvPr>
+        </p:nvSpPr>
+        <p:spPr/>
+        <p:txBody>
+          <a:bodyPr/>
+          <a:lstStyle/>
+          <a:p>
+            <a:r>
+              <a:rPr lang="en-US" dirty="0"/>
+              <a:t>Today’s topics</a:t>
+            </a:r>
+          </a:p>
+        </p:txBody>
+      </p:sp>
+      <p:sp>
+        <p:nvSpPr>
+          <p:cNvPr id="3" name="Content Placeholder 2"/>
+          <p:cNvSpPr>
+            <a:spLocks noGrp="1"/>
+          </p:cNvSpPr>
+          <p:nvPr>
+            <p:ph idx="1"/>
+          </p:nvPr>
+        </p:nvSpPr>
+        <p:spPr/>
+        <p:txBody>
+          <a:bodyPr/>
+          <a:lstStyle/>
+          <a:p>
+            <a:r>
+              <a:rPr lang="en-US" dirty="0" err="1"/>
+              <a:t>Manova</a:t>
+            </a:r>
+            <a:r>
+              <a:rPr lang="en-US" dirty="0"/>
+              <a:t> examples</a:t>
+            </a:r>
+          </a:p>
+          <a:p>
+            <a:pPr lvl="1"/>
+            <a:r>
+              <a:rPr lang="en-US" dirty="0"/>
+              <a:t>Distinguishing among psychiatric groups</a:t>
+            </a:r>
+          </a:p>
+          <a:p>
+            <a:pPr lvl="1"/>
+            <a:r>
+              <a:rPr lang="en-US" dirty="0"/>
+              <a:t>Robust MLMs</a:t>
+            </a:r>
+          </a:p>
+          <a:p>
+            <a:r>
+              <a:rPr lang="en-US" dirty="0"/>
+              <a:t>Multivariate regression</a:t>
+            </a:r>
+          </a:p>
+          <a:p>
+            <a:pPr lvl="1"/>
+            <a:r>
+              <a:rPr lang="en-US" dirty="0"/>
+              <a:t>PA tests &amp; ability</a:t>
+            </a:r>
+          </a:p>
+          <a:p>
+            <a:pPr lvl="1"/>
+            <a:r>
+              <a:rPr lang="en-US" dirty="0"/>
+              <a:t>Canonical correlation</a:t>
+            </a:r>
+          </a:p>
+          <a:p>
+            <a:pPr lvl="1"/>
+            <a:r>
+              <a:rPr lang="en-US" dirty="0"/>
+              <a:t>MANCOVA &amp; homogeneity of regression</a:t>
+            </a:r>
+          </a:p>
+          <a:p>
+            <a:r>
+              <a:rPr lang="en-US" dirty="0"/>
+              <a:t>Homogeneity of variance</a:t>
+            </a:r>
+          </a:p>
+        </p:txBody>
+      </p:sp>
+      <p:sp>
+        <p:nvSpPr>
+          <p:cNvPr id="4" name="Slide Number Placeholder 3"/>
+          <p:cNvSpPr>
+            <a:spLocks noGrp="1"/>
+          </p:cNvSpPr>
+          <p:nvPr>
+            <p:ph type="sldNum" sz="quarter" idx="12"/>
+          </p:nvPr>
+        </p:nvSpPr>
+        <p:spPr/>
+        <p:txBody>
+          <a:bodyPr/>
+          <a:lstStyle/>
+          <a:p>
+            <a:fld id="{810B7604-93B8-4136-B9BD-D1CE89EE20B0}" type="slidenum">
+              <a:rPr lang="en-US" smtClean="0"/>
+              <a:t>2</a:t>
+            </a:fld>
+            <a:endParaRPr lang="en-US"/>
+          </a:p>
+        </p:txBody>
+      </p:sp>
+    </p:spTree>
+    <p:extLst>
+      <p:ext uri="{BB962C8B-B14F-4D97-AF65-F5344CB8AC3E}">
+        <p14:creationId xmlns:p14="http://schemas.microsoft.com/office/powerpoint/2010/main" val="3478878944"/>
+      </p:ext>
+    </p:extLst>
+  </p:cSld>
+  <p:clrMapOvr>
+    <a:masterClrMapping/>
+  </p:clrMapOvr>
+</p:sld>
+</file>
+
+<file path=ppt/slides/slide20.xml><?xml version="1.0" encoding="utf-8"?>
+<p:sld xmlns:a="http://schemas.openxmlformats.org/drawingml/2006/main" xmlns:r="http://schemas.openxmlformats.org/officeDocument/2006/relationships" xmlns:p="http://schemas.openxmlformats.org/presentationml/2006/main">
+  <p:cSld>
+    <p:spTree>
+      <p:nvGrpSpPr>
+        <p:cNvPr id="1" name=""/>
+        <p:cNvGrpSpPr/>
+        <p:nvPr/>
+      </p:nvGrpSpPr>
+      <p:grpSpPr>
+        <a:xfrm>
+          <a:off x="0" y="0"/>
+          <a:ext cx="0" cy="0"/>
+          <a:chOff x="0" y="0"/>
+          <a:chExt cx="0" cy="0"/>
+        </a:xfrm>
+      </p:grpSpPr>
+      <p:sp>
+        <p:nvSpPr>
           <p:cNvPr id="6" name="Slide Number Placeholder 5"/>
           <p:cNvSpPr>
             <a:spLocks noGrp="1"/>
@@ -7426,7 +8660,7 @@
             <a:fld id="{F68715B1-ED60-4328-8FB6-1EC65EA2F1E1}" type="slidenum">
               <a:rPr lang="en-US" altLang="en-US"/>
               <a:pPr/>
-              <a:t>17</a:t>
+              <a:t>20</a:t>
             </a:fld>
             <a:endParaRPr lang="en-US" altLang="en-US"/>
           </a:p>
@@ -7702,7 +8936,7 @@
           <a:graphicData uri="http://schemas.openxmlformats.org/presentationml/2006/ole">
             <mc:AlternateContent xmlns:mc="http://schemas.openxmlformats.org/markup-compatibility/2006">
               <mc:Choice xmlns:v="urn:schemas-microsoft-com:vml" Requires="v">
-                <p:oleObj spid="_x0000_s1068" name="Equation" r:id="rId3" imgW="2070000" imgH="253800" progId="Equation.DSMT4">
+                <p:oleObj spid="_x0000_s1085" name="Equation" r:id="rId3" imgW="2070000" imgH="253800" progId="Equation.DSMT4">
                   <p:embed/>
                 </p:oleObj>
               </mc:Choice>
@@ -7786,7 +9020,7 @@
 </p:sld>
 </file>
 
-<file path=ppt/slides/slide18.xml><?xml version="1.0" encoding="utf-8"?>
+<file path=ppt/slides/slide21.xml><?xml version="1.0" encoding="utf-8"?>
 <p:sld xmlns:a="http://schemas.openxmlformats.org/drawingml/2006/main" xmlns:r="http://schemas.openxmlformats.org/officeDocument/2006/relationships" xmlns:p="http://schemas.openxmlformats.org/presentationml/2006/main">
   <p:cSld>
     <p:spTree>
@@ -7842,7 +9076,7 @@
           <a:p>
             <a:fld id="{810B7604-93B8-4136-B9BD-D1CE89EE20B0}" type="slidenum">
               <a:rPr lang="en-US" smtClean="0"/>
-              <a:t>18</a:t>
+              <a:t>21</a:t>
             </a:fld>
             <a:endParaRPr lang="en-US"/>
           </a:p>
@@ -8299,7 +9533,7 @@
 </p:sld>
 </file>
 
-<file path=ppt/slides/slide19.xml><?xml version="1.0" encoding="utf-8"?>
+<file path=ppt/slides/slide22.xml><?xml version="1.0" encoding="utf-8"?>
 <p:sld xmlns:a="http://schemas.openxmlformats.org/drawingml/2006/main" xmlns:r="http://schemas.openxmlformats.org/officeDocument/2006/relationships" xmlns:p="http://schemas.openxmlformats.org/presentationml/2006/main">
   <p:cSld>
     <p:spTree>
@@ -8318,6 +9552,513 @@
       </p:grpSpPr>
       <p:sp>
         <p:nvSpPr>
+          <p:cNvPr id="2" name="Title 1">
+            <a:extLst>
+              <a:ext uri="{FF2B5EF4-FFF2-40B4-BE49-F238E27FC236}">
+                <a16:creationId xmlns:a16="http://schemas.microsoft.com/office/drawing/2014/main" id="{D2261C7E-20E7-4876-9A2F-20127ED5F097}"/>
+              </a:ext>
+            </a:extLst>
+          </p:cNvPr>
+          <p:cNvSpPr>
+            <a:spLocks noGrp="1"/>
+          </p:cNvSpPr>
+          <p:nvPr>
+            <p:ph type="title"/>
+          </p:nvPr>
+        </p:nvSpPr>
+        <p:spPr/>
+        <p:txBody>
+          <a:bodyPr/>
+          <a:lstStyle/>
+          <a:p>
+            <a:r>
+              <a:rPr lang="en-US" altLang="en-US" dirty="0"/>
+              <a:t>Robust MLMs: Pottery data</a:t>
+            </a:r>
+            <a:endParaRPr lang="en-US" dirty="0"/>
+          </a:p>
+        </p:txBody>
+      </p:sp>
+      <p:sp>
+        <p:nvSpPr>
+          <p:cNvPr id="4" name="Content Placeholder 3">
+            <a:extLst>
+              <a:ext uri="{FF2B5EF4-FFF2-40B4-BE49-F238E27FC236}">
+                <a16:creationId xmlns:a16="http://schemas.microsoft.com/office/drawing/2014/main" id="{B6CC0A85-77B1-4329-AF4B-4883EE9FBCA3}"/>
+              </a:ext>
+            </a:extLst>
+          </p:cNvPr>
+          <p:cNvSpPr>
+            <a:spLocks noGrp="1"/>
+          </p:cNvSpPr>
+          <p:nvPr>
+            <p:ph idx="1"/>
+          </p:nvPr>
+        </p:nvSpPr>
+        <p:spPr/>
+        <p:txBody>
+          <a:bodyPr/>
+          <a:lstStyle/>
+          <a:p>
+            <a:r>
+              <a:rPr lang="en-US" sz="2400" dirty="0"/>
+              <a:t>Chemical composition of ancient pottery found at four sites in Great Britain</a:t>
+            </a:r>
+          </a:p>
+          <a:p>
+            <a:pPr lvl="1"/>
+            <a:r>
+              <a:rPr lang="en-US" sz="2000" dirty="0"/>
+              <a:t>Sites: </a:t>
+            </a:r>
+            <a:r>
+              <a:rPr lang="en-US" sz="2000" dirty="0" err="1"/>
+              <a:t>AshleyRails</a:t>
+            </a:r>
+            <a:r>
+              <a:rPr lang="en-US" sz="2000" dirty="0"/>
+              <a:t>, Caldicot, </a:t>
+            </a:r>
+            <a:r>
+              <a:rPr lang="en-US" sz="2000" dirty="0" err="1"/>
+              <a:t>IsleThorns</a:t>
+            </a:r>
+            <a:r>
+              <a:rPr lang="en-US" sz="2000" dirty="0"/>
+              <a:t>, </a:t>
+            </a:r>
+            <a:r>
+              <a:rPr lang="en-US" sz="2000" dirty="0" err="1"/>
+              <a:t>Llanedyrn</a:t>
+            </a:r>
+            <a:endParaRPr lang="en-US" sz="2000" dirty="0"/>
+          </a:p>
+          <a:p>
+            <a:pPr lvl="1"/>
+            <a:r>
+              <a:rPr lang="en-US" sz="2000" dirty="0"/>
+              <a:t>Measures: Al   Fe   Mg   Ca   Na</a:t>
+            </a:r>
+          </a:p>
+          <a:p>
+            <a:r>
+              <a:rPr lang="en-US" sz="2400" dirty="0"/>
+              <a:t>Analyses:</a:t>
+            </a:r>
+          </a:p>
+          <a:p>
+            <a:pPr lvl="1"/>
+            <a:r>
+              <a:rPr lang="en-US" sz="2000" dirty="0"/>
+              <a:t>standard MANOVA    </a:t>
+            </a:r>
+            <a:r>
+              <a:rPr lang="en-US" sz="2000" dirty="0" err="1"/>
+              <a:t>lm</a:t>
+            </a:r>
+            <a:r>
+              <a:rPr lang="en-US" sz="2000" dirty="0"/>
+              <a:t>(</a:t>
+            </a:r>
+            <a:r>
+              <a:rPr lang="en-US" sz="2000" dirty="0" err="1"/>
+              <a:t>cbind</a:t>
+            </a:r>
+            <a:r>
+              <a:rPr lang="en-US" sz="2000" dirty="0"/>
+              <a:t>(Al, Fe, Mg, …) ~ Site, data=Pottery)</a:t>
+            </a:r>
+          </a:p>
+          <a:p>
+            <a:pPr lvl="1"/>
+            <a:r>
+              <a:rPr lang="en-US" sz="2000" dirty="0"/>
+              <a:t>robust MANOVA        </a:t>
+            </a:r>
+            <a:r>
+              <a:rPr lang="en-US" sz="2000" dirty="0" err="1"/>
+              <a:t>robmlm</a:t>
+            </a:r>
+            <a:r>
+              <a:rPr lang="en-US" sz="2000" dirty="0"/>
+              <a:t>(</a:t>
+            </a:r>
+            <a:r>
+              <a:rPr lang="en-US" sz="2000" dirty="0" err="1"/>
+              <a:t>cbind</a:t>
+            </a:r>
+            <a:r>
+              <a:rPr lang="en-US" sz="2000" dirty="0"/>
+              <a:t>(Al, Fe, Mg, …) ~ Site, data=Pottery)</a:t>
+            </a:r>
+          </a:p>
+          <a:p>
+            <a:pPr lvl="1"/>
+            <a:endParaRPr lang="en-US" sz="2000" dirty="0"/>
+          </a:p>
+          <a:p>
+            <a:r>
+              <a:rPr lang="en-US" sz="2400" dirty="0"/>
+              <a:t>Data:</a:t>
+            </a:r>
+          </a:p>
+          <a:p>
+            <a:endParaRPr lang="en-US" sz="2400" dirty="0"/>
+          </a:p>
+        </p:txBody>
+      </p:sp>
+      <p:sp>
+        <p:nvSpPr>
+          <p:cNvPr id="3" name="Slide Number Placeholder 2">
+            <a:extLst>
+              <a:ext uri="{FF2B5EF4-FFF2-40B4-BE49-F238E27FC236}">
+                <a16:creationId xmlns:a16="http://schemas.microsoft.com/office/drawing/2014/main" id="{CC1987B2-6B2F-43AB-AEC2-98E0004CF5A9}"/>
+              </a:ext>
+            </a:extLst>
+          </p:cNvPr>
+          <p:cNvSpPr>
+            <a:spLocks noGrp="1"/>
+          </p:cNvSpPr>
+          <p:nvPr>
+            <p:ph type="sldNum" sz="quarter" idx="12"/>
+          </p:nvPr>
+        </p:nvSpPr>
+        <p:spPr/>
+        <p:txBody>
+          <a:bodyPr/>
+          <a:lstStyle/>
+          <a:p>
+            <a:fld id="{810B7604-93B8-4136-B9BD-D1CE89EE20B0}" type="slidenum">
+              <a:rPr lang="en-US" smtClean="0"/>
+              <a:t>22</a:t>
+            </a:fld>
+            <a:endParaRPr lang="en-US"/>
+          </a:p>
+        </p:txBody>
+      </p:sp>
+      <p:sp>
+        <p:nvSpPr>
+          <p:cNvPr id="5" name="Rectangle 1">
+            <a:extLst>
+              <a:ext uri="{FF2B5EF4-FFF2-40B4-BE49-F238E27FC236}">
+                <a16:creationId xmlns:a16="http://schemas.microsoft.com/office/drawing/2014/main" id="{4DCE1AC0-8947-4CE0-A0FD-8C5C86DB6685}"/>
+              </a:ext>
+            </a:extLst>
+          </p:cNvPr>
+          <p:cNvSpPr>
+            <a:spLocks noChangeArrowheads="1"/>
+          </p:cNvSpPr>
+          <p:nvPr/>
+        </p:nvSpPr>
+        <p:spPr bwMode="auto">
+          <a:xfrm>
+            <a:off x="0" y="159350"/>
+            <a:ext cx="68930" cy="138499"/>
+          </a:xfrm>
+          <a:prstGeom prst="rect">
+            <a:avLst/>
+          </a:prstGeom>
+          <a:solidFill>
+            <a:srgbClr val="FFFFFF"/>
+          </a:solidFill>
+          <a:ln>
+            <a:noFill/>
+          </a:ln>
+          <a:effectLst/>
+          <a:extLst>
+            <a:ext uri="{91240B29-F687-4F45-9708-019B960494DF}">
+              <a14:hiddenLine xmlns:a14="http://schemas.microsoft.com/office/drawing/2010/main" w="9525">
+                <a:solidFill>
+                  <a:schemeClr val="tx1"/>
+                </a:solidFill>
+                <a:miter lim="800000"/>
+                <a:headEnd/>
+                <a:tailEnd/>
+              </a14:hiddenLine>
+            </a:ext>
+            <a:ext uri="{AF507438-7753-43E0-B8FC-AC1667EBCBE1}">
+              <a14:hiddenEffects xmlns:a14="http://schemas.microsoft.com/office/drawing/2010/main">
+                <a:effectLst>
+                  <a:outerShdw dist="35921" dir="2700000" algn="ctr" rotWithShape="0">
+                    <a:schemeClr val="bg2"/>
+                  </a:outerShdw>
+                </a:effectLst>
+              </a14:hiddenEffects>
+            </a:ext>
+          </a:extLst>
+        </p:spPr>
+        <p:txBody>
+          <a:bodyPr vert="horz" wrap="none" lIns="0" tIns="0" rIns="0" bIns="0" numCol="1" anchor="ctr" anchorCtr="0" compatLnSpc="1">
+            <a:prstTxWarp prst="textNoShape">
+              <a:avLst/>
+            </a:prstTxWarp>
+            <a:spAutoFit/>
+          </a:bodyPr>
+          <a:lstStyle/>
+          <a:p>
+            <a:pPr marL="0" marR="0" lvl="0" indent="0" algn="l" defTabSz="914400" rtl="0" eaLnBrk="0" fontAlgn="base" latinLnBrk="0" hangingPunct="0">
+              <a:lnSpc>
+                <a:spcPct val="100000"/>
+              </a:lnSpc>
+              <a:spcBef>
+                <a:spcPct val="0"/>
+              </a:spcBef>
+              <a:spcAft>
+                <a:spcPct val="0"/>
+              </a:spcAft>
+              <a:buClrTx/>
+              <a:buSzTx/>
+              <a:buFontTx/>
+              <a:buNone/>
+              <a:tabLst/>
+            </a:pPr>
+            <a:r>
+              <a:rPr kumimoji="0" lang="en-US" altLang="en-US" sz="900" b="0" i="0" u="none" strike="noStrike" cap="none" normalizeH="0" baseline="0" dirty="0">
+                <a:ln>
+                  <a:noFill/>
+                </a:ln>
+                <a:solidFill>
+                  <a:srgbClr val="000000"/>
+                </a:solidFill>
+                <a:effectLst/>
+                <a:latin typeface="Lucida Console" panose="020B0609040504020204" pitchFamily="49" charset="0"/>
+              </a:rPr>
+              <a:t>"</a:t>
+            </a:r>
+            <a:endParaRPr kumimoji="0" lang="en-US" altLang="en-US" sz="1800" b="0" i="0" u="none" strike="noStrike" cap="none" normalizeH="0" baseline="0" dirty="0">
+              <a:ln>
+                <a:noFill/>
+              </a:ln>
+              <a:solidFill>
+                <a:schemeClr val="tx1"/>
+              </a:solidFill>
+              <a:effectLst/>
+              <a:latin typeface="Arial" panose="020B0604020202020204" pitchFamily="34" charset="0"/>
+            </a:endParaRPr>
+          </a:p>
+        </p:txBody>
+      </p:sp>
+      <p:sp>
+        <p:nvSpPr>
+          <p:cNvPr id="7" name="TextBox 6">
+            <a:extLst>
+              <a:ext uri="{FF2B5EF4-FFF2-40B4-BE49-F238E27FC236}">
+                <a16:creationId xmlns:a16="http://schemas.microsoft.com/office/drawing/2014/main" id="{38B3DE21-96DB-4198-827F-866208BEF404}"/>
+              </a:ext>
+            </a:extLst>
+          </p:cNvPr>
+          <p:cNvSpPr txBox="1"/>
+          <p:nvPr/>
+        </p:nvSpPr>
+        <p:spPr>
+          <a:xfrm>
+            <a:off x="2819400" y="4257204"/>
+            <a:ext cx="5170251" cy="2308324"/>
+          </a:xfrm>
+          <a:prstGeom prst="rect">
+            <a:avLst/>
+          </a:prstGeom>
+          <a:solidFill>
+            <a:srgbClr val="FFFF00">
+              <a:alpha val="20000"/>
+            </a:srgbClr>
+          </a:solidFill>
+        </p:spPr>
+        <p:txBody>
+          <a:bodyPr wrap="square" rtlCol="0">
+            <a:spAutoFit/>
+          </a:bodyPr>
+          <a:lstStyle/>
+          <a:p>
+            <a:r>
+              <a:rPr lang="en-US" sz="1600" dirty="0">
+                <a:latin typeface="Lucida Console" panose="020B0609040504020204" pitchFamily="49" charset="0"/>
+              </a:rPr>
+              <a:t>&gt; car::some(Pottery)</a:t>
+            </a:r>
+          </a:p>
+          <a:p>
+            <a:r>
+              <a:rPr lang="en-US" sz="1600" dirty="0">
+                <a:latin typeface="Lucida Console" panose="020B0609040504020204" pitchFamily="49" charset="0"/>
+              </a:rPr>
+              <a:t>          Site   Al   Fe   Mg   Ca   Na</a:t>
+            </a:r>
+          </a:p>
+          <a:p>
+            <a:r>
+              <a:rPr lang="en-US" sz="1600" dirty="0">
+                <a:latin typeface="Lucida Console" panose="020B0609040504020204" pitchFamily="49" charset="0"/>
+              </a:rPr>
+              <a:t>2    </a:t>
+            </a:r>
+            <a:r>
+              <a:rPr lang="en-US" sz="1600" dirty="0" err="1">
+                <a:latin typeface="Lucida Console" panose="020B0609040504020204" pitchFamily="49" charset="0"/>
+              </a:rPr>
+              <a:t>Llanedyrn</a:t>
+            </a:r>
+            <a:r>
+              <a:rPr lang="en-US" sz="1600" dirty="0">
+                <a:latin typeface="Lucida Console" panose="020B0609040504020204" pitchFamily="49" charset="0"/>
+              </a:rPr>
+              <a:t> 13.8 7.08 3.43 0.12 0.17</a:t>
+            </a:r>
+          </a:p>
+          <a:p>
+            <a:r>
+              <a:rPr lang="en-US" sz="1600" dirty="0">
+                <a:latin typeface="Lucida Console" panose="020B0609040504020204" pitchFamily="49" charset="0"/>
+              </a:rPr>
+              <a:t>14   </a:t>
+            </a:r>
+            <a:r>
+              <a:rPr lang="en-US" sz="1600" dirty="0" err="1">
+                <a:latin typeface="Lucida Console" panose="020B0609040504020204" pitchFamily="49" charset="0"/>
+              </a:rPr>
+              <a:t>Llanedyrn</a:t>
+            </a:r>
+            <a:r>
+              <a:rPr lang="en-US" sz="1600" dirty="0">
+                <a:latin typeface="Lucida Console" panose="020B0609040504020204" pitchFamily="49" charset="0"/>
+              </a:rPr>
+              <a:t> 12.5 6.44 3.94 0.22 0.23</a:t>
+            </a:r>
+          </a:p>
+          <a:p>
+            <a:r>
+              <a:rPr lang="en-US" sz="1600" dirty="0">
+                <a:latin typeface="Lucida Console" panose="020B0609040504020204" pitchFamily="49" charset="0"/>
+              </a:rPr>
+              <a:t>17  </a:t>
+            </a:r>
+            <a:r>
+              <a:rPr lang="en-US" sz="1600" dirty="0" err="1">
+                <a:latin typeface="Lucida Console" panose="020B0609040504020204" pitchFamily="49" charset="0"/>
+              </a:rPr>
+              <a:t>IsleThorns</a:t>
+            </a:r>
+            <a:r>
+              <a:rPr lang="en-US" sz="1600" dirty="0">
+                <a:latin typeface="Lucida Console" panose="020B0609040504020204" pitchFamily="49" charset="0"/>
+              </a:rPr>
+              <a:t> 18.3 1.28 0.67 0.03 0.03</a:t>
+            </a:r>
+          </a:p>
+          <a:p>
+            <a:r>
+              <a:rPr lang="en-US" sz="1600" dirty="0">
+                <a:latin typeface="Lucida Console" panose="020B0609040504020204" pitchFamily="49" charset="0"/>
+              </a:rPr>
+              <a:t>18  </a:t>
+            </a:r>
+            <a:r>
+              <a:rPr lang="en-US" sz="1600" dirty="0" err="1">
+                <a:latin typeface="Lucida Console" panose="020B0609040504020204" pitchFamily="49" charset="0"/>
+              </a:rPr>
+              <a:t>IsleThorns</a:t>
+            </a:r>
+            <a:r>
+              <a:rPr lang="en-US" sz="1600" dirty="0">
+                <a:latin typeface="Lucida Console" panose="020B0609040504020204" pitchFamily="49" charset="0"/>
+              </a:rPr>
+              <a:t> 15.8 2.39 0.63 0.01 0.04</a:t>
+            </a:r>
+          </a:p>
+          <a:p>
+            <a:r>
+              <a:rPr lang="en-US" sz="1600" dirty="0">
+                <a:latin typeface="Lucida Console" panose="020B0609040504020204" pitchFamily="49" charset="0"/>
+              </a:rPr>
+              <a:t>21  </a:t>
+            </a:r>
+            <a:r>
+              <a:rPr lang="en-US" sz="1600" dirty="0" err="1">
+                <a:latin typeface="Lucida Console" panose="020B0609040504020204" pitchFamily="49" charset="0"/>
+              </a:rPr>
+              <a:t>IsleThorns</a:t>
+            </a:r>
+            <a:r>
+              <a:rPr lang="en-US" sz="1600" dirty="0">
+                <a:latin typeface="Lucida Console" panose="020B0609040504020204" pitchFamily="49" charset="0"/>
+              </a:rPr>
+              <a:t> 20.8 1.51 0.72 0.07 0.10</a:t>
+            </a:r>
+          </a:p>
+          <a:p>
+            <a:r>
+              <a:rPr lang="en-US" sz="1600" dirty="0">
+                <a:latin typeface="Lucida Console" panose="020B0609040504020204" pitchFamily="49" charset="0"/>
+              </a:rPr>
+              <a:t>22 </a:t>
+            </a:r>
+            <a:r>
+              <a:rPr lang="en-US" sz="1600" dirty="0" err="1">
+                <a:latin typeface="Lucida Console" panose="020B0609040504020204" pitchFamily="49" charset="0"/>
+              </a:rPr>
+              <a:t>AshleyRails</a:t>
+            </a:r>
+            <a:r>
+              <a:rPr lang="en-US" sz="1600" dirty="0">
+                <a:latin typeface="Lucida Console" panose="020B0609040504020204" pitchFamily="49" charset="0"/>
+              </a:rPr>
+              <a:t> 17.7 1.12 0.56 0.06 0.06</a:t>
+            </a:r>
+          </a:p>
+          <a:p>
+            <a:r>
+              <a:rPr lang="en-US" sz="1600" dirty="0">
+                <a:latin typeface="Lucida Console" panose="020B0609040504020204" pitchFamily="49" charset="0"/>
+              </a:rPr>
+              <a:t>23 </a:t>
+            </a:r>
+            <a:r>
+              <a:rPr lang="en-US" sz="1600" dirty="0" err="1">
+                <a:latin typeface="Lucida Console" panose="020B0609040504020204" pitchFamily="49" charset="0"/>
+              </a:rPr>
+              <a:t>AshleyRails</a:t>
+            </a:r>
+            <a:r>
+              <a:rPr lang="en-US" sz="1600" dirty="0">
+                <a:latin typeface="Lucida Console" panose="020B0609040504020204" pitchFamily="49" charset="0"/>
+              </a:rPr>
+              <a:t> 18.3 1.14 0.67 0.06 0.05</a:t>
+            </a:r>
+          </a:p>
+        </p:txBody>
+      </p:sp>
+    </p:spTree>
+    <p:extLst>
+      <p:ext uri="{BB962C8B-B14F-4D97-AF65-F5344CB8AC3E}">
+        <p14:creationId xmlns:p14="http://schemas.microsoft.com/office/powerpoint/2010/main" val="731189215"/>
+      </p:ext>
+    </p:extLst>
+  </p:cSld>
+  <p:clrMapOvr>
+    <a:masterClrMapping/>
+  </p:clrMapOvr>
+</p:sld>
+</file>
+
+<file path=ppt/slides/slide23.xml><?xml version="1.0" encoding="utf-8"?>
+<p:sld xmlns:a="http://schemas.openxmlformats.org/drawingml/2006/main" xmlns:r="http://schemas.openxmlformats.org/officeDocument/2006/relationships" xmlns:p="http://schemas.openxmlformats.org/presentationml/2006/main">
+  <p:cSld>
+    <p:spTree>
+      <p:nvGrpSpPr>
+        <p:cNvPr id="1" name=""/>
+        <p:cNvGrpSpPr/>
+        <p:nvPr/>
+      </p:nvGrpSpPr>
+      <p:grpSpPr>
+        <a:xfrm>
+          <a:off x="0" y="0"/>
+          <a:ext cx="0" cy="0"/>
+          <a:chOff x="0" y="0"/>
+          <a:chExt cx="0" cy="0"/>
+        </a:xfrm>
+      </p:grpSpPr>
+      <p:sp>
+        <p:nvSpPr>
           <p:cNvPr id="10" name="Slide Number Placeholder 4"/>
           <p:cNvSpPr>
             <a:spLocks noGrp="1"/>
@@ -8334,7 +10075,7 @@
             <a:fld id="{B980E88A-1F31-48AA-BB35-4F7938F905B1}" type="slidenum">
               <a:rPr lang="en-US" altLang="en-US"/>
               <a:pPr/>
-              <a:t>19</a:t>
+              <a:t>23</a:t>
             </a:fld>
             <a:endParaRPr lang="en-US" altLang="en-US"/>
           </a:p>
@@ -8811,7 +10552,7 @@
 </p:sld>
 </file>
 
-<file path=ppt/slides/slide2.xml><?xml version="1.0" encoding="utf-8"?>
+<file path=ppt/slides/slide24.xml><?xml version="1.0" encoding="utf-8"?>
 <p:sld xmlns:a="http://schemas.openxmlformats.org/drawingml/2006/main" xmlns:r="http://schemas.openxmlformats.org/officeDocument/2006/relationships" xmlns:p="http://schemas.openxmlformats.org/presentationml/2006/main">
   <p:cSld>
     <p:spTree>
@@ -8845,7 +10586,7 @@
           <a:p>
             <a:r>
               <a:rPr lang="en-US" dirty="0"/>
-              <a:t>Today’s topics</a:t>
+              <a:t>MMRA example: PA tasks &amp; ability</a:t>
             </a:r>
           </a:p>
         </p:txBody>
@@ -8860,65 +10601,104 @@
             <p:ph idx="1"/>
           </p:nvPr>
         </p:nvSpPr>
-        <p:spPr/>
-        <p:txBody>
-          <a:bodyPr/>
+        <p:spPr>
+          <a:xfrm>
+            <a:off x="457200" y="1143000"/>
+            <a:ext cx="8229600" cy="2819400"/>
+          </a:xfrm>
+        </p:spPr>
+        <p:txBody>
+          <a:bodyPr>
+            <a:normAutofit fontScale="92500" lnSpcReduction="20000"/>
+          </a:bodyPr>
           <a:lstStyle/>
           <a:p>
             <a:r>
-              <a:rPr lang="en-US" dirty="0" err="1"/>
-              <a:t>Manova</a:t>
-            </a:r>
-            <a:r>
-              <a:rPr lang="en-US" dirty="0"/>
-              <a:t> examples</a:t>
+              <a:rPr lang="en-US" sz="2000" dirty="0" err="1"/>
+              <a:t>Rohwer</a:t>
+            </a:r>
+            <a:r>
+              <a:rPr lang="en-US" sz="2000" dirty="0"/>
+              <a:t> data from </a:t>
+            </a:r>
+            <a:r>
+              <a:rPr lang="en-US" sz="2000" dirty="0" err="1"/>
+              <a:t>Timm</a:t>
+            </a:r>
+            <a:r>
+              <a:rPr lang="en-US" sz="2000" dirty="0"/>
+              <a:t> (1975)</a:t>
+            </a:r>
+          </a:p>
+          <a:p>
+            <a:r>
+              <a:rPr lang="en-US" sz="2000" dirty="0"/>
+              <a:t>How well do paired associate (PA) tasks predict performance on measures of aptitude &amp; achievement in kindergarten children?</a:t>
             </a:r>
           </a:p>
           <a:p>
             <a:pPr lvl="1"/>
             <a:r>
-              <a:rPr lang="en-US" dirty="0"/>
-              <a:t>Distinguishing among psychiatric groups</a:t>
+              <a:rPr lang="en-US" sz="2000" dirty="0"/>
+              <a:t>Samples: 69 children in two groups (schools): ‘Lo’ | ‘Hi’ SES</a:t>
             </a:r>
           </a:p>
           <a:p>
             <a:pPr lvl="1"/>
             <a:r>
-              <a:rPr lang="en-US" dirty="0"/>
-              <a:t>Robust MLMs</a:t>
-            </a:r>
-          </a:p>
-          <a:p>
-            <a:r>
-              <a:rPr lang="en-US" dirty="0"/>
-              <a:t>Multivariate regression</a:t>
+              <a:rPr lang="en-US" sz="2000" dirty="0"/>
+              <a:t>Outcomes (Y): </a:t>
+            </a:r>
+          </a:p>
+          <a:p>
+            <a:pPr lvl="2"/>
+            <a:r>
+              <a:rPr lang="en-US" sz="1600" dirty="0"/>
+              <a:t>Scholastic aptitude test (SAT)</a:t>
+            </a:r>
+          </a:p>
+          <a:p>
+            <a:pPr lvl="2"/>
+            <a:r>
+              <a:rPr lang="en-US" sz="1600" dirty="0"/>
+              <a:t>Peabody picture vocabulary test (PPVT)</a:t>
+            </a:r>
+          </a:p>
+          <a:p>
+            <a:pPr lvl="2"/>
+            <a:r>
+              <a:rPr lang="en-US" sz="1600" dirty="0"/>
+              <a:t>Raven progressive matrices (Raven)</a:t>
             </a:r>
           </a:p>
           <a:p>
             <a:pPr lvl="1"/>
             <a:r>
-              <a:rPr lang="en-US" dirty="0"/>
-              <a:t>PA tests &amp; ability</a:t>
-            </a:r>
-          </a:p>
-          <a:p>
-            <a:pPr lvl="1"/>
-            <a:r>
-              <a:rPr lang="en-US" dirty="0"/>
-              <a:t>Canonical correlation</a:t>
-            </a:r>
-          </a:p>
-          <a:p>
-            <a:pPr lvl="1"/>
-            <a:r>
-              <a:rPr lang="en-US" dirty="0"/>
-              <a:t>MANCOVA &amp; homogeneity of regression</a:t>
-            </a:r>
-          </a:p>
-          <a:p>
-            <a:r>
-              <a:rPr lang="en-US" dirty="0"/>
-              <a:t>Homogeneity of variance</a:t>
+              <a:rPr lang="en-US" sz="2000" dirty="0"/>
+              <a:t>Predictors (X): Scores (0—40) on PA tasks where the stimuli were:</a:t>
+            </a:r>
+          </a:p>
+          <a:p>
+            <a:pPr lvl="2"/>
+            <a:r>
+              <a:rPr lang="en-US" sz="1600" dirty="0"/>
+              <a:t>named (n), still (s), named-still (ns), named-action (</a:t>
+            </a:r>
+            <a:r>
+              <a:rPr lang="en-US" sz="1600" dirty="0" err="1"/>
+              <a:t>na</a:t>
+            </a:r>
+            <a:r>
+              <a:rPr lang="en-US" sz="1600" dirty="0"/>
+              <a:t>), sentence-still (</a:t>
+            </a:r>
+            <a:r>
+              <a:rPr lang="en-US" sz="1600" dirty="0" err="1"/>
+              <a:t>ss</a:t>
+            </a:r>
+            <a:r>
+              <a:rPr lang="en-US" sz="1600" dirty="0"/>
+              <a:t>)</a:t>
             </a:r>
           </a:p>
         </p:txBody>
@@ -8940,16 +10720,252 @@
           <a:p>
             <a:fld id="{810B7604-93B8-4136-B9BD-D1CE89EE20B0}" type="slidenum">
               <a:rPr lang="en-US" smtClean="0"/>
-              <a:t>2</a:t>
+              <a:t>24</a:t>
             </a:fld>
             <a:endParaRPr lang="en-US"/>
+          </a:p>
+        </p:txBody>
+      </p:sp>
+      <p:sp>
+        <p:nvSpPr>
+          <p:cNvPr id="5" name="TextBox 4"/>
+          <p:cNvSpPr txBox="1"/>
+          <p:nvPr/>
+        </p:nvSpPr>
+        <p:spPr>
+          <a:xfrm>
+            <a:off x="533400" y="4188069"/>
+            <a:ext cx="4267200" cy="1569660"/>
+          </a:xfrm>
+          <a:prstGeom prst="rect">
+            <a:avLst/>
+          </a:prstGeom>
+          <a:solidFill>
+            <a:srgbClr val="FFFF00">
+              <a:alpha val="10000"/>
+            </a:srgbClr>
+          </a:solidFill>
+        </p:spPr>
+        <p:txBody>
+          <a:bodyPr wrap="square" rtlCol="0">
+            <a:spAutoFit/>
+          </a:bodyPr>
+          <a:lstStyle/>
+          <a:p>
+            <a:r>
+              <a:rPr lang="en-US" sz="1200" dirty="0">
+                <a:latin typeface="Lucida Console" pitchFamily="49" charset="0"/>
+              </a:rPr>
+              <a:t>&gt; data("</a:t>
+            </a:r>
+            <a:r>
+              <a:rPr lang="en-US" sz="1200" dirty="0" err="1">
+                <a:latin typeface="Lucida Console" pitchFamily="49" charset="0"/>
+              </a:rPr>
+              <a:t>Rohwer</a:t>
+            </a:r>
+            <a:r>
+              <a:rPr lang="en-US" sz="1200" dirty="0">
+                <a:latin typeface="Lucida Console" pitchFamily="49" charset="0"/>
+              </a:rPr>
+              <a:t>", package="</a:t>
+            </a:r>
+            <a:r>
+              <a:rPr lang="en-US" sz="1200" dirty="0" err="1">
+                <a:latin typeface="Lucida Console" pitchFamily="49" charset="0"/>
+              </a:rPr>
+              <a:t>heplots</a:t>
+            </a:r>
+            <a:r>
+              <a:rPr lang="en-US" sz="1200" dirty="0">
+                <a:latin typeface="Lucida Console" pitchFamily="49" charset="0"/>
+              </a:rPr>
+              <a:t>")</a:t>
+            </a:r>
+          </a:p>
+          <a:p>
+            <a:r>
+              <a:rPr lang="en-US" sz="1200" dirty="0">
+                <a:latin typeface="Lucida Console" pitchFamily="49" charset="0"/>
+              </a:rPr>
+              <a:t>&gt; car::some(</a:t>
+            </a:r>
+            <a:r>
+              <a:rPr lang="en-US" sz="1200" dirty="0" err="1">
+                <a:latin typeface="Lucida Console" pitchFamily="49" charset="0"/>
+              </a:rPr>
+              <a:t>Rohwer</a:t>
+            </a:r>
+            <a:r>
+              <a:rPr lang="en-US" sz="1200" dirty="0">
+                <a:latin typeface="Lucida Console" pitchFamily="49" charset="0"/>
+              </a:rPr>
+              <a:t>, n=5)</a:t>
+            </a:r>
+          </a:p>
+          <a:p>
+            <a:r>
+              <a:rPr lang="en-US" sz="1200" dirty="0">
+                <a:latin typeface="Lucida Console" pitchFamily="49" charset="0"/>
+              </a:rPr>
+              <a:t>   group SES SAT PPVT Raven n  s ns </a:t>
+            </a:r>
+            <a:r>
+              <a:rPr lang="en-US" sz="1200" dirty="0" err="1">
+                <a:latin typeface="Lucida Console" pitchFamily="49" charset="0"/>
+              </a:rPr>
+              <a:t>na</a:t>
+            </a:r>
+            <a:r>
+              <a:rPr lang="en-US" sz="1200" dirty="0">
+                <a:latin typeface="Lucida Console" pitchFamily="49" charset="0"/>
+              </a:rPr>
+              <a:t> </a:t>
+            </a:r>
+            <a:r>
+              <a:rPr lang="en-US" sz="1200" dirty="0" err="1">
+                <a:latin typeface="Lucida Console" pitchFamily="49" charset="0"/>
+              </a:rPr>
+              <a:t>ss</a:t>
+            </a:r>
+            <a:endParaRPr lang="en-US" sz="1200" dirty="0">
+              <a:latin typeface="Lucida Console" pitchFamily="49" charset="0"/>
+            </a:endParaRPr>
+          </a:p>
+          <a:p>
+            <a:r>
+              <a:rPr lang="en-US" sz="1200" dirty="0">
+                <a:latin typeface="Lucida Console" pitchFamily="49" charset="0"/>
+              </a:rPr>
+              <a:t>8      1  Lo   8   68     8 0  0 10 19 14</a:t>
+            </a:r>
+          </a:p>
+          <a:p>
+            <a:r>
+              <a:rPr lang="en-US" sz="1200" dirty="0">
+                <a:latin typeface="Lucida Console" pitchFamily="49" charset="0"/>
+              </a:rPr>
+              <a:t>9      1  Lo  49   74    11 0  0  7 16 13</a:t>
+            </a:r>
+          </a:p>
+          <a:p>
+            <a:r>
+              <a:rPr lang="en-US" sz="1200" dirty="0">
+                <a:latin typeface="Lucida Console" pitchFamily="49" charset="0"/>
+              </a:rPr>
+              <a:t>17     1  Lo  19   66    13 7 12 21 35 27</a:t>
+            </a:r>
+          </a:p>
+          <a:p>
+            <a:r>
+              <a:rPr lang="en-US" sz="1200" dirty="0">
+                <a:latin typeface="Lucida Console" pitchFamily="49" charset="0"/>
+              </a:rPr>
+              <a:t>52     2  Hi  38   66    14 0  0  3 16 11</a:t>
+            </a:r>
+          </a:p>
+          <a:p>
+            <a:r>
+              <a:rPr lang="en-US" sz="1200" dirty="0">
+                <a:latin typeface="Lucida Console" pitchFamily="49" charset="0"/>
+              </a:rPr>
+              <a:t>66     2  Hi   8   55    16 4  7 19 20 13</a:t>
+            </a:r>
+          </a:p>
+        </p:txBody>
+      </p:sp>
+      <p:sp>
+        <p:nvSpPr>
+          <p:cNvPr id="6" name="TextBox 5"/>
+          <p:cNvSpPr txBox="1"/>
+          <p:nvPr/>
+        </p:nvSpPr>
+        <p:spPr>
+          <a:xfrm>
+            <a:off x="5334000" y="4188069"/>
+            <a:ext cx="3200400" cy="2031325"/>
+          </a:xfrm>
+          <a:prstGeom prst="rect">
+            <a:avLst/>
+          </a:prstGeom>
+          <a:noFill/>
+        </p:spPr>
+        <p:txBody>
+          <a:bodyPr wrap="square" rtlCol="0">
+            <a:spAutoFit/>
+          </a:bodyPr>
+          <a:lstStyle/>
+          <a:p>
+            <a:r>
+              <a:rPr lang="en-US" dirty="0"/>
+              <a:t>Having a group factor makes the analysis more complicated (MANCOVA)</a:t>
+            </a:r>
+          </a:p>
+          <a:p>
+            <a:endParaRPr lang="en-US" dirty="0"/>
+          </a:p>
+          <a:p>
+            <a:endParaRPr lang="en-US" dirty="0"/>
+          </a:p>
+          <a:p>
+            <a:r>
+              <a:rPr lang="en-US" dirty="0"/>
+              <a:t>Start with analysis of the Hi SES group</a:t>
+            </a:r>
+          </a:p>
+        </p:txBody>
+      </p:sp>
+      <p:sp>
+        <p:nvSpPr>
+          <p:cNvPr id="7" name="TextBox 6"/>
+          <p:cNvSpPr txBox="1"/>
+          <p:nvPr/>
+        </p:nvSpPr>
+        <p:spPr>
+          <a:xfrm>
+            <a:off x="533400" y="5942395"/>
+            <a:ext cx="4572000" cy="276999"/>
+          </a:xfrm>
+          <a:prstGeom prst="rect">
+            <a:avLst/>
+          </a:prstGeom>
+          <a:solidFill>
+            <a:srgbClr val="FFFF00">
+              <a:alpha val="30000"/>
+            </a:srgbClr>
+          </a:solidFill>
+        </p:spPr>
+        <p:txBody>
+          <a:bodyPr wrap="square" rtlCol="0">
+            <a:spAutoFit/>
+          </a:bodyPr>
+          <a:lstStyle/>
+          <a:p>
+            <a:r>
+              <a:rPr lang="en-US" sz="1200" dirty="0">
+                <a:latin typeface="Lucida Console" pitchFamily="49" charset="0"/>
+              </a:rPr>
+              <a:t>&gt; Rohwer2 &lt;- subset(</a:t>
+            </a:r>
+            <a:r>
+              <a:rPr lang="en-US" sz="1200" dirty="0" err="1">
+                <a:latin typeface="Lucida Console" pitchFamily="49" charset="0"/>
+              </a:rPr>
+              <a:t>Rohwer</a:t>
+            </a:r>
+            <a:r>
+              <a:rPr lang="en-US" sz="1200" dirty="0">
+                <a:latin typeface="Lucida Console" pitchFamily="49" charset="0"/>
+              </a:rPr>
+              <a:t>, subset=SES==“HI”)</a:t>
+            </a:r>
           </a:p>
         </p:txBody>
       </p:sp>
     </p:spTree>
     <p:extLst>
       <p:ext uri="{BB962C8B-B14F-4D97-AF65-F5344CB8AC3E}">
-        <p14:creationId xmlns:p14="http://schemas.microsoft.com/office/powerpoint/2010/main" val="3478878944"/>
+        <p14:creationId xmlns:p14="http://schemas.microsoft.com/office/powerpoint/2010/main" val="393672056"/>
       </p:ext>
     </p:extLst>
   </p:cSld>
@@ -8959,7 +10975,7 @@
 </p:sld>
 </file>
 
-<file path=ppt/slides/slide20.xml><?xml version="1.0" encoding="utf-8"?>
+<file path=ppt/slides/slide25.xml><?xml version="1.0" encoding="utf-8"?>
 <p:sld xmlns:a="http://schemas.openxmlformats.org/drawingml/2006/main" xmlns:r="http://schemas.openxmlformats.org/officeDocument/2006/relationships" xmlns:p="http://schemas.openxmlformats.org/presentationml/2006/main">
   <p:cSld>
     <p:spTree>
@@ -8993,126 +11009,14 @@
           <a:p>
             <a:r>
               <a:rPr lang="en-US" dirty="0"/>
-              <a:t>MMRA example: PA tasks &amp; ability</a:t>
-            </a:r>
-          </a:p>
-        </p:txBody>
-      </p:sp>
-      <p:sp>
-        <p:nvSpPr>
-          <p:cNvPr id="3" name="Content Placeholder 2"/>
-          <p:cNvSpPr>
-            <a:spLocks noGrp="1"/>
-          </p:cNvSpPr>
-          <p:nvPr>
-            <p:ph idx="1"/>
-          </p:nvPr>
-        </p:nvSpPr>
-        <p:spPr>
-          <a:xfrm>
-            <a:off x="457200" y="1143000"/>
-            <a:ext cx="8229600" cy="2819400"/>
-          </a:xfrm>
-        </p:spPr>
-        <p:txBody>
-          <a:bodyPr>
-            <a:normAutofit fontScale="92500" lnSpcReduction="20000"/>
-          </a:bodyPr>
-          <a:lstStyle/>
-          <a:p>
-            <a:r>
-              <a:rPr lang="en-US" sz="2000" dirty="0" err="1"/>
-              <a:t>Rohwer</a:t>
-            </a:r>
-            <a:r>
-              <a:rPr lang="en-US" sz="2000" dirty="0"/>
-              <a:t> data from </a:t>
-            </a:r>
-            <a:r>
-              <a:rPr lang="en-US" sz="2000" dirty="0" err="1"/>
-              <a:t>Timm</a:t>
-            </a:r>
-            <a:r>
-              <a:rPr lang="en-US" sz="2000" dirty="0"/>
-              <a:t> (1975)</a:t>
-            </a:r>
-          </a:p>
-          <a:p>
-            <a:r>
-              <a:rPr lang="en-US" sz="2000" dirty="0"/>
-              <a:t>How well do paired associate (PA) tasks predict performance on measures of aptitude &amp; achievement in kindergarten children?</a:t>
-            </a:r>
-          </a:p>
-          <a:p>
-            <a:pPr lvl="1"/>
-            <a:r>
-              <a:rPr lang="en-US" sz="2000" dirty="0"/>
-              <a:t>Samples: 69 children in two groups (schools): ‘Lo’ | ‘Hi’ SES</a:t>
-            </a:r>
-          </a:p>
-          <a:p>
-            <a:pPr lvl="1"/>
-            <a:r>
-              <a:rPr lang="en-US" sz="2000" dirty="0"/>
-              <a:t>Outcomes (Y): </a:t>
-            </a:r>
-          </a:p>
-          <a:p>
-            <a:pPr lvl="2"/>
-            <a:r>
-              <a:rPr lang="en-US" sz="1600" dirty="0"/>
-              <a:t>Scholastic aptitude test (SAT)</a:t>
-            </a:r>
-          </a:p>
-          <a:p>
-            <a:pPr lvl="2"/>
-            <a:r>
-              <a:rPr lang="en-US" sz="1600" dirty="0"/>
-              <a:t>Peabody picture vocabulary test (PPVT)</a:t>
-            </a:r>
-          </a:p>
-          <a:p>
-            <a:pPr lvl="2"/>
-            <a:r>
-              <a:rPr lang="en-US" sz="1600" dirty="0"/>
-              <a:t>Raven progressive matrices (Raven)</a:t>
-            </a:r>
-          </a:p>
-          <a:p>
-            <a:pPr lvl="1"/>
-            <a:r>
-              <a:rPr lang="en-US" sz="2000" dirty="0"/>
-              <a:t>Predictors (X): Scores (0—40) on PA tasks where the stimuli were:</a:t>
-            </a:r>
-          </a:p>
-          <a:p>
-            <a:pPr lvl="2"/>
-            <a:r>
-              <a:rPr lang="en-US" sz="1600" dirty="0"/>
-              <a:t>named (n), still (s), named-still (ns), named-action (</a:t>
-            </a:r>
-            <a:r>
-              <a:rPr lang="en-US" sz="1600" dirty="0" err="1"/>
-              <a:t>na</a:t>
-            </a:r>
-            <a:r>
-              <a:rPr lang="en-US" sz="1600" dirty="0"/>
-              <a:t>), sentence-still (</a:t>
-            </a:r>
-            <a:r>
-              <a:rPr lang="en-US" sz="1600" dirty="0" err="1"/>
-              <a:t>ss</a:t>
-            </a:r>
-            <a:r>
-              <a:rPr lang="en-US" sz="1600" dirty="0"/>
-              <a:t>)</a:t>
-            </a:r>
-          </a:p>
-        </p:txBody>
-      </p:sp>
-      <p:sp>
-        <p:nvSpPr>
-          <p:cNvPr id="4" name="Slide Number Placeholder 3"/>
+              <a:t>Why not univariate models?</a:t>
+            </a:r>
+          </a:p>
+        </p:txBody>
+      </p:sp>
+      <p:sp>
+        <p:nvSpPr>
+          <p:cNvPr id="3" name="Slide Number Placeholder 2"/>
           <p:cNvSpPr>
             <a:spLocks noGrp="1"/>
           </p:cNvSpPr>
@@ -9127,7 +11031,7 @@
           <a:p>
             <a:fld id="{810B7604-93B8-4136-B9BD-D1CE89EE20B0}" type="slidenum">
               <a:rPr lang="en-US" smtClean="0"/>
-              <a:t>20</a:t>
+              <a:t>25</a:t>
             </a:fld>
             <a:endParaRPr lang="en-US"/>
           </a:p>
@@ -9135,14 +11039,14 @@
       </p:sp>
       <p:sp>
         <p:nvSpPr>
-          <p:cNvPr id="5" name="TextBox 4"/>
+          <p:cNvPr id="4" name="TextBox 3"/>
           <p:cNvSpPr txBox="1"/>
           <p:nvPr/>
         </p:nvSpPr>
         <p:spPr>
           <a:xfrm>
-            <a:off x="533400" y="4188069"/>
-            <a:ext cx="4267200" cy="1569660"/>
+            <a:off x="477716" y="1143000"/>
+            <a:ext cx="8229600" cy="1569660"/>
           </a:xfrm>
           <a:prstGeom prst="rect">
             <a:avLst/>
@@ -9160,99 +11064,166 @@
           <a:lstStyle/>
           <a:p>
             <a:r>
-              <a:rPr lang="en-US" sz="1200" dirty="0">
-                <a:latin typeface="Lucida Console" pitchFamily="49" charset="0"/>
-              </a:rPr>
-              <a:t>&gt; data("</a:t>
-            </a:r>
-            <a:r>
-              <a:rPr lang="en-US" sz="1200" dirty="0" err="1">
-                <a:latin typeface="Lucida Console" pitchFamily="49" charset="0"/>
-              </a:rPr>
-              <a:t>Rohwer</a:t>
-            </a:r>
-            <a:r>
-              <a:rPr lang="en-US" sz="1200" dirty="0">
-                <a:latin typeface="Lucida Console" pitchFamily="49" charset="0"/>
-              </a:rPr>
-              <a:t>", package="</a:t>
-            </a:r>
-            <a:r>
-              <a:rPr lang="en-US" sz="1200" dirty="0" err="1">
-                <a:latin typeface="Lucida Console" pitchFamily="49" charset="0"/>
-              </a:rPr>
-              <a:t>heplots</a:t>
-            </a:r>
-            <a:r>
-              <a:rPr lang="en-US" sz="1200" dirty="0">
-                <a:latin typeface="Lucida Console" pitchFamily="49" charset="0"/>
-              </a:rPr>
-              <a:t>")</a:t>
-            </a:r>
-          </a:p>
-          <a:p>
-            <a:r>
-              <a:rPr lang="en-US" sz="1200" dirty="0">
-                <a:latin typeface="Lucida Console" pitchFamily="49" charset="0"/>
-              </a:rPr>
-              <a:t>&gt; car::some(</a:t>
-            </a:r>
-            <a:r>
-              <a:rPr lang="en-US" sz="1200" dirty="0" err="1">
-                <a:latin typeface="Lucida Console" pitchFamily="49" charset="0"/>
-              </a:rPr>
-              <a:t>Rohwer</a:t>
-            </a:r>
-            <a:r>
-              <a:rPr lang="en-US" sz="1200" dirty="0">
-                <a:latin typeface="Lucida Console" pitchFamily="49" charset="0"/>
-              </a:rPr>
-              <a:t>, n=5)</a:t>
-            </a:r>
-          </a:p>
-          <a:p>
-            <a:r>
-              <a:rPr lang="en-US" sz="1200" dirty="0">
-                <a:latin typeface="Lucida Console" pitchFamily="49" charset="0"/>
-              </a:rPr>
-              <a:t>   group SES SAT PPVT Raven n  s ns </a:t>
-            </a:r>
-            <a:r>
-              <a:rPr lang="en-US" sz="1200" dirty="0" err="1">
+              <a:rPr lang="en-US" sz="1600" dirty="0">
+                <a:latin typeface="Lucida Console" pitchFamily="49" charset="0"/>
+              </a:rPr>
+              <a:t>rohwer.mod1 &lt;- lm(SAT   ~ n + s + ns + </a:t>
+            </a:r>
+            <a:r>
+              <a:rPr lang="en-US" sz="1600" dirty="0" err="1">
                 <a:latin typeface="Lucida Console" pitchFamily="49" charset="0"/>
               </a:rPr>
               <a:t>na</a:t>
             </a:r>
             <a:r>
-              <a:rPr lang="en-US" sz="1200" dirty="0">
-                <a:latin typeface="Lucida Console" pitchFamily="49" charset="0"/>
-              </a:rPr>
-              <a:t> </a:t>
-            </a:r>
-            <a:r>
-              <a:rPr lang="en-US" sz="1200" dirty="0" err="1">
+              <a:rPr lang="en-US" sz="1600" dirty="0">
+                <a:latin typeface="Lucida Console" pitchFamily="49" charset="0"/>
+              </a:rPr>
+              <a:t> + </a:t>
+            </a:r>
+            <a:r>
+              <a:rPr lang="en-US" sz="1600" dirty="0" err="1">
                 <a:latin typeface="Lucida Console" pitchFamily="49" charset="0"/>
               </a:rPr>
               <a:t>ss</a:t>
             </a:r>
-            <a:endParaRPr lang="en-US" sz="1200" dirty="0">
+            <a:r>
+              <a:rPr lang="en-US" sz="1600" dirty="0">
+                <a:latin typeface="Lucida Console" pitchFamily="49" charset="0"/>
+              </a:rPr>
+              <a:t>, data = Rohwer2)</a:t>
+            </a:r>
+          </a:p>
+          <a:p>
+            <a:r>
+              <a:rPr lang="en-US" sz="1600" dirty="0">
+                <a:latin typeface="Lucida Console" pitchFamily="49" charset="0"/>
+              </a:rPr>
+              <a:t>rohwer.mod2 &lt;- lm(PPVT  ~ n + s + ns + </a:t>
+            </a:r>
+            <a:r>
+              <a:rPr lang="en-US" sz="1600" dirty="0" err="1">
+                <a:latin typeface="Lucida Console" pitchFamily="49" charset="0"/>
+              </a:rPr>
+              <a:t>na</a:t>
+            </a:r>
+            <a:r>
+              <a:rPr lang="en-US" sz="1600" dirty="0">
+                <a:latin typeface="Lucida Console" pitchFamily="49" charset="0"/>
+              </a:rPr>
+              <a:t> + </a:t>
+            </a:r>
+            <a:r>
+              <a:rPr lang="en-US" sz="1600" dirty="0" err="1">
+                <a:latin typeface="Lucida Console" pitchFamily="49" charset="0"/>
+              </a:rPr>
+              <a:t>ss</a:t>
+            </a:r>
+            <a:r>
+              <a:rPr lang="en-US" sz="1600" dirty="0">
+                <a:latin typeface="Lucida Console" pitchFamily="49" charset="0"/>
+              </a:rPr>
+              <a:t>, data = Rohwer2)</a:t>
+            </a:r>
+          </a:p>
+          <a:p>
+            <a:r>
+              <a:rPr lang="en-US" sz="1600" dirty="0">
+                <a:latin typeface="Lucida Console" pitchFamily="49" charset="0"/>
+              </a:rPr>
+              <a:t>rohwer.mod3 &lt;- lm(Raven ~ n + s + ns + </a:t>
+            </a:r>
+            <a:r>
+              <a:rPr lang="en-US" sz="1600" dirty="0" err="1">
+                <a:latin typeface="Lucida Console" pitchFamily="49" charset="0"/>
+              </a:rPr>
+              <a:t>na</a:t>
+            </a:r>
+            <a:r>
+              <a:rPr lang="en-US" sz="1600" dirty="0">
+                <a:latin typeface="Lucida Console" pitchFamily="49" charset="0"/>
+              </a:rPr>
+              <a:t> + </a:t>
+            </a:r>
+            <a:r>
+              <a:rPr lang="en-US" sz="1600" dirty="0" err="1">
+                <a:latin typeface="Lucida Console" pitchFamily="49" charset="0"/>
+              </a:rPr>
+              <a:t>ss</a:t>
+            </a:r>
+            <a:r>
+              <a:rPr lang="en-US" sz="1600" dirty="0">
+                <a:latin typeface="Lucida Console" pitchFamily="49" charset="0"/>
+              </a:rPr>
+              <a:t>, data = Rohwer2)</a:t>
+            </a:r>
+          </a:p>
+          <a:p>
+            <a:endParaRPr lang="en-US" sz="1600" dirty="0">
               <a:latin typeface="Lucida Console" pitchFamily="49" charset="0"/>
             </a:endParaRPr>
           </a:p>
           <a:p>
             <a:r>
+              <a:rPr lang="en-US" sz="1600" dirty="0">
+                <a:latin typeface="Lucida Console" pitchFamily="49" charset="0"/>
+              </a:rPr>
+              <a:t>library(stargazer)</a:t>
+            </a:r>
+          </a:p>
+          <a:p>
+            <a:r>
+              <a:rPr lang="en-US" sz="1600" dirty="0">
+                <a:latin typeface="Lucida Console" pitchFamily="49" charset="0"/>
+              </a:rPr>
+              <a:t>stargazer(rohwer.mod1, rohwer.mod2, rohwer.mod3, type=“text”, …)</a:t>
+            </a:r>
+          </a:p>
+        </p:txBody>
+      </p:sp>
+      <p:sp>
+        <p:nvSpPr>
+          <p:cNvPr id="5" name="TextBox 4"/>
+          <p:cNvSpPr txBox="1"/>
+          <p:nvPr/>
+        </p:nvSpPr>
+        <p:spPr>
+          <a:xfrm>
+            <a:off x="553916" y="3200400"/>
+            <a:ext cx="5389684" cy="3046988"/>
+          </a:xfrm>
+          <a:prstGeom prst="rect">
+            <a:avLst/>
+          </a:prstGeom>
+          <a:solidFill>
+            <a:srgbClr val="FFFF00">
+              <a:alpha val="10000"/>
+            </a:srgbClr>
+          </a:solidFill>
+        </p:spPr>
+        <p:txBody>
+          <a:bodyPr wrap="square" rtlCol="0">
+            <a:spAutoFit/>
+          </a:bodyPr>
+          <a:lstStyle/>
+          <a:p>
+            <a:r>
               <a:rPr lang="en-US" sz="1200" dirty="0">
                 <a:latin typeface="Lucida Console" pitchFamily="49" charset="0"/>
               </a:rPr>
-              <a:t>8      1  Lo   8   68     8 0  0 10 19 14</a:t>
-            </a:r>
-          </a:p>
-          <a:p>
+              <a:t>Univariate regression models for </a:t>
+            </a:r>
+            <a:r>
+              <a:rPr lang="en-US" sz="1200" dirty="0" err="1">
+                <a:latin typeface="Lucida Console" pitchFamily="49" charset="0"/>
+              </a:rPr>
+              <a:t>Rohwer</a:t>
+            </a:r>
             <a:r>
               <a:rPr lang="en-US" sz="1200" dirty="0">
                 <a:latin typeface="Lucida Console" pitchFamily="49" charset="0"/>
               </a:rPr>
-              <a:t>9      1  Lo  49   74    11 0  0  7 16 13</a:t>
+              <a:t> data</a:t>
             </a:r>
           </a:p>
           <a:p>
@@ -9260,7 +11231,7 @@
               <a:rPr lang="en-US" sz="1200" dirty="0">
                 <a:latin typeface="Lucida Console" pitchFamily="49" charset="0"/>
               </a:rPr>
-              <a:t>17     1  Lo  19   66    13 7 12 21 35 27</a:t>
+              <a:t>========================================================</a:t>
             </a:r>
           </a:p>
           <a:p>
@@ -9268,7 +11239,7 @@
               <a:rPr lang="en-US" sz="1200" dirty="0">
                 <a:latin typeface="Lucida Console" pitchFamily="49" charset="0"/>
               </a:rPr>
-              <a:t>52     2  Hi  38   66    14 0  0  3 16 11</a:t>
+              <a:t>                               Dependent variable:      </a:t>
             </a:r>
           </a:p>
           <a:p>
@@ -9276,7 +11247,127 @@
               <a:rPr lang="en-US" sz="1200" dirty="0">
                 <a:latin typeface="Lucida Console" pitchFamily="49" charset="0"/>
               </a:rPr>
-              <a:t>66     2  Hi   8   55    16 4  7 19 20 13</a:t>
+              <a:t>                         -------------------------------</a:t>
+            </a:r>
+          </a:p>
+          <a:p>
+            <a:r>
+              <a:rPr lang="en-US" sz="1200" dirty="0">
+                <a:latin typeface="Lucida Console" pitchFamily="49" charset="0"/>
+              </a:rPr>
+              <a:t>                             SAT        PPVT     Raven  </a:t>
+            </a:r>
+          </a:p>
+          <a:p>
+            <a:r>
+              <a:rPr lang="en-US" sz="1200" dirty="0">
+                <a:latin typeface="Lucida Console" pitchFamily="49" charset="0"/>
+              </a:rPr>
+              <a:t>--------------------------------------------------------</a:t>
+            </a:r>
+          </a:p>
+          <a:p>
+            <a:r>
+              <a:rPr lang="en-US" sz="1200" dirty="0">
+                <a:latin typeface="Lucida Console" pitchFamily="49" charset="0"/>
+              </a:rPr>
+              <a:t>n                           3.26*       0.07      0.06  </a:t>
+            </a:r>
+          </a:p>
+          <a:p>
+            <a:r>
+              <a:rPr lang="en-US" sz="1200" dirty="0">
+                <a:latin typeface="Lucida Console" pitchFamily="49" charset="0"/>
+              </a:rPr>
+              <a:t>s                            3.00       0.37     0.49** </a:t>
+            </a:r>
+          </a:p>
+          <a:p>
+            <a:r>
+              <a:rPr lang="en-US" sz="1200" dirty="0">
+                <a:latin typeface="Lucida Console" pitchFamily="49" charset="0"/>
+              </a:rPr>
+              <a:t>ns                         -5.86***     -0.37    -0.16  </a:t>
+            </a:r>
+          </a:p>
+          <a:p>
+            <a:r>
+              <a:rPr lang="en-US" sz="1200" dirty="0" err="1">
+                <a:latin typeface="Lucida Console" pitchFamily="49" charset="0"/>
+              </a:rPr>
+              <a:t>na</a:t>
+            </a:r>
+            <a:r>
+              <a:rPr lang="en-US" sz="1200" dirty="0">
+                <a:latin typeface="Lucida Console" pitchFamily="49" charset="0"/>
+              </a:rPr>
+              <a:t>                         5.67***      1.52*     0.12  </a:t>
+            </a:r>
+          </a:p>
+          <a:p>
+            <a:r>
+              <a:rPr lang="en-US" sz="1200" dirty="0" err="1">
+                <a:latin typeface="Lucida Console" pitchFamily="49" charset="0"/>
+              </a:rPr>
+              <a:t>ss</a:t>
+            </a:r>
+            <a:r>
+              <a:rPr lang="en-US" sz="1200" dirty="0">
+                <a:latin typeface="Lucida Console" pitchFamily="49" charset="0"/>
+              </a:rPr>
+              <a:t>                          -0.62       0.41     -0.12  </a:t>
+            </a:r>
+          </a:p>
+          <a:p>
+            <a:r>
+              <a:rPr lang="en-US" sz="1200" dirty="0">
+                <a:latin typeface="Lucida Console" pitchFamily="49" charset="0"/>
+              </a:rPr>
+              <a:t>--------------------------------------------------------</a:t>
+            </a:r>
+          </a:p>
+          <a:p>
+            <a:r>
+              <a:rPr lang="en-US" sz="1200" dirty="0">
+                <a:latin typeface="Lucida Console" pitchFamily="49" charset="0"/>
+              </a:rPr>
+              <a:t>R2                           0.56       0.35      0.31  </a:t>
+            </a:r>
+          </a:p>
+          <a:p>
+            <a:r>
+              <a:rPr lang="en-US" sz="1200" dirty="0">
+                <a:latin typeface="Lucida Console" pitchFamily="49" charset="0"/>
+              </a:rPr>
+              <a:t>F Statistic (</a:t>
+            </a:r>
+            <a:r>
+              <a:rPr lang="en-US" sz="1200" dirty="0" err="1">
+                <a:latin typeface="Lucida Console" pitchFamily="49" charset="0"/>
+              </a:rPr>
+              <a:t>df</a:t>
+            </a:r>
+            <a:r>
+              <a:rPr lang="en-US" sz="1200" dirty="0">
+                <a:latin typeface="Lucida Console" pitchFamily="49" charset="0"/>
+              </a:rPr>
+              <a:t> = 5; 26)   6.54***      2.85*     2.32  </a:t>
+            </a:r>
+          </a:p>
+          <a:p>
+            <a:r>
+              <a:rPr lang="en-US" sz="1200" dirty="0">
+                <a:latin typeface="Lucida Console" pitchFamily="49" charset="0"/>
+              </a:rPr>
+              <a:t>========================================================</a:t>
+            </a:r>
+          </a:p>
+          <a:p>
+            <a:r>
+              <a:rPr lang="en-US" sz="1200" dirty="0">
+                <a:latin typeface="Lucida Console" pitchFamily="49" charset="0"/>
+              </a:rPr>
+              <a:t>Note:                      *p&lt;0.05; **p&lt;0.01; ***p&lt;0.001</a:t>
             </a:r>
           </a:p>
         </p:txBody>
@@ -9289,8 +11380,8 @@
         </p:nvSpPr>
         <p:spPr>
           <a:xfrm>
-            <a:off x="5334000" y="4188069"/>
-            <a:ext cx="3200400" cy="2031325"/>
+            <a:off x="6096000" y="3276600"/>
+            <a:ext cx="2611316" cy="1631216"/>
           </a:xfrm>
           <a:prstGeom prst="rect">
             <a:avLst/>
@@ -9305,74 +11396,69 @@
           <a:p>
             <a:r>
               <a:rPr lang="en-US" dirty="0"/>
-              <a:t>Having a group factor makes the analysis more complicated (MANCOVA)</a:t>
+              <a:t>Results are disappointing</a:t>
             </a:r>
           </a:p>
           <a:p>
             <a:endParaRPr lang="en-US" dirty="0"/>
           </a:p>
           <a:p>
-            <a:endParaRPr lang="en-US" dirty="0"/>
-          </a:p>
-          <a:p>
-            <a:r>
-              <a:rPr lang="en-US" dirty="0"/>
-              <a:t>Start with analysis of the Hi SES group</a:t>
-            </a:r>
-          </a:p>
-        </p:txBody>
-      </p:sp>
-      <p:sp>
-        <p:nvSpPr>
-          <p:cNvPr id="7" name="TextBox 6"/>
-          <p:cNvSpPr txBox="1"/>
-          <p:nvPr/>
-        </p:nvSpPr>
-        <p:spPr>
-          <a:xfrm>
-            <a:off x="533400" y="5942395"/>
-            <a:ext cx="4572000" cy="276999"/>
-          </a:xfrm>
-          <a:prstGeom prst="rect">
-            <a:avLst/>
-          </a:prstGeom>
-          <a:solidFill>
-            <a:srgbClr val="FFFF00">
-              <a:alpha val="30000"/>
-            </a:srgbClr>
-          </a:solidFill>
-        </p:spPr>
-        <p:txBody>
-          <a:bodyPr wrap="square" rtlCol="0">
-            <a:spAutoFit/>
-          </a:bodyPr>
-          <a:lstStyle/>
-          <a:p>
-            <a:r>
-              <a:rPr lang="en-US" sz="1200" dirty="0">
-                <a:latin typeface="Lucida Console" pitchFamily="49" charset="0"/>
-              </a:rPr>
-              <a:t>&gt; Rohwer2 &lt;- subset(</a:t>
-            </a:r>
-            <a:r>
-              <a:rPr lang="en-US" sz="1200" dirty="0" err="1">
-                <a:latin typeface="Lucida Console" pitchFamily="49" charset="0"/>
-              </a:rPr>
-              <a:t>Rohwer</a:t>
-            </a:r>
-            <a:r>
-              <a:rPr lang="en-US" sz="1200" dirty="0">
-                <a:latin typeface="Lucida Console" pitchFamily="49" charset="0"/>
-              </a:rPr>
-              <a:t>, subset=SES==“HI”)</a:t>
-            </a:r>
+            <a:pPr marL="285750" indent="-285750">
+              <a:buFont typeface="Arial" pitchFamily="34" charset="0"/>
+              <a:buChar char="•"/>
+            </a:pPr>
+            <a:r>
+              <a:rPr lang="en-US" sz="1600" dirty="0"/>
+              <a:t>Only model for SAT highly </a:t>
+            </a:r>
+            <a:r>
+              <a:rPr lang="en-US" sz="1600" dirty="0" err="1"/>
+              <a:t>signif</a:t>
+            </a:r>
+            <a:r>
+              <a:rPr lang="en-US" sz="1600" dirty="0"/>
+              <a:t>.</a:t>
+            </a:r>
+          </a:p>
+          <a:p>
+            <a:pPr marL="285750" indent="-285750">
+              <a:buFont typeface="Arial" pitchFamily="34" charset="0"/>
+              <a:buChar char="•"/>
+            </a:pPr>
+            <a:r>
+              <a:rPr lang="en-US" sz="1600" dirty="0"/>
+              <a:t>Only a few </a:t>
+            </a:r>
+            <a:r>
+              <a:rPr lang="en-US" sz="1600" dirty="0" err="1"/>
+              <a:t>coefs</a:t>
+            </a:r>
+            <a:r>
+              <a:rPr lang="en-US" sz="1600" dirty="0"/>
+              <a:t>. </a:t>
+            </a:r>
+            <a:r>
+              <a:rPr lang="en-US" sz="1600" dirty="0" err="1"/>
+              <a:t>signif</a:t>
+            </a:r>
+            <a:r>
+              <a:rPr lang="en-US" sz="1600" dirty="0"/>
+              <a:t>. </a:t>
+            </a:r>
+            <a:r>
+              <a:rPr lang="en-US" sz="1600" dirty="0">
+                <a:sym typeface="Symbol"/>
+              </a:rPr>
+              <a:t>0</a:t>
+            </a:r>
+            <a:endParaRPr lang="en-US" sz="1600" dirty="0"/>
           </a:p>
         </p:txBody>
       </p:sp>
     </p:spTree>
     <p:extLst>
       <p:ext uri="{BB962C8B-B14F-4D97-AF65-F5344CB8AC3E}">
-        <p14:creationId xmlns:p14="http://schemas.microsoft.com/office/powerpoint/2010/main" val="393672056"/>
+        <p14:creationId xmlns:p14="http://schemas.microsoft.com/office/powerpoint/2010/main" val="868749203"/>
       </p:ext>
     </p:extLst>
   </p:cSld>
@@ -9382,7 +11468,7 @@
 </p:sld>
 </file>
 
-<file path=ppt/slides/slide21.xml><?xml version="1.0" encoding="utf-8"?>
+<file path=ppt/slides/slide26.xml><?xml version="1.0" encoding="utf-8"?>
 <p:sld xmlns:a="http://schemas.openxmlformats.org/drawingml/2006/main" xmlns:r="http://schemas.openxmlformats.org/officeDocument/2006/relationships" xmlns:p="http://schemas.openxmlformats.org/presentationml/2006/main">
   <p:cSld>
     <p:spTree>
@@ -9416,7 +11502,7 @@
           <a:p>
             <a:r>
               <a:rPr lang="en-US" dirty="0"/>
-              <a:t>Why not univariate models?</a:t>
+              <a:t>MANOVA tests</a:t>
             </a:r>
           </a:p>
         </p:txBody>
@@ -9438,500 +11524,7 @@
           <a:p>
             <a:fld id="{810B7604-93B8-4136-B9BD-D1CE89EE20B0}" type="slidenum">
               <a:rPr lang="en-US" smtClean="0"/>
-              <a:t>21</a:t>
-            </a:fld>
-            <a:endParaRPr lang="en-US"/>
-          </a:p>
-        </p:txBody>
-      </p:sp>
-      <p:sp>
-        <p:nvSpPr>
-          <p:cNvPr id="4" name="TextBox 3"/>
-          <p:cNvSpPr txBox="1"/>
-          <p:nvPr/>
-        </p:nvSpPr>
-        <p:spPr>
-          <a:xfrm>
-            <a:off x="477716" y="1143000"/>
-            <a:ext cx="8229600" cy="1569660"/>
-          </a:xfrm>
-          <a:prstGeom prst="rect">
-            <a:avLst/>
-          </a:prstGeom>
-          <a:solidFill>
-            <a:srgbClr val="FFFF00">
-              <a:alpha val="10000"/>
-            </a:srgbClr>
-          </a:solidFill>
-        </p:spPr>
-        <p:txBody>
-          <a:bodyPr wrap="square" rtlCol="0">
-            <a:spAutoFit/>
-          </a:bodyPr>
-          <a:lstStyle/>
-          <a:p>
-            <a:r>
-              <a:rPr lang="en-US" sz="1600" dirty="0">
-                <a:latin typeface="Lucida Console" pitchFamily="49" charset="0"/>
-              </a:rPr>
-              <a:t>rohwer.mod1 &lt;- lm(SAT   ~ n + s + ns + </a:t>
-            </a:r>
-            <a:r>
-              <a:rPr lang="en-US" sz="1600" dirty="0" err="1">
-                <a:latin typeface="Lucida Console" pitchFamily="49" charset="0"/>
-              </a:rPr>
-              <a:t>na</a:t>
-            </a:r>
-            <a:r>
-              <a:rPr lang="en-US" sz="1600" dirty="0">
-                <a:latin typeface="Lucida Console" pitchFamily="49" charset="0"/>
-              </a:rPr>
-              <a:t> + </a:t>
-            </a:r>
-            <a:r>
-              <a:rPr lang="en-US" sz="1600" dirty="0" err="1">
-                <a:latin typeface="Lucida Console" pitchFamily="49" charset="0"/>
-              </a:rPr>
-              <a:t>ss</a:t>
-            </a:r>
-            <a:r>
-              <a:rPr lang="en-US" sz="1600" dirty="0">
-                <a:latin typeface="Lucida Console" pitchFamily="49" charset="0"/>
-              </a:rPr>
-              <a:t>, data = Rohwer2)</a:t>
-            </a:r>
-          </a:p>
-          <a:p>
-            <a:r>
-              <a:rPr lang="en-US" sz="1600" dirty="0">
-                <a:latin typeface="Lucida Console" pitchFamily="49" charset="0"/>
-              </a:rPr>
-              <a:t>rohwer.mod2 &lt;- lm(PPVT  ~ n + s + ns + </a:t>
-            </a:r>
-            <a:r>
-              <a:rPr lang="en-US" sz="1600" dirty="0" err="1">
-                <a:latin typeface="Lucida Console" pitchFamily="49" charset="0"/>
-              </a:rPr>
-              <a:t>na</a:t>
-            </a:r>
-            <a:r>
-              <a:rPr lang="en-US" sz="1600" dirty="0">
-                <a:latin typeface="Lucida Console" pitchFamily="49" charset="0"/>
-              </a:rPr>
-              <a:t> + </a:t>
-            </a:r>
-            <a:r>
-              <a:rPr lang="en-US" sz="1600" dirty="0" err="1">
-                <a:latin typeface="Lucida Console" pitchFamily="49" charset="0"/>
-              </a:rPr>
-              <a:t>ss</a:t>
-            </a:r>
-            <a:r>
-              <a:rPr lang="en-US" sz="1600" dirty="0">
-                <a:latin typeface="Lucida Console" pitchFamily="49" charset="0"/>
-              </a:rPr>
-              <a:t>, data = Rohwer2)</a:t>
-            </a:r>
-          </a:p>
-          <a:p>
-            <a:r>
-              <a:rPr lang="en-US" sz="1600" dirty="0">
-                <a:latin typeface="Lucida Console" pitchFamily="49" charset="0"/>
-              </a:rPr>
-              <a:t>rohwer.mod3 &lt;- lm(Raven ~ n + s + ns + </a:t>
-            </a:r>
-            <a:r>
-              <a:rPr lang="en-US" sz="1600" dirty="0" err="1">
-                <a:latin typeface="Lucida Console" pitchFamily="49" charset="0"/>
-              </a:rPr>
-              <a:t>na</a:t>
-            </a:r>
-            <a:r>
-              <a:rPr lang="en-US" sz="1600" dirty="0">
-                <a:latin typeface="Lucida Console" pitchFamily="49" charset="0"/>
-              </a:rPr>
-              <a:t> + </a:t>
-            </a:r>
-            <a:r>
-              <a:rPr lang="en-US" sz="1600" dirty="0" err="1">
-                <a:latin typeface="Lucida Console" pitchFamily="49" charset="0"/>
-              </a:rPr>
-              <a:t>ss</a:t>
-            </a:r>
-            <a:r>
-              <a:rPr lang="en-US" sz="1600" dirty="0">
-                <a:latin typeface="Lucida Console" pitchFamily="49" charset="0"/>
-              </a:rPr>
-              <a:t>, data = Rohwer2)</a:t>
-            </a:r>
-          </a:p>
-          <a:p>
-            <a:endParaRPr lang="en-US" sz="1600" dirty="0">
-              <a:latin typeface="Lucida Console" pitchFamily="49" charset="0"/>
-            </a:endParaRPr>
-          </a:p>
-          <a:p>
-            <a:r>
-              <a:rPr lang="en-US" sz="1600" dirty="0">
-                <a:latin typeface="Lucida Console" pitchFamily="49" charset="0"/>
-              </a:rPr>
-              <a:t>library(stargazer)</a:t>
-            </a:r>
-          </a:p>
-          <a:p>
-            <a:r>
-              <a:rPr lang="en-US" sz="1600" dirty="0">
-                <a:latin typeface="Lucida Console" pitchFamily="49" charset="0"/>
-              </a:rPr>
-              <a:t>stargazer(rohwer.mod1, rohwer.mod2, rohwer.mod3, type=“text”, …)</a:t>
-            </a:r>
-          </a:p>
-        </p:txBody>
-      </p:sp>
-      <p:sp>
-        <p:nvSpPr>
-          <p:cNvPr id="5" name="TextBox 4"/>
-          <p:cNvSpPr txBox="1"/>
-          <p:nvPr/>
-        </p:nvSpPr>
-        <p:spPr>
-          <a:xfrm>
-            <a:off x="553916" y="3200400"/>
-            <a:ext cx="5389684" cy="3046988"/>
-          </a:xfrm>
-          <a:prstGeom prst="rect">
-            <a:avLst/>
-          </a:prstGeom>
-          <a:solidFill>
-            <a:srgbClr val="FFFF00">
-              <a:alpha val="10000"/>
-            </a:srgbClr>
-          </a:solidFill>
-        </p:spPr>
-        <p:txBody>
-          <a:bodyPr wrap="square" rtlCol="0">
-            <a:spAutoFit/>
-          </a:bodyPr>
-          <a:lstStyle/>
-          <a:p>
-            <a:r>
-              <a:rPr lang="en-US" sz="1200" dirty="0">
-                <a:latin typeface="Lucida Console" pitchFamily="49" charset="0"/>
-              </a:rPr>
-              <a:t>Univariate regression models for </a:t>
-            </a:r>
-            <a:r>
-              <a:rPr lang="en-US" sz="1200" dirty="0" err="1">
-                <a:latin typeface="Lucida Console" pitchFamily="49" charset="0"/>
-              </a:rPr>
-              <a:t>Rohwer</a:t>
-            </a:r>
-            <a:r>
-              <a:rPr lang="en-US" sz="1200" dirty="0">
-                <a:latin typeface="Lucida Console" pitchFamily="49" charset="0"/>
-              </a:rPr>
-              <a:t> data</a:t>
-            </a:r>
-          </a:p>
-          <a:p>
-            <a:r>
-              <a:rPr lang="en-US" sz="1200" dirty="0">
-                <a:latin typeface="Lucida Console" pitchFamily="49" charset="0"/>
-              </a:rPr>
-              <a:t>========================================================</a:t>
-            </a:r>
-          </a:p>
-          <a:p>
-            <a:r>
-              <a:rPr lang="en-US" sz="1200" dirty="0">
-                <a:latin typeface="Lucida Console" pitchFamily="49" charset="0"/>
-              </a:rPr>
-              <a:t>                               Dependent variable:      </a:t>
-            </a:r>
-          </a:p>
-          <a:p>
-            <a:r>
-              <a:rPr lang="en-US" sz="1200" dirty="0">
-                <a:latin typeface="Lucida Console" pitchFamily="49" charset="0"/>
-              </a:rPr>
-              <a:t>                         -------------------------------</a:t>
-            </a:r>
-          </a:p>
-          <a:p>
-            <a:r>
-              <a:rPr lang="en-US" sz="1200" dirty="0">
-                <a:latin typeface="Lucida Console" pitchFamily="49" charset="0"/>
-              </a:rPr>
-              <a:t>                             SAT        PPVT     Raven  </a:t>
-            </a:r>
-          </a:p>
-          <a:p>
-            <a:r>
-              <a:rPr lang="en-US" sz="1200" dirty="0">
-                <a:latin typeface="Lucida Console" pitchFamily="49" charset="0"/>
-              </a:rPr>
-              <a:t>--------------------------------------------------------</a:t>
-            </a:r>
-          </a:p>
-          <a:p>
-            <a:r>
-              <a:rPr lang="en-US" sz="1200" dirty="0">
-                <a:latin typeface="Lucida Console" pitchFamily="49" charset="0"/>
-              </a:rPr>
-              <a:t>n                           3.26*       0.07      0.06  </a:t>
-            </a:r>
-          </a:p>
-          <a:p>
-            <a:r>
-              <a:rPr lang="en-US" sz="1200" dirty="0">
-                <a:latin typeface="Lucida Console" pitchFamily="49" charset="0"/>
-              </a:rPr>
-              <a:t>s                            3.00       0.37     0.49** </a:t>
-            </a:r>
-          </a:p>
-          <a:p>
-            <a:r>
-              <a:rPr lang="en-US" sz="1200" dirty="0">
-                <a:latin typeface="Lucida Console" pitchFamily="49" charset="0"/>
-              </a:rPr>
-              <a:t>ns                         -5.86***     -0.37    -0.16  </a:t>
-            </a:r>
-          </a:p>
-          <a:p>
-            <a:r>
-              <a:rPr lang="en-US" sz="1200" dirty="0" err="1">
-                <a:latin typeface="Lucida Console" pitchFamily="49" charset="0"/>
-              </a:rPr>
-              <a:t>na</a:t>
-            </a:r>
-            <a:r>
-              <a:rPr lang="en-US" sz="1200" dirty="0">
-                <a:latin typeface="Lucida Console" pitchFamily="49" charset="0"/>
-              </a:rPr>
-              <a:t>                         5.67***      1.52*     0.12  </a:t>
-            </a:r>
-          </a:p>
-          <a:p>
-            <a:r>
-              <a:rPr lang="en-US" sz="1200" dirty="0" err="1">
-                <a:latin typeface="Lucida Console" pitchFamily="49" charset="0"/>
-              </a:rPr>
-              <a:t>ss</a:t>
-            </a:r>
-            <a:r>
-              <a:rPr lang="en-US" sz="1200" dirty="0">
-                <a:latin typeface="Lucida Console" pitchFamily="49" charset="0"/>
-              </a:rPr>
-              <a:t>                          -0.62       0.41     -0.12  </a:t>
-            </a:r>
-          </a:p>
-          <a:p>
-            <a:r>
-              <a:rPr lang="en-US" sz="1200" dirty="0">
-                <a:latin typeface="Lucida Console" pitchFamily="49" charset="0"/>
-              </a:rPr>
-              <a:t>--------------------------------------------------------</a:t>
-            </a:r>
-          </a:p>
-          <a:p>
-            <a:r>
-              <a:rPr lang="en-US" sz="1200" dirty="0">
-                <a:latin typeface="Lucida Console" pitchFamily="49" charset="0"/>
-              </a:rPr>
-              <a:t>R2                           0.56       0.35      0.31  </a:t>
-            </a:r>
-          </a:p>
-          <a:p>
-            <a:r>
-              <a:rPr lang="en-US" sz="1200" dirty="0">
-                <a:latin typeface="Lucida Console" pitchFamily="49" charset="0"/>
-              </a:rPr>
-              <a:t>F Statistic (</a:t>
-            </a:r>
-            <a:r>
-              <a:rPr lang="en-US" sz="1200" dirty="0" err="1">
-                <a:latin typeface="Lucida Console" pitchFamily="49" charset="0"/>
-              </a:rPr>
-              <a:t>df</a:t>
-            </a:r>
-            <a:r>
-              <a:rPr lang="en-US" sz="1200" dirty="0">
-                <a:latin typeface="Lucida Console" pitchFamily="49" charset="0"/>
-              </a:rPr>
-              <a:t> = 5; 26)   6.54***      2.85*     2.32  </a:t>
-            </a:r>
-          </a:p>
-          <a:p>
-            <a:r>
-              <a:rPr lang="en-US" sz="1200" dirty="0">
-                <a:latin typeface="Lucida Console" pitchFamily="49" charset="0"/>
-              </a:rPr>
-              <a:t>========================================================</a:t>
-            </a:r>
-          </a:p>
-          <a:p>
-            <a:r>
-              <a:rPr lang="en-US" sz="1200" dirty="0">
-                <a:latin typeface="Lucida Console" pitchFamily="49" charset="0"/>
-              </a:rPr>
-              <a:t>Note:                      *p&lt;0.05; **p&lt;0.01; ***p&lt;0.001</a:t>
-            </a:r>
-          </a:p>
-        </p:txBody>
-      </p:sp>
-      <p:sp>
-        <p:nvSpPr>
-          <p:cNvPr id="6" name="TextBox 5"/>
-          <p:cNvSpPr txBox="1"/>
-          <p:nvPr/>
-        </p:nvSpPr>
-        <p:spPr>
-          <a:xfrm>
-            <a:off x="6096000" y="3276600"/>
-            <a:ext cx="2611316" cy="1631216"/>
-          </a:xfrm>
-          <a:prstGeom prst="rect">
-            <a:avLst/>
-          </a:prstGeom>
-          <a:noFill/>
-        </p:spPr>
-        <p:txBody>
-          <a:bodyPr wrap="square" rtlCol="0">
-            <a:spAutoFit/>
-          </a:bodyPr>
-          <a:lstStyle/>
-          <a:p>
-            <a:r>
-              <a:rPr lang="en-US" dirty="0"/>
-              <a:t>Results are disappointing</a:t>
-            </a:r>
-          </a:p>
-          <a:p>
-            <a:endParaRPr lang="en-US" dirty="0"/>
-          </a:p>
-          <a:p>
-            <a:pPr marL="285750" indent="-285750">
-              <a:buFont typeface="Arial" pitchFamily="34" charset="0"/>
-              <a:buChar char="•"/>
-            </a:pPr>
-            <a:r>
-              <a:rPr lang="en-US" sz="1600" dirty="0"/>
-              <a:t>Only model for SAT highly </a:t>
-            </a:r>
-            <a:r>
-              <a:rPr lang="en-US" sz="1600" dirty="0" err="1"/>
-              <a:t>signif</a:t>
-            </a:r>
-            <a:r>
-              <a:rPr lang="en-US" sz="1600" dirty="0"/>
-              <a:t>.</a:t>
-            </a:r>
-          </a:p>
-          <a:p>
-            <a:pPr marL="285750" indent="-285750">
-              <a:buFont typeface="Arial" pitchFamily="34" charset="0"/>
-              <a:buChar char="•"/>
-            </a:pPr>
-            <a:r>
-              <a:rPr lang="en-US" sz="1600" dirty="0"/>
-              <a:t>Only a few </a:t>
-            </a:r>
-            <a:r>
-              <a:rPr lang="en-US" sz="1600" dirty="0" err="1"/>
-              <a:t>coefs</a:t>
-            </a:r>
-            <a:r>
-              <a:rPr lang="en-US" sz="1600" dirty="0"/>
-              <a:t>. </a:t>
-            </a:r>
-            <a:r>
-              <a:rPr lang="en-US" sz="1600" dirty="0" err="1"/>
-              <a:t>signif</a:t>
-            </a:r>
-            <a:r>
-              <a:rPr lang="en-US" sz="1600" dirty="0"/>
-              <a:t>. </a:t>
-            </a:r>
-            <a:r>
-              <a:rPr lang="en-US" sz="1600" dirty="0">
-                <a:sym typeface="Symbol"/>
-              </a:rPr>
-              <a:t>0</a:t>
-            </a:r>
-            <a:endParaRPr lang="en-US" sz="1600" dirty="0"/>
-          </a:p>
-        </p:txBody>
-      </p:sp>
-    </p:spTree>
-    <p:extLst>
-      <p:ext uri="{BB962C8B-B14F-4D97-AF65-F5344CB8AC3E}">
-        <p14:creationId xmlns:p14="http://schemas.microsoft.com/office/powerpoint/2010/main" val="868749203"/>
-      </p:ext>
-    </p:extLst>
-  </p:cSld>
-  <p:clrMapOvr>
-    <a:masterClrMapping/>
-  </p:clrMapOvr>
-</p:sld>
-</file>
-
-<file path=ppt/slides/slide22.xml><?xml version="1.0" encoding="utf-8"?>
-<p:sld xmlns:a="http://schemas.openxmlformats.org/drawingml/2006/main" xmlns:r="http://schemas.openxmlformats.org/officeDocument/2006/relationships" xmlns:p="http://schemas.openxmlformats.org/presentationml/2006/main">
-  <p:cSld>
-    <p:spTree>
-      <p:nvGrpSpPr>
-        <p:cNvPr id="1" name=""/>
-        <p:cNvGrpSpPr/>
-        <p:nvPr/>
-      </p:nvGrpSpPr>
-      <p:grpSpPr>
-        <a:xfrm>
-          <a:off x="0" y="0"/>
-          <a:ext cx="0" cy="0"/>
-          <a:chOff x="0" y="0"/>
-          <a:chExt cx="0" cy="0"/>
-        </a:xfrm>
-      </p:grpSpPr>
-      <p:sp>
-        <p:nvSpPr>
-          <p:cNvPr id="2" name="Title 1"/>
-          <p:cNvSpPr>
-            <a:spLocks noGrp="1"/>
-          </p:cNvSpPr>
-          <p:nvPr>
-            <p:ph type="title"/>
-          </p:nvPr>
-        </p:nvSpPr>
-        <p:spPr/>
-        <p:txBody>
-          <a:bodyPr/>
-          <a:lstStyle/>
-          <a:p>
-            <a:r>
-              <a:rPr lang="en-US" dirty="0"/>
-              <a:t>MANOVA tests</a:t>
-            </a:r>
-          </a:p>
-        </p:txBody>
-      </p:sp>
-      <p:sp>
-        <p:nvSpPr>
-          <p:cNvPr id="3" name="Slide Number Placeholder 2"/>
-          <p:cNvSpPr>
-            <a:spLocks noGrp="1"/>
-          </p:cNvSpPr>
-          <p:nvPr>
-            <p:ph type="sldNum" sz="quarter" idx="12"/>
-          </p:nvPr>
-        </p:nvSpPr>
-        <p:spPr/>
-        <p:txBody>
-          <a:bodyPr/>
-          <a:lstStyle/>
-          <a:p>
-            <a:fld id="{810B7604-93B8-4136-B9BD-D1CE89EE20B0}" type="slidenum">
-              <a:rPr lang="en-US" smtClean="0"/>
-              <a:t>22</a:t>
+              <a:t>26</a:t>
             </a:fld>
             <a:endParaRPr lang="en-US"/>
           </a:p>
@@ -10804,7 +12397,7 @@
 </p:sld>
 </file>
 
-<file path=ppt/slides/slide23.xml><?xml version="1.0" encoding="utf-8"?>
+<file path=ppt/slides/slide27.xml><?xml version="1.0" encoding="utf-8"?>
 <p:sld xmlns:a="http://schemas.openxmlformats.org/drawingml/2006/main" xmlns:r="http://schemas.openxmlformats.org/officeDocument/2006/relationships" xmlns:p="http://schemas.openxmlformats.org/presentationml/2006/main">
   <p:cSld>
     <p:spTree>
@@ -10860,7 +12453,7 @@
           <a:p>
             <a:fld id="{810B7604-93B8-4136-B9BD-D1CE89EE20B0}" type="slidenum">
               <a:rPr lang="en-US" smtClean="0"/>
-              <a:t>23</a:t>
+              <a:t>27</a:t>
             </a:fld>
             <a:endParaRPr lang="en-US"/>
           </a:p>
@@ -11313,7 +12906,7 @@
 </p:sld>
 </file>
 
-<file path=ppt/slides/slide24.xml><?xml version="1.0" encoding="utf-8"?>
+<file path=ppt/slides/slide28.xml><?xml version="1.0" encoding="utf-8"?>
 <p:sld xmlns:a="http://schemas.openxmlformats.org/drawingml/2006/main" xmlns:r="http://schemas.openxmlformats.org/officeDocument/2006/relationships" xmlns:p="http://schemas.openxmlformats.org/presentationml/2006/main">
   <p:cSld>
     <p:spTree>
@@ -11373,7 +12966,7 @@
           <a:p>
             <a:fld id="{810B7604-93B8-4136-B9BD-D1CE89EE20B0}" type="slidenum">
               <a:rPr lang="en-US" smtClean="0"/>
-              <a:t>24</a:t>
+              <a:t>28</a:t>
             </a:fld>
             <a:endParaRPr lang="en-US"/>
           </a:p>
@@ -11575,7 +13168,7 @@
 </p:sld>
 </file>
 
-<file path=ppt/slides/slide25.xml><?xml version="1.0" encoding="utf-8"?>
+<file path=ppt/slides/slide29.xml><?xml version="1.0" encoding="utf-8"?>
 <p:sld xmlns:a="http://schemas.openxmlformats.org/drawingml/2006/main" xmlns:r="http://schemas.openxmlformats.org/officeDocument/2006/relationships" xmlns:p="http://schemas.openxmlformats.org/presentationml/2006/main">
   <p:cSld>
     <p:spTree>
@@ -11631,7 +13224,7 @@
           <a:p>
             <a:fld id="{810B7604-93B8-4136-B9BD-D1CE89EE20B0}" type="slidenum">
               <a:rPr lang="en-US" smtClean="0"/>
-              <a:t>25</a:t>
+              <a:t>29</a:t>
             </a:fld>
             <a:endParaRPr lang="en-US"/>
           </a:p>
@@ -12140,6 +13733,53 @@
           </a:p>
         </p:txBody>
       </p:sp>
+      <p:sp>
+        <p:nvSpPr>
+          <p:cNvPr id="10" name="Oval 9">
+            <a:extLst>
+              <a:ext uri="{FF2B5EF4-FFF2-40B4-BE49-F238E27FC236}">
+                <a16:creationId xmlns:a16="http://schemas.microsoft.com/office/drawing/2014/main" id="{411A338D-6FF3-4710-A5DF-866A99C8D13E}"/>
+              </a:ext>
+            </a:extLst>
+          </p:cNvPr>
+          <p:cNvSpPr/>
+          <p:nvPr/>
+        </p:nvSpPr>
+        <p:spPr>
+          <a:xfrm>
+            <a:off x="3238500" y="3776365"/>
+            <a:ext cx="762000" cy="381000"/>
+          </a:xfrm>
+          <a:prstGeom prst="ellipse">
+            <a:avLst/>
+          </a:prstGeom>
+          <a:noFill/>
+        </p:spPr>
+        <p:style>
+          <a:lnRef idx="2">
+            <a:schemeClr val="accent1">
+              <a:shade val="50000"/>
+            </a:schemeClr>
+          </a:lnRef>
+          <a:fillRef idx="1">
+            <a:schemeClr val="accent1"/>
+          </a:fillRef>
+          <a:effectRef idx="0">
+            <a:schemeClr val="accent1"/>
+          </a:effectRef>
+          <a:fontRef idx="minor">
+            <a:schemeClr val="lt1"/>
+          </a:fontRef>
+        </p:style>
+        <p:txBody>
+          <a:bodyPr rtlCol="0" anchor="ctr"/>
+          <a:lstStyle/>
+          <a:p>
+            <a:pPr algn="ctr"/>
+            <a:endParaRPr lang="en-US"/>
+          </a:p>
+        </p:txBody>
+      </p:sp>
     </p:spTree>
     <p:extLst>
       <p:ext uri="{BB962C8B-B14F-4D97-AF65-F5344CB8AC3E}">
@@ -12153,7 +13793,7 @@
 </p:sld>
 </file>
 
-<file path=ppt/slides/slide26.xml><?xml version="1.0" encoding="utf-8"?>
+<file path=ppt/slides/slide3.xml><?xml version="1.0" encoding="utf-8"?>
 <p:sld xmlns:a="http://schemas.openxmlformats.org/drawingml/2006/main" xmlns:r="http://schemas.openxmlformats.org/officeDocument/2006/relationships" xmlns:p="http://schemas.openxmlformats.org/presentationml/2006/main">
   <p:cSld>
     <p:spTree>
@@ -12182,6 +13822,549 @@
         </p:nvSpPr>
         <p:spPr/>
         <p:txBody>
+          <a:bodyPr>
+            <a:noAutofit/>
+          </a:bodyPr>
+          <a:lstStyle/>
+          <a:p>
+            <a:r>
+              <a:rPr lang="en-US" sz="2400" dirty="0"/>
+              <a:t>Ex: Neuro- &amp; Social-Cognitive measures in psychiatric groups</a:t>
+            </a:r>
+          </a:p>
+        </p:txBody>
+      </p:sp>
+      <p:sp>
+        <p:nvSpPr>
+          <p:cNvPr id="3" name="Content Placeholder 2"/>
+          <p:cNvSpPr>
+            <a:spLocks noGrp="1"/>
+          </p:cNvSpPr>
+          <p:nvPr>
+            <p:ph idx="1"/>
+          </p:nvPr>
+        </p:nvSpPr>
+        <p:spPr/>
+        <p:txBody>
+          <a:bodyPr>
+            <a:normAutofit/>
+          </a:bodyPr>
+          <a:lstStyle/>
+          <a:p>
+            <a:r>
+              <a:rPr lang="en-US" sz="2000" dirty="0"/>
+              <a:t>A study by Leah Hartman @York examined whether patients classified as ‘schizophrenic’ or ‘schizoaffective’ (on DSM-IV) could be distinguished from a normal, control sample on standardized tests in the following domains:</a:t>
+            </a:r>
+          </a:p>
+          <a:p>
+            <a:pPr lvl="1"/>
+            <a:r>
+              <a:rPr lang="en-US" sz="2000" dirty="0" err="1">
+                <a:solidFill>
+                  <a:srgbClr val="FF0000"/>
+                </a:solidFill>
+              </a:rPr>
+              <a:t>Neuro</a:t>
+            </a:r>
+            <a:r>
+              <a:rPr lang="en-US" sz="2000" dirty="0">
+                <a:solidFill>
+                  <a:srgbClr val="FF0000"/>
+                </a:solidFill>
+              </a:rPr>
+              <a:t>-Cognitive</a:t>
+            </a:r>
+            <a:r>
+              <a:rPr lang="en-US" sz="2000" dirty="0"/>
+              <a:t>: processing speed, attention, verbal learning, visual learning, problem solving</a:t>
+            </a:r>
+          </a:p>
+          <a:p>
+            <a:pPr lvl="1"/>
+            <a:r>
+              <a:rPr lang="en-US" sz="2000" dirty="0">
+                <a:solidFill>
+                  <a:srgbClr val="FF0000"/>
+                </a:solidFill>
+              </a:rPr>
+              <a:t>Social-cognitive</a:t>
+            </a:r>
+            <a:r>
+              <a:rPr lang="en-US" sz="2000" dirty="0"/>
+              <a:t>: managing emotions, theory of mind, externalizing bias, personalizing bias</a:t>
+            </a:r>
+          </a:p>
+          <a:p>
+            <a:r>
+              <a:rPr lang="en-US" sz="2800" dirty="0"/>
+              <a:t>Research questions </a:t>
+            </a:r>
+            <a:r>
+              <a:rPr lang="en-US" sz="2800" dirty="0">
+                <a:sym typeface="Symbol"/>
+              </a:rPr>
+              <a:t></a:t>
+            </a:r>
+            <a:r>
+              <a:rPr lang="en-US" sz="2800" dirty="0"/>
+              <a:t> MANOVA contrasts</a:t>
+            </a:r>
+          </a:p>
+          <a:p>
+            <a:pPr lvl="1"/>
+            <a:r>
+              <a:rPr lang="en-US" sz="2000" dirty="0"/>
+              <a:t>Analyze </a:t>
+            </a:r>
+            <a:r>
+              <a:rPr lang="en-US" sz="2000" dirty="0" err="1"/>
+              <a:t>neuro</a:t>
+            </a:r>
+            <a:r>
+              <a:rPr lang="en-US" sz="2000" dirty="0"/>
+              <a:t>-cog (NC) and social-cog (SC) separately</a:t>
+            </a:r>
+          </a:p>
+          <a:p>
+            <a:pPr lvl="1"/>
+            <a:r>
+              <a:rPr lang="en-US" sz="2000" dirty="0"/>
+              <a:t>Do the two psychiatric groups differ from the controls?</a:t>
+            </a:r>
+          </a:p>
+          <a:p>
+            <a:pPr lvl="1"/>
+            <a:r>
+              <a:rPr lang="en-US" sz="2000" dirty="0"/>
+              <a:t>Do the psychiatric groups differ from each other?</a:t>
+            </a:r>
+          </a:p>
+        </p:txBody>
+      </p:sp>
+      <p:sp>
+        <p:nvSpPr>
+          <p:cNvPr id="4" name="TextBox 3"/>
+          <p:cNvSpPr txBox="1"/>
+          <p:nvPr/>
+        </p:nvSpPr>
+        <p:spPr>
+          <a:xfrm>
+            <a:off x="457200" y="6172200"/>
+            <a:ext cx="8077200" cy="461665"/>
+          </a:xfrm>
+          <a:prstGeom prst="rect">
+            <a:avLst/>
+          </a:prstGeom>
+          <a:noFill/>
+        </p:spPr>
+        <p:txBody>
+          <a:bodyPr wrap="square" rtlCol="0">
+            <a:spAutoFit/>
+          </a:bodyPr>
+          <a:lstStyle/>
+          <a:p>
+            <a:r>
+              <a:rPr lang="en-US" sz="1200" dirty="0"/>
+              <a:t>See: Friendly &amp; </a:t>
+            </a:r>
+            <a:r>
+              <a:rPr lang="en-US" sz="1200" dirty="0" err="1"/>
+              <a:t>Sigal</a:t>
+            </a:r>
+            <a:r>
+              <a:rPr lang="en-US" sz="1200" dirty="0"/>
+              <a:t> (2017), Graphical Methods for Multivariate Linear Models in Psychological Research: An R Tutorial</a:t>
+            </a:r>
+            <a:br>
+              <a:rPr lang="en-US" sz="1200" dirty="0"/>
+            </a:br>
+            <a:r>
+              <a:rPr lang="en-US" sz="1200" i="1" dirty="0"/>
+              <a:t>The Quantitative Methods for Psychology,  13</a:t>
+            </a:r>
+            <a:r>
+              <a:rPr lang="en-US" sz="1200" dirty="0"/>
+              <a:t>, 20-45, </a:t>
+            </a:r>
+            <a:r>
+              <a:rPr lang="en-US" sz="1200" dirty="0">
+                <a:hlinkClick r:id="rId2"/>
+              </a:rPr>
+              <a:t>http://dx.doi.org/10.20982/tqmp.13.1.p020</a:t>
+            </a:r>
+            <a:r>
+              <a:rPr lang="en-US" sz="1200" dirty="0"/>
+              <a:t>    </a:t>
+            </a:r>
+          </a:p>
+        </p:txBody>
+      </p:sp>
+      <p:sp>
+        <p:nvSpPr>
+          <p:cNvPr id="5" name="Slide Number Placeholder 4"/>
+          <p:cNvSpPr>
+            <a:spLocks noGrp="1"/>
+          </p:cNvSpPr>
+          <p:nvPr>
+            <p:ph type="sldNum" sz="quarter" idx="12"/>
+          </p:nvPr>
+        </p:nvSpPr>
+        <p:spPr/>
+        <p:txBody>
+          <a:bodyPr/>
+          <a:lstStyle/>
+          <a:p>
+            <a:fld id="{621225AB-15B9-4C79-A121-04D1DC7E2307}" type="slidenum">
+              <a:rPr lang="en-US" smtClean="0"/>
+              <a:t>3</a:t>
+            </a:fld>
+            <a:endParaRPr lang="en-US"/>
+          </a:p>
+        </p:txBody>
+      </p:sp>
+    </p:spTree>
+    <p:extLst>
+      <p:ext uri="{BB962C8B-B14F-4D97-AF65-F5344CB8AC3E}">
+        <p14:creationId xmlns:p14="http://schemas.microsoft.com/office/powerpoint/2010/main" val="620318019"/>
+      </p:ext>
+    </p:extLst>
+  </p:cSld>
+  <p:clrMapOvr>
+    <a:masterClrMapping/>
+  </p:clrMapOvr>
+  <p:timing>
+    <p:tnLst>
+      <p:par>
+        <p:cTn id="1" dur="indefinite" restart="never" nodeType="tmRoot">
+          <p:childTnLst>
+            <p:seq concurrent="1" nextAc="seek">
+              <p:cTn id="2" dur="indefinite" nodeType="mainSeq">
+                <p:childTnLst>
+                  <p:par>
+                    <p:cTn id="3" fill="hold">
+                      <p:stCondLst>
+                        <p:cond delay="indefinite"/>
+                      </p:stCondLst>
+                      <p:childTnLst>
+                        <p:par>
+                          <p:cTn id="4" fill="hold">
+                            <p:stCondLst>
+                              <p:cond delay="0"/>
+                            </p:stCondLst>
+                            <p:childTnLst>
+                              <p:par>
+                                <p:cTn id="5" presetID="1" presetClass="entr" presetSubtype="0" fill="hold" nodeType="clickEffect">
+                                  <p:stCondLst>
+                                    <p:cond delay="0"/>
+                                  </p:stCondLst>
+                                  <p:childTnLst>
+                                    <p:set>
+                                      <p:cBhvr>
+                                        <p:cTn id="6" dur="1" fill="hold">
+                                          <p:stCondLst>
+                                            <p:cond delay="0"/>
+                                          </p:stCondLst>
+                                        </p:cTn>
+                                        <p:tgtEl>
+                                          <p:spTgt spid="3">
+                                            <p:txEl>
+                                              <p:pRg st="0" end="0"/>
+                                            </p:txEl>
+                                          </p:spTgt>
+                                        </p:tgtEl>
+                                        <p:attrNameLst>
+                                          <p:attrName>style.visibility</p:attrName>
+                                        </p:attrNameLst>
+                                      </p:cBhvr>
+                                      <p:to>
+                                        <p:strVal val="visible"/>
+                                      </p:to>
+                                    </p:set>
+                                  </p:childTnLst>
+                                </p:cTn>
+                              </p:par>
+                            </p:childTnLst>
+                          </p:cTn>
+                        </p:par>
+                      </p:childTnLst>
+                    </p:cTn>
+                  </p:par>
+                  <p:par>
+                    <p:cTn id="7" fill="hold">
+                      <p:stCondLst>
+                        <p:cond delay="indefinite"/>
+                      </p:stCondLst>
+                      <p:childTnLst>
+                        <p:par>
+                          <p:cTn id="8" fill="hold">
+                            <p:stCondLst>
+                              <p:cond delay="0"/>
+                            </p:stCondLst>
+                            <p:childTnLst>
+                              <p:par>
+                                <p:cTn id="9" presetID="1" presetClass="entr" presetSubtype="0" fill="hold" nodeType="clickEffect">
+                                  <p:stCondLst>
+                                    <p:cond delay="0"/>
+                                  </p:stCondLst>
+                                  <p:childTnLst>
+                                    <p:set>
+                                      <p:cBhvr>
+                                        <p:cTn id="10" dur="1" fill="hold">
+                                          <p:stCondLst>
+                                            <p:cond delay="0"/>
+                                          </p:stCondLst>
+                                        </p:cTn>
+                                        <p:tgtEl>
+                                          <p:spTgt spid="3">
+                                            <p:txEl>
+                                              <p:pRg st="1" end="1"/>
+                                            </p:txEl>
+                                          </p:spTgt>
+                                        </p:tgtEl>
+                                        <p:attrNameLst>
+                                          <p:attrName>style.visibility</p:attrName>
+                                        </p:attrNameLst>
+                                      </p:cBhvr>
+                                      <p:to>
+                                        <p:strVal val="visible"/>
+                                      </p:to>
+                                    </p:set>
+                                  </p:childTnLst>
+                                </p:cTn>
+                              </p:par>
+                              <p:par>
+                                <p:cTn id="11" presetID="1" presetClass="entr" presetSubtype="0" fill="hold" nodeType="withEffect">
+                                  <p:stCondLst>
+                                    <p:cond delay="0"/>
+                                  </p:stCondLst>
+                                  <p:childTnLst>
+                                    <p:set>
+                                      <p:cBhvr>
+                                        <p:cTn id="12" dur="1" fill="hold">
+                                          <p:stCondLst>
+                                            <p:cond delay="0"/>
+                                          </p:stCondLst>
+                                        </p:cTn>
+                                        <p:tgtEl>
+                                          <p:spTgt spid="3">
+                                            <p:txEl>
+                                              <p:pRg st="2" end="2"/>
+                                            </p:txEl>
+                                          </p:spTgt>
+                                        </p:tgtEl>
+                                        <p:attrNameLst>
+                                          <p:attrName>style.visibility</p:attrName>
+                                        </p:attrNameLst>
+                                      </p:cBhvr>
+                                      <p:to>
+                                        <p:strVal val="visible"/>
+                                      </p:to>
+                                    </p:set>
+                                  </p:childTnLst>
+                                </p:cTn>
+                              </p:par>
+                            </p:childTnLst>
+                          </p:cTn>
+                        </p:par>
+                      </p:childTnLst>
+                    </p:cTn>
+                  </p:par>
+                  <p:par>
+                    <p:cTn id="13" fill="hold">
+                      <p:stCondLst>
+                        <p:cond delay="indefinite"/>
+                      </p:stCondLst>
+                      <p:childTnLst>
+                        <p:par>
+                          <p:cTn id="14" fill="hold">
+                            <p:stCondLst>
+                              <p:cond delay="0"/>
+                            </p:stCondLst>
+                            <p:childTnLst>
+                              <p:par>
+                                <p:cTn id="15" presetID="1" presetClass="entr" presetSubtype="0" fill="hold" nodeType="clickEffect">
+                                  <p:stCondLst>
+                                    <p:cond delay="0"/>
+                                  </p:stCondLst>
+                                  <p:childTnLst>
+                                    <p:set>
+                                      <p:cBhvr>
+                                        <p:cTn id="16" dur="1" fill="hold">
+                                          <p:stCondLst>
+                                            <p:cond delay="0"/>
+                                          </p:stCondLst>
+                                        </p:cTn>
+                                        <p:tgtEl>
+                                          <p:spTgt spid="3">
+                                            <p:txEl>
+                                              <p:pRg st="3" end="3"/>
+                                            </p:txEl>
+                                          </p:spTgt>
+                                        </p:tgtEl>
+                                        <p:attrNameLst>
+                                          <p:attrName>style.visibility</p:attrName>
+                                        </p:attrNameLst>
+                                      </p:cBhvr>
+                                      <p:to>
+                                        <p:strVal val="visible"/>
+                                      </p:to>
+                                    </p:set>
+                                  </p:childTnLst>
+                                </p:cTn>
+                              </p:par>
+                              <p:par>
+                                <p:cTn id="17" presetID="1" presetClass="entr" presetSubtype="0" fill="hold" nodeType="withEffect">
+                                  <p:stCondLst>
+                                    <p:cond delay="0"/>
+                                  </p:stCondLst>
+                                  <p:childTnLst>
+                                    <p:set>
+                                      <p:cBhvr>
+                                        <p:cTn id="18" dur="1" fill="hold">
+                                          <p:stCondLst>
+                                            <p:cond delay="0"/>
+                                          </p:stCondLst>
+                                        </p:cTn>
+                                        <p:tgtEl>
+                                          <p:spTgt spid="3">
+                                            <p:txEl>
+                                              <p:pRg st="4" end="4"/>
+                                            </p:txEl>
+                                          </p:spTgt>
+                                        </p:tgtEl>
+                                        <p:attrNameLst>
+                                          <p:attrName>style.visibility</p:attrName>
+                                        </p:attrNameLst>
+                                      </p:cBhvr>
+                                      <p:to>
+                                        <p:strVal val="visible"/>
+                                      </p:to>
+                                    </p:set>
+                                  </p:childTnLst>
+                                </p:cTn>
+                              </p:par>
+                              <p:par>
+                                <p:cTn id="19" presetID="1" presetClass="entr" presetSubtype="0" fill="hold" nodeType="withEffect">
+                                  <p:stCondLst>
+                                    <p:cond delay="0"/>
+                                  </p:stCondLst>
+                                  <p:childTnLst>
+                                    <p:set>
+                                      <p:cBhvr>
+                                        <p:cTn id="20" dur="1" fill="hold">
+                                          <p:stCondLst>
+                                            <p:cond delay="0"/>
+                                          </p:stCondLst>
+                                        </p:cTn>
+                                        <p:tgtEl>
+                                          <p:spTgt spid="3">
+                                            <p:txEl>
+                                              <p:pRg st="5" end="5"/>
+                                            </p:txEl>
+                                          </p:spTgt>
+                                        </p:tgtEl>
+                                        <p:attrNameLst>
+                                          <p:attrName>style.visibility</p:attrName>
+                                        </p:attrNameLst>
+                                      </p:cBhvr>
+                                      <p:to>
+                                        <p:strVal val="visible"/>
+                                      </p:to>
+                                    </p:set>
+                                  </p:childTnLst>
+                                </p:cTn>
+                              </p:par>
+                              <p:par>
+                                <p:cTn id="21" presetID="1" presetClass="entr" presetSubtype="0" fill="hold" nodeType="withEffect">
+                                  <p:stCondLst>
+                                    <p:cond delay="0"/>
+                                  </p:stCondLst>
+                                  <p:childTnLst>
+                                    <p:set>
+                                      <p:cBhvr>
+                                        <p:cTn id="22" dur="1" fill="hold">
+                                          <p:stCondLst>
+                                            <p:cond delay="0"/>
+                                          </p:stCondLst>
+                                        </p:cTn>
+                                        <p:tgtEl>
+                                          <p:spTgt spid="3">
+                                            <p:txEl>
+                                              <p:pRg st="6" end="6"/>
+                                            </p:txEl>
+                                          </p:spTgt>
+                                        </p:tgtEl>
+                                        <p:attrNameLst>
+                                          <p:attrName>style.visibility</p:attrName>
+                                        </p:attrNameLst>
+                                      </p:cBhvr>
+                                      <p:to>
+                                        <p:strVal val="visible"/>
+                                      </p:to>
+                                    </p:set>
+                                  </p:childTnLst>
+                                </p:cTn>
+                              </p:par>
+                            </p:childTnLst>
+                          </p:cTn>
+                        </p:par>
+                      </p:childTnLst>
+                    </p:cTn>
+                  </p:par>
+                </p:childTnLst>
+              </p:cTn>
+              <p:prevCondLst>
+                <p:cond evt="onPrev" delay="0">
+                  <p:tgtEl>
+                    <p:sldTgt/>
+                  </p:tgtEl>
+                </p:cond>
+              </p:prevCondLst>
+              <p:nextCondLst>
+                <p:cond evt="onNext" delay="0">
+                  <p:tgtEl>
+                    <p:sldTgt/>
+                  </p:tgtEl>
+                </p:cond>
+              </p:nextCondLst>
+            </p:seq>
+          </p:childTnLst>
+        </p:cTn>
+      </p:par>
+    </p:tnLst>
+  </p:timing>
+</p:sld>
+</file>
+
+<file path=ppt/slides/slide30.xml><?xml version="1.0" encoding="utf-8"?>
+<p:sld xmlns:a="http://schemas.openxmlformats.org/drawingml/2006/main" xmlns:r="http://schemas.openxmlformats.org/officeDocument/2006/relationships" xmlns:p="http://schemas.openxmlformats.org/presentationml/2006/main">
+  <p:cSld>
+    <p:spTree>
+      <p:nvGrpSpPr>
+        <p:cNvPr id="1" name=""/>
+        <p:cNvGrpSpPr/>
+        <p:nvPr/>
+      </p:nvGrpSpPr>
+      <p:grpSpPr>
+        <a:xfrm>
+          <a:off x="0" y="0"/>
+          <a:ext cx="0" cy="0"/>
+          <a:chOff x="0" y="0"/>
+          <a:chExt cx="0" cy="0"/>
+        </a:xfrm>
+      </p:grpSpPr>
+      <p:sp>
+        <p:nvSpPr>
+          <p:cNvPr id="2" name="Title 1"/>
+          <p:cNvSpPr>
+            <a:spLocks noGrp="1"/>
+          </p:cNvSpPr>
+          <p:nvPr>
+            <p:ph type="title"/>
+          </p:nvPr>
+        </p:nvSpPr>
+        <p:spPr/>
+        <p:txBody>
           <a:bodyPr/>
           <a:lstStyle/>
           <a:p>
@@ -12209,7 +14392,7 @@
           <a:p>
             <a:fld id="{810B7604-93B8-4136-B9BD-D1CE89EE20B0}" type="slidenum">
               <a:rPr lang="en-US" smtClean="0"/>
-              <a:t>26</a:t>
+              <a:t>30</a:t>
             </a:fld>
             <a:endParaRPr lang="en-US"/>
           </a:p>
@@ -12562,7 +14745,7 @@
 </p:sld>
 </file>
 
-<file path=ppt/slides/slide27.xml><?xml version="1.0" encoding="utf-8"?>
+<file path=ppt/slides/slide31.xml><?xml version="1.0" encoding="utf-8"?>
 <p:sld xmlns:a="http://schemas.openxmlformats.org/drawingml/2006/main" xmlns:r="http://schemas.openxmlformats.org/officeDocument/2006/relationships" xmlns:p="http://schemas.openxmlformats.org/presentationml/2006/main">
   <p:cSld>
     <p:spTree>
@@ -12777,7 +14960,7 @@
           <a:p>
             <a:fld id="{810B7604-93B8-4136-B9BD-D1CE89EE20B0}" type="slidenum">
               <a:rPr lang="en-US" smtClean="0"/>
-              <a:t>27</a:t>
+              <a:t>31</a:t>
             </a:fld>
             <a:endParaRPr lang="en-US"/>
           </a:p>
@@ -12965,7 +15148,7 @@
 </p:sld>
 </file>
 
-<file path=ppt/slides/slide28.xml><?xml version="1.0" encoding="utf-8"?>
+<file path=ppt/slides/slide32.xml><?xml version="1.0" encoding="utf-8"?>
 <p:sld xmlns:a="http://schemas.openxmlformats.org/drawingml/2006/main" xmlns:r="http://schemas.openxmlformats.org/officeDocument/2006/relationships" xmlns:p="http://schemas.openxmlformats.org/presentationml/2006/main">
   <p:cSld>
     <p:spTree>
@@ -13021,7 +15204,7 @@
           <a:p>
             <a:fld id="{810B7604-93B8-4136-B9BD-D1CE89EE20B0}" type="slidenum">
               <a:rPr lang="en-US" smtClean="0"/>
-              <a:t>28</a:t>
+              <a:t>32</a:t>
             </a:fld>
             <a:endParaRPr lang="en-US"/>
           </a:p>
@@ -13417,7 +15600,7 @@
 </p:sld>
 </file>
 
-<file path=ppt/slides/slide29.xml><?xml version="1.0" encoding="utf-8"?>
+<file path=ppt/slides/slide33.xml><?xml version="1.0" encoding="utf-8"?>
 <p:sld xmlns:a="http://schemas.openxmlformats.org/drawingml/2006/main" xmlns:r="http://schemas.openxmlformats.org/officeDocument/2006/relationships" xmlns:p="http://schemas.openxmlformats.org/presentationml/2006/main">
   <p:cSld>
     <p:spTree>
@@ -13473,7 +15656,7 @@
           <a:p>
             <a:fld id="{810B7604-93B8-4136-B9BD-D1CE89EE20B0}" type="slidenum">
               <a:rPr lang="en-US" smtClean="0"/>
-              <a:t>29</a:t>
+              <a:t>33</a:t>
             </a:fld>
             <a:endParaRPr lang="en-US"/>
           </a:p>
@@ -13667,7 +15850,7 @@
 </p:sld>
 </file>
 
-<file path=ppt/slides/slide3.xml><?xml version="1.0" encoding="utf-8"?>
+<file path=ppt/slides/slide34.xml><?xml version="1.0" encoding="utf-8"?>
 <p:sld xmlns:a="http://schemas.openxmlformats.org/drawingml/2006/main" xmlns:r="http://schemas.openxmlformats.org/officeDocument/2006/relationships" xmlns:p="http://schemas.openxmlformats.org/presentationml/2006/main">
   <p:cSld>
     <p:spTree>
@@ -13696,248 +15879,6 @@
         </p:nvSpPr>
         <p:spPr/>
         <p:txBody>
-          <a:bodyPr>
-            <a:noAutofit/>
-          </a:bodyPr>
-          <a:lstStyle/>
-          <a:p>
-            <a:r>
-              <a:rPr lang="en-US" sz="2400" dirty="0"/>
-              <a:t>Ex: Neuro- &amp; Social-Cognitive measures in psychiatric groups</a:t>
-            </a:r>
-          </a:p>
-        </p:txBody>
-      </p:sp>
-      <p:sp>
-        <p:nvSpPr>
-          <p:cNvPr id="3" name="Content Placeholder 2"/>
-          <p:cNvSpPr>
-            <a:spLocks noGrp="1"/>
-          </p:cNvSpPr>
-          <p:nvPr>
-            <p:ph idx="1"/>
-          </p:nvPr>
-        </p:nvSpPr>
-        <p:spPr/>
-        <p:txBody>
-          <a:bodyPr>
-            <a:normAutofit/>
-          </a:bodyPr>
-          <a:lstStyle/>
-          <a:p>
-            <a:r>
-              <a:rPr lang="en-US" sz="2000" dirty="0"/>
-              <a:t>A study by Leah Hartman @York examined whether patients classified as ‘schizophrenic’ or ‘schizoaffective’ (on DSM-IV) could be distinguished from a normal, control sample on standardized tests in the following domains:</a:t>
-            </a:r>
-          </a:p>
-          <a:p>
-            <a:pPr lvl="1"/>
-            <a:r>
-              <a:rPr lang="en-US" sz="2000" dirty="0" err="1">
-                <a:solidFill>
-                  <a:srgbClr val="FF0000"/>
-                </a:solidFill>
-              </a:rPr>
-              <a:t>Neuro</a:t>
-            </a:r>
-            <a:r>
-              <a:rPr lang="en-US" sz="2000" dirty="0">
-                <a:solidFill>
-                  <a:srgbClr val="FF0000"/>
-                </a:solidFill>
-              </a:rPr>
-              <a:t>-Cognitive</a:t>
-            </a:r>
-            <a:r>
-              <a:rPr lang="en-US" sz="2000" dirty="0"/>
-              <a:t>: processing speed, attention, verbal learning, visual learning, problem solving</a:t>
-            </a:r>
-          </a:p>
-          <a:p>
-            <a:pPr lvl="1"/>
-            <a:r>
-              <a:rPr lang="en-US" sz="2000" dirty="0">
-                <a:solidFill>
-                  <a:srgbClr val="FF0000"/>
-                </a:solidFill>
-              </a:rPr>
-              <a:t>Social-cognitive</a:t>
-            </a:r>
-            <a:r>
-              <a:rPr lang="en-US" sz="2000" dirty="0"/>
-              <a:t>: managing emotions, theory of mind, externalizing bias, personalizing bias</a:t>
-            </a:r>
-          </a:p>
-          <a:p>
-            <a:r>
-              <a:rPr lang="en-US" sz="2800" dirty="0"/>
-              <a:t>Research questions </a:t>
-            </a:r>
-            <a:r>
-              <a:rPr lang="en-US" sz="2800" dirty="0">
-                <a:sym typeface="Symbol"/>
-              </a:rPr>
-              <a:t></a:t>
-            </a:r>
-            <a:r>
-              <a:rPr lang="en-US" sz="2800" dirty="0"/>
-              <a:t> MANOVA contrasts</a:t>
-            </a:r>
-          </a:p>
-          <a:p>
-            <a:pPr lvl="1"/>
-            <a:r>
-              <a:rPr lang="en-US" sz="2000" dirty="0"/>
-              <a:t>Analyze </a:t>
-            </a:r>
-            <a:r>
-              <a:rPr lang="en-US" sz="2000" dirty="0" err="1"/>
-              <a:t>neuro</a:t>
-            </a:r>
-            <a:r>
-              <a:rPr lang="en-US" sz="2000" dirty="0"/>
-              <a:t>-cog (NC) and social-cog (SC) separately</a:t>
-            </a:r>
-          </a:p>
-          <a:p>
-            <a:pPr lvl="1"/>
-            <a:r>
-              <a:rPr lang="en-US" sz="2000" dirty="0"/>
-              <a:t>Do the two psychiatric groups differ from the controls?</a:t>
-            </a:r>
-          </a:p>
-          <a:p>
-            <a:pPr lvl="1"/>
-            <a:r>
-              <a:rPr lang="en-US" sz="2000" dirty="0"/>
-              <a:t>Do the psychiatric groups differ from each other?</a:t>
-            </a:r>
-          </a:p>
-        </p:txBody>
-      </p:sp>
-      <p:sp>
-        <p:nvSpPr>
-          <p:cNvPr id="4" name="TextBox 3"/>
-          <p:cNvSpPr txBox="1"/>
-          <p:nvPr/>
-        </p:nvSpPr>
-        <p:spPr>
-          <a:xfrm>
-            <a:off x="457200" y="6172200"/>
-            <a:ext cx="8077200" cy="461665"/>
-          </a:xfrm>
-          <a:prstGeom prst="rect">
-            <a:avLst/>
-          </a:prstGeom>
-          <a:noFill/>
-        </p:spPr>
-        <p:txBody>
-          <a:bodyPr wrap="square" rtlCol="0">
-            <a:spAutoFit/>
-          </a:bodyPr>
-          <a:lstStyle/>
-          <a:p>
-            <a:r>
-              <a:rPr lang="en-US" sz="1200" dirty="0"/>
-              <a:t>See: Friendly &amp; </a:t>
-            </a:r>
-            <a:r>
-              <a:rPr lang="en-US" sz="1200" dirty="0" err="1"/>
-              <a:t>Sigal</a:t>
-            </a:r>
-            <a:r>
-              <a:rPr lang="en-US" sz="1200" dirty="0"/>
-              <a:t> (2017), Graphical Methods for Multivariate Linear Models in Psychological Research: An R Tutorial</a:t>
-            </a:r>
-            <a:br>
-              <a:rPr lang="en-US" sz="1200" dirty="0"/>
-            </a:br>
-            <a:r>
-              <a:rPr lang="en-US" sz="1200" i="1" dirty="0"/>
-              <a:t>The Quantitative Methods for Psychology,  13</a:t>
-            </a:r>
-            <a:r>
-              <a:rPr lang="en-US" sz="1200" dirty="0"/>
-              <a:t>, 20-45, </a:t>
-            </a:r>
-            <a:r>
-              <a:rPr lang="en-US" sz="1200" dirty="0">
-                <a:hlinkClick r:id="rId2"/>
-              </a:rPr>
-              <a:t>http://dx.doi.org/10.20982/tqmp.13.1.p020</a:t>
-            </a:r>
-            <a:r>
-              <a:rPr lang="en-US" sz="1200" dirty="0"/>
-              <a:t>    </a:t>
-            </a:r>
-          </a:p>
-        </p:txBody>
-      </p:sp>
-      <p:sp>
-        <p:nvSpPr>
-          <p:cNvPr id="5" name="Slide Number Placeholder 4"/>
-          <p:cNvSpPr>
-            <a:spLocks noGrp="1"/>
-          </p:cNvSpPr>
-          <p:nvPr>
-            <p:ph type="sldNum" sz="quarter" idx="12"/>
-          </p:nvPr>
-        </p:nvSpPr>
-        <p:spPr/>
-        <p:txBody>
-          <a:bodyPr/>
-          <a:lstStyle/>
-          <a:p>
-            <a:fld id="{621225AB-15B9-4C79-A121-04D1DC7E2307}" type="slidenum">
-              <a:rPr lang="en-US" smtClean="0"/>
-              <a:t>3</a:t>
-            </a:fld>
-            <a:endParaRPr lang="en-US"/>
-          </a:p>
-        </p:txBody>
-      </p:sp>
-    </p:spTree>
-    <p:extLst>
-      <p:ext uri="{BB962C8B-B14F-4D97-AF65-F5344CB8AC3E}">
-        <p14:creationId xmlns:p14="http://schemas.microsoft.com/office/powerpoint/2010/main" val="620318019"/>
-      </p:ext>
-    </p:extLst>
-  </p:cSld>
-  <p:clrMapOvr>
-    <a:masterClrMapping/>
-  </p:clrMapOvr>
-</p:sld>
-</file>
-
-<file path=ppt/slides/slide30.xml><?xml version="1.0" encoding="utf-8"?>
-<p:sld xmlns:a="http://schemas.openxmlformats.org/drawingml/2006/main" xmlns:r="http://schemas.openxmlformats.org/officeDocument/2006/relationships" xmlns:p="http://schemas.openxmlformats.org/presentationml/2006/main">
-  <p:cSld>
-    <p:spTree>
-      <p:nvGrpSpPr>
-        <p:cNvPr id="1" name=""/>
-        <p:cNvGrpSpPr/>
-        <p:nvPr/>
-      </p:nvGrpSpPr>
-      <p:grpSpPr>
-        <a:xfrm>
-          <a:off x="0" y="0"/>
-          <a:ext cx="0" cy="0"/>
-          <a:chOff x="0" y="0"/>
-          <a:chExt cx="0" cy="0"/>
-        </a:xfrm>
-      </p:grpSpPr>
-      <p:sp>
-        <p:nvSpPr>
-          <p:cNvPr id="2" name="Title 1"/>
-          <p:cNvSpPr>
-            <a:spLocks noGrp="1"/>
-          </p:cNvSpPr>
-          <p:nvPr>
-            <p:ph type="title"/>
-          </p:nvPr>
-        </p:nvSpPr>
-        <p:spPr/>
-        <p:txBody>
           <a:bodyPr/>
           <a:lstStyle/>
           <a:p>
@@ -13965,7 +15906,7 @@
           <a:p>
             <a:fld id="{810B7604-93B8-4136-B9BD-D1CE89EE20B0}" type="slidenum">
               <a:rPr lang="en-US" smtClean="0"/>
-              <a:t>30</a:t>
+              <a:t>34</a:t>
             </a:fld>
             <a:endParaRPr lang="en-US"/>
           </a:p>
@@ -14546,7 +16487,7 @@
 </p:sld>
 </file>
 
-<file path=ppt/slides/slide31.xml><?xml version="1.0" encoding="utf-8"?>
+<file path=ppt/slides/slide35.xml><?xml version="1.0" encoding="utf-8"?>
 <p:sld xmlns:a="http://schemas.openxmlformats.org/drawingml/2006/main" xmlns:r="http://schemas.openxmlformats.org/officeDocument/2006/relationships" xmlns:p="http://schemas.openxmlformats.org/presentationml/2006/main">
   <p:cSld>
     <p:spTree>
@@ -14602,7 +16543,7 @@
           <a:p>
             <a:fld id="{810B7604-93B8-4136-B9BD-D1CE89EE20B0}" type="slidenum">
               <a:rPr lang="en-US" smtClean="0"/>
-              <a:t>31</a:t>
+              <a:t>35</a:t>
             </a:fld>
             <a:endParaRPr lang="en-US"/>
           </a:p>
@@ -15058,7 +16999,7 @@
 </p:sld>
 </file>
 
-<file path=ppt/slides/slide32.xml><?xml version="1.0" encoding="utf-8"?>
+<file path=ppt/slides/slide36.xml><?xml version="1.0" encoding="utf-8"?>
 <p:sld xmlns:a="http://schemas.openxmlformats.org/drawingml/2006/main" xmlns:r="http://schemas.openxmlformats.org/officeDocument/2006/relationships" xmlns:p="http://schemas.openxmlformats.org/presentationml/2006/main">
   <p:cSld>
     <p:spTree>
@@ -15114,7 +17055,7 @@
           <a:p>
             <a:fld id="{810B7604-93B8-4136-B9BD-D1CE89EE20B0}" type="slidenum">
               <a:rPr lang="en-US" smtClean="0"/>
-              <a:t>32</a:t>
+              <a:t>36</a:t>
             </a:fld>
             <a:endParaRPr lang="en-US"/>
           </a:p>
@@ -15430,7 +17371,7 @@
 </p:sld>
 </file>
 
-<file path=ppt/slides/slide33.xml><?xml version="1.0" encoding="utf-8"?>
+<file path=ppt/slides/slide37.xml><?xml version="1.0" encoding="utf-8"?>
 <p:sld xmlns:a="http://schemas.openxmlformats.org/drawingml/2006/main" xmlns:r="http://schemas.openxmlformats.org/officeDocument/2006/relationships" xmlns:p="http://schemas.openxmlformats.org/presentationml/2006/main">
   <p:cSld>
     <p:spTree>
@@ -15531,7 +17472,7 @@
           <a:p>
             <a:fld id="{810B7604-93B8-4136-B9BD-D1CE89EE20B0}" type="slidenum">
               <a:rPr lang="en-US" smtClean="0"/>
-              <a:t>33</a:t>
+              <a:t>37</a:t>
             </a:fld>
             <a:endParaRPr lang="en-US"/>
           </a:p>
@@ -16495,7 +18436,7 @@
 </p:sld>
 </file>
 
-<file path=ppt/slides/slide34.xml><?xml version="1.0" encoding="utf-8"?>
+<file path=ppt/slides/slide38.xml><?xml version="1.0" encoding="utf-8"?>
 <p:sld xmlns:a="http://schemas.openxmlformats.org/drawingml/2006/main" xmlns:r="http://schemas.openxmlformats.org/officeDocument/2006/relationships" xmlns:p="http://schemas.openxmlformats.org/presentationml/2006/main">
   <p:cSld>
     <p:spTree>
@@ -16551,7 +18492,7 @@
           <a:p>
             <a:fld id="{810B7604-93B8-4136-B9BD-D1CE89EE20B0}" type="slidenum">
               <a:rPr lang="en-US" smtClean="0"/>
-              <a:t>34</a:t>
+              <a:t>38</a:t>
             </a:fld>
             <a:endParaRPr lang="en-US"/>
           </a:p>
@@ -16999,7 +18940,7 @@
 </p:sld>
 </file>
 
-<file path=ppt/slides/slide35.xml><?xml version="1.0" encoding="utf-8"?>
+<file path=ppt/slides/slide39.xml><?xml version="1.0" encoding="utf-8"?>
 <p:sld xmlns:a="http://schemas.openxmlformats.org/drawingml/2006/main" xmlns:r="http://schemas.openxmlformats.org/officeDocument/2006/relationships" xmlns:p="http://schemas.openxmlformats.org/presentationml/2006/main">
   <p:cSld>
     <p:spTree>
@@ -17055,7 +18996,7 @@
           <a:p>
             <a:fld id="{810B7604-93B8-4136-B9BD-D1CE89EE20B0}" type="slidenum">
               <a:rPr lang="en-US" smtClean="0"/>
-              <a:t>35</a:t>
+              <a:t>39</a:t>
             </a:fld>
             <a:endParaRPr lang="en-US"/>
           </a:p>
@@ -17227,7 +19168,7 @@
 </p:sld>
 </file>
 
-<file path=ppt/slides/slide36.xml><?xml version="1.0" encoding="utf-8"?>
+<file path=ppt/slides/slide4.xml><?xml version="1.0" encoding="utf-8"?>
 <p:sld xmlns:a="http://schemas.openxmlformats.org/drawingml/2006/main" xmlns:r="http://schemas.openxmlformats.org/officeDocument/2006/relationships" xmlns:p="http://schemas.openxmlformats.org/presentationml/2006/main">
   <p:cSld>
     <p:spTree>
@@ -17246,6 +19187,136 @@
       </p:grpSpPr>
       <p:sp>
         <p:nvSpPr>
+          <p:cNvPr id="2" name="Slide Number Placeholder 1">
+            <a:extLst>
+              <a:ext uri="{FF2B5EF4-FFF2-40B4-BE49-F238E27FC236}">
+                <a16:creationId xmlns:a16="http://schemas.microsoft.com/office/drawing/2014/main" id="{D68C7EF5-9AB5-4ED8-B777-EB876213AB1C}"/>
+              </a:ext>
+            </a:extLst>
+          </p:cNvPr>
+          <p:cNvSpPr>
+            <a:spLocks noGrp="1"/>
+          </p:cNvSpPr>
+          <p:nvPr>
+            <p:ph type="sldNum" sz="quarter" idx="12"/>
+          </p:nvPr>
+        </p:nvSpPr>
+        <p:spPr/>
+        <p:txBody>
+          <a:bodyPr/>
+          <a:lstStyle/>
+          <a:p>
+            <a:fld id="{810B7604-93B8-4136-B9BD-D1CE89EE20B0}" type="slidenum">
+              <a:rPr lang="en-US" smtClean="0"/>
+              <a:t>4</a:t>
+            </a:fld>
+            <a:endParaRPr lang="en-US"/>
+          </a:p>
+        </p:txBody>
+      </p:sp>
+      <p:pic>
+        <p:nvPicPr>
+          <p:cNvPr id="4" name="Picture 3" descr="Graphical user interface, text&#10;&#10;Description automatically generated">
+            <a:extLst>
+              <a:ext uri="{FF2B5EF4-FFF2-40B4-BE49-F238E27FC236}">
+                <a16:creationId xmlns:a16="http://schemas.microsoft.com/office/drawing/2014/main" id="{E72E3AFF-FF4E-4E93-B2B6-D7DBD850AFD1}"/>
+              </a:ext>
+            </a:extLst>
+          </p:cNvPr>
+          <p:cNvPicPr>
+            <a:picLocks noChangeAspect="1"/>
+          </p:cNvPicPr>
+          <p:nvPr/>
+        </p:nvPicPr>
+        <p:blipFill>
+          <a:blip r:embed="rId2" cstate="print">
+            <a:extLst>
+              <a:ext uri="{28A0092B-C50C-407E-A947-70E740481C1C}">
+                <a14:useLocalDpi xmlns:a14="http://schemas.microsoft.com/office/drawing/2010/main" val="0"/>
+              </a:ext>
+            </a:extLst>
+          </a:blip>
+          <a:stretch>
+            <a:fillRect/>
+          </a:stretch>
+        </p:blipFill>
+        <p:spPr>
+          <a:xfrm>
+            <a:off x="792480" y="1565860"/>
+            <a:ext cx="7559040" cy="4251960"/>
+          </a:xfrm>
+          <a:prstGeom prst="rect">
+            <a:avLst/>
+          </a:prstGeom>
+        </p:spPr>
+      </p:pic>
+      <p:sp>
+        <p:nvSpPr>
+          <p:cNvPr id="5" name="TextBox 4">
+            <a:extLst>
+              <a:ext uri="{FF2B5EF4-FFF2-40B4-BE49-F238E27FC236}">
+                <a16:creationId xmlns:a16="http://schemas.microsoft.com/office/drawing/2014/main" id="{44269051-9C2B-42EB-9D64-337939F249E1}"/>
+              </a:ext>
+            </a:extLst>
+          </p:cNvPr>
+          <p:cNvSpPr txBox="1"/>
+          <p:nvPr/>
+        </p:nvSpPr>
+        <p:spPr>
+          <a:xfrm>
+            <a:off x="685800" y="381000"/>
+            <a:ext cx="7848600" cy="646331"/>
+          </a:xfrm>
+          <a:prstGeom prst="rect">
+            <a:avLst/>
+          </a:prstGeom>
+          <a:noFill/>
+        </p:spPr>
+        <p:txBody>
+          <a:bodyPr wrap="square" rtlCol="0">
+            <a:spAutoFit/>
+          </a:bodyPr>
+          <a:lstStyle/>
+          <a:p>
+            <a:r>
+              <a:rPr lang="en-US" dirty="0"/>
+              <a:t>Schizoaffective disorder combines symptoms of schizophrenia with mood disorder (bipolar or depression)</a:t>
+            </a:r>
+          </a:p>
+        </p:txBody>
+      </p:sp>
+    </p:spTree>
+    <p:extLst>
+      <p:ext uri="{BB962C8B-B14F-4D97-AF65-F5344CB8AC3E}">
+        <p14:creationId xmlns:p14="http://schemas.microsoft.com/office/powerpoint/2010/main" val="1144866827"/>
+      </p:ext>
+    </p:extLst>
+  </p:cSld>
+  <p:clrMapOvr>
+    <a:masterClrMapping/>
+  </p:clrMapOvr>
+</p:sld>
+</file>
+
+<file path=ppt/slides/slide40.xml><?xml version="1.0" encoding="utf-8"?>
+<p:sld xmlns:a="http://schemas.openxmlformats.org/drawingml/2006/main" xmlns:r="http://schemas.openxmlformats.org/officeDocument/2006/relationships" xmlns:p="http://schemas.openxmlformats.org/presentationml/2006/main">
+  <p:cSld>
+    <p:spTree>
+      <p:nvGrpSpPr>
+        <p:cNvPr id="1" name=""/>
+        <p:cNvGrpSpPr/>
+        <p:nvPr/>
+      </p:nvGrpSpPr>
+      <p:grpSpPr>
+        <a:xfrm>
+          <a:off x="0" y="0"/>
+          <a:ext cx="0" cy="0"/>
+          <a:chOff x="0" y="0"/>
+          <a:chExt cx="0" cy="0"/>
+        </a:xfrm>
+      </p:grpSpPr>
+      <p:sp>
+        <p:nvSpPr>
           <p:cNvPr id="2" name="Title 1"/>
           <p:cNvSpPr>
             <a:spLocks noGrp="1"/>
@@ -17283,7 +19354,7 @@
           <a:p>
             <a:fld id="{810B7604-93B8-4136-B9BD-D1CE89EE20B0}" type="slidenum">
               <a:rPr lang="en-US" smtClean="0"/>
-              <a:t>36</a:t>
+              <a:t>40</a:t>
             </a:fld>
             <a:endParaRPr lang="en-US"/>
           </a:p>
@@ -18101,7 +20172,7 @@
 </p:sld>
 </file>
 
-<file path=ppt/slides/slide37.xml><?xml version="1.0" encoding="utf-8"?>
+<file path=ppt/slides/slide41.xml><?xml version="1.0" encoding="utf-8"?>
 <p:sld xmlns:a="http://schemas.openxmlformats.org/drawingml/2006/main" xmlns:r="http://schemas.openxmlformats.org/officeDocument/2006/relationships" xmlns:p="http://schemas.openxmlformats.org/presentationml/2006/main">
   <p:cSld>
     <p:spTree>
@@ -18165,7 +20236,7 @@
           <a:p>
             <a:fld id="{810B7604-93B8-4136-B9BD-D1CE89EE20B0}" type="slidenum">
               <a:rPr lang="en-US" smtClean="0"/>
-              <a:t>37</a:t>
+              <a:t>41</a:t>
             </a:fld>
             <a:endParaRPr lang="en-US"/>
           </a:p>
@@ -18423,7 +20494,7 @@
 </p:sld>
 </file>
 
-<file path=ppt/slides/slide38.xml><?xml version="1.0" encoding="utf-8"?>
+<file path=ppt/slides/slide42.xml><?xml version="1.0" encoding="utf-8"?>
 <p:sld xmlns:a="http://schemas.openxmlformats.org/drawingml/2006/main" xmlns:r="http://schemas.openxmlformats.org/officeDocument/2006/relationships" xmlns:p="http://schemas.openxmlformats.org/presentationml/2006/main">
   <p:cSld>
     <p:spTree>
@@ -18491,7 +20562,7 @@
           <a:p>
             <a:fld id="{810B7604-93B8-4136-B9BD-D1CE89EE20B0}" type="slidenum">
               <a:rPr lang="en-US" smtClean="0"/>
-              <a:t>38</a:t>
+              <a:t>42</a:t>
             </a:fld>
             <a:endParaRPr lang="en-US"/>
           </a:p>
@@ -18629,7 +20700,7 @@
 </p:sld>
 </file>
 
-<file path=ppt/slides/slide39.xml><?xml version="1.0" encoding="utf-8"?>
+<file path=ppt/slides/slide43.xml><?xml version="1.0" encoding="utf-8"?>
 <p:sld xmlns:a="http://schemas.openxmlformats.org/drawingml/2006/main" xmlns:r="http://schemas.openxmlformats.org/officeDocument/2006/relationships" xmlns:p="http://schemas.openxmlformats.org/presentationml/2006/main">
   <p:cSld>
     <p:spTree>
@@ -18697,7 +20768,7 @@
           <a:p>
             <a:fld id="{810B7604-93B8-4136-B9BD-D1CE89EE20B0}" type="slidenum">
               <a:rPr lang="en-US" smtClean="0"/>
-              <a:t>39</a:t>
+              <a:t>43</a:t>
             </a:fld>
             <a:endParaRPr lang="en-US"/>
           </a:p>
@@ -18863,7 +20934,7 @@
 </p:sld>
 </file>
 
-<file path=ppt/slides/slide4.xml><?xml version="1.0" encoding="utf-8"?>
+<file path=ppt/slides/slide44.xml><?xml version="1.0" encoding="utf-8"?>
 <p:sld xmlns:a="http://schemas.openxmlformats.org/drawingml/2006/main" xmlns:r="http://schemas.openxmlformats.org/officeDocument/2006/relationships" xmlns:p="http://schemas.openxmlformats.org/presentationml/2006/main">
   <p:cSld>
     <p:spTree>
@@ -18882,136 +20953,6 @@
       </p:grpSpPr>
       <p:sp>
         <p:nvSpPr>
-          <p:cNvPr id="2" name="Slide Number Placeholder 1">
-            <a:extLst>
-              <a:ext uri="{FF2B5EF4-FFF2-40B4-BE49-F238E27FC236}">
-                <a16:creationId xmlns:a16="http://schemas.microsoft.com/office/drawing/2014/main" id="{D68C7EF5-9AB5-4ED8-B777-EB876213AB1C}"/>
-              </a:ext>
-            </a:extLst>
-          </p:cNvPr>
-          <p:cNvSpPr>
-            <a:spLocks noGrp="1"/>
-          </p:cNvSpPr>
-          <p:nvPr>
-            <p:ph type="sldNum" sz="quarter" idx="12"/>
-          </p:nvPr>
-        </p:nvSpPr>
-        <p:spPr/>
-        <p:txBody>
-          <a:bodyPr/>
-          <a:lstStyle/>
-          <a:p>
-            <a:fld id="{810B7604-93B8-4136-B9BD-D1CE89EE20B0}" type="slidenum">
-              <a:rPr lang="en-US" smtClean="0"/>
-              <a:t>4</a:t>
-            </a:fld>
-            <a:endParaRPr lang="en-US"/>
-          </a:p>
-        </p:txBody>
-      </p:sp>
-      <p:pic>
-        <p:nvPicPr>
-          <p:cNvPr id="4" name="Picture 3" descr="Graphical user interface, text&#10;&#10;Description automatically generated">
-            <a:extLst>
-              <a:ext uri="{FF2B5EF4-FFF2-40B4-BE49-F238E27FC236}">
-                <a16:creationId xmlns:a16="http://schemas.microsoft.com/office/drawing/2014/main" id="{E72E3AFF-FF4E-4E93-B2B6-D7DBD850AFD1}"/>
-              </a:ext>
-            </a:extLst>
-          </p:cNvPr>
-          <p:cNvPicPr>
-            <a:picLocks noChangeAspect="1"/>
-          </p:cNvPicPr>
-          <p:nvPr/>
-        </p:nvPicPr>
-        <p:blipFill>
-          <a:blip r:embed="rId2" cstate="print">
-            <a:extLst>
-              <a:ext uri="{28A0092B-C50C-407E-A947-70E740481C1C}">
-                <a14:useLocalDpi xmlns:a14="http://schemas.microsoft.com/office/drawing/2010/main" val="0"/>
-              </a:ext>
-            </a:extLst>
-          </a:blip>
-          <a:stretch>
-            <a:fillRect/>
-          </a:stretch>
-        </p:blipFill>
-        <p:spPr>
-          <a:xfrm>
-            <a:off x="792480" y="1565860"/>
-            <a:ext cx="7559040" cy="4251960"/>
-          </a:xfrm>
-          <a:prstGeom prst="rect">
-            <a:avLst/>
-          </a:prstGeom>
-        </p:spPr>
-      </p:pic>
-      <p:sp>
-        <p:nvSpPr>
-          <p:cNvPr id="5" name="TextBox 4">
-            <a:extLst>
-              <a:ext uri="{FF2B5EF4-FFF2-40B4-BE49-F238E27FC236}">
-                <a16:creationId xmlns:a16="http://schemas.microsoft.com/office/drawing/2014/main" id="{44269051-9C2B-42EB-9D64-337939F249E1}"/>
-              </a:ext>
-            </a:extLst>
-          </p:cNvPr>
-          <p:cNvSpPr txBox="1"/>
-          <p:nvPr/>
-        </p:nvSpPr>
-        <p:spPr>
-          <a:xfrm>
-            <a:off x="685800" y="381000"/>
-            <a:ext cx="7848600" cy="646331"/>
-          </a:xfrm>
-          <a:prstGeom prst="rect">
-            <a:avLst/>
-          </a:prstGeom>
-          <a:noFill/>
-        </p:spPr>
-        <p:txBody>
-          <a:bodyPr wrap="square" rtlCol="0">
-            <a:spAutoFit/>
-          </a:bodyPr>
-          <a:lstStyle/>
-          <a:p>
-            <a:r>
-              <a:rPr lang="en-US" dirty="0"/>
-              <a:t>Schizoaffective disorder combines symptoms of schizophrenia with mood disorder (bipolar or depression)</a:t>
-            </a:r>
-          </a:p>
-        </p:txBody>
-      </p:sp>
-    </p:spTree>
-    <p:extLst>
-      <p:ext uri="{BB962C8B-B14F-4D97-AF65-F5344CB8AC3E}">
-        <p14:creationId xmlns:p14="http://schemas.microsoft.com/office/powerpoint/2010/main" val="1144866827"/>
-      </p:ext>
-    </p:extLst>
-  </p:cSld>
-  <p:clrMapOvr>
-    <a:masterClrMapping/>
-  </p:clrMapOvr>
-</p:sld>
-</file>
-
-<file path=ppt/slides/slide40.xml><?xml version="1.0" encoding="utf-8"?>
-<p:sld xmlns:a="http://schemas.openxmlformats.org/drawingml/2006/main" xmlns:r="http://schemas.openxmlformats.org/officeDocument/2006/relationships" xmlns:p="http://schemas.openxmlformats.org/presentationml/2006/main">
-  <p:cSld>
-    <p:spTree>
-      <p:nvGrpSpPr>
-        <p:cNvPr id="1" name=""/>
-        <p:cNvGrpSpPr/>
-        <p:nvPr/>
-      </p:nvGrpSpPr>
-      <p:grpSpPr>
-        <a:xfrm>
-          <a:off x="0" y="0"/>
-          <a:ext cx="0" cy="0"/>
-          <a:chOff x="0" y="0"/>
-          <a:chExt cx="0" cy="0"/>
-        </a:xfrm>
-      </p:grpSpPr>
-      <p:sp>
-        <p:nvSpPr>
           <p:cNvPr id="2" name="Title 1">
             <a:extLst>
               <a:ext uri="{FF2B5EF4-FFF2-40B4-BE49-F238E27FC236}">
@@ -19061,7 +21002,7 @@
           <a:p>
             <a:fld id="{810B7604-93B8-4136-B9BD-D1CE89EE20B0}" type="slidenum">
               <a:rPr lang="en-US" smtClean="0"/>
-              <a:t>40</a:t>
+              <a:t>44</a:t>
             </a:fld>
             <a:endParaRPr lang="en-US"/>
           </a:p>
@@ -19225,7 +21166,7 @@
 </p:sld>
 </file>
 
-<file path=ppt/slides/slide41.xml><?xml version="1.0" encoding="utf-8"?>
+<file path=ppt/slides/slide45.xml><?xml version="1.0" encoding="utf-8"?>
 <p:sld xmlns:a="http://schemas.openxmlformats.org/drawingml/2006/main" xmlns:r="http://schemas.openxmlformats.org/officeDocument/2006/relationships" xmlns:p="http://schemas.openxmlformats.org/presentationml/2006/main">
   <p:cSld>
     <p:spTree>
@@ -19337,7 +21278,7 @@
           <a:p>
             <a:fld id="{810B7604-93B8-4136-B9BD-D1CE89EE20B0}" type="slidenum">
               <a:rPr lang="en-US" smtClean="0"/>
-              <a:t>41</a:t>
+              <a:t>45</a:t>
             </a:fld>
             <a:endParaRPr lang="en-US"/>
           </a:p>
@@ -19512,7 +21453,7 @@
 </p:sld>
 </file>
 
-<file path=ppt/slides/slide42.xml><?xml version="1.0" encoding="utf-8"?>
+<file path=ppt/slides/slide46.xml><?xml version="1.0" encoding="utf-8"?>
 <p:sld xmlns:a="http://schemas.openxmlformats.org/drawingml/2006/main" xmlns:r="http://schemas.openxmlformats.org/officeDocument/2006/relationships" xmlns:p="http://schemas.openxmlformats.org/presentationml/2006/main">
   <p:cSld>
     <p:spTree>
@@ -19717,7 +21658,7 @@
           <a:p>
             <a:fld id="{810B7604-93B8-4136-B9BD-D1CE89EE20B0}" type="slidenum">
               <a:rPr lang="en-US" smtClean="0"/>
-              <a:t>42</a:t>
+              <a:t>46</a:t>
             </a:fld>
             <a:endParaRPr lang="en-US"/>
           </a:p>
@@ -20774,7 +22715,13 @@
       </p:grpSpPr>
       <p:sp>
         <p:nvSpPr>
-          <p:cNvPr id="2" name="Title 1"/>
+          <p:cNvPr id="2" name="Title 1">
+            <a:extLst>
+              <a:ext uri="{FF2B5EF4-FFF2-40B4-BE49-F238E27FC236}">
+                <a16:creationId xmlns:a16="http://schemas.microsoft.com/office/drawing/2014/main" id="{5151A59B-B1E7-4D19-B08A-FEC18BF619D6}"/>
+              </a:ext>
+            </a:extLst>
+          </p:cNvPr>
           <p:cNvSpPr>
             <a:spLocks noGrp="1"/>
           </p:cNvSpPr>
@@ -20784,368 +22731,117 @@
         </p:nvSpPr>
         <p:spPr/>
         <p:txBody>
+          <a:bodyPr/>
+          <a:lstStyle/>
+          <a:p>
+            <a:r>
+              <a:rPr lang="en-US" dirty="0"/>
+              <a:t>Neuro-cognitive measures</a:t>
+            </a:r>
+          </a:p>
+        </p:txBody>
+      </p:sp>
+      <p:sp>
+        <p:nvSpPr>
+          <p:cNvPr id="13" name="Content Placeholder 12">
+            <a:extLst>
+              <a:ext uri="{FF2B5EF4-FFF2-40B4-BE49-F238E27FC236}">
+                <a16:creationId xmlns:a16="http://schemas.microsoft.com/office/drawing/2014/main" id="{616A2B7A-31F7-45A1-8973-3755423BDEB4}"/>
+              </a:ext>
+            </a:extLst>
+          </p:cNvPr>
+          <p:cNvSpPr>
+            <a:spLocks noGrp="1"/>
+          </p:cNvSpPr>
+          <p:nvPr>
+            <p:ph idx="1"/>
+          </p:nvPr>
+        </p:nvSpPr>
+        <p:spPr>
+          <a:xfrm>
+            <a:off x="457200" y="4359724"/>
+            <a:ext cx="8229600" cy="1964876"/>
+          </a:xfrm>
+        </p:spPr>
+        <p:txBody>
           <a:bodyPr>
             <a:normAutofit/>
           </a:bodyPr>
           <a:lstStyle/>
           <a:p>
-            <a:r>
-              <a:rPr lang="en-US" dirty="0"/>
-              <a:t>Neuro-cognitive measures</a:t>
-            </a:r>
-          </a:p>
-        </p:txBody>
-      </p:sp>
-      <p:sp>
-        <p:nvSpPr>
-          <p:cNvPr id="3" name="TextBox 2"/>
-          <p:cNvSpPr txBox="1"/>
-          <p:nvPr/>
-        </p:nvSpPr>
-        <p:spPr>
-          <a:xfrm>
-            <a:off x="457200" y="1447800"/>
-            <a:ext cx="8229600" cy="3323987"/>
-          </a:xfrm>
-          <a:prstGeom prst="rect">
-            <a:avLst/>
-          </a:prstGeom>
-          <a:solidFill>
-            <a:schemeClr val="accent6">
-              <a:lumMod val="20000"/>
-              <a:lumOff val="80000"/>
-              <a:alpha val="50000"/>
-            </a:schemeClr>
-          </a:solidFill>
-        </p:spPr>
-        <p:txBody>
-          <a:bodyPr wrap="square" rtlCol="0">
-            <a:spAutoFit/>
-          </a:bodyPr>
-          <a:lstStyle/>
-          <a:p>
-            <a:r>
-              <a:rPr lang="en-US" sz="1400" dirty="0">
-                <a:latin typeface="SAS Monospace" panose="020B0609020202020204" pitchFamily="49" charset="0"/>
-              </a:rPr>
-              <a:t>library(</a:t>
-            </a:r>
-            <a:r>
-              <a:rPr lang="en-US" sz="1400" dirty="0" err="1">
-                <a:latin typeface="SAS Monospace" panose="020B0609020202020204" pitchFamily="49" charset="0"/>
-              </a:rPr>
-              <a:t>heplots</a:t>
-            </a:r>
-            <a:r>
-              <a:rPr lang="en-US" sz="1400" dirty="0">
-                <a:latin typeface="SAS Monospace" panose="020B0609020202020204" pitchFamily="49" charset="0"/>
-              </a:rPr>
-              <a:t>)</a:t>
-            </a:r>
-          </a:p>
-          <a:p>
-            <a:r>
-              <a:rPr lang="en-US" sz="1400" dirty="0">
-                <a:latin typeface="SAS Monospace" panose="020B0609020202020204" pitchFamily="49" charset="0"/>
-              </a:rPr>
-              <a:t>library(</a:t>
-            </a:r>
-            <a:r>
-              <a:rPr lang="en-US" sz="1400" dirty="0" err="1">
-                <a:latin typeface="SAS Monospace" panose="020B0609020202020204" pitchFamily="49" charset="0"/>
-              </a:rPr>
-              <a:t>candisc</a:t>
-            </a:r>
-            <a:r>
-              <a:rPr lang="en-US" sz="1400" dirty="0">
-                <a:latin typeface="SAS Monospace" panose="020B0609020202020204" pitchFamily="49" charset="0"/>
-              </a:rPr>
-              <a:t>)</a:t>
-            </a:r>
-          </a:p>
-          <a:p>
-            <a:r>
-              <a:rPr lang="en-US" sz="1400" dirty="0">
-                <a:latin typeface="SAS Monospace" panose="020B0609020202020204" pitchFamily="49" charset="0"/>
-              </a:rPr>
-              <a:t>data(</a:t>
-            </a:r>
-            <a:r>
-              <a:rPr lang="en-US" sz="1400" dirty="0" err="1">
-                <a:latin typeface="SAS Monospace" panose="020B0609020202020204" pitchFamily="49" charset="0"/>
-              </a:rPr>
-              <a:t>NeuroCog</a:t>
-            </a:r>
-            <a:r>
-              <a:rPr lang="en-US" sz="1400" dirty="0">
-                <a:latin typeface="SAS Monospace" panose="020B0609020202020204" pitchFamily="49" charset="0"/>
-              </a:rPr>
-              <a:t>, package="</a:t>
-            </a:r>
-            <a:r>
-              <a:rPr lang="en-US" sz="1400" dirty="0" err="1">
-                <a:latin typeface="SAS Monospace" panose="020B0609020202020204" pitchFamily="49" charset="0"/>
-              </a:rPr>
-              <a:t>heplots</a:t>
-            </a:r>
-            <a:r>
-              <a:rPr lang="en-US" sz="1400" dirty="0">
-                <a:latin typeface="SAS Monospace" panose="020B0609020202020204" pitchFamily="49" charset="0"/>
-              </a:rPr>
-              <a:t>")</a:t>
-            </a:r>
-          </a:p>
-          <a:p>
-            <a:endParaRPr lang="en-US" sz="1400" dirty="0">
-              <a:latin typeface="SAS Monospace" panose="020B0609020202020204" pitchFamily="49" charset="0"/>
-            </a:endParaRPr>
-          </a:p>
-          <a:p>
-            <a:r>
-              <a:rPr lang="en-US" sz="1400" dirty="0">
+            <a:pPr marL="0" indent="0">
+              <a:buNone/>
+            </a:pPr>
+            <a:r>
+              <a:rPr lang="en-US" sz="2400" dirty="0"/>
+              <a:t>Questions:</a:t>
+            </a:r>
+          </a:p>
+          <a:p>
+            <a:r>
+              <a:rPr lang="en-US" sz="1800" dirty="0"/>
+              <a:t>Do the diagnostic groups differ </a:t>
+            </a:r>
+            <a:r>
+              <a:rPr lang="en-US" sz="1800" dirty="0">
                 <a:solidFill>
-                  <a:srgbClr val="00B050"/>
+                  <a:srgbClr val="FF0000"/>
                 </a:solidFill>
-                <a:latin typeface="SAS Monospace" panose="020B0609020202020204" pitchFamily="49" charset="0"/>
-              </a:rPr>
-              <a:t># fit the MANOVA model, test hypotheses</a:t>
-            </a:r>
-          </a:p>
-          <a:p>
-            <a:r>
-              <a:rPr lang="en-US" sz="1400" dirty="0" err="1">
-                <a:latin typeface="SAS Monospace" panose="020B0609020202020204" pitchFamily="49" charset="0"/>
-              </a:rPr>
-              <a:t>NC.mlm</a:t>
-            </a:r>
-            <a:r>
-              <a:rPr lang="en-US" sz="1400" dirty="0">
-                <a:latin typeface="SAS Monospace" panose="020B0609020202020204" pitchFamily="49" charset="0"/>
-              </a:rPr>
-              <a:t> &lt;- lm(</a:t>
-            </a:r>
-            <a:r>
-              <a:rPr lang="en-US" sz="1400" dirty="0" err="1">
-                <a:latin typeface="SAS Monospace" panose="020B0609020202020204" pitchFamily="49" charset="0"/>
-              </a:rPr>
-              <a:t>cbind</a:t>
-            </a:r>
-            <a:r>
-              <a:rPr lang="en-US" sz="1400" dirty="0">
-                <a:latin typeface="SAS Monospace" panose="020B0609020202020204" pitchFamily="49" charset="0"/>
-              </a:rPr>
-              <a:t>(Speed, Attention, Memory, Verbal, </a:t>
-            </a:r>
-            <a:r>
-              <a:rPr lang="en-US" sz="1400" dirty="0" err="1">
-                <a:latin typeface="SAS Monospace" panose="020B0609020202020204" pitchFamily="49" charset="0"/>
-              </a:rPr>
-              <a:t>Visual,ProbSolv</a:t>
-            </a:r>
-            <a:r>
-              <a:rPr lang="en-US" sz="1400" dirty="0">
-                <a:latin typeface="SAS Monospace" panose="020B0609020202020204" pitchFamily="49" charset="0"/>
-              </a:rPr>
-              <a:t>) ~ </a:t>
-            </a:r>
-            <a:r>
-              <a:rPr lang="en-US" sz="1400" dirty="0" err="1">
-                <a:latin typeface="SAS Monospace" panose="020B0609020202020204" pitchFamily="49" charset="0"/>
-              </a:rPr>
-              <a:t>Dx</a:t>
-            </a:r>
-            <a:r>
-              <a:rPr lang="en-US" sz="1400" dirty="0">
-                <a:latin typeface="SAS Monospace" panose="020B0609020202020204" pitchFamily="49" charset="0"/>
-              </a:rPr>
-              <a:t>,</a:t>
-            </a:r>
-          </a:p>
-          <a:p>
-            <a:r>
-              <a:rPr lang="en-US" sz="1400" dirty="0">
-                <a:latin typeface="SAS Monospace" panose="020B0609020202020204" pitchFamily="49" charset="0"/>
-              </a:rPr>
-              <a:t>             data=</a:t>
-            </a:r>
-            <a:r>
-              <a:rPr lang="en-US" sz="1400" dirty="0" err="1">
-                <a:latin typeface="SAS Monospace" panose="020B0609020202020204" pitchFamily="49" charset="0"/>
-              </a:rPr>
-              <a:t>NeuroCog</a:t>
-            </a:r>
-            <a:r>
-              <a:rPr lang="en-US" sz="1400" dirty="0">
-                <a:latin typeface="SAS Monospace" panose="020B0609020202020204" pitchFamily="49" charset="0"/>
-              </a:rPr>
-              <a:t>)</a:t>
-            </a:r>
-          </a:p>
-          <a:p>
-            <a:r>
-              <a:rPr lang="en-US" sz="1400" dirty="0" err="1">
-                <a:latin typeface="SAS Monospace" panose="020B0609020202020204" pitchFamily="49" charset="0"/>
-              </a:rPr>
-              <a:t>Anova</a:t>
-            </a:r>
-            <a:r>
-              <a:rPr lang="en-US" sz="1400" dirty="0">
-                <a:latin typeface="SAS Monospace" panose="020B0609020202020204" pitchFamily="49" charset="0"/>
-              </a:rPr>
-              <a:t>(</a:t>
-            </a:r>
-            <a:r>
-              <a:rPr lang="en-US" sz="1400" dirty="0" err="1">
-                <a:latin typeface="SAS Monospace" panose="020B0609020202020204" pitchFamily="49" charset="0"/>
-              </a:rPr>
-              <a:t>NC.mlm</a:t>
-            </a:r>
-            <a:r>
-              <a:rPr lang="en-US" sz="1400" dirty="0">
-                <a:latin typeface="SAS Monospace" panose="020B0609020202020204" pitchFamily="49" charset="0"/>
-              </a:rPr>
-              <a:t>)</a:t>
-            </a:r>
-          </a:p>
-          <a:p>
-            <a:endParaRPr lang="en-US" sz="1400" dirty="0">
-              <a:latin typeface="SAS Monospace" panose="020B0609020202020204" pitchFamily="49" charset="0"/>
-            </a:endParaRPr>
-          </a:p>
-          <a:p>
-            <a:endParaRPr lang="en-US" sz="1400" dirty="0">
-              <a:latin typeface="SAS Monospace" panose="020B0609020202020204" pitchFamily="49" charset="0"/>
-            </a:endParaRPr>
-          </a:p>
-          <a:p>
-            <a:r>
-              <a:rPr lang="en-US" sz="1400" dirty="0">
-                <a:latin typeface="SAS Monospace" panose="020B0609020202020204" pitchFamily="49" charset="0"/>
-              </a:rPr>
-              <a:t>Type II MANOVA Tests: Pillai test statistic</a:t>
-            </a:r>
-          </a:p>
-          <a:p>
-            <a:r>
-              <a:rPr lang="en-US" sz="1400" dirty="0">
-                <a:latin typeface="SAS Monospace" panose="020B0609020202020204" pitchFamily="49" charset="0"/>
-              </a:rPr>
-              <a:t>   </a:t>
-            </a:r>
-            <a:r>
-              <a:rPr lang="en-US" sz="1400" dirty="0" err="1">
-                <a:latin typeface="SAS Monospace" panose="020B0609020202020204" pitchFamily="49" charset="0"/>
-              </a:rPr>
-              <a:t>Df</a:t>
-            </a:r>
-            <a:r>
-              <a:rPr lang="en-US" sz="1400" dirty="0">
-                <a:latin typeface="SAS Monospace" panose="020B0609020202020204" pitchFamily="49" charset="0"/>
-              </a:rPr>
-              <a:t> test stat </a:t>
-            </a:r>
-            <a:r>
-              <a:rPr lang="en-US" sz="1400" dirty="0" err="1">
-                <a:latin typeface="SAS Monospace" panose="020B0609020202020204" pitchFamily="49" charset="0"/>
-              </a:rPr>
-              <a:t>approx</a:t>
-            </a:r>
-            <a:r>
-              <a:rPr lang="en-US" sz="1400" dirty="0">
-                <a:latin typeface="SAS Monospace" panose="020B0609020202020204" pitchFamily="49" charset="0"/>
-              </a:rPr>
-              <a:t> F </a:t>
-            </a:r>
-            <a:r>
-              <a:rPr lang="en-US" sz="1400" dirty="0" err="1">
-                <a:latin typeface="SAS Monospace" panose="020B0609020202020204" pitchFamily="49" charset="0"/>
-              </a:rPr>
-              <a:t>num</a:t>
-            </a:r>
-            <a:r>
-              <a:rPr lang="en-US" sz="1400" dirty="0">
-                <a:latin typeface="SAS Monospace" panose="020B0609020202020204" pitchFamily="49" charset="0"/>
-              </a:rPr>
-              <a:t> </a:t>
-            </a:r>
-            <a:r>
-              <a:rPr lang="en-US" sz="1400" dirty="0" err="1">
-                <a:latin typeface="SAS Monospace" panose="020B0609020202020204" pitchFamily="49" charset="0"/>
-              </a:rPr>
-              <a:t>Df</a:t>
-            </a:r>
-            <a:r>
-              <a:rPr lang="en-US" sz="1400" dirty="0">
-                <a:latin typeface="SAS Monospace" panose="020B0609020202020204" pitchFamily="49" charset="0"/>
-              </a:rPr>
-              <a:t> den </a:t>
-            </a:r>
-            <a:r>
-              <a:rPr lang="en-US" sz="1400" dirty="0" err="1">
-                <a:latin typeface="SAS Monospace" panose="020B0609020202020204" pitchFamily="49" charset="0"/>
-              </a:rPr>
-              <a:t>Df</a:t>
-            </a:r>
-            <a:r>
-              <a:rPr lang="en-US" sz="1400" dirty="0">
-                <a:latin typeface="SAS Monospace" panose="020B0609020202020204" pitchFamily="49" charset="0"/>
-              </a:rPr>
-              <a:t>    </a:t>
-            </a:r>
-            <a:r>
-              <a:rPr lang="en-US" sz="1400" dirty="0" err="1">
-                <a:latin typeface="SAS Monospace" panose="020B0609020202020204" pitchFamily="49" charset="0"/>
-              </a:rPr>
-              <a:t>Pr</a:t>
-            </a:r>
-            <a:r>
-              <a:rPr lang="en-US" sz="1400" dirty="0">
-                <a:latin typeface="SAS Monospace" panose="020B0609020202020204" pitchFamily="49" charset="0"/>
-              </a:rPr>
-              <a:t>(&gt;F)    </a:t>
-            </a:r>
-          </a:p>
-          <a:p>
-            <a:r>
-              <a:rPr lang="en-US" sz="1400" dirty="0" err="1">
-                <a:latin typeface="SAS Monospace" panose="020B0609020202020204" pitchFamily="49" charset="0"/>
-              </a:rPr>
-              <a:t>Dx</a:t>
-            </a:r>
-            <a:r>
-              <a:rPr lang="en-US" sz="1400" dirty="0">
-                <a:latin typeface="SAS Monospace" panose="020B0609020202020204" pitchFamily="49" charset="0"/>
-              </a:rPr>
-              <a:t>  2    0.2992   6.8902     12    470 1.562e-11 ***</a:t>
-            </a:r>
-          </a:p>
-          <a:p>
-            <a:r>
-              <a:rPr lang="en-US" sz="1400" dirty="0">
-                <a:latin typeface="SAS Monospace" panose="020B0609020202020204" pitchFamily="49" charset="0"/>
-              </a:rPr>
-              <a:t>---</a:t>
-            </a:r>
-          </a:p>
-          <a:p>
-            <a:r>
-              <a:rPr lang="en-US" sz="1400" dirty="0" err="1">
-                <a:latin typeface="SAS Monospace" panose="020B0609020202020204" pitchFamily="49" charset="0"/>
-              </a:rPr>
-              <a:t>Signif</a:t>
-            </a:r>
-            <a:r>
-              <a:rPr lang="en-US" sz="1400" dirty="0">
-                <a:latin typeface="SAS Monospace" panose="020B0609020202020204" pitchFamily="49" charset="0"/>
-              </a:rPr>
-              <a:t>. codes:  0 ‘***’ 0.001 ‘**’ 0.01 ‘*’ 0.05 ‘.’ 0.1 ‘ ’ 1</a:t>
-            </a:r>
-          </a:p>
-        </p:txBody>
-      </p:sp>
-      <p:sp>
-        <p:nvSpPr>
-          <p:cNvPr id="4" name="Slide Number Placeholder 3"/>
+              </a:rPr>
+              <a:t>collectively</a:t>
+            </a:r>
+            <a:r>
+              <a:rPr lang="en-US" sz="1800" dirty="0"/>
+              <a:t> on the neuro-cognitive measures?</a:t>
+            </a:r>
+          </a:p>
+          <a:p>
+            <a:r>
+              <a:rPr lang="en-US" sz="1800" dirty="0"/>
+              <a:t>How do group differences relate to </a:t>
+            </a:r>
+            <a:r>
+              <a:rPr lang="en-US" sz="1800" dirty="0">
+                <a:solidFill>
+                  <a:srgbClr val="FF0000"/>
+                </a:solidFill>
+              </a:rPr>
+              <a:t>research hypotheses</a:t>
+            </a:r>
+            <a:r>
+              <a:rPr lang="en-US" sz="1800" dirty="0"/>
+              <a:t>?</a:t>
+            </a:r>
+          </a:p>
+          <a:p>
+            <a:r>
+              <a:rPr lang="en-US" sz="1800" dirty="0"/>
+              <a:t>How many </a:t>
+            </a:r>
+            <a:r>
+              <a:rPr lang="en-US" sz="1800" dirty="0">
+                <a:solidFill>
+                  <a:srgbClr val="FF0000"/>
+                </a:solidFill>
+              </a:rPr>
+              <a:t>dimensions</a:t>
+            </a:r>
+            <a:r>
+              <a:rPr lang="en-US" sz="1800" dirty="0"/>
+              <a:t> (aspects) are reflected in the differences among means?</a:t>
+            </a:r>
+          </a:p>
+        </p:txBody>
+      </p:sp>
+      <p:sp>
+        <p:nvSpPr>
+          <p:cNvPr id="3" name="Slide Number Placeholder 2">
+            <a:extLst>
+              <a:ext uri="{FF2B5EF4-FFF2-40B4-BE49-F238E27FC236}">
+                <a16:creationId xmlns:a16="http://schemas.microsoft.com/office/drawing/2014/main" id="{21CE5040-EA82-4746-A209-32CE8D224A10}"/>
+              </a:ext>
+            </a:extLst>
+          </p:cNvPr>
           <p:cNvSpPr>
             <a:spLocks noGrp="1"/>
           </p:cNvSpPr>
@@ -21158,7 +22854,7 @@
           <a:bodyPr/>
           <a:lstStyle/>
           <a:p>
-            <a:fld id="{621225AB-15B9-4C79-A121-04D1DC7E2307}" type="slidenum">
+            <a:fld id="{810B7604-93B8-4136-B9BD-D1CE89EE20B0}" type="slidenum">
               <a:rPr lang="en-US" smtClean="0"/>
               <a:t>5</a:t>
             </a:fld>
@@ -21166,305 +22862,507 @@
           </a:p>
         </p:txBody>
       </p:sp>
-      <p:sp>
-        <p:nvSpPr>
-          <p:cNvPr id="5" name="TextBox 4"/>
-          <p:cNvSpPr txBox="1"/>
-          <p:nvPr/>
-        </p:nvSpPr>
-        <p:spPr>
-          <a:xfrm>
-            <a:off x="533400" y="5181600"/>
-            <a:ext cx="4076700" cy="646331"/>
-          </a:xfrm>
-          <a:prstGeom prst="rect">
-            <a:avLst/>
-          </a:prstGeom>
-          <a:noFill/>
-        </p:spPr>
-        <p:txBody>
-          <a:bodyPr wrap="square" rtlCol="0">
-            <a:spAutoFit/>
-          </a:bodyPr>
-          <a:lstStyle/>
-          <a:p>
-            <a:r>
-              <a:rPr lang="en-US" dirty="0"/>
-              <a:t>So, the groups differ.  But how?</a:t>
-            </a:r>
-          </a:p>
-          <a:p>
-            <a:r>
-              <a:rPr lang="en-US" dirty="0"/>
-              <a:t>What about the research hypotheses?</a:t>
-            </a:r>
-          </a:p>
-        </p:txBody>
-      </p:sp>
-      <p:sp>
-        <p:nvSpPr>
-          <p:cNvPr id="6" name="TextBox 5"/>
-          <p:cNvSpPr txBox="1"/>
-          <p:nvPr/>
-        </p:nvSpPr>
-        <p:spPr>
-          <a:xfrm>
-            <a:off x="5303520" y="5105400"/>
-            <a:ext cx="3352800" cy="1169551"/>
-          </a:xfrm>
-          <a:prstGeom prst="rect">
-            <a:avLst/>
-          </a:prstGeom>
-          <a:solidFill>
-            <a:schemeClr val="accent6">
-              <a:lumMod val="20000"/>
-              <a:lumOff val="80000"/>
-              <a:alpha val="50000"/>
-            </a:schemeClr>
-          </a:solidFill>
-        </p:spPr>
-        <p:txBody>
-          <a:bodyPr wrap="square" rtlCol="0">
-            <a:spAutoFit/>
-          </a:bodyPr>
-          <a:lstStyle/>
-          <a:p>
-            <a:r>
-              <a:rPr lang="en-US" sz="1400" dirty="0">
-                <a:latin typeface="SAS Monospace" panose="020B0609020202020204" pitchFamily="49" charset="0"/>
-              </a:rPr>
-              <a:t>&gt; contrasts(</a:t>
-            </a:r>
-            <a:r>
-              <a:rPr lang="en-US" sz="1400" dirty="0" err="1">
-                <a:latin typeface="SAS Monospace" panose="020B0609020202020204" pitchFamily="49" charset="0"/>
-              </a:rPr>
-              <a:t>NeuroCog$Dx</a:t>
-            </a:r>
-            <a:r>
-              <a:rPr lang="en-US" sz="1400" dirty="0">
-                <a:latin typeface="SAS Monospace" panose="020B0609020202020204" pitchFamily="49" charset="0"/>
-              </a:rPr>
-              <a:t>)</a:t>
-            </a:r>
-          </a:p>
-          <a:p>
-            <a:r>
-              <a:rPr lang="en-US" sz="1400" dirty="0">
-                <a:latin typeface="SAS Monospace" panose="020B0609020202020204" pitchFamily="49" charset="0"/>
-              </a:rPr>
-              <a:t>                [,1] [,2]</a:t>
-            </a:r>
-          </a:p>
-          <a:p>
-            <a:r>
-              <a:rPr lang="en-US" sz="1400" dirty="0">
-                <a:latin typeface="SAS Monospace" panose="020B0609020202020204" pitchFamily="49" charset="0"/>
-              </a:rPr>
-              <a:t>Schizophrenia   -0.5    1</a:t>
-            </a:r>
-          </a:p>
-          <a:p>
-            <a:r>
-              <a:rPr lang="en-US" sz="1400" dirty="0">
-                <a:latin typeface="SAS Monospace" panose="020B0609020202020204" pitchFamily="49" charset="0"/>
-              </a:rPr>
-              <a:t>Schizoaffective -0.5   -1</a:t>
-            </a:r>
-          </a:p>
-          <a:p>
-            <a:r>
-              <a:rPr lang="en-US" sz="1400" dirty="0">
-                <a:latin typeface="SAS Monospace" panose="020B0609020202020204" pitchFamily="49" charset="0"/>
-              </a:rPr>
-              <a:t>Control          1.0    0</a:t>
-            </a:r>
-          </a:p>
-        </p:txBody>
-      </p:sp>
-      <p:cxnSp>
-        <p:nvCxnSpPr>
-          <p:cNvPr id="8" name="Straight Arrow Connector 7"/>
-          <p:cNvCxnSpPr/>
-          <p:nvPr/>
-        </p:nvCxnSpPr>
-        <p:spPr>
-          <a:xfrm>
-            <a:off x="4236720" y="5690175"/>
-            <a:ext cx="1066800" cy="0"/>
-          </a:xfrm>
-          <a:prstGeom prst="straightConnector1">
-            <a:avLst/>
-          </a:prstGeom>
-          <a:ln w="31750">
-            <a:solidFill>
-              <a:srgbClr val="FF0000"/>
-            </a:solidFill>
-            <a:tailEnd type="arrow"/>
-          </a:ln>
-        </p:spPr>
-        <p:style>
-          <a:lnRef idx="1">
-            <a:schemeClr val="accent1"/>
-          </a:lnRef>
-          <a:fillRef idx="0">
-            <a:schemeClr val="accent1"/>
-          </a:fillRef>
-          <a:effectRef idx="0">
-            <a:schemeClr val="accent1"/>
-          </a:effectRef>
-          <a:fontRef idx="minor">
-            <a:schemeClr val="tx1"/>
-          </a:fontRef>
-        </p:style>
-      </p:cxnSp>
-      <p:sp>
-        <p:nvSpPr>
-          <p:cNvPr id="7" name="TextBox 6">
+      <p:grpSp>
+        <p:nvGrpSpPr>
+          <p:cNvPr id="14" name="Group 13">
             <a:extLst>
               <a:ext uri="{FF2B5EF4-FFF2-40B4-BE49-F238E27FC236}">
-                <a16:creationId xmlns:a16="http://schemas.microsoft.com/office/drawing/2014/main" id="{08C92716-079D-4CEB-9157-BD88D9483112}"/>
+                <a16:creationId xmlns:a16="http://schemas.microsoft.com/office/drawing/2014/main" id="{73E4487A-BF8A-4082-AE84-226C045AA554}"/>
               </a:ext>
             </a:extLst>
           </p:cNvPr>
-          <p:cNvSpPr txBox="1"/>
+          <p:cNvGrpSpPr/>
           <p:nvPr/>
-        </p:nvSpPr>
-        <p:spPr>
+        </p:nvGrpSpPr>
+        <p:grpSpPr>
           <a:xfrm>
-            <a:off x="2362200" y="6274951"/>
-            <a:ext cx="3962400" cy="369332"/>
+            <a:off x="457200" y="1219200"/>
+            <a:ext cx="8229600" cy="2776438"/>
+            <a:chOff x="457200" y="1219200"/>
+            <a:chExt cx="8229600" cy="2776438"/>
           </a:xfrm>
-          <a:prstGeom prst="rect">
-            <a:avLst/>
-          </a:prstGeom>
-          <a:noFill/>
-        </p:spPr>
-        <p:txBody>
-          <a:bodyPr wrap="square" rtlCol="0">
-            <a:spAutoFit/>
-          </a:bodyPr>
-          <a:lstStyle/>
-          <a:p>
-            <a:r>
-              <a:rPr lang="en-US" dirty="0"/>
-              <a:t>Dx1 = Control – (</a:t>
-            </a:r>
-            <a:r>
-              <a:rPr lang="en-US" dirty="0" err="1"/>
-              <a:t>Schiz</a:t>
-            </a:r>
-            <a:r>
-              <a:rPr lang="en-US" dirty="0"/>
-              <a:t> + </a:t>
-            </a:r>
-            <a:r>
-              <a:rPr lang="en-US" dirty="0" err="1"/>
-              <a:t>SchizAff</a:t>
-            </a:r>
-            <a:r>
-              <a:rPr lang="en-US" dirty="0"/>
-              <a:t>)/2</a:t>
-            </a:r>
-          </a:p>
-        </p:txBody>
-      </p:sp>
-      <p:cxnSp>
-        <p:nvCxnSpPr>
-          <p:cNvPr id="10" name="Straight Connector 9">
-            <a:extLst>
-              <a:ext uri="{FF2B5EF4-FFF2-40B4-BE49-F238E27FC236}">
-                <a16:creationId xmlns:a16="http://schemas.microsoft.com/office/drawing/2014/main" id="{541C647F-2115-451E-BB7C-00594F2FDF05}"/>
-              </a:ext>
-            </a:extLst>
-          </p:cNvPr>
-          <p:cNvCxnSpPr/>
-          <p:nvPr/>
-        </p:nvCxnSpPr>
-        <p:spPr>
-          <a:xfrm>
-            <a:off x="6172200" y="6412706"/>
-            <a:ext cx="1219200" cy="0"/>
-          </a:xfrm>
-          <a:prstGeom prst="line">
-            <a:avLst/>
-          </a:prstGeom>
-          <a:ln w="31750">
+        </p:grpSpPr>
+        <p:sp>
+          <p:nvSpPr>
+            <p:cNvPr id="4" name="TextBox 3">
+              <a:extLst>
+                <a:ext uri="{FF2B5EF4-FFF2-40B4-BE49-F238E27FC236}">
+                  <a16:creationId xmlns:a16="http://schemas.microsoft.com/office/drawing/2014/main" id="{C0164967-0EB7-4964-9EFE-DFC298AD73FD}"/>
+                </a:ext>
+              </a:extLst>
+            </p:cNvPr>
+            <p:cNvSpPr txBox="1"/>
+            <p:nvPr/>
+          </p:nvSpPr>
+          <p:spPr>
+            <a:xfrm>
+              <a:off x="457200" y="1797999"/>
+              <a:ext cx="8229600" cy="1754326"/>
+            </a:xfrm>
+            <a:prstGeom prst="rect">
+              <a:avLst/>
+            </a:prstGeom>
             <a:solidFill>
-              <a:srgbClr val="FF0000"/>
+              <a:srgbClr val="FFFF00">
+                <a:alpha val="20000"/>
+              </a:srgbClr>
             </a:solidFill>
-            <a:tailEnd type="none" w="lg" len="lg"/>
-          </a:ln>
-        </p:spPr>
-        <p:style>
-          <a:lnRef idx="1">
-            <a:schemeClr val="accent1"/>
-          </a:lnRef>
-          <a:fillRef idx="0">
-            <a:schemeClr val="accent1"/>
-          </a:fillRef>
-          <a:effectRef idx="0">
-            <a:schemeClr val="accent1"/>
-          </a:effectRef>
-          <a:fontRef idx="minor">
-            <a:schemeClr val="tx1"/>
-          </a:fontRef>
-        </p:style>
-      </p:cxnSp>
-      <p:cxnSp>
-        <p:nvCxnSpPr>
-          <p:cNvPr id="12" name="Straight Arrow Connector 11">
-            <a:extLst>
-              <a:ext uri="{FF2B5EF4-FFF2-40B4-BE49-F238E27FC236}">
-                <a16:creationId xmlns:a16="http://schemas.microsoft.com/office/drawing/2014/main" id="{9702B64E-0010-4E7D-8868-9ABF80A3046C}"/>
-              </a:ext>
-            </a:extLst>
-          </p:cNvPr>
-          <p:cNvCxnSpPr>
-            <a:cxnSpLocks/>
-          </p:cNvCxnSpPr>
-          <p:nvPr/>
-        </p:nvCxnSpPr>
-        <p:spPr>
-          <a:xfrm flipV="1">
-            <a:off x="7391400" y="6172200"/>
-            <a:ext cx="0" cy="240506"/>
-          </a:xfrm>
-          <a:prstGeom prst="straightConnector1">
-            <a:avLst/>
-          </a:prstGeom>
-          <a:ln w="31750">
-            <a:solidFill>
-              <a:srgbClr val="FF0000"/>
-            </a:solidFill>
-            <a:tailEnd type="triangle"/>
-          </a:ln>
-        </p:spPr>
-        <p:style>
-          <a:lnRef idx="1">
-            <a:schemeClr val="accent1"/>
-          </a:lnRef>
-          <a:fillRef idx="0">
-            <a:schemeClr val="accent1"/>
-          </a:fillRef>
-          <a:effectRef idx="0">
-            <a:schemeClr val="accent1"/>
-          </a:effectRef>
-          <a:fontRef idx="minor">
-            <a:schemeClr val="tx1"/>
-          </a:fontRef>
-        </p:style>
-      </p:cxnSp>
+          </p:spPr>
+          <p:txBody>
+            <a:bodyPr wrap="square" rtlCol="0">
+              <a:spAutoFit/>
+            </a:bodyPr>
+            <a:lstStyle/>
+            <a:p>
+              <a:r>
+                <a:rPr lang="en-US" sz="1200" dirty="0">
+                  <a:latin typeface="Lucida Console" panose="020B0609040504020204" pitchFamily="49" charset="0"/>
+                </a:rPr>
+                <a:t>&gt; car::some(</a:t>
+              </a:r>
+              <a:r>
+                <a:rPr lang="en-US" sz="1200" dirty="0" err="1">
+                  <a:latin typeface="Lucida Console" panose="020B0609040504020204" pitchFamily="49" charset="0"/>
+                </a:rPr>
+                <a:t>NeuroCog</a:t>
+              </a:r>
+              <a:r>
+                <a:rPr lang="en-US" sz="1200" dirty="0">
+                  <a:latin typeface="Lucida Console" panose="020B0609040504020204" pitchFamily="49" charset="0"/>
+                </a:rPr>
+                <a:t>)</a:t>
+              </a:r>
+            </a:p>
+            <a:p>
+              <a:r>
+                <a:rPr lang="en-US" sz="1200" dirty="0">
+                  <a:latin typeface="Lucida Console" panose="020B0609040504020204" pitchFamily="49" charset="0"/>
+                </a:rPr>
+                <a:t>                 Dx Speed Attention Memory Verbal Visual </a:t>
+              </a:r>
+              <a:r>
+                <a:rPr lang="en-US" sz="1200" dirty="0" err="1">
+                  <a:latin typeface="Lucida Console" panose="020B0609040504020204" pitchFamily="49" charset="0"/>
+                </a:rPr>
+                <a:t>ProbSolv</a:t>
+              </a:r>
+              <a:r>
+                <a:rPr lang="en-US" sz="1200" dirty="0">
+                  <a:latin typeface="Lucida Console" panose="020B0609040504020204" pitchFamily="49" charset="0"/>
+                </a:rPr>
+                <a:t> </a:t>
+              </a:r>
+              <a:r>
+                <a:rPr lang="en-US" sz="1200" dirty="0" err="1">
+                  <a:latin typeface="Lucida Console" panose="020B0609040504020204" pitchFamily="49" charset="0"/>
+                </a:rPr>
+                <a:t>SocialCog</a:t>
+              </a:r>
+              <a:r>
+                <a:rPr lang="en-US" sz="1200" dirty="0">
+                  <a:latin typeface="Lucida Console" panose="020B0609040504020204" pitchFamily="49" charset="0"/>
+                </a:rPr>
+                <a:t> Age    Sex</a:t>
+              </a:r>
+            </a:p>
+            <a:p>
+              <a:r>
+                <a:rPr lang="en-US" sz="1200" dirty="0">
+                  <a:latin typeface="Lucida Console" panose="020B0609040504020204" pitchFamily="49" charset="0"/>
+                </a:rPr>
+                <a:t>14    Schizophrenia    19         9     19     33     24       39        28  44 Female</a:t>
+              </a:r>
+            </a:p>
+            <a:p>
+              <a:r>
+                <a:rPr lang="en-US" sz="1200" dirty="0">
+                  <a:latin typeface="Lucida Console" panose="020B0609040504020204" pitchFamily="49" charset="0"/>
+                </a:rPr>
+                <a:t>88  Schizoaffective    27        44     24     33     26       31        36  53 Female</a:t>
+              </a:r>
+            </a:p>
+            <a:p>
+              <a:r>
+                <a:rPr lang="en-US" sz="1200" dirty="0">
+                  <a:latin typeface="Lucida Console" panose="020B0609040504020204" pitchFamily="49" charset="0"/>
+                </a:rPr>
+                <a:t>105 Schizoaffective    23        41     42     48     46       29        50  52 Female</a:t>
+              </a:r>
+            </a:p>
+            <a:p>
+              <a:r>
+                <a:rPr lang="en-US" sz="1200" dirty="0">
+                  <a:latin typeface="Lucida Console" panose="020B0609040504020204" pitchFamily="49" charset="0"/>
+                </a:rPr>
+                <a:t>114 Schizoaffective    41        53     47     39     30       50        63  32 Female</a:t>
+              </a:r>
+            </a:p>
+            <a:p>
+              <a:r>
+                <a:rPr lang="en-US" sz="1200" dirty="0">
+                  <a:latin typeface="Lucida Console" panose="020B0609040504020204" pitchFamily="49" charset="0"/>
+                </a:rPr>
+                <a:t>130         Control    44        25     21     37     32       43        29  43 Female</a:t>
+              </a:r>
+            </a:p>
+            <a:p>
+              <a:r>
+                <a:rPr lang="en-US" sz="1200" dirty="0">
+                  <a:latin typeface="Lucida Console" panose="020B0609040504020204" pitchFamily="49" charset="0"/>
+                </a:rPr>
+                <a:t>165         Control    35        35     43     53     57       37        40  30   Male</a:t>
+              </a:r>
+            </a:p>
+            <a:p>
+              <a:r>
+                <a:rPr lang="en-US" sz="1200" dirty="0">
+                  <a:latin typeface="Lucida Console" panose="020B0609040504020204" pitchFamily="49" charset="0"/>
+                </a:rPr>
+                <a:t>194         Control    47        40     53     53     40       45        49  55 Female</a:t>
+              </a:r>
+            </a:p>
+          </p:txBody>
+        </p:sp>
+        <p:sp>
+          <p:nvSpPr>
+            <p:cNvPr id="8" name="TextBox 7">
+              <a:extLst>
+                <a:ext uri="{FF2B5EF4-FFF2-40B4-BE49-F238E27FC236}">
+                  <a16:creationId xmlns:a16="http://schemas.microsoft.com/office/drawing/2014/main" id="{E5BF1066-731A-40D8-8417-803AAFCCAEF8}"/>
+                </a:ext>
+              </a:extLst>
+            </p:cNvPr>
+            <p:cNvSpPr txBox="1"/>
+            <p:nvPr/>
+          </p:nvSpPr>
+          <p:spPr>
+            <a:xfrm>
+              <a:off x="457200" y="1219200"/>
+              <a:ext cx="1219200" cy="461665"/>
+            </a:xfrm>
+            <a:prstGeom prst="rect">
+              <a:avLst/>
+            </a:prstGeom>
+            <a:noFill/>
+          </p:spPr>
+          <p:txBody>
+            <a:bodyPr wrap="square" rtlCol="0">
+              <a:spAutoFit/>
+            </a:bodyPr>
+            <a:lstStyle/>
+            <a:p>
+              <a:r>
+                <a:rPr lang="en-US" sz="2400" dirty="0"/>
+                <a:t>Data</a:t>
+              </a:r>
+            </a:p>
+          </p:txBody>
+        </p:sp>
+        <p:sp>
+          <p:nvSpPr>
+            <p:cNvPr id="10" name="TextBox 9">
+              <a:extLst>
+                <a:ext uri="{FF2B5EF4-FFF2-40B4-BE49-F238E27FC236}">
+                  <a16:creationId xmlns:a16="http://schemas.microsoft.com/office/drawing/2014/main" id="{4706E83D-4763-40A9-A7FB-42193BE79B48}"/>
+                </a:ext>
+              </a:extLst>
+            </p:cNvPr>
+            <p:cNvSpPr txBox="1"/>
+            <p:nvPr/>
+          </p:nvSpPr>
+          <p:spPr>
+            <a:xfrm>
+              <a:off x="685800" y="3657084"/>
+              <a:ext cx="8001000" cy="338554"/>
+            </a:xfrm>
+            <a:prstGeom prst="rect">
+              <a:avLst/>
+            </a:prstGeom>
+            <a:noFill/>
+          </p:spPr>
+          <p:txBody>
+            <a:bodyPr wrap="square" rtlCol="0">
+              <a:spAutoFit/>
+            </a:bodyPr>
+            <a:lstStyle/>
+            <a:p>
+              <a:r>
+                <a:rPr lang="en-US" sz="1600" dirty="0"/>
+                <a:t>    diagnostic group           ------------- neuro-cognitive measures -----------------------     -- ignored --</a:t>
+              </a:r>
+            </a:p>
+          </p:txBody>
+        </p:sp>
+      </p:grpSp>
     </p:spTree>
     <p:extLst>
       <p:ext uri="{BB962C8B-B14F-4D97-AF65-F5344CB8AC3E}">
-        <p14:creationId xmlns:p14="http://schemas.microsoft.com/office/powerpoint/2010/main" val="1932625559"/>
+        <p14:creationId xmlns:p14="http://schemas.microsoft.com/office/powerpoint/2010/main" val="1853375670"/>
       </p:ext>
     </p:extLst>
   </p:cSld>
   <p:clrMapOvr>
     <a:masterClrMapping/>
   </p:clrMapOvr>
+  <p:timing>
+    <p:tnLst>
+      <p:par>
+        <p:cTn id="1" dur="indefinite" restart="never" nodeType="tmRoot">
+          <p:childTnLst>
+            <p:seq concurrent="1" nextAc="seek">
+              <p:cTn id="2" dur="indefinite" nodeType="mainSeq">
+                <p:childTnLst>
+                  <p:par>
+                    <p:cTn id="3" fill="hold">
+                      <p:stCondLst>
+                        <p:cond delay="indefinite"/>
+                        <p:cond evt="onBegin" delay="0">
+                          <p:tn val="2"/>
+                        </p:cond>
+                      </p:stCondLst>
+                      <p:childTnLst>
+                        <p:par>
+                          <p:cTn id="4" fill="hold">
+                            <p:stCondLst>
+                              <p:cond delay="0"/>
+                            </p:stCondLst>
+                            <p:childTnLst>
+                              <p:par>
+                                <p:cTn id="5" presetID="1" presetClass="entr" presetSubtype="0" fill="hold" nodeType="withEffect">
+                                  <p:stCondLst>
+                                    <p:cond delay="0"/>
+                                  </p:stCondLst>
+                                  <p:childTnLst>
+                                    <p:set>
+                                      <p:cBhvr>
+                                        <p:cTn id="6" dur="1" fill="hold">
+                                          <p:stCondLst>
+                                            <p:cond delay="0"/>
+                                          </p:stCondLst>
+                                        </p:cTn>
+                                        <p:tgtEl>
+                                          <p:spTgt spid="14"/>
+                                        </p:tgtEl>
+                                        <p:attrNameLst>
+                                          <p:attrName>style.visibility</p:attrName>
+                                        </p:attrNameLst>
+                                      </p:cBhvr>
+                                      <p:to>
+                                        <p:strVal val="visible"/>
+                                      </p:to>
+                                    </p:set>
+                                  </p:childTnLst>
+                                </p:cTn>
+                              </p:par>
+                            </p:childTnLst>
+                          </p:cTn>
+                        </p:par>
+                      </p:childTnLst>
+                    </p:cTn>
+                  </p:par>
+                  <p:par>
+                    <p:cTn id="7" fill="hold">
+                      <p:stCondLst>
+                        <p:cond delay="indefinite"/>
+                      </p:stCondLst>
+                      <p:childTnLst>
+                        <p:par>
+                          <p:cTn id="8" fill="hold">
+                            <p:stCondLst>
+                              <p:cond delay="0"/>
+                            </p:stCondLst>
+                            <p:childTnLst>
+                              <p:par>
+                                <p:cTn id="9" presetID="1" presetClass="entr" presetSubtype="0" fill="hold" grpId="0" nodeType="clickEffect">
+                                  <p:stCondLst>
+                                    <p:cond delay="0"/>
+                                  </p:stCondLst>
+                                  <p:childTnLst>
+                                    <p:set>
+                                      <p:cBhvr>
+                                        <p:cTn id="10" dur="1" fill="hold">
+                                          <p:stCondLst>
+                                            <p:cond delay="0"/>
+                                          </p:stCondLst>
+                                        </p:cTn>
+                                        <p:tgtEl>
+                                          <p:spTgt spid="13">
+                                            <p:txEl>
+                                              <p:pRg st="0" end="0"/>
+                                            </p:txEl>
+                                          </p:spTgt>
+                                        </p:tgtEl>
+                                        <p:attrNameLst>
+                                          <p:attrName>style.visibility</p:attrName>
+                                        </p:attrNameLst>
+                                      </p:cBhvr>
+                                      <p:to>
+                                        <p:strVal val="visible"/>
+                                      </p:to>
+                                    </p:set>
+                                  </p:childTnLst>
+                                </p:cTn>
+                              </p:par>
+                              <p:par>
+                                <p:cTn id="11" presetID="1" presetClass="entr" presetSubtype="0" fill="hold" grpId="0" nodeType="withEffect">
+                                  <p:stCondLst>
+                                    <p:cond delay="0"/>
+                                  </p:stCondLst>
+                                  <p:childTnLst>
+                                    <p:set>
+                                      <p:cBhvr>
+                                        <p:cTn id="12" dur="1" fill="hold">
+                                          <p:stCondLst>
+                                            <p:cond delay="0"/>
+                                          </p:stCondLst>
+                                        </p:cTn>
+                                        <p:tgtEl>
+                                          <p:spTgt spid="13">
+                                            <p:txEl>
+                                              <p:pRg st="1" end="1"/>
+                                            </p:txEl>
+                                          </p:spTgt>
+                                        </p:tgtEl>
+                                        <p:attrNameLst>
+                                          <p:attrName>style.visibility</p:attrName>
+                                        </p:attrNameLst>
+                                      </p:cBhvr>
+                                      <p:to>
+                                        <p:strVal val="visible"/>
+                                      </p:to>
+                                    </p:set>
+                                  </p:childTnLst>
+                                </p:cTn>
+                              </p:par>
+                            </p:childTnLst>
+                          </p:cTn>
+                        </p:par>
+                      </p:childTnLst>
+                    </p:cTn>
+                  </p:par>
+                  <p:par>
+                    <p:cTn id="13" fill="hold">
+                      <p:stCondLst>
+                        <p:cond delay="indefinite"/>
+                      </p:stCondLst>
+                      <p:childTnLst>
+                        <p:par>
+                          <p:cTn id="14" fill="hold">
+                            <p:stCondLst>
+                              <p:cond delay="0"/>
+                            </p:stCondLst>
+                            <p:childTnLst>
+                              <p:par>
+                                <p:cTn id="15" presetID="1" presetClass="entr" presetSubtype="0" fill="hold" grpId="0" nodeType="clickEffect">
+                                  <p:stCondLst>
+                                    <p:cond delay="0"/>
+                                  </p:stCondLst>
+                                  <p:childTnLst>
+                                    <p:set>
+                                      <p:cBhvr>
+                                        <p:cTn id="16" dur="1" fill="hold">
+                                          <p:stCondLst>
+                                            <p:cond delay="0"/>
+                                          </p:stCondLst>
+                                        </p:cTn>
+                                        <p:tgtEl>
+                                          <p:spTgt spid="13">
+                                            <p:txEl>
+                                              <p:pRg st="2" end="2"/>
+                                            </p:txEl>
+                                          </p:spTgt>
+                                        </p:tgtEl>
+                                        <p:attrNameLst>
+                                          <p:attrName>style.visibility</p:attrName>
+                                        </p:attrNameLst>
+                                      </p:cBhvr>
+                                      <p:to>
+                                        <p:strVal val="visible"/>
+                                      </p:to>
+                                    </p:set>
+                                  </p:childTnLst>
+                                </p:cTn>
+                              </p:par>
+                            </p:childTnLst>
+                          </p:cTn>
+                        </p:par>
+                      </p:childTnLst>
+                    </p:cTn>
+                  </p:par>
+                  <p:par>
+                    <p:cTn id="17" fill="hold">
+                      <p:stCondLst>
+                        <p:cond delay="indefinite"/>
+                      </p:stCondLst>
+                      <p:childTnLst>
+                        <p:par>
+                          <p:cTn id="18" fill="hold">
+                            <p:stCondLst>
+                              <p:cond delay="0"/>
+                            </p:stCondLst>
+                            <p:childTnLst>
+                              <p:par>
+                                <p:cTn id="19" presetID="1" presetClass="entr" presetSubtype="0" fill="hold" grpId="0" nodeType="clickEffect">
+                                  <p:stCondLst>
+                                    <p:cond delay="0"/>
+                                  </p:stCondLst>
+                                  <p:childTnLst>
+                                    <p:set>
+                                      <p:cBhvr>
+                                        <p:cTn id="20" dur="1" fill="hold">
+                                          <p:stCondLst>
+                                            <p:cond delay="0"/>
+                                          </p:stCondLst>
+                                        </p:cTn>
+                                        <p:tgtEl>
+                                          <p:spTgt spid="13">
+                                            <p:txEl>
+                                              <p:pRg st="3" end="3"/>
+                                            </p:txEl>
+                                          </p:spTgt>
+                                        </p:tgtEl>
+                                        <p:attrNameLst>
+                                          <p:attrName>style.visibility</p:attrName>
+                                        </p:attrNameLst>
+                                      </p:cBhvr>
+                                      <p:to>
+                                        <p:strVal val="visible"/>
+                                      </p:to>
+                                    </p:set>
+                                  </p:childTnLst>
+                                </p:cTn>
+                              </p:par>
+                            </p:childTnLst>
+                          </p:cTn>
+                        </p:par>
+                      </p:childTnLst>
+                    </p:cTn>
+                  </p:par>
+                </p:childTnLst>
+              </p:cTn>
+              <p:prevCondLst>
+                <p:cond evt="onPrev" delay="0">
+                  <p:tgtEl>
+                    <p:sldTgt/>
+                  </p:tgtEl>
+                </p:cond>
+              </p:prevCondLst>
+              <p:nextCondLst>
+                <p:cond evt="onNext" delay="0">
+                  <p:tgtEl>
+                    <p:sldTgt/>
+                  </p:tgtEl>
+                </p:cond>
+              </p:nextCondLst>
+            </p:seq>
+          </p:childTnLst>
+        </p:cTn>
+      </p:par>
+    </p:tnLst>
+    <p:bldLst>
+      <p:bldP spid="13" grpId="0" uiExpand="1" build="p"/>
+    </p:bldLst>
+  </p:timing>
 </p:sld>
 </file>
 
@@ -21487,6 +23385,1471 @@
       </p:grpSpPr>
       <p:sp>
         <p:nvSpPr>
+          <p:cNvPr id="2" name="Title 1">
+            <a:extLst>
+              <a:ext uri="{FF2B5EF4-FFF2-40B4-BE49-F238E27FC236}">
+                <a16:creationId xmlns:a16="http://schemas.microsoft.com/office/drawing/2014/main" id="{B2338F81-F15F-44B0-A6C5-4D1BFDCABA5B}"/>
+              </a:ext>
+            </a:extLst>
+          </p:cNvPr>
+          <p:cNvSpPr>
+            <a:spLocks noGrp="1"/>
+          </p:cNvSpPr>
+          <p:nvPr>
+            <p:ph type="title"/>
+          </p:nvPr>
+        </p:nvSpPr>
+        <p:spPr/>
+        <p:txBody>
+          <a:bodyPr/>
+          <a:lstStyle/>
+          <a:p>
+            <a:r>
+              <a:rPr lang="en-US" dirty="0"/>
+              <a:t>Neuro-cognitive measures: Analyses</a:t>
+            </a:r>
+          </a:p>
+        </p:txBody>
+      </p:sp>
+      <p:sp>
+        <p:nvSpPr>
+          <p:cNvPr id="5" name="Content Placeholder 4">
+            <a:extLst>
+              <a:ext uri="{FF2B5EF4-FFF2-40B4-BE49-F238E27FC236}">
+                <a16:creationId xmlns:a16="http://schemas.microsoft.com/office/drawing/2014/main" id="{131688FD-7B67-4164-8DFB-1D8A4BDB11FA}"/>
+              </a:ext>
+            </a:extLst>
+          </p:cNvPr>
+          <p:cNvSpPr>
+            <a:spLocks noGrp="1"/>
+          </p:cNvSpPr>
+          <p:nvPr>
+            <p:ph idx="1"/>
+          </p:nvPr>
+        </p:nvSpPr>
+        <p:spPr/>
+        <p:txBody>
+          <a:bodyPr>
+            <a:normAutofit lnSpcReduction="10000"/>
+          </a:bodyPr>
+          <a:lstStyle/>
+          <a:p>
+            <a:r>
+              <a:rPr lang="en-US" sz="2400" dirty="0"/>
+              <a:t>Could do a series of univariate ANOVAs</a:t>
+            </a:r>
+          </a:p>
+          <a:p>
+            <a:pPr lvl="1"/>
+            <a:r>
+              <a:rPr lang="en-US" sz="1400" dirty="0">
+                <a:highlight>
+                  <a:srgbClr val="FFFF00"/>
+                </a:highlight>
+                <a:latin typeface="Lucida Console" panose="020B0609040504020204" pitchFamily="49" charset="0"/>
+              </a:rPr>
+              <a:t>car::</a:t>
+            </a:r>
+            <a:r>
+              <a:rPr lang="en-US" sz="1400" dirty="0" err="1">
+                <a:highlight>
+                  <a:srgbClr val="FFFF00"/>
+                </a:highlight>
+                <a:latin typeface="Lucida Console" panose="020B0609040504020204" pitchFamily="49" charset="0"/>
+              </a:rPr>
+              <a:t>Anova</a:t>
+            </a:r>
+            <a:r>
+              <a:rPr lang="en-US" sz="1400" dirty="0">
+                <a:highlight>
+                  <a:srgbClr val="FFFF00"/>
+                </a:highlight>
+                <a:latin typeface="Lucida Console" panose="020B0609040504020204" pitchFamily="49" charset="0"/>
+              </a:rPr>
+              <a:t>(NC.mlm1 &lt;- </a:t>
+            </a:r>
+            <a:r>
+              <a:rPr lang="en-US" sz="1400" dirty="0" err="1">
+                <a:highlight>
+                  <a:srgbClr val="FFFF00"/>
+                </a:highlight>
+                <a:latin typeface="Lucida Console" panose="020B0609040504020204" pitchFamily="49" charset="0"/>
+              </a:rPr>
+              <a:t>lm</a:t>
+            </a:r>
+            <a:r>
+              <a:rPr lang="en-US" sz="1400" dirty="0">
+                <a:highlight>
+                  <a:srgbClr val="FFFF00"/>
+                </a:highlight>
+                <a:latin typeface="Lucida Console" panose="020B0609040504020204" pitchFamily="49" charset="0"/>
+              </a:rPr>
+              <a:t> (Speed ~ DX, data=</a:t>
+            </a:r>
+            <a:r>
+              <a:rPr lang="en-US" sz="1400" dirty="0" err="1">
+                <a:highlight>
+                  <a:srgbClr val="FFFF00"/>
+                </a:highlight>
+                <a:latin typeface="Lucida Console" panose="020B0609040504020204" pitchFamily="49" charset="0"/>
+              </a:rPr>
+              <a:t>NeuroCog</a:t>
+            </a:r>
+            <a:r>
+              <a:rPr lang="en-US" sz="1400" dirty="0">
+                <a:highlight>
+                  <a:srgbClr val="FFFF00"/>
+                </a:highlight>
+                <a:latin typeface="Lucida Console" panose="020B0609040504020204" pitchFamily="49" charset="0"/>
+              </a:rPr>
+              <a:t>))</a:t>
+            </a:r>
+          </a:p>
+          <a:p>
+            <a:pPr lvl="1"/>
+            <a:r>
+              <a:rPr lang="en-US" sz="1400" dirty="0">
+                <a:highlight>
+                  <a:srgbClr val="FFFF00"/>
+                </a:highlight>
+                <a:latin typeface="Lucida Console" panose="020B0609040504020204" pitchFamily="49" charset="0"/>
+              </a:rPr>
+              <a:t>car::</a:t>
+            </a:r>
+            <a:r>
+              <a:rPr lang="en-US" sz="1400" dirty="0" err="1">
+                <a:highlight>
+                  <a:srgbClr val="FFFF00"/>
+                </a:highlight>
+                <a:latin typeface="Lucida Console" panose="020B0609040504020204" pitchFamily="49" charset="0"/>
+              </a:rPr>
+              <a:t>Anova</a:t>
+            </a:r>
+            <a:r>
+              <a:rPr lang="en-US" sz="1400" dirty="0">
+                <a:highlight>
+                  <a:srgbClr val="FFFF00"/>
+                </a:highlight>
+                <a:latin typeface="Lucida Console" panose="020B0609040504020204" pitchFamily="49" charset="0"/>
+              </a:rPr>
+              <a:t>(NC.mlm2 &lt;- </a:t>
+            </a:r>
+            <a:r>
+              <a:rPr lang="en-US" sz="1400" dirty="0" err="1">
+                <a:highlight>
+                  <a:srgbClr val="FFFF00"/>
+                </a:highlight>
+                <a:latin typeface="Lucida Console" panose="020B0609040504020204" pitchFamily="49" charset="0"/>
+              </a:rPr>
+              <a:t>lm</a:t>
+            </a:r>
+            <a:r>
+              <a:rPr lang="en-US" sz="1400" dirty="0">
+                <a:highlight>
+                  <a:srgbClr val="FFFF00"/>
+                </a:highlight>
+                <a:latin typeface="Lucida Console" panose="020B0609040504020204" pitchFamily="49" charset="0"/>
+              </a:rPr>
+              <a:t> (Attention ~ DX, data=</a:t>
+            </a:r>
+            <a:r>
+              <a:rPr lang="en-US" sz="1400" dirty="0" err="1">
+                <a:highlight>
+                  <a:srgbClr val="FFFF00"/>
+                </a:highlight>
+                <a:latin typeface="Lucida Console" panose="020B0609040504020204" pitchFamily="49" charset="0"/>
+              </a:rPr>
+              <a:t>NeuroCog</a:t>
+            </a:r>
+            <a:r>
+              <a:rPr lang="en-US" sz="1400" dirty="0">
+                <a:highlight>
+                  <a:srgbClr val="FFFF00"/>
+                </a:highlight>
+                <a:latin typeface="Lucida Console" panose="020B0609040504020204" pitchFamily="49" charset="0"/>
+              </a:rPr>
+              <a:t>))</a:t>
+            </a:r>
+          </a:p>
+          <a:p>
+            <a:pPr lvl="1"/>
+            <a:r>
+              <a:rPr lang="en-US" sz="1400" dirty="0">
+                <a:highlight>
+                  <a:srgbClr val="FFFF00"/>
+                </a:highlight>
+                <a:latin typeface="Lucida Console" panose="020B0609040504020204" pitchFamily="49" charset="0"/>
+              </a:rPr>
+              <a:t>car::</a:t>
+            </a:r>
+            <a:r>
+              <a:rPr lang="en-US" sz="1400" dirty="0" err="1">
+                <a:highlight>
+                  <a:srgbClr val="FFFF00"/>
+                </a:highlight>
+                <a:latin typeface="Lucida Console" panose="020B0609040504020204" pitchFamily="49" charset="0"/>
+              </a:rPr>
+              <a:t>Anova</a:t>
+            </a:r>
+            <a:r>
+              <a:rPr lang="en-US" sz="1400" dirty="0">
+                <a:highlight>
+                  <a:srgbClr val="FFFF00"/>
+                </a:highlight>
+                <a:latin typeface="Lucida Console" panose="020B0609040504020204" pitchFamily="49" charset="0"/>
+              </a:rPr>
+              <a:t>(NC.mlm3 &lt;- </a:t>
+            </a:r>
+            <a:r>
+              <a:rPr lang="en-US" sz="1400" dirty="0" err="1">
+                <a:highlight>
+                  <a:srgbClr val="FFFF00"/>
+                </a:highlight>
+                <a:latin typeface="Lucida Console" panose="020B0609040504020204" pitchFamily="49" charset="0"/>
+              </a:rPr>
+              <a:t>lm</a:t>
+            </a:r>
+            <a:r>
+              <a:rPr lang="en-US" sz="1400" dirty="0">
+                <a:highlight>
+                  <a:srgbClr val="FFFF00"/>
+                </a:highlight>
+                <a:latin typeface="Lucida Console" panose="020B0609040504020204" pitchFamily="49" charset="0"/>
+              </a:rPr>
+              <a:t> (Memory ~ DX, data=</a:t>
+            </a:r>
+            <a:r>
+              <a:rPr lang="en-US" sz="1400" dirty="0" err="1">
+                <a:highlight>
+                  <a:srgbClr val="FFFF00"/>
+                </a:highlight>
+                <a:latin typeface="Lucida Console" panose="020B0609040504020204" pitchFamily="49" charset="0"/>
+              </a:rPr>
+              <a:t>NeuroCog</a:t>
+            </a:r>
+            <a:r>
+              <a:rPr lang="en-US" sz="1400" dirty="0">
+                <a:highlight>
+                  <a:srgbClr val="FFFF00"/>
+                </a:highlight>
+                <a:latin typeface="Lucida Console" panose="020B0609040504020204" pitchFamily="49" charset="0"/>
+              </a:rPr>
+              <a:t>))</a:t>
+            </a:r>
+          </a:p>
+          <a:p>
+            <a:pPr lvl="1"/>
+            <a:r>
+              <a:rPr lang="en-US" sz="1600" dirty="0"/>
+              <a:t>…</a:t>
+            </a:r>
+          </a:p>
+          <a:p>
+            <a:r>
+              <a:rPr lang="en-US" sz="2400" dirty="0"/>
+              <a:t>Better: MANOVA test for </a:t>
+            </a:r>
+            <a:r>
+              <a:rPr lang="en-US" sz="2400" dirty="0">
+                <a:solidFill>
+                  <a:srgbClr val="FF0000"/>
+                </a:solidFill>
+              </a:rPr>
+              <a:t>all</a:t>
+            </a:r>
+            <a:r>
+              <a:rPr lang="en-US" sz="2400" dirty="0"/>
+              <a:t> 7 responses </a:t>
+            </a:r>
+            <a:r>
+              <a:rPr lang="en-US" sz="2400" dirty="0">
+                <a:solidFill>
+                  <a:srgbClr val="FF0000"/>
+                </a:solidFill>
+              </a:rPr>
+              <a:t>together</a:t>
+            </a:r>
+          </a:p>
+          <a:p>
+            <a:pPr lvl="1"/>
+            <a:r>
+              <a:rPr lang="en-US" sz="1600" dirty="0" err="1">
+                <a:highlight>
+                  <a:srgbClr val="FFFF00"/>
+                </a:highlight>
+              </a:rPr>
+              <a:t>Anova</a:t>
+            </a:r>
+            <a:r>
+              <a:rPr lang="en-US" sz="1600" dirty="0">
+                <a:highlight>
+                  <a:srgbClr val="FFFF00"/>
+                </a:highlight>
+              </a:rPr>
+              <a:t>(</a:t>
+            </a:r>
+            <a:r>
+              <a:rPr lang="en-US" sz="1600" dirty="0" err="1">
+                <a:highlight>
+                  <a:srgbClr val="FFFF00"/>
+                </a:highlight>
+              </a:rPr>
+              <a:t>NC.mlm</a:t>
+            </a:r>
+            <a:r>
+              <a:rPr lang="en-US" sz="1600" dirty="0">
+                <a:highlight>
+                  <a:srgbClr val="FFFF00"/>
+                </a:highlight>
+              </a:rPr>
+              <a:t> = </a:t>
+            </a:r>
+            <a:r>
+              <a:rPr lang="en-US" sz="1600" dirty="0" err="1">
+                <a:highlight>
+                  <a:srgbClr val="FFFF00"/>
+                </a:highlight>
+              </a:rPr>
+              <a:t>lm</a:t>
+            </a:r>
+            <a:r>
+              <a:rPr lang="en-US" sz="1600" dirty="0">
+                <a:highlight>
+                  <a:srgbClr val="FFFF00"/>
+                </a:highlight>
+              </a:rPr>
+              <a:t>(</a:t>
+            </a:r>
+            <a:r>
+              <a:rPr lang="en-US" sz="1600" dirty="0" err="1">
+                <a:highlight>
+                  <a:srgbClr val="FFFF00"/>
+                </a:highlight>
+              </a:rPr>
+              <a:t>cbind</a:t>
+            </a:r>
+            <a:r>
+              <a:rPr lang="en-US" sz="1600" dirty="0">
+                <a:highlight>
+                  <a:srgbClr val="FFFF00"/>
+                </a:highlight>
+              </a:rPr>
+              <a:t>(Speed, Attention, Memory, …) ~ Dx, data=</a:t>
+            </a:r>
+            <a:r>
+              <a:rPr lang="en-US" sz="1600" dirty="0" err="1">
+                <a:highlight>
+                  <a:srgbClr val="FFFF00"/>
+                </a:highlight>
+              </a:rPr>
+              <a:t>SocialCog</a:t>
+            </a:r>
+            <a:r>
+              <a:rPr lang="en-US" sz="1600" dirty="0">
+                <a:highlight>
+                  <a:srgbClr val="FFFF00"/>
+                </a:highlight>
+              </a:rPr>
+              <a:t> )</a:t>
+            </a:r>
+          </a:p>
+          <a:p>
+            <a:r>
+              <a:rPr lang="en-US" sz="2400" dirty="0"/>
+              <a:t>Research hypotheses: test contrasts</a:t>
+            </a:r>
+          </a:p>
+          <a:p>
+            <a:pPr lvl="1"/>
+            <a:r>
+              <a:rPr lang="en-US" sz="1600" dirty="0"/>
+              <a:t>Dx1:   Control – (</a:t>
+            </a:r>
+            <a:r>
+              <a:rPr lang="en-US" sz="1600" dirty="0" err="1"/>
+              <a:t>Schiz</a:t>
+            </a:r>
+            <a:r>
+              <a:rPr lang="en-US" sz="1600" dirty="0"/>
+              <a:t> + </a:t>
+            </a:r>
+            <a:r>
+              <a:rPr lang="en-US" sz="1600" dirty="0" err="1"/>
+              <a:t>SchizAff</a:t>
+            </a:r>
+            <a:r>
+              <a:rPr lang="en-US" sz="1600" dirty="0"/>
+              <a:t>)/2 = 0   </a:t>
+            </a:r>
+            <a:r>
+              <a:rPr lang="en-US" sz="1600" dirty="0">
+                <a:sym typeface="Symbol" panose="05050102010706020507" pitchFamily="18" charset="2"/>
+              </a:rPr>
+              <a:t></a:t>
+            </a:r>
+            <a:r>
+              <a:rPr lang="en-US" sz="1600" dirty="0"/>
+              <a:t>     </a:t>
+            </a:r>
+            <a:r>
+              <a:rPr lang="en-US" sz="1400" dirty="0" err="1">
+                <a:highlight>
+                  <a:srgbClr val="FFFF00"/>
+                </a:highlight>
+                <a:latin typeface="Lucida Console" panose="020B0609040504020204" pitchFamily="49" charset="0"/>
+              </a:rPr>
+              <a:t>linearHypotheses</a:t>
+            </a:r>
+            <a:r>
+              <a:rPr lang="en-US" sz="1400" dirty="0">
+                <a:highlight>
+                  <a:srgbClr val="FFFF00"/>
+                </a:highlight>
+                <a:latin typeface="Lucida Console" panose="020B0609040504020204" pitchFamily="49" charset="0"/>
+              </a:rPr>
+              <a:t>(</a:t>
+            </a:r>
+            <a:r>
+              <a:rPr lang="en-US" sz="1400" dirty="0" err="1">
+                <a:highlight>
+                  <a:srgbClr val="FFFF00"/>
+                </a:highlight>
+                <a:latin typeface="Lucida Console" panose="020B0609040504020204" pitchFamily="49" charset="0"/>
+              </a:rPr>
+              <a:t>NC.mlm</a:t>
+            </a:r>
+            <a:r>
+              <a:rPr lang="en-US" sz="1400" dirty="0">
+                <a:highlight>
+                  <a:srgbClr val="FFFF00"/>
+                </a:highlight>
+                <a:latin typeface="Lucida Console" panose="020B0609040504020204" pitchFamily="49" charset="0"/>
+              </a:rPr>
+              <a:t>, “Dx1”)          </a:t>
+            </a:r>
+          </a:p>
+          <a:p>
+            <a:pPr lvl="1"/>
+            <a:r>
+              <a:rPr lang="en-US" sz="1600" dirty="0"/>
+              <a:t>Dx2:   </a:t>
+            </a:r>
+            <a:r>
+              <a:rPr lang="en-US" sz="1600" dirty="0" err="1"/>
+              <a:t>Schiz</a:t>
+            </a:r>
+            <a:r>
+              <a:rPr lang="en-US" sz="1600" dirty="0"/>
+              <a:t> – </a:t>
+            </a:r>
+            <a:r>
+              <a:rPr lang="en-US" sz="1600" dirty="0" err="1"/>
+              <a:t>SchAff</a:t>
+            </a:r>
+            <a:r>
+              <a:rPr lang="en-US" sz="1600" dirty="0"/>
+              <a:t> = 0                              </a:t>
+            </a:r>
+            <a:r>
+              <a:rPr lang="en-US" sz="1600" dirty="0">
+                <a:sym typeface="Symbol" panose="05050102010706020507" pitchFamily="18" charset="2"/>
+              </a:rPr>
+              <a:t></a:t>
+            </a:r>
+            <a:r>
+              <a:rPr lang="en-US" sz="1600" dirty="0"/>
+              <a:t>     </a:t>
+            </a:r>
+            <a:r>
+              <a:rPr lang="en-US" sz="1400" dirty="0" err="1">
+                <a:highlight>
+                  <a:srgbClr val="FFFF00"/>
+                </a:highlight>
+                <a:latin typeface="Lucida Console" panose="020B0609040504020204" pitchFamily="49" charset="0"/>
+              </a:rPr>
+              <a:t>linearHypotheses</a:t>
+            </a:r>
+            <a:r>
+              <a:rPr lang="en-US" sz="1400" dirty="0">
+                <a:highlight>
+                  <a:srgbClr val="FFFF00"/>
+                </a:highlight>
+                <a:latin typeface="Lucida Console" panose="020B0609040504020204" pitchFamily="49" charset="0"/>
+              </a:rPr>
+              <a:t>(</a:t>
+            </a:r>
+            <a:r>
+              <a:rPr lang="en-US" sz="1400" dirty="0" err="1">
+                <a:highlight>
+                  <a:srgbClr val="FFFF00"/>
+                </a:highlight>
+                <a:latin typeface="Lucida Console" panose="020B0609040504020204" pitchFamily="49" charset="0"/>
+              </a:rPr>
+              <a:t>NC.mlm</a:t>
+            </a:r>
+            <a:r>
+              <a:rPr lang="en-US" sz="1400" dirty="0">
+                <a:highlight>
+                  <a:srgbClr val="FFFF00"/>
+                </a:highlight>
+                <a:latin typeface="Lucida Console" panose="020B0609040504020204" pitchFamily="49" charset="0"/>
+              </a:rPr>
+              <a:t>, “Dx2”)</a:t>
+            </a:r>
+          </a:p>
+          <a:p>
+            <a:r>
+              <a:rPr lang="en-US" sz="2400" dirty="0"/>
+              <a:t>Dimensions:</a:t>
+            </a:r>
+          </a:p>
+          <a:p>
+            <a:pPr lvl="1"/>
+            <a:r>
+              <a:rPr lang="en-US" sz="1600" dirty="0"/>
+              <a:t>Canonical analysis </a:t>
+            </a:r>
+            <a:r>
+              <a:rPr lang="en-US" sz="1600" dirty="0">
+                <a:sym typeface="Symbol" panose="05050102010706020507" pitchFamily="18" charset="2"/>
+              </a:rPr>
+              <a:t></a:t>
+            </a:r>
+            <a:r>
+              <a:rPr lang="en-US" sz="1600" dirty="0"/>
+              <a:t>        </a:t>
+            </a:r>
+            <a:r>
+              <a:rPr lang="en-US" sz="1400" dirty="0" err="1">
+                <a:highlight>
+                  <a:srgbClr val="FFFF00"/>
+                </a:highlight>
+                <a:latin typeface="Lucida Console" panose="020B0609040504020204" pitchFamily="49" charset="0"/>
+              </a:rPr>
+              <a:t>NC.can</a:t>
+            </a:r>
+            <a:r>
+              <a:rPr lang="en-US" sz="1400" dirty="0">
+                <a:highlight>
+                  <a:srgbClr val="FFFF00"/>
+                </a:highlight>
+                <a:latin typeface="Lucida Console" panose="020B0609040504020204" pitchFamily="49" charset="0"/>
+              </a:rPr>
+              <a:t> &lt;- </a:t>
+            </a:r>
+            <a:r>
+              <a:rPr lang="en-US" sz="1400" dirty="0" err="1">
+                <a:highlight>
+                  <a:srgbClr val="FFFF00"/>
+                </a:highlight>
+                <a:latin typeface="Lucida Console" panose="020B0609040504020204" pitchFamily="49" charset="0"/>
+              </a:rPr>
+              <a:t>candisc</a:t>
+            </a:r>
+            <a:r>
+              <a:rPr lang="en-US" sz="1400" dirty="0">
+                <a:highlight>
+                  <a:srgbClr val="FFFF00"/>
+                </a:highlight>
+                <a:latin typeface="Lucida Console" panose="020B0609040504020204" pitchFamily="49" charset="0"/>
+              </a:rPr>
+              <a:t>(</a:t>
+            </a:r>
+            <a:r>
+              <a:rPr lang="en-US" sz="1400" dirty="0" err="1">
+                <a:highlight>
+                  <a:srgbClr val="FFFF00"/>
+                </a:highlight>
+                <a:latin typeface="Lucida Console" panose="020B0609040504020204" pitchFamily="49" charset="0"/>
+              </a:rPr>
+              <a:t>NC.mlm</a:t>
+            </a:r>
+            <a:r>
+              <a:rPr lang="en-US" sz="1400" dirty="0">
+                <a:highlight>
+                  <a:srgbClr val="FFFF00"/>
+                </a:highlight>
+                <a:latin typeface="Lucida Console" panose="020B0609040504020204" pitchFamily="49" charset="0"/>
+              </a:rPr>
+              <a:t>); plot(</a:t>
+            </a:r>
+            <a:r>
+              <a:rPr lang="en-US" sz="1400" dirty="0" err="1">
+                <a:highlight>
+                  <a:srgbClr val="FFFF00"/>
+                </a:highlight>
+                <a:latin typeface="Lucida Console" panose="020B0609040504020204" pitchFamily="49" charset="0"/>
+              </a:rPr>
+              <a:t>NC.can</a:t>
+            </a:r>
+            <a:r>
+              <a:rPr lang="en-US" sz="1400" dirty="0">
+                <a:highlight>
+                  <a:srgbClr val="FFFF00"/>
+                </a:highlight>
+                <a:latin typeface="Lucida Console" panose="020B0609040504020204" pitchFamily="49" charset="0"/>
+              </a:rPr>
+              <a:t>)</a:t>
+            </a:r>
+          </a:p>
+          <a:p>
+            <a:pPr lvl="1"/>
+            <a:r>
+              <a:rPr lang="en-US" sz="1600" dirty="0"/>
+              <a:t>Canonical HE plot  </a:t>
+            </a:r>
+            <a:r>
+              <a:rPr lang="en-US" sz="1600" dirty="0">
+                <a:sym typeface="Symbol" panose="05050102010706020507" pitchFamily="18" charset="2"/>
+              </a:rPr>
+              <a:t></a:t>
+            </a:r>
+            <a:r>
+              <a:rPr lang="en-US" sz="1600" dirty="0"/>
+              <a:t>        </a:t>
+            </a:r>
+            <a:r>
+              <a:rPr lang="en-US" sz="1600" dirty="0" err="1">
+                <a:highlight>
+                  <a:srgbClr val="FFFF00"/>
+                </a:highlight>
+                <a:latin typeface="Lucida Console" panose="020B0609040504020204" pitchFamily="49" charset="0"/>
+              </a:rPr>
+              <a:t>heplot</a:t>
+            </a:r>
+            <a:r>
+              <a:rPr lang="en-US" sz="1600" dirty="0">
+                <a:highlight>
+                  <a:srgbClr val="FFFF00"/>
+                </a:highlight>
+                <a:latin typeface="Lucida Console" panose="020B0609040504020204" pitchFamily="49" charset="0"/>
+              </a:rPr>
+              <a:t>(</a:t>
+            </a:r>
+            <a:r>
+              <a:rPr lang="en-US" sz="1600" dirty="0" err="1">
+                <a:highlight>
+                  <a:srgbClr val="FFFF00"/>
+                </a:highlight>
+                <a:latin typeface="Lucida Console" panose="020B0609040504020204" pitchFamily="49" charset="0"/>
+              </a:rPr>
+              <a:t>NC.can</a:t>
+            </a:r>
+            <a:r>
+              <a:rPr lang="en-US" sz="1600" dirty="0">
+                <a:highlight>
+                  <a:srgbClr val="FFFF00"/>
+                </a:highlight>
+                <a:latin typeface="Lucida Console" panose="020B0609040504020204" pitchFamily="49" charset="0"/>
+              </a:rPr>
+              <a:t>)</a:t>
+            </a:r>
+          </a:p>
+          <a:p>
+            <a:r>
+              <a:rPr lang="en-US" sz="2000" dirty="0"/>
+              <a:t>Tech note: </a:t>
+            </a:r>
+            <a:r>
+              <a:rPr lang="en-US" sz="2000" dirty="0" err="1"/>
+              <a:t>anova</a:t>
+            </a:r>
+            <a:r>
+              <a:rPr lang="en-US" sz="2000" dirty="0"/>
+              <a:t>() in base R vs. car::</a:t>
+            </a:r>
+            <a:r>
+              <a:rPr lang="en-US" sz="2000" dirty="0" err="1"/>
+              <a:t>Anova</a:t>
+            </a:r>
+            <a:endParaRPr lang="en-US" sz="2000" dirty="0"/>
+          </a:p>
+          <a:p>
+            <a:pPr lvl="1"/>
+            <a:r>
+              <a:rPr lang="en-US" sz="1400" dirty="0" err="1">
+                <a:latin typeface="Lucida Console" panose="020B0609040504020204" pitchFamily="49" charset="0"/>
+              </a:rPr>
+              <a:t>anova</a:t>
+            </a:r>
+            <a:r>
+              <a:rPr lang="en-US" sz="1400" dirty="0">
+                <a:latin typeface="Lucida Console" panose="020B0609040504020204" pitchFamily="49" charset="0"/>
+              </a:rPr>
+              <a:t>() </a:t>
+            </a:r>
+            <a:r>
+              <a:rPr lang="en-US" sz="1600" dirty="0"/>
+              <a:t>uses only Type 1 (sequential) tests, rarely useful; doesn’t handle MLM well</a:t>
+            </a:r>
+          </a:p>
+          <a:p>
+            <a:pPr lvl="1"/>
+            <a:r>
+              <a:rPr lang="en-US" sz="1400" dirty="0">
+                <a:latin typeface="Lucida Console" panose="020B0609040504020204" pitchFamily="49" charset="0"/>
+              </a:rPr>
+              <a:t>car::</a:t>
+            </a:r>
+            <a:r>
+              <a:rPr lang="en-US" sz="1400" dirty="0" err="1">
+                <a:latin typeface="Lucida Console" panose="020B0609040504020204" pitchFamily="49" charset="0"/>
+              </a:rPr>
+              <a:t>Anova</a:t>
+            </a:r>
+            <a:r>
+              <a:rPr lang="en-US" sz="1400" dirty="0">
+                <a:latin typeface="Lucida Console" panose="020B0609040504020204" pitchFamily="49" charset="0"/>
+              </a:rPr>
+              <a:t>() </a:t>
+            </a:r>
+            <a:r>
+              <a:rPr lang="en-US" sz="1600" dirty="0"/>
+              <a:t>provides Type 2, 3 (partial) tests; give sensible results for MLMs</a:t>
+            </a:r>
+          </a:p>
+          <a:p>
+            <a:pPr lvl="1"/>
+            <a:r>
+              <a:rPr lang="en-US" sz="1400" dirty="0">
+                <a:latin typeface="Lucida Console" panose="020B0609040504020204" pitchFamily="49" charset="0"/>
+              </a:rPr>
+              <a:t>car::</a:t>
+            </a:r>
+            <a:r>
+              <a:rPr lang="en-US" sz="1400" dirty="0" err="1">
+                <a:latin typeface="Lucida Console" panose="020B0609040504020204" pitchFamily="49" charset="0"/>
+              </a:rPr>
+              <a:t>linearHypotheses</a:t>
+            </a:r>
+            <a:r>
+              <a:rPr lang="en-US" sz="1400" dirty="0">
+                <a:latin typeface="Lucida Console" panose="020B0609040504020204" pitchFamily="49" charset="0"/>
+              </a:rPr>
+              <a:t>() </a:t>
+            </a:r>
+            <a:r>
+              <a:rPr lang="en-US" sz="1600" dirty="0"/>
+              <a:t>gives univariate and multivariate tests of contrasts</a:t>
+            </a:r>
+          </a:p>
+          <a:p>
+            <a:pPr lvl="1"/>
+            <a:endParaRPr lang="en-US" sz="1600" dirty="0"/>
+          </a:p>
+        </p:txBody>
+      </p:sp>
+      <p:sp>
+        <p:nvSpPr>
+          <p:cNvPr id="3" name="Slide Number Placeholder 2">
+            <a:extLst>
+              <a:ext uri="{FF2B5EF4-FFF2-40B4-BE49-F238E27FC236}">
+                <a16:creationId xmlns:a16="http://schemas.microsoft.com/office/drawing/2014/main" id="{007AD347-24DB-4D70-A8F5-512A82648B14}"/>
+              </a:ext>
+            </a:extLst>
+          </p:cNvPr>
+          <p:cNvSpPr>
+            <a:spLocks noGrp="1"/>
+          </p:cNvSpPr>
+          <p:nvPr>
+            <p:ph type="sldNum" sz="quarter" idx="12"/>
+          </p:nvPr>
+        </p:nvSpPr>
+        <p:spPr/>
+        <p:txBody>
+          <a:bodyPr/>
+          <a:lstStyle/>
+          <a:p>
+            <a:fld id="{810B7604-93B8-4136-B9BD-D1CE89EE20B0}" type="slidenum">
+              <a:rPr lang="en-US" smtClean="0"/>
+              <a:t>6</a:t>
+            </a:fld>
+            <a:endParaRPr lang="en-US"/>
+          </a:p>
+        </p:txBody>
+      </p:sp>
+    </p:spTree>
+    <p:extLst>
+      <p:ext uri="{BB962C8B-B14F-4D97-AF65-F5344CB8AC3E}">
+        <p14:creationId xmlns:p14="http://schemas.microsoft.com/office/powerpoint/2010/main" val="457948855"/>
+      </p:ext>
+    </p:extLst>
+  </p:cSld>
+  <p:clrMapOvr>
+    <a:masterClrMapping/>
+  </p:clrMapOvr>
+  <p:timing>
+    <p:tnLst>
+      <p:par>
+        <p:cTn id="1" dur="indefinite" restart="never" nodeType="tmRoot">
+          <p:childTnLst>
+            <p:seq concurrent="1" nextAc="seek">
+              <p:cTn id="2" dur="indefinite" nodeType="mainSeq">
+                <p:childTnLst>
+                  <p:par>
+                    <p:cTn id="3" fill="hold">
+                      <p:stCondLst>
+                        <p:cond delay="indefinite"/>
+                        <p:cond evt="onBegin" delay="0">
+                          <p:tn val="2"/>
+                        </p:cond>
+                      </p:stCondLst>
+                      <p:childTnLst>
+                        <p:par>
+                          <p:cTn id="4" fill="hold">
+                            <p:stCondLst>
+                              <p:cond delay="0"/>
+                            </p:stCondLst>
+                            <p:childTnLst>
+                              <p:par>
+                                <p:cTn id="5" presetID="1" presetClass="entr" presetSubtype="0" fill="hold" nodeType="withEffect">
+                                  <p:stCondLst>
+                                    <p:cond delay="0"/>
+                                  </p:stCondLst>
+                                  <p:childTnLst>
+                                    <p:set>
+                                      <p:cBhvr>
+                                        <p:cTn id="6" dur="1" fill="hold">
+                                          <p:stCondLst>
+                                            <p:cond delay="0"/>
+                                          </p:stCondLst>
+                                        </p:cTn>
+                                        <p:tgtEl>
+                                          <p:spTgt spid="5">
+                                            <p:txEl>
+                                              <p:pRg st="0" end="0"/>
+                                            </p:txEl>
+                                          </p:spTgt>
+                                        </p:tgtEl>
+                                        <p:attrNameLst>
+                                          <p:attrName>style.visibility</p:attrName>
+                                        </p:attrNameLst>
+                                      </p:cBhvr>
+                                      <p:to>
+                                        <p:strVal val="visible"/>
+                                      </p:to>
+                                    </p:set>
+                                  </p:childTnLst>
+                                </p:cTn>
+                              </p:par>
+                              <p:par>
+                                <p:cTn id="7" presetID="1" presetClass="entr" presetSubtype="0" fill="hold" nodeType="withEffect">
+                                  <p:stCondLst>
+                                    <p:cond delay="0"/>
+                                  </p:stCondLst>
+                                  <p:childTnLst>
+                                    <p:set>
+                                      <p:cBhvr>
+                                        <p:cTn id="8" dur="1" fill="hold">
+                                          <p:stCondLst>
+                                            <p:cond delay="0"/>
+                                          </p:stCondLst>
+                                        </p:cTn>
+                                        <p:tgtEl>
+                                          <p:spTgt spid="5">
+                                            <p:txEl>
+                                              <p:pRg st="1" end="1"/>
+                                            </p:txEl>
+                                          </p:spTgt>
+                                        </p:tgtEl>
+                                        <p:attrNameLst>
+                                          <p:attrName>style.visibility</p:attrName>
+                                        </p:attrNameLst>
+                                      </p:cBhvr>
+                                      <p:to>
+                                        <p:strVal val="visible"/>
+                                      </p:to>
+                                    </p:set>
+                                  </p:childTnLst>
+                                </p:cTn>
+                              </p:par>
+                              <p:par>
+                                <p:cTn id="9" presetID="1" presetClass="entr" presetSubtype="0" fill="hold" nodeType="withEffect">
+                                  <p:stCondLst>
+                                    <p:cond delay="0"/>
+                                  </p:stCondLst>
+                                  <p:childTnLst>
+                                    <p:set>
+                                      <p:cBhvr>
+                                        <p:cTn id="10" dur="1" fill="hold">
+                                          <p:stCondLst>
+                                            <p:cond delay="0"/>
+                                          </p:stCondLst>
+                                        </p:cTn>
+                                        <p:tgtEl>
+                                          <p:spTgt spid="5">
+                                            <p:txEl>
+                                              <p:pRg st="2" end="2"/>
+                                            </p:txEl>
+                                          </p:spTgt>
+                                        </p:tgtEl>
+                                        <p:attrNameLst>
+                                          <p:attrName>style.visibility</p:attrName>
+                                        </p:attrNameLst>
+                                      </p:cBhvr>
+                                      <p:to>
+                                        <p:strVal val="visible"/>
+                                      </p:to>
+                                    </p:set>
+                                  </p:childTnLst>
+                                </p:cTn>
+                              </p:par>
+                              <p:par>
+                                <p:cTn id="11" presetID="1" presetClass="entr" presetSubtype="0" fill="hold" nodeType="withEffect">
+                                  <p:stCondLst>
+                                    <p:cond delay="0"/>
+                                  </p:stCondLst>
+                                  <p:childTnLst>
+                                    <p:set>
+                                      <p:cBhvr>
+                                        <p:cTn id="12" dur="1" fill="hold">
+                                          <p:stCondLst>
+                                            <p:cond delay="0"/>
+                                          </p:stCondLst>
+                                        </p:cTn>
+                                        <p:tgtEl>
+                                          <p:spTgt spid="5">
+                                            <p:txEl>
+                                              <p:pRg st="3" end="3"/>
+                                            </p:txEl>
+                                          </p:spTgt>
+                                        </p:tgtEl>
+                                        <p:attrNameLst>
+                                          <p:attrName>style.visibility</p:attrName>
+                                        </p:attrNameLst>
+                                      </p:cBhvr>
+                                      <p:to>
+                                        <p:strVal val="visible"/>
+                                      </p:to>
+                                    </p:set>
+                                  </p:childTnLst>
+                                </p:cTn>
+                              </p:par>
+                              <p:par>
+                                <p:cTn id="13" presetID="1" presetClass="entr" presetSubtype="0" fill="hold" nodeType="withEffect">
+                                  <p:stCondLst>
+                                    <p:cond delay="0"/>
+                                  </p:stCondLst>
+                                  <p:childTnLst>
+                                    <p:set>
+                                      <p:cBhvr>
+                                        <p:cTn id="14" dur="1" fill="hold">
+                                          <p:stCondLst>
+                                            <p:cond delay="0"/>
+                                          </p:stCondLst>
+                                        </p:cTn>
+                                        <p:tgtEl>
+                                          <p:spTgt spid="5">
+                                            <p:txEl>
+                                              <p:pRg st="4" end="4"/>
+                                            </p:txEl>
+                                          </p:spTgt>
+                                        </p:tgtEl>
+                                        <p:attrNameLst>
+                                          <p:attrName>style.visibility</p:attrName>
+                                        </p:attrNameLst>
+                                      </p:cBhvr>
+                                      <p:to>
+                                        <p:strVal val="visible"/>
+                                      </p:to>
+                                    </p:set>
+                                  </p:childTnLst>
+                                </p:cTn>
+                              </p:par>
+                            </p:childTnLst>
+                          </p:cTn>
+                        </p:par>
+                      </p:childTnLst>
+                    </p:cTn>
+                  </p:par>
+                  <p:par>
+                    <p:cTn id="15" fill="hold">
+                      <p:stCondLst>
+                        <p:cond delay="indefinite"/>
+                      </p:stCondLst>
+                      <p:childTnLst>
+                        <p:par>
+                          <p:cTn id="16" fill="hold">
+                            <p:stCondLst>
+                              <p:cond delay="0"/>
+                            </p:stCondLst>
+                            <p:childTnLst>
+                              <p:par>
+                                <p:cTn id="17" presetID="1" presetClass="entr" presetSubtype="0" fill="hold" nodeType="clickEffect">
+                                  <p:stCondLst>
+                                    <p:cond delay="0"/>
+                                  </p:stCondLst>
+                                  <p:childTnLst>
+                                    <p:set>
+                                      <p:cBhvr>
+                                        <p:cTn id="18" dur="1" fill="hold">
+                                          <p:stCondLst>
+                                            <p:cond delay="0"/>
+                                          </p:stCondLst>
+                                        </p:cTn>
+                                        <p:tgtEl>
+                                          <p:spTgt spid="5">
+                                            <p:txEl>
+                                              <p:pRg st="5" end="5"/>
+                                            </p:txEl>
+                                          </p:spTgt>
+                                        </p:tgtEl>
+                                        <p:attrNameLst>
+                                          <p:attrName>style.visibility</p:attrName>
+                                        </p:attrNameLst>
+                                      </p:cBhvr>
+                                      <p:to>
+                                        <p:strVal val="visible"/>
+                                      </p:to>
+                                    </p:set>
+                                  </p:childTnLst>
+                                </p:cTn>
+                              </p:par>
+                              <p:par>
+                                <p:cTn id="19" presetID="1" presetClass="entr" presetSubtype="0" fill="hold" nodeType="withEffect">
+                                  <p:stCondLst>
+                                    <p:cond delay="0"/>
+                                  </p:stCondLst>
+                                  <p:childTnLst>
+                                    <p:set>
+                                      <p:cBhvr>
+                                        <p:cTn id="20" dur="1" fill="hold">
+                                          <p:stCondLst>
+                                            <p:cond delay="0"/>
+                                          </p:stCondLst>
+                                        </p:cTn>
+                                        <p:tgtEl>
+                                          <p:spTgt spid="5">
+                                            <p:txEl>
+                                              <p:pRg st="6" end="6"/>
+                                            </p:txEl>
+                                          </p:spTgt>
+                                        </p:tgtEl>
+                                        <p:attrNameLst>
+                                          <p:attrName>style.visibility</p:attrName>
+                                        </p:attrNameLst>
+                                      </p:cBhvr>
+                                      <p:to>
+                                        <p:strVal val="visible"/>
+                                      </p:to>
+                                    </p:set>
+                                  </p:childTnLst>
+                                </p:cTn>
+                              </p:par>
+                            </p:childTnLst>
+                          </p:cTn>
+                        </p:par>
+                      </p:childTnLst>
+                    </p:cTn>
+                  </p:par>
+                  <p:par>
+                    <p:cTn id="21" fill="hold">
+                      <p:stCondLst>
+                        <p:cond delay="indefinite"/>
+                      </p:stCondLst>
+                      <p:childTnLst>
+                        <p:par>
+                          <p:cTn id="22" fill="hold">
+                            <p:stCondLst>
+                              <p:cond delay="0"/>
+                            </p:stCondLst>
+                            <p:childTnLst>
+                              <p:par>
+                                <p:cTn id="23" presetID="1" presetClass="entr" presetSubtype="0" fill="hold" nodeType="clickEffect">
+                                  <p:stCondLst>
+                                    <p:cond delay="0"/>
+                                  </p:stCondLst>
+                                  <p:childTnLst>
+                                    <p:set>
+                                      <p:cBhvr>
+                                        <p:cTn id="24" dur="1" fill="hold">
+                                          <p:stCondLst>
+                                            <p:cond delay="0"/>
+                                          </p:stCondLst>
+                                        </p:cTn>
+                                        <p:tgtEl>
+                                          <p:spTgt spid="5">
+                                            <p:txEl>
+                                              <p:pRg st="7" end="7"/>
+                                            </p:txEl>
+                                          </p:spTgt>
+                                        </p:tgtEl>
+                                        <p:attrNameLst>
+                                          <p:attrName>style.visibility</p:attrName>
+                                        </p:attrNameLst>
+                                      </p:cBhvr>
+                                      <p:to>
+                                        <p:strVal val="visible"/>
+                                      </p:to>
+                                    </p:set>
+                                  </p:childTnLst>
+                                </p:cTn>
+                              </p:par>
+                              <p:par>
+                                <p:cTn id="25" presetID="1" presetClass="entr" presetSubtype="0" fill="hold" nodeType="withEffect">
+                                  <p:stCondLst>
+                                    <p:cond delay="0"/>
+                                  </p:stCondLst>
+                                  <p:childTnLst>
+                                    <p:set>
+                                      <p:cBhvr>
+                                        <p:cTn id="26" dur="1" fill="hold">
+                                          <p:stCondLst>
+                                            <p:cond delay="0"/>
+                                          </p:stCondLst>
+                                        </p:cTn>
+                                        <p:tgtEl>
+                                          <p:spTgt spid="5">
+                                            <p:txEl>
+                                              <p:pRg st="8" end="8"/>
+                                            </p:txEl>
+                                          </p:spTgt>
+                                        </p:tgtEl>
+                                        <p:attrNameLst>
+                                          <p:attrName>style.visibility</p:attrName>
+                                        </p:attrNameLst>
+                                      </p:cBhvr>
+                                      <p:to>
+                                        <p:strVal val="visible"/>
+                                      </p:to>
+                                    </p:set>
+                                  </p:childTnLst>
+                                </p:cTn>
+                              </p:par>
+                              <p:par>
+                                <p:cTn id="27" presetID="1" presetClass="entr" presetSubtype="0" fill="hold" nodeType="withEffect">
+                                  <p:stCondLst>
+                                    <p:cond delay="0"/>
+                                  </p:stCondLst>
+                                  <p:childTnLst>
+                                    <p:set>
+                                      <p:cBhvr>
+                                        <p:cTn id="28" dur="1" fill="hold">
+                                          <p:stCondLst>
+                                            <p:cond delay="0"/>
+                                          </p:stCondLst>
+                                        </p:cTn>
+                                        <p:tgtEl>
+                                          <p:spTgt spid="5">
+                                            <p:txEl>
+                                              <p:pRg st="9" end="9"/>
+                                            </p:txEl>
+                                          </p:spTgt>
+                                        </p:tgtEl>
+                                        <p:attrNameLst>
+                                          <p:attrName>style.visibility</p:attrName>
+                                        </p:attrNameLst>
+                                      </p:cBhvr>
+                                      <p:to>
+                                        <p:strVal val="visible"/>
+                                      </p:to>
+                                    </p:set>
+                                  </p:childTnLst>
+                                </p:cTn>
+                              </p:par>
+                            </p:childTnLst>
+                          </p:cTn>
+                        </p:par>
+                      </p:childTnLst>
+                    </p:cTn>
+                  </p:par>
+                  <p:par>
+                    <p:cTn id="29" fill="hold">
+                      <p:stCondLst>
+                        <p:cond delay="indefinite"/>
+                      </p:stCondLst>
+                      <p:childTnLst>
+                        <p:par>
+                          <p:cTn id="30" fill="hold">
+                            <p:stCondLst>
+                              <p:cond delay="0"/>
+                            </p:stCondLst>
+                            <p:childTnLst>
+                              <p:par>
+                                <p:cTn id="31" presetID="1" presetClass="entr" presetSubtype="0" fill="hold" nodeType="clickEffect">
+                                  <p:stCondLst>
+                                    <p:cond delay="0"/>
+                                  </p:stCondLst>
+                                  <p:childTnLst>
+                                    <p:set>
+                                      <p:cBhvr>
+                                        <p:cTn id="32" dur="1" fill="hold">
+                                          <p:stCondLst>
+                                            <p:cond delay="0"/>
+                                          </p:stCondLst>
+                                        </p:cTn>
+                                        <p:tgtEl>
+                                          <p:spTgt spid="5">
+                                            <p:txEl>
+                                              <p:pRg st="10" end="10"/>
+                                            </p:txEl>
+                                          </p:spTgt>
+                                        </p:tgtEl>
+                                        <p:attrNameLst>
+                                          <p:attrName>style.visibility</p:attrName>
+                                        </p:attrNameLst>
+                                      </p:cBhvr>
+                                      <p:to>
+                                        <p:strVal val="visible"/>
+                                      </p:to>
+                                    </p:set>
+                                  </p:childTnLst>
+                                </p:cTn>
+                              </p:par>
+                              <p:par>
+                                <p:cTn id="33" presetID="1" presetClass="entr" presetSubtype="0" fill="hold" nodeType="withEffect">
+                                  <p:stCondLst>
+                                    <p:cond delay="0"/>
+                                  </p:stCondLst>
+                                  <p:childTnLst>
+                                    <p:set>
+                                      <p:cBhvr>
+                                        <p:cTn id="34" dur="1" fill="hold">
+                                          <p:stCondLst>
+                                            <p:cond delay="0"/>
+                                          </p:stCondLst>
+                                        </p:cTn>
+                                        <p:tgtEl>
+                                          <p:spTgt spid="5">
+                                            <p:txEl>
+                                              <p:pRg st="11" end="11"/>
+                                            </p:txEl>
+                                          </p:spTgt>
+                                        </p:tgtEl>
+                                        <p:attrNameLst>
+                                          <p:attrName>style.visibility</p:attrName>
+                                        </p:attrNameLst>
+                                      </p:cBhvr>
+                                      <p:to>
+                                        <p:strVal val="visible"/>
+                                      </p:to>
+                                    </p:set>
+                                  </p:childTnLst>
+                                </p:cTn>
+                              </p:par>
+                              <p:par>
+                                <p:cTn id="35" presetID="1" presetClass="entr" presetSubtype="0" fill="hold" nodeType="withEffect">
+                                  <p:stCondLst>
+                                    <p:cond delay="0"/>
+                                  </p:stCondLst>
+                                  <p:childTnLst>
+                                    <p:set>
+                                      <p:cBhvr>
+                                        <p:cTn id="36" dur="1" fill="hold">
+                                          <p:stCondLst>
+                                            <p:cond delay="0"/>
+                                          </p:stCondLst>
+                                        </p:cTn>
+                                        <p:tgtEl>
+                                          <p:spTgt spid="5">
+                                            <p:txEl>
+                                              <p:pRg st="12" end="12"/>
+                                            </p:txEl>
+                                          </p:spTgt>
+                                        </p:tgtEl>
+                                        <p:attrNameLst>
+                                          <p:attrName>style.visibility</p:attrName>
+                                        </p:attrNameLst>
+                                      </p:cBhvr>
+                                      <p:to>
+                                        <p:strVal val="visible"/>
+                                      </p:to>
+                                    </p:set>
+                                  </p:childTnLst>
+                                </p:cTn>
+                              </p:par>
+                            </p:childTnLst>
+                          </p:cTn>
+                        </p:par>
+                      </p:childTnLst>
+                    </p:cTn>
+                  </p:par>
+                  <p:par>
+                    <p:cTn id="37" fill="hold">
+                      <p:stCondLst>
+                        <p:cond delay="indefinite"/>
+                      </p:stCondLst>
+                      <p:childTnLst>
+                        <p:par>
+                          <p:cTn id="38" fill="hold">
+                            <p:stCondLst>
+                              <p:cond delay="0"/>
+                            </p:stCondLst>
+                            <p:childTnLst>
+                              <p:par>
+                                <p:cTn id="39" presetID="1" presetClass="entr" presetSubtype="0" fill="hold" nodeType="clickEffect">
+                                  <p:stCondLst>
+                                    <p:cond delay="0"/>
+                                  </p:stCondLst>
+                                  <p:childTnLst>
+                                    <p:set>
+                                      <p:cBhvr>
+                                        <p:cTn id="40" dur="1" fill="hold">
+                                          <p:stCondLst>
+                                            <p:cond delay="0"/>
+                                          </p:stCondLst>
+                                        </p:cTn>
+                                        <p:tgtEl>
+                                          <p:spTgt spid="5">
+                                            <p:txEl>
+                                              <p:pRg st="13" end="13"/>
+                                            </p:txEl>
+                                          </p:spTgt>
+                                        </p:tgtEl>
+                                        <p:attrNameLst>
+                                          <p:attrName>style.visibility</p:attrName>
+                                        </p:attrNameLst>
+                                      </p:cBhvr>
+                                      <p:to>
+                                        <p:strVal val="visible"/>
+                                      </p:to>
+                                    </p:set>
+                                  </p:childTnLst>
+                                </p:cTn>
+                              </p:par>
+                              <p:par>
+                                <p:cTn id="41" presetID="1" presetClass="entr" presetSubtype="0" fill="hold" nodeType="withEffect">
+                                  <p:stCondLst>
+                                    <p:cond delay="0"/>
+                                  </p:stCondLst>
+                                  <p:childTnLst>
+                                    <p:set>
+                                      <p:cBhvr>
+                                        <p:cTn id="42" dur="1" fill="hold">
+                                          <p:stCondLst>
+                                            <p:cond delay="0"/>
+                                          </p:stCondLst>
+                                        </p:cTn>
+                                        <p:tgtEl>
+                                          <p:spTgt spid="5">
+                                            <p:txEl>
+                                              <p:pRg st="14" end="14"/>
+                                            </p:txEl>
+                                          </p:spTgt>
+                                        </p:tgtEl>
+                                        <p:attrNameLst>
+                                          <p:attrName>style.visibility</p:attrName>
+                                        </p:attrNameLst>
+                                      </p:cBhvr>
+                                      <p:to>
+                                        <p:strVal val="visible"/>
+                                      </p:to>
+                                    </p:set>
+                                  </p:childTnLst>
+                                </p:cTn>
+                              </p:par>
+                              <p:par>
+                                <p:cTn id="43" presetID="1" presetClass="entr" presetSubtype="0" fill="hold" nodeType="withEffect">
+                                  <p:stCondLst>
+                                    <p:cond delay="0"/>
+                                  </p:stCondLst>
+                                  <p:childTnLst>
+                                    <p:set>
+                                      <p:cBhvr>
+                                        <p:cTn id="44" dur="1" fill="hold">
+                                          <p:stCondLst>
+                                            <p:cond delay="0"/>
+                                          </p:stCondLst>
+                                        </p:cTn>
+                                        <p:tgtEl>
+                                          <p:spTgt spid="5">
+                                            <p:txEl>
+                                              <p:pRg st="15" end="15"/>
+                                            </p:txEl>
+                                          </p:spTgt>
+                                        </p:tgtEl>
+                                        <p:attrNameLst>
+                                          <p:attrName>style.visibility</p:attrName>
+                                        </p:attrNameLst>
+                                      </p:cBhvr>
+                                      <p:to>
+                                        <p:strVal val="visible"/>
+                                      </p:to>
+                                    </p:set>
+                                  </p:childTnLst>
+                                </p:cTn>
+                              </p:par>
+                              <p:par>
+                                <p:cTn id="45" presetID="1" presetClass="entr" presetSubtype="0" fill="hold" nodeType="withEffect">
+                                  <p:stCondLst>
+                                    <p:cond delay="0"/>
+                                  </p:stCondLst>
+                                  <p:childTnLst>
+                                    <p:set>
+                                      <p:cBhvr>
+                                        <p:cTn id="46" dur="1" fill="hold">
+                                          <p:stCondLst>
+                                            <p:cond delay="0"/>
+                                          </p:stCondLst>
+                                        </p:cTn>
+                                        <p:tgtEl>
+                                          <p:spTgt spid="5">
+                                            <p:txEl>
+                                              <p:pRg st="16" end="16"/>
+                                            </p:txEl>
+                                          </p:spTgt>
+                                        </p:tgtEl>
+                                        <p:attrNameLst>
+                                          <p:attrName>style.visibility</p:attrName>
+                                        </p:attrNameLst>
+                                      </p:cBhvr>
+                                      <p:to>
+                                        <p:strVal val="visible"/>
+                                      </p:to>
+                                    </p:set>
+                                  </p:childTnLst>
+                                </p:cTn>
+                              </p:par>
+                            </p:childTnLst>
+                          </p:cTn>
+                        </p:par>
+                      </p:childTnLst>
+                    </p:cTn>
+                  </p:par>
+                </p:childTnLst>
+              </p:cTn>
+              <p:prevCondLst>
+                <p:cond evt="onPrev" delay="0">
+                  <p:tgtEl>
+                    <p:sldTgt/>
+                  </p:tgtEl>
+                </p:cond>
+              </p:prevCondLst>
+              <p:nextCondLst>
+                <p:cond evt="onNext" delay="0">
+                  <p:tgtEl>
+                    <p:sldTgt/>
+                  </p:tgtEl>
+                </p:cond>
+              </p:nextCondLst>
+            </p:seq>
+          </p:childTnLst>
+        </p:cTn>
+      </p:par>
+    </p:tnLst>
+  </p:timing>
+</p:sld>
+</file>
+
+<file path=ppt/slides/slide7.xml><?xml version="1.0" encoding="utf-8"?>
+<p:sld xmlns:a="http://schemas.openxmlformats.org/drawingml/2006/main" xmlns:r="http://schemas.openxmlformats.org/officeDocument/2006/relationships" xmlns:p="http://schemas.openxmlformats.org/presentationml/2006/main">
+  <p:cSld>
+    <p:spTree>
+      <p:nvGrpSpPr>
+        <p:cNvPr id="1" name=""/>
+        <p:cNvGrpSpPr/>
+        <p:nvPr/>
+      </p:nvGrpSpPr>
+      <p:grpSpPr>
+        <a:xfrm>
+          <a:off x="0" y="0"/>
+          <a:ext cx="0" cy="0"/>
+          <a:chOff x="0" y="0"/>
+          <a:chExt cx="0" cy="0"/>
+        </a:xfrm>
+      </p:grpSpPr>
+      <p:sp>
+        <p:nvSpPr>
           <p:cNvPr id="2" name="Title 1"/>
           <p:cNvSpPr>
             <a:spLocks noGrp="1"/>
@@ -21497,16 +24860,917 @@
         </p:nvSpPr>
         <p:spPr/>
         <p:txBody>
+          <a:bodyPr>
+            <a:normAutofit/>
+          </a:bodyPr>
+          <a:lstStyle/>
+          <a:p>
+            <a:r>
+              <a:rPr lang="en-US" dirty="0"/>
+              <a:t>Neuro-cognitive measures: MANOVA</a:t>
+            </a:r>
+          </a:p>
+        </p:txBody>
+      </p:sp>
+      <p:sp>
+        <p:nvSpPr>
+          <p:cNvPr id="4" name="Slide Number Placeholder 3"/>
+          <p:cNvSpPr>
+            <a:spLocks noGrp="1"/>
+          </p:cNvSpPr>
+          <p:nvPr>
+            <p:ph type="sldNum" sz="quarter" idx="12"/>
+          </p:nvPr>
+        </p:nvSpPr>
+        <p:spPr/>
+        <p:txBody>
           <a:bodyPr/>
           <a:lstStyle/>
           <a:p>
-            <a:r>
-              <a:rPr lang="en-US" dirty="0" err="1"/>
-              <a:t>Neuro</a:t>
-            </a:r>
+            <a:fld id="{621225AB-15B9-4C79-A121-04D1DC7E2307}" type="slidenum">
+              <a:rPr lang="en-US" smtClean="0"/>
+              <a:t>7</a:t>
+            </a:fld>
+            <a:endParaRPr lang="en-US"/>
+          </a:p>
+        </p:txBody>
+      </p:sp>
+      <p:grpSp>
+        <p:nvGrpSpPr>
+          <p:cNvPr id="14" name="Group 13">
+            <a:extLst>
+              <a:ext uri="{FF2B5EF4-FFF2-40B4-BE49-F238E27FC236}">
+                <a16:creationId xmlns:a16="http://schemas.microsoft.com/office/drawing/2014/main" id="{6CA51DF3-72B5-4E67-95D6-820A90F7154D}"/>
+              </a:ext>
+            </a:extLst>
+          </p:cNvPr>
+          <p:cNvGrpSpPr/>
+          <p:nvPr/>
+        </p:nvGrpSpPr>
+        <p:grpSpPr>
+          <a:xfrm>
+            <a:off x="533400" y="5105400"/>
+            <a:ext cx="8122920" cy="1538883"/>
+            <a:chOff x="533400" y="5105400"/>
+            <a:chExt cx="8122920" cy="1538883"/>
+          </a:xfrm>
+        </p:grpSpPr>
+        <p:sp>
+          <p:nvSpPr>
+            <p:cNvPr id="6" name="TextBox 5"/>
+            <p:cNvSpPr txBox="1"/>
+            <p:nvPr/>
+          </p:nvSpPr>
+          <p:spPr>
+            <a:xfrm>
+              <a:off x="5303520" y="5105400"/>
+              <a:ext cx="3352800" cy="1169551"/>
+            </a:xfrm>
+            <a:prstGeom prst="rect">
+              <a:avLst/>
+            </a:prstGeom>
+            <a:solidFill>
+              <a:schemeClr val="accent6">
+                <a:lumMod val="20000"/>
+                <a:lumOff val="80000"/>
+                <a:alpha val="50000"/>
+              </a:schemeClr>
+            </a:solidFill>
+          </p:spPr>
+          <p:txBody>
+            <a:bodyPr wrap="square" rtlCol="0">
+              <a:spAutoFit/>
+            </a:bodyPr>
+            <a:lstStyle/>
+            <a:p>
+              <a:r>
+                <a:rPr lang="en-US" sz="1400" dirty="0">
+                  <a:latin typeface="SAS Monospace" panose="020B0609020202020204" pitchFamily="49" charset="0"/>
+                </a:rPr>
+                <a:t>&gt; contrasts(</a:t>
+              </a:r>
+              <a:r>
+                <a:rPr lang="en-US" sz="1400" dirty="0" err="1">
+                  <a:latin typeface="SAS Monospace" panose="020B0609020202020204" pitchFamily="49" charset="0"/>
+                </a:rPr>
+                <a:t>NeuroCog$Dx</a:t>
+              </a:r>
+              <a:r>
+                <a:rPr lang="en-US" sz="1400" dirty="0">
+                  <a:latin typeface="SAS Monospace" panose="020B0609020202020204" pitchFamily="49" charset="0"/>
+                </a:rPr>
+                <a:t>)</a:t>
+              </a:r>
+            </a:p>
+            <a:p>
+              <a:r>
+                <a:rPr lang="en-US" sz="1400" dirty="0">
+                  <a:latin typeface="SAS Monospace" panose="020B0609020202020204" pitchFamily="49" charset="0"/>
+                </a:rPr>
+                <a:t>                [,1] [,2]</a:t>
+              </a:r>
+            </a:p>
+            <a:p>
+              <a:r>
+                <a:rPr lang="en-US" sz="1400" dirty="0">
+                  <a:latin typeface="SAS Monospace" panose="020B0609020202020204" pitchFamily="49" charset="0"/>
+                </a:rPr>
+                <a:t>Schizophrenia   -0.5    1</a:t>
+              </a:r>
+            </a:p>
+            <a:p>
+              <a:r>
+                <a:rPr lang="en-US" sz="1400" dirty="0">
+                  <a:latin typeface="SAS Monospace" panose="020B0609020202020204" pitchFamily="49" charset="0"/>
+                </a:rPr>
+                <a:t>Schizoaffective -0.5   -1</a:t>
+              </a:r>
+            </a:p>
+            <a:p>
+              <a:r>
+                <a:rPr lang="en-US" sz="1400" dirty="0">
+                  <a:latin typeface="SAS Monospace" panose="020B0609020202020204" pitchFamily="49" charset="0"/>
+                </a:rPr>
+                <a:t>Control          1.0    0</a:t>
+              </a:r>
+            </a:p>
+          </p:txBody>
+        </p:sp>
+        <p:grpSp>
+          <p:nvGrpSpPr>
+            <p:cNvPr id="13" name="Group 12">
+              <a:extLst>
+                <a:ext uri="{FF2B5EF4-FFF2-40B4-BE49-F238E27FC236}">
+                  <a16:creationId xmlns:a16="http://schemas.microsoft.com/office/drawing/2014/main" id="{3A9CFFD7-7BB2-4E7B-BF20-E8B01E14B4C1}"/>
+                </a:ext>
+              </a:extLst>
+            </p:cNvPr>
+            <p:cNvGrpSpPr/>
+            <p:nvPr/>
+          </p:nvGrpSpPr>
+          <p:grpSpPr>
+            <a:xfrm>
+              <a:off x="533400" y="5181600"/>
+              <a:ext cx="6858000" cy="1462683"/>
+              <a:chOff x="533400" y="5181600"/>
+              <a:chExt cx="6858000" cy="1462683"/>
+            </a:xfrm>
+          </p:grpSpPr>
+          <p:sp>
+            <p:nvSpPr>
+              <p:cNvPr id="5" name="TextBox 4"/>
+              <p:cNvSpPr txBox="1"/>
+              <p:nvPr/>
+            </p:nvSpPr>
+            <p:spPr>
+              <a:xfrm>
+                <a:off x="533400" y="5181600"/>
+                <a:ext cx="4076700" cy="646331"/>
+              </a:xfrm>
+              <a:prstGeom prst="rect">
+                <a:avLst/>
+              </a:prstGeom>
+              <a:noFill/>
+            </p:spPr>
+            <p:txBody>
+              <a:bodyPr wrap="square" rtlCol="0">
+                <a:spAutoFit/>
+              </a:bodyPr>
+              <a:lstStyle/>
+              <a:p>
+                <a:r>
+                  <a:rPr lang="en-US" dirty="0"/>
+                  <a:t>So, the groups differ.  But how?</a:t>
+                </a:r>
+              </a:p>
+              <a:p>
+                <a:r>
+                  <a:rPr lang="en-US" dirty="0"/>
+                  <a:t>What about the research hypotheses?</a:t>
+                </a:r>
+              </a:p>
+            </p:txBody>
+          </p:sp>
+          <p:cxnSp>
+            <p:nvCxnSpPr>
+              <p:cNvPr id="8" name="Straight Arrow Connector 7"/>
+              <p:cNvCxnSpPr/>
+              <p:nvPr/>
+            </p:nvCxnSpPr>
+            <p:spPr>
+              <a:xfrm>
+                <a:off x="4236720" y="5690175"/>
+                <a:ext cx="1066800" cy="0"/>
+              </a:xfrm>
+              <a:prstGeom prst="straightConnector1">
+                <a:avLst/>
+              </a:prstGeom>
+              <a:ln w="31750">
+                <a:solidFill>
+                  <a:srgbClr val="FF0000"/>
+                </a:solidFill>
+                <a:tailEnd type="arrow"/>
+              </a:ln>
+            </p:spPr>
+            <p:style>
+              <a:lnRef idx="1">
+                <a:schemeClr val="accent1"/>
+              </a:lnRef>
+              <a:fillRef idx="0">
+                <a:schemeClr val="accent1"/>
+              </a:fillRef>
+              <a:effectRef idx="0">
+                <a:schemeClr val="accent1"/>
+              </a:effectRef>
+              <a:fontRef idx="minor">
+                <a:schemeClr val="tx1"/>
+              </a:fontRef>
+            </p:style>
+          </p:cxnSp>
+          <p:sp>
+            <p:nvSpPr>
+              <p:cNvPr id="7" name="TextBox 6">
+                <a:extLst>
+                  <a:ext uri="{FF2B5EF4-FFF2-40B4-BE49-F238E27FC236}">
+                    <a16:creationId xmlns:a16="http://schemas.microsoft.com/office/drawing/2014/main" id="{08C92716-079D-4CEB-9157-BD88D9483112}"/>
+                  </a:ext>
+                </a:extLst>
+              </p:cNvPr>
+              <p:cNvSpPr txBox="1"/>
+              <p:nvPr/>
+            </p:nvSpPr>
+            <p:spPr>
+              <a:xfrm>
+                <a:off x="2362200" y="6274951"/>
+                <a:ext cx="3962400" cy="369332"/>
+              </a:xfrm>
+              <a:prstGeom prst="rect">
+                <a:avLst/>
+              </a:prstGeom>
+              <a:noFill/>
+            </p:spPr>
+            <p:txBody>
+              <a:bodyPr wrap="square" rtlCol="0">
+                <a:spAutoFit/>
+              </a:bodyPr>
+              <a:lstStyle/>
+              <a:p>
+                <a:r>
+                  <a:rPr lang="en-US" dirty="0"/>
+                  <a:t>Dx1 = Control – (</a:t>
+                </a:r>
+                <a:r>
+                  <a:rPr lang="en-US" dirty="0" err="1"/>
+                  <a:t>Schiz</a:t>
+                </a:r>
+                <a:r>
+                  <a:rPr lang="en-US" dirty="0"/>
+                  <a:t> + </a:t>
+                </a:r>
+                <a:r>
+                  <a:rPr lang="en-US" dirty="0" err="1"/>
+                  <a:t>SchizAff</a:t>
+                </a:r>
+                <a:r>
+                  <a:rPr lang="en-US" dirty="0"/>
+                  <a:t>)/2</a:t>
+                </a:r>
+              </a:p>
+            </p:txBody>
+          </p:sp>
+          <p:cxnSp>
+            <p:nvCxnSpPr>
+              <p:cNvPr id="10" name="Straight Connector 9">
+                <a:extLst>
+                  <a:ext uri="{FF2B5EF4-FFF2-40B4-BE49-F238E27FC236}">
+                    <a16:creationId xmlns:a16="http://schemas.microsoft.com/office/drawing/2014/main" id="{541C647F-2115-451E-BB7C-00594F2FDF05}"/>
+                  </a:ext>
+                </a:extLst>
+              </p:cNvPr>
+              <p:cNvCxnSpPr/>
+              <p:nvPr/>
+            </p:nvCxnSpPr>
+            <p:spPr>
+              <a:xfrm>
+                <a:off x="6172200" y="6412706"/>
+                <a:ext cx="1219200" cy="0"/>
+              </a:xfrm>
+              <a:prstGeom prst="line">
+                <a:avLst/>
+              </a:prstGeom>
+              <a:ln w="31750">
+                <a:solidFill>
+                  <a:srgbClr val="FF0000"/>
+                </a:solidFill>
+                <a:tailEnd type="none" w="lg" len="lg"/>
+              </a:ln>
+            </p:spPr>
+            <p:style>
+              <a:lnRef idx="1">
+                <a:schemeClr val="accent1"/>
+              </a:lnRef>
+              <a:fillRef idx="0">
+                <a:schemeClr val="accent1"/>
+              </a:fillRef>
+              <a:effectRef idx="0">
+                <a:schemeClr val="accent1"/>
+              </a:effectRef>
+              <a:fontRef idx="minor">
+                <a:schemeClr val="tx1"/>
+              </a:fontRef>
+            </p:style>
+          </p:cxnSp>
+          <p:cxnSp>
+            <p:nvCxnSpPr>
+              <p:cNvPr id="12" name="Straight Arrow Connector 11">
+                <a:extLst>
+                  <a:ext uri="{FF2B5EF4-FFF2-40B4-BE49-F238E27FC236}">
+                    <a16:creationId xmlns:a16="http://schemas.microsoft.com/office/drawing/2014/main" id="{9702B64E-0010-4E7D-8868-9ABF80A3046C}"/>
+                  </a:ext>
+                </a:extLst>
+              </p:cNvPr>
+              <p:cNvCxnSpPr>
+                <a:cxnSpLocks/>
+              </p:cNvCxnSpPr>
+              <p:nvPr/>
+            </p:nvCxnSpPr>
+            <p:spPr>
+              <a:xfrm flipV="1">
+                <a:off x="7391400" y="6172200"/>
+                <a:ext cx="0" cy="240506"/>
+              </a:xfrm>
+              <a:prstGeom prst="straightConnector1">
+                <a:avLst/>
+              </a:prstGeom>
+              <a:ln w="31750">
+                <a:solidFill>
+                  <a:srgbClr val="FF0000"/>
+                </a:solidFill>
+                <a:tailEnd type="triangle"/>
+              </a:ln>
+            </p:spPr>
+            <p:style>
+              <a:lnRef idx="1">
+                <a:schemeClr val="accent1"/>
+              </a:lnRef>
+              <a:fillRef idx="0">
+                <a:schemeClr val="accent1"/>
+              </a:fillRef>
+              <a:effectRef idx="0">
+                <a:schemeClr val="accent1"/>
+              </a:effectRef>
+              <a:fontRef idx="minor">
+                <a:schemeClr val="tx1"/>
+              </a:fontRef>
+            </p:style>
+          </p:cxnSp>
+        </p:grpSp>
+      </p:grpSp>
+      <p:grpSp>
+        <p:nvGrpSpPr>
+          <p:cNvPr id="9" name="Group 8">
+            <a:extLst>
+              <a:ext uri="{FF2B5EF4-FFF2-40B4-BE49-F238E27FC236}">
+                <a16:creationId xmlns:a16="http://schemas.microsoft.com/office/drawing/2014/main" id="{7E911C6E-1EEC-4CD5-8CC6-DFC918FF042B}"/>
+              </a:ext>
+            </a:extLst>
+          </p:cNvPr>
+          <p:cNvGrpSpPr/>
+          <p:nvPr/>
+        </p:nvGrpSpPr>
+        <p:grpSpPr>
+          <a:xfrm>
+            <a:off x="457200" y="1447800"/>
+            <a:ext cx="8229600" cy="2893100"/>
+            <a:chOff x="457200" y="1447800"/>
+            <a:chExt cx="8229600" cy="2893100"/>
+          </a:xfrm>
+        </p:grpSpPr>
+        <p:sp>
+          <p:nvSpPr>
+            <p:cNvPr id="3" name="TextBox 2"/>
+            <p:cNvSpPr txBox="1"/>
+            <p:nvPr/>
+          </p:nvSpPr>
+          <p:spPr>
+            <a:xfrm>
+              <a:off x="457200" y="1447800"/>
+              <a:ext cx="8229600" cy="2893100"/>
+            </a:xfrm>
+            <a:prstGeom prst="rect">
+              <a:avLst/>
+            </a:prstGeom>
+            <a:solidFill>
+              <a:schemeClr val="accent6">
+                <a:lumMod val="20000"/>
+                <a:lumOff val="80000"/>
+                <a:alpha val="50000"/>
+              </a:schemeClr>
+            </a:solidFill>
+          </p:spPr>
+          <p:txBody>
+            <a:bodyPr wrap="square" rtlCol="0">
+              <a:spAutoFit/>
+            </a:bodyPr>
+            <a:lstStyle/>
+            <a:p>
+              <a:r>
+                <a:rPr lang="en-US" sz="1300" dirty="0">
+                  <a:latin typeface="SAS Monospace" panose="020B0609020202020204" pitchFamily="49" charset="0"/>
+                </a:rPr>
+                <a:t>library(</a:t>
+              </a:r>
+              <a:r>
+                <a:rPr lang="en-US" sz="1300" dirty="0" err="1">
+                  <a:latin typeface="SAS Monospace" panose="020B0609020202020204" pitchFamily="49" charset="0"/>
+                </a:rPr>
+                <a:t>heplots</a:t>
+              </a:r>
+              <a:r>
+                <a:rPr lang="en-US" sz="1300" dirty="0">
+                  <a:latin typeface="SAS Monospace" panose="020B0609020202020204" pitchFamily="49" charset="0"/>
+                </a:rPr>
+                <a:t>); library(car)</a:t>
+              </a:r>
+            </a:p>
+            <a:p>
+              <a:r>
+                <a:rPr lang="en-US" sz="1300" dirty="0">
+                  <a:latin typeface="SAS Monospace" panose="020B0609020202020204" pitchFamily="49" charset="0"/>
+                </a:rPr>
+                <a:t>data(</a:t>
+              </a:r>
+              <a:r>
+                <a:rPr lang="en-US" sz="1300" dirty="0" err="1">
+                  <a:latin typeface="SAS Monospace" panose="020B0609020202020204" pitchFamily="49" charset="0"/>
+                </a:rPr>
+                <a:t>NeuroCog</a:t>
+              </a:r>
+              <a:r>
+                <a:rPr lang="en-US" sz="1300" dirty="0">
+                  <a:latin typeface="SAS Monospace" panose="020B0609020202020204" pitchFamily="49" charset="0"/>
+                </a:rPr>
+                <a:t>, package="</a:t>
+              </a:r>
+              <a:r>
+                <a:rPr lang="en-US" sz="1300" dirty="0" err="1">
+                  <a:latin typeface="SAS Monospace" panose="020B0609020202020204" pitchFamily="49" charset="0"/>
+                </a:rPr>
+                <a:t>heplots</a:t>
+              </a:r>
+              <a:r>
+                <a:rPr lang="en-US" sz="1300" dirty="0">
+                  <a:latin typeface="SAS Monospace" panose="020B0609020202020204" pitchFamily="49" charset="0"/>
+                </a:rPr>
+                <a:t>")</a:t>
+              </a:r>
+            </a:p>
+            <a:p>
+              <a:endParaRPr lang="en-US" sz="1300" dirty="0">
+                <a:latin typeface="SAS Monospace" panose="020B0609020202020204" pitchFamily="49" charset="0"/>
+              </a:endParaRPr>
+            </a:p>
+            <a:p>
+              <a:r>
+                <a:rPr lang="en-US" sz="1300" dirty="0">
+                  <a:solidFill>
+                    <a:srgbClr val="00B050"/>
+                  </a:solidFill>
+                  <a:latin typeface="SAS Monospace" panose="020B0609020202020204" pitchFamily="49" charset="0"/>
+                </a:rPr>
+                <a:t># fit the MANOVA model</a:t>
+              </a:r>
+            </a:p>
+            <a:p>
+              <a:r>
+                <a:rPr lang="en-US" sz="1300" dirty="0" err="1">
+                  <a:latin typeface="SAS Monospace" panose="020B0609020202020204" pitchFamily="49" charset="0"/>
+                </a:rPr>
+                <a:t>NC.mlm</a:t>
+              </a:r>
+              <a:r>
+                <a:rPr lang="en-US" sz="1300" dirty="0">
+                  <a:latin typeface="SAS Monospace" panose="020B0609020202020204" pitchFamily="49" charset="0"/>
+                </a:rPr>
+                <a:t> &lt;- lm(</a:t>
+              </a:r>
+              <a:r>
+                <a:rPr lang="en-US" sz="1300" dirty="0" err="1">
+                  <a:latin typeface="SAS Monospace" panose="020B0609020202020204" pitchFamily="49" charset="0"/>
+                </a:rPr>
+                <a:t>cbind</a:t>
+              </a:r>
+              <a:r>
+                <a:rPr lang="en-US" sz="1300" dirty="0">
+                  <a:latin typeface="SAS Monospace" panose="020B0609020202020204" pitchFamily="49" charset="0"/>
+                </a:rPr>
+                <a:t>(Speed, Attention, Memory, Verbal, Visual, </a:t>
+              </a:r>
+              <a:r>
+                <a:rPr lang="en-US" sz="1300" dirty="0" err="1">
+                  <a:latin typeface="SAS Monospace" panose="020B0609020202020204" pitchFamily="49" charset="0"/>
+                </a:rPr>
+                <a:t>ProbSolv</a:t>
+              </a:r>
+              <a:r>
+                <a:rPr lang="en-US" sz="1300" dirty="0">
+                  <a:latin typeface="SAS Monospace" panose="020B0609020202020204" pitchFamily="49" charset="0"/>
+                </a:rPr>
+                <a:t>) ~ Dx,</a:t>
+              </a:r>
+            </a:p>
+            <a:p>
+              <a:r>
+                <a:rPr lang="en-US" sz="1300" dirty="0">
+                  <a:latin typeface="SAS Monospace" panose="020B0609020202020204" pitchFamily="49" charset="0"/>
+                </a:rPr>
+                <a:t>             data=</a:t>
+              </a:r>
+              <a:r>
+                <a:rPr lang="en-US" sz="1300" dirty="0" err="1">
+                  <a:latin typeface="SAS Monospace" panose="020B0609020202020204" pitchFamily="49" charset="0"/>
+                </a:rPr>
+                <a:t>NeuroCog</a:t>
+              </a:r>
+              <a:r>
+                <a:rPr lang="en-US" sz="1300" dirty="0">
+                  <a:latin typeface="SAS Monospace" panose="020B0609020202020204" pitchFamily="49" charset="0"/>
+                </a:rPr>
+                <a:t>)</a:t>
+              </a:r>
+            </a:p>
+            <a:p>
+              <a:r>
+                <a:rPr lang="en-US" sz="1300" dirty="0" err="1">
+                  <a:latin typeface="SAS Monospace" panose="020B0609020202020204" pitchFamily="49" charset="0"/>
+                </a:rPr>
+                <a:t>Anova</a:t>
+              </a:r>
+              <a:r>
+                <a:rPr lang="en-US" sz="1300" dirty="0">
+                  <a:latin typeface="SAS Monospace" panose="020B0609020202020204" pitchFamily="49" charset="0"/>
+                </a:rPr>
+                <a:t>(</a:t>
+              </a:r>
+              <a:r>
+                <a:rPr lang="en-US" sz="1300" dirty="0" err="1">
+                  <a:latin typeface="SAS Monospace" panose="020B0609020202020204" pitchFamily="49" charset="0"/>
+                </a:rPr>
+                <a:t>NC.mlm</a:t>
+              </a:r>
+              <a:r>
+                <a:rPr lang="en-US" sz="1300" dirty="0">
+                  <a:latin typeface="SAS Monospace" panose="020B0609020202020204" pitchFamily="49" charset="0"/>
+                </a:rPr>
+                <a:t>)</a:t>
+              </a:r>
+            </a:p>
+            <a:p>
+              <a:endParaRPr lang="en-US" sz="1300" dirty="0">
+                <a:latin typeface="SAS Monospace" panose="020B0609020202020204" pitchFamily="49" charset="0"/>
+              </a:endParaRPr>
+            </a:p>
+            <a:p>
+              <a:endParaRPr lang="en-US" sz="1300" dirty="0">
+                <a:latin typeface="SAS Monospace" panose="020B0609020202020204" pitchFamily="49" charset="0"/>
+              </a:endParaRPr>
+            </a:p>
+            <a:p>
+              <a:r>
+                <a:rPr lang="en-US" sz="1300" dirty="0">
+                  <a:latin typeface="SAS Monospace" panose="020B0609020202020204" pitchFamily="49" charset="0"/>
+                </a:rPr>
+                <a:t>Type II MANOVA Tests: Pillai test statistic</a:t>
+              </a:r>
+            </a:p>
+            <a:p>
+              <a:r>
+                <a:rPr lang="en-US" sz="1300" dirty="0">
+                  <a:latin typeface="SAS Monospace" panose="020B0609020202020204" pitchFamily="49" charset="0"/>
+                </a:rPr>
+                <a:t>   </a:t>
+              </a:r>
+              <a:r>
+                <a:rPr lang="en-US" sz="1300" dirty="0" err="1">
+                  <a:latin typeface="SAS Monospace" panose="020B0609020202020204" pitchFamily="49" charset="0"/>
+                </a:rPr>
+                <a:t>Df</a:t>
+              </a:r>
+              <a:r>
+                <a:rPr lang="en-US" sz="1300" dirty="0">
+                  <a:latin typeface="SAS Monospace" panose="020B0609020202020204" pitchFamily="49" charset="0"/>
+                </a:rPr>
+                <a:t> test stat </a:t>
+              </a:r>
+              <a:r>
+                <a:rPr lang="en-US" sz="1300" dirty="0" err="1">
+                  <a:latin typeface="SAS Monospace" panose="020B0609020202020204" pitchFamily="49" charset="0"/>
+                </a:rPr>
+                <a:t>approx</a:t>
+              </a:r>
+              <a:r>
+                <a:rPr lang="en-US" sz="1300" dirty="0">
+                  <a:latin typeface="SAS Monospace" panose="020B0609020202020204" pitchFamily="49" charset="0"/>
+                </a:rPr>
+                <a:t> F </a:t>
+              </a:r>
+              <a:r>
+                <a:rPr lang="en-US" sz="1300" dirty="0" err="1">
+                  <a:latin typeface="SAS Monospace" panose="020B0609020202020204" pitchFamily="49" charset="0"/>
+                </a:rPr>
+                <a:t>num</a:t>
+              </a:r>
+              <a:r>
+                <a:rPr lang="en-US" sz="1300" dirty="0">
+                  <a:latin typeface="SAS Monospace" panose="020B0609020202020204" pitchFamily="49" charset="0"/>
+                </a:rPr>
+                <a:t> </a:t>
+              </a:r>
+              <a:r>
+                <a:rPr lang="en-US" sz="1300" dirty="0" err="1">
+                  <a:latin typeface="SAS Monospace" panose="020B0609020202020204" pitchFamily="49" charset="0"/>
+                </a:rPr>
+                <a:t>Df</a:t>
+              </a:r>
+              <a:r>
+                <a:rPr lang="en-US" sz="1300" dirty="0">
+                  <a:latin typeface="SAS Monospace" panose="020B0609020202020204" pitchFamily="49" charset="0"/>
+                </a:rPr>
+                <a:t> den </a:t>
+              </a:r>
+              <a:r>
+                <a:rPr lang="en-US" sz="1300" dirty="0" err="1">
+                  <a:latin typeface="SAS Monospace" panose="020B0609020202020204" pitchFamily="49" charset="0"/>
+                </a:rPr>
+                <a:t>Df</a:t>
+              </a:r>
+              <a:r>
+                <a:rPr lang="en-US" sz="1300" dirty="0">
+                  <a:latin typeface="SAS Monospace" panose="020B0609020202020204" pitchFamily="49" charset="0"/>
+                </a:rPr>
+                <a:t>    </a:t>
+              </a:r>
+              <a:r>
+                <a:rPr lang="en-US" sz="1300" dirty="0" err="1">
+                  <a:latin typeface="SAS Monospace" panose="020B0609020202020204" pitchFamily="49" charset="0"/>
+                </a:rPr>
+                <a:t>Pr</a:t>
+              </a:r>
+              <a:r>
+                <a:rPr lang="en-US" sz="1300" dirty="0">
+                  <a:latin typeface="SAS Monospace" panose="020B0609020202020204" pitchFamily="49" charset="0"/>
+                </a:rPr>
+                <a:t>(&gt;F)    </a:t>
+              </a:r>
+            </a:p>
+            <a:p>
+              <a:r>
+                <a:rPr lang="en-US" sz="1300" dirty="0" err="1">
+                  <a:latin typeface="SAS Monospace" panose="020B0609020202020204" pitchFamily="49" charset="0"/>
+                </a:rPr>
+                <a:t>Dx</a:t>
+              </a:r>
+              <a:r>
+                <a:rPr lang="en-US" sz="1300" dirty="0">
+                  <a:latin typeface="SAS Monospace" panose="020B0609020202020204" pitchFamily="49" charset="0"/>
+                </a:rPr>
+                <a:t>  2    0.2992   6.8902     12    470 1.562e-11 ***</a:t>
+              </a:r>
+            </a:p>
+            <a:p>
+              <a:r>
+                <a:rPr lang="en-US" sz="1300" dirty="0">
+                  <a:latin typeface="SAS Monospace" panose="020B0609020202020204" pitchFamily="49" charset="0"/>
+                </a:rPr>
+                <a:t>---</a:t>
+              </a:r>
+            </a:p>
+            <a:p>
+              <a:r>
+                <a:rPr lang="en-US" sz="1300" dirty="0" err="1">
+                  <a:latin typeface="SAS Monospace" panose="020B0609020202020204" pitchFamily="49" charset="0"/>
+                </a:rPr>
+                <a:t>Signif</a:t>
+              </a:r>
+              <a:r>
+                <a:rPr lang="en-US" sz="1300" dirty="0">
+                  <a:latin typeface="SAS Monospace" panose="020B0609020202020204" pitchFamily="49" charset="0"/>
+                </a:rPr>
+                <a:t>. codes:  0 ‘***’ 0.001 ‘**’ 0.01 ‘*’ 0.05 ‘.’ 0.1 ‘ ’ 1</a:t>
+              </a:r>
+            </a:p>
+          </p:txBody>
+        </p:sp>
+        <p:sp>
+          <p:nvSpPr>
+            <p:cNvPr id="11" name="Rectangle 10">
+              <a:extLst>
+                <a:ext uri="{FF2B5EF4-FFF2-40B4-BE49-F238E27FC236}">
+                  <a16:creationId xmlns:a16="http://schemas.microsoft.com/office/drawing/2014/main" id="{6A66A5E5-7648-48B8-AEDA-91760886D3EB}"/>
+                </a:ext>
+              </a:extLst>
+            </p:cNvPr>
+            <p:cNvSpPr/>
+            <p:nvPr/>
+          </p:nvSpPr>
+          <p:spPr>
+            <a:xfrm>
+              <a:off x="5817730" y="3429000"/>
+              <a:ext cx="506870" cy="584775"/>
+            </a:xfrm>
+            <a:prstGeom prst="rect">
+              <a:avLst/>
+            </a:prstGeom>
+          </p:spPr>
+          <p:txBody>
+            <a:bodyPr wrap="none">
+              <a:spAutoFit/>
+            </a:bodyPr>
+            <a:lstStyle/>
+            <a:p>
+              <a:pPr algn="ctr"/>
+              <a:r>
+                <a:rPr lang="en-US" sz="3200" dirty="0">
+                  <a:solidFill>
+                    <a:srgbClr val="00B050"/>
+                  </a:solidFill>
+                  <a:sym typeface="Wingdings"/>
+                </a:rPr>
+                <a:t></a:t>
+              </a:r>
+              <a:endParaRPr lang="en-US" sz="3200" dirty="0"/>
+            </a:p>
+          </p:txBody>
+        </p:sp>
+      </p:grpSp>
+    </p:spTree>
+    <p:extLst>
+      <p:ext uri="{BB962C8B-B14F-4D97-AF65-F5344CB8AC3E}">
+        <p14:creationId xmlns:p14="http://schemas.microsoft.com/office/powerpoint/2010/main" val="1932625559"/>
+      </p:ext>
+    </p:extLst>
+  </p:cSld>
+  <p:clrMapOvr>
+    <a:masterClrMapping/>
+  </p:clrMapOvr>
+  <p:timing>
+    <p:tnLst>
+      <p:par>
+        <p:cTn id="1" dur="indefinite" restart="never" nodeType="tmRoot">
+          <p:childTnLst>
+            <p:seq concurrent="1" nextAc="seek">
+              <p:cTn id="2" dur="indefinite" nodeType="mainSeq">
+                <p:childTnLst>
+                  <p:par>
+                    <p:cTn id="3" fill="hold">
+                      <p:stCondLst>
+                        <p:cond delay="indefinite"/>
+                      </p:stCondLst>
+                      <p:childTnLst>
+                        <p:par>
+                          <p:cTn id="4" fill="hold">
+                            <p:stCondLst>
+                              <p:cond delay="0"/>
+                            </p:stCondLst>
+                            <p:childTnLst>
+                              <p:par>
+                                <p:cTn id="5" presetID="1" presetClass="entr" presetSubtype="0" fill="hold" nodeType="clickEffect">
+                                  <p:stCondLst>
+                                    <p:cond delay="0"/>
+                                  </p:stCondLst>
+                                  <p:childTnLst>
+                                    <p:set>
+                                      <p:cBhvr>
+                                        <p:cTn id="6" dur="1" fill="hold">
+                                          <p:stCondLst>
+                                            <p:cond delay="0"/>
+                                          </p:stCondLst>
+                                        </p:cTn>
+                                        <p:tgtEl>
+                                          <p:spTgt spid="9"/>
+                                        </p:tgtEl>
+                                        <p:attrNameLst>
+                                          <p:attrName>style.visibility</p:attrName>
+                                        </p:attrNameLst>
+                                      </p:cBhvr>
+                                      <p:to>
+                                        <p:strVal val="visible"/>
+                                      </p:to>
+                                    </p:set>
+                                  </p:childTnLst>
+                                </p:cTn>
+                              </p:par>
+                            </p:childTnLst>
+                          </p:cTn>
+                        </p:par>
+                      </p:childTnLst>
+                    </p:cTn>
+                  </p:par>
+                  <p:par>
+                    <p:cTn id="7" fill="hold">
+                      <p:stCondLst>
+                        <p:cond delay="indefinite"/>
+                      </p:stCondLst>
+                      <p:childTnLst>
+                        <p:par>
+                          <p:cTn id="8" fill="hold">
+                            <p:stCondLst>
+                              <p:cond delay="0"/>
+                            </p:stCondLst>
+                            <p:childTnLst>
+                              <p:par>
+                                <p:cTn id="9" presetID="1" presetClass="entr" presetSubtype="0" fill="hold" nodeType="clickEffect">
+                                  <p:stCondLst>
+                                    <p:cond delay="0"/>
+                                  </p:stCondLst>
+                                  <p:childTnLst>
+                                    <p:set>
+                                      <p:cBhvr>
+                                        <p:cTn id="10" dur="1" fill="hold">
+                                          <p:stCondLst>
+                                            <p:cond delay="0"/>
+                                          </p:stCondLst>
+                                        </p:cTn>
+                                        <p:tgtEl>
+                                          <p:spTgt spid="14"/>
+                                        </p:tgtEl>
+                                        <p:attrNameLst>
+                                          <p:attrName>style.visibility</p:attrName>
+                                        </p:attrNameLst>
+                                      </p:cBhvr>
+                                      <p:to>
+                                        <p:strVal val="visible"/>
+                                      </p:to>
+                                    </p:set>
+                                  </p:childTnLst>
+                                </p:cTn>
+                              </p:par>
+                            </p:childTnLst>
+                          </p:cTn>
+                        </p:par>
+                      </p:childTnLst>
+                    </p:cTn>
+                  </p:par>
+                </p:childTnLst>
+              </p:cTn>
+              <p:prevCondLst>
+                <p:cond evt="onPrev" delay="0">
+                  <p:tgtEl>
+                    <p:sldTgt/>
+                  </p:tgtEl>
+                </p:cond>
+              </p:prevCondLst>
+              <p:nextCondLst>
+                <p:cond evt="onNext" delay="0">
+                  <p:tgtEl>
+                    <p:sldTgt/>
+                  </p:tgtEl>
+                </p:cond>
+              </p:nextCondLst>
+            </p:seq>
+          </p:childTnLst>
+        </p:cTn>
+      </p:par>
+    </p:tnLst>
+  </p:timing>
+</p:sld>
+</file>
+
+<file path=ppt/slides/slide8.xml><?xml version="1.0" encoding="utf-8"?>
+<p:sld xmlns:a="http://schemas.openxmlformats.org/drawingml/2006/main" xmlns:r="http://schemas.openxmlformats.org/officeDocument/2006/relationships" xmlns:p="http://schemas.openxmlformats.org/presentationml/2006/main">
+  <p:cSld>
+    <p:spTree>
+      <p:nvGrpSpPr>
+        <p:cNvPr id="1" name=""/>
+        <p:cNvGrpSpPr/>
+        <p:nvPr/>
+      </p:nvGrpSpPr>
+      <p:grpSpPr>
+        <a:xfrm>
+          <a:off x="0" y="0"/>
+          <a:ext cx="0" cy="0"/>
+          <a:chOff x="0" y="0"/>
+          <a:chExt cx="0" cy="0"/>
+        </a:xfrm>
+      </p:grpSpPr>
+      <p:sp>
+        <p:nvSpPr>
+          <p:cNvPr id="2" name="Title 1"/>
+          <p:cNvSpPr>
+            <a:spLocks noGrp="1"/>
+          </p:cNvSpPr>
+          <p:nvPr>
+            <p:ph type="title"/>
+          </p:nvPr>
+        </p:nvSpPr>
+        <p:spPr/>
+        <p:txBody>
+          <a:bodyPr/>
+          <a:lstStyle/>
+          <a:p>
             <a:r>
               <a:rPr lang="en-US" dirty="0"/>
-              <a:t>-cognitive measures</a:t>
+              <a:t>Neuro-cognitive measures: Contrasts</a:t>
             </a:r>
           </a:p>
         </p:txBody>
@@ -21528,7 +25792,7 @@
           <a:p>
             <a:fld id="{810B7604-93B8-4136-B9BD-D1CE89EE20B0}" type="slidenum">
               <a:rPr lang="en-US" smtClean="0"/>
-              <a:t>6</a:t>
+              <a:t>8</a:t>
             </a:fld>
             <a:endParaRPr lang="en-US" dirty="0"/>
           </a:p>
@@ -22067,7 +26331,7 @@
 </p:sld>
 </file>
 
-<file path=ppt/slides/slide7.xml><?xml version="1.0" encoding="utf-8"?>
+<file path=ppt/slides/slide9.xml><?xml version="1.0" encoding="utf-8"?>
 <p:sld xmlns:a="http://schemas.openxmlformats.org/drawingml/2006/main" xmlns:r="http://schemas.openxmlformats.org/officeDocument/2006/relationships" xmlns:p="http://schemas.openxmlformats.org/presentationml/2006/main">
   <p:cSld>
     <p:spTree>
@@ -22391,7 +26655,7 @@
           <a:p>
             <a:fld id="{621225AB-15B9-4C79-A121-04D1DC7E2307}" type="slidenum">
               <a:rPr lang="en-US" smtClean="0"/>
-              <a:t>7</a:t>
+              <a:t>9</a:t>
             </a:fld>
             <a:endParaRPr lang="en-US"/>
           </a:p>
@@ -22434,15 +26698,27 @@
           </a:p>
           <a:p>
             <a:r>
-              <a:rPr lang="en-US" dirty="0"/>
+              <a:rPr lang="en-US" dirty="0">
+                <a:solidFill>
+                  <a:srgbClr val="FF0000"/>
+                </a:solidFill>
+              </a:rPr>
               <a:t>Only 1 dim. of </a:t>
             </a:r>
             <a:r>
-              <a:rPr lang="en-US" b="1" dirty="0"/>
+              <a:rPr lang="en-US" b="1" dirty="0">
+                <a:solidFill>
+                  <a:srgbClr val="FF0000"/>
+                </a:solidFill>
+              </a:rPr>
               <a:t>H</a:t>
             </a:r>
             <a:r>
-              <a:rPr lang="en-US" dirty="0"/>
+              <a:rPr lang="en-US" dirty="0">
+                <a:solidFill>
+                  <a:srgbClr val="FF0000"/>
+                </a:solidFill>
+              </a:rPr>
               <a:t> variation</a:t>
             </a:r>
           </a:p>
@@ -22782,415 +27058,6 @@
       <p:bldP spid="8" grpId="0"/>
     </p:bldLst>
   </p:timing>
-</p:sld>
-</file>
-
-<file path=ppt/slides/slide8.xml><?xml version="1.0" encoding="utf-8"?>
-<p:sld xmlns:a="http://schemas.openxmlformats.org/drawingml/2006/main" xmlns:r="http://schemas.openxmlformats.org/officeDocument/2006/relationships" xmlns:p="http://schemas.openxmlformats.org/presentationml/2006/main">
-  <p:cSld>
-    <p:spTree>
-      <p:nvGrpSpPr>
-        <p:cNvPr id="1" name=""/>
-        <p:cNvGrpSpPr/>
-        <p:nvPr/>
-      </p:nvGrpSpPr>
-      <p:grpSpPr>
-        <a:xfrm>
-          <a:off x="0" y="0"/>
-          <a:ext cx="0" cy="0"/>
-          <a:chOff x="0" y="0"/>
-          <a:chExt cx="0" cy="0"/>
-        </a:xfrm>
-      </p:grpSpPr>
-      <p:sp>
-        <p:nvSpPr>
-          <p:cNvPr id="2" name="Title 1"/>
-          <p:cNvSpPr>
-            <a:spLocks noGrp="1"/>
-          </p:cNvSpPr>
-          <p:nvPr>
-            <p:ph type="title"/>
-          </p:nvPr>
-        </p:nvSpPr>
-        <p:spPr/>
-        <p:txBody>
-          <a:bodyPr>
-            <a:normAutofit/>
-          </a:bodyPr>
-          <a:lstStyle/>
-          <a:p>
-            <a:r>
-              <a:rPr lang="en-US" dirty="0"/>
-              <a:t>Visualize me: in canonical space</a:t>
-            </a:r>
-          </a:p>
-        </p:txBody>
-      </p:sp>
-      <p:pic>
-        <p:nvPicPr>
-          <p:cNvPr id="3" name="Picture 2"/>
-          <p:cNvPicPr>
-            <a:picLocks noChangeAspect="1" noChangeArrowheads="1"/>
-          </p:cNvPicPr>
-          <p:nvPr/>
-        </p:nvPicPr>
-        <p:blipFill>
-          <a:blip r:embed="rId2">
-            <a:extLst>
-              <a:ext uri="{28A0092B-C50C-407E-A947-70E740481C1C}">
-                <a14:useLocalDpi xmlns:a14="http://schemas.microsoft.com/office/drawing/2010/main" val="0"/>
-              </a:ext>
-            </a:extLst>
-          </a:blip>
-          <a:srcRect/>
-          <a:stretch>
-            <a:fillRect/>
-          </a:stretch>
-        </p:blipFill>
-        <p:spPr bwMode="auto">
-          <a:xfrm>
-            <a:off x="492485" y="1143000"/>
-            <a:ext cx="7965715" cy="1600200"/>
-          </a:xfrm>
-          <a:prstGeom prst="rect">
-            <a:avLst/>
-          </a:prstGeom>
-          <a:noFill/>
-          <a:ln>
-            <a:noFill/>
-          </a:ln>
-          <a:extLst>
-            <a:ext uri="{909E8E84-426E-40DD-AFC4-6F175D3DCCD1}">
-              <a14:hiddenFill xmlns:a14="http://schemas.microsoft.com/office/drawing/2010/main">
-                <a:solidFill>
-                  <a:schemeClr val="accent1"/>
-                </a:solidFill>
-              </a14:hiddenFill>
-            </a:ext>
-            <a:ext uri="{91240B29-F687-4F45-9708-019B960494DF}">
-              <a14:hiddenLine xmlns:a14="http://schemas.microsoft.com/office/drawing/2010/main" w="9525">
-                <a:solidFill>
-                  <a:schemeClr val="tx1"/>
-                </a:solidFill>
-                <a:miter lim="800000"/>
-                <a:headEnd/>
-                <a:tailEnd/>
-              </a14:hiddenLine>
-            </a:ext>
-          </a:extLst>
-        </p:spPr>
-      </p:pic>
-      <p:pic>
-        <p:nvPicPr>
-          <p:cNvPr id="4" name="Picture 3"/>
-          <p:cNvPicPr>
-            <a:picLocks noChangeAspect="1"/>
-          </p:cNvPicPr>
-          <p:nvPr/>
-        </p:nvPicPr>
-        <p:blipFill>
-          <a:blip r:embed="rId3">
-            <a:extLst>
-              <a:ext uri="{28A0092B-C50C-407E-A947-70E740481C1C}">
-                <a14:useLocalDpi xmlns:a14="http://schemas.microsoft.com/office/drawing/2010/main" val="0"/>
-              </a:ext>
-            </a:extLst>
-          </a:blip>
-          <a:stretch>
-            <a:fillRect/>
-          </a:stretch>
-        </p:blipFill>
-        <p:spPr>
-          <a:xfrm>
-            <a:off x="685800" y="3100754"/>
-            <a:ext cx="5405714" cy="3394286"/>
-          </a:xfrm>
-          <a:prstGeom prst="rect">
-            <a:avLst/>
-          </a:prstGeom>
-        </p:spPr>
-      </p:pic>
-      <p:sp>
-        <p:nvSpPr>
-          <p:cNvPr id="5" name="Slide Number Placeholder 4"/>
-          <p:cNvSpPr>
-            <a:spLocks noGrp="1"/>
-          </p:cNvSpPr>
-          <p:nvPr>
-            <p:ph type="sldNum" sz="quarter" idx="12"/>
-          </p:nvPr>
-        </p:nvSpPr>
-        <p:spPr/>
-        <p:txBody>
-          <a:bodyPr/>
-          <a:lstStyle/>
-          <a:p>
-            <a:fld id="{621225AB-15B9-4C79-A121-04D1DC7E2307}" type="slidenum">
-              <a:rPr lang="en-US" smtClean="0"/>
-              <a:t>8</a:t>
-            </a:fld>
-            <a:endParaRPr lang="en-US"/>
-          </a:p>
-        </p:txBody>
-      </p:sp>
-      <p:sp>
-        <p:nvSpPr>
-          <p:cNvPr id="6" name="TextBox 5"/>
-          <p:cNvSpPr txBox="1"/>
-          <p:nvPr/>
-        </p:nvSpPr>
-        <p:spPr>
-          <a:xfrm>
-            <a:off x="6091514" y="3276600"/>
-            <a:ext cx="2671486" cy="1815882"/>
-          </a:xfrm>
-          <a:prstGeom prst="rect">
-            <a:avLst/>
-          </a:prstGeom>
-          <a:noFill/>
-        </p:spPr>
-        <p:txBody>
-          <a:bodyPr wrap="square" rtlCol="0">
-            <a:spAutoFit/>
-          </a:bodyPr>
-          <a:lstStyle/>
-          <a:p>
-            <a:r>
-              <a:rPr lang="en-US" sz="1600" dirty="0"/>
-              <a:t>Very simple interpretation</a:t>
-            </a:r>
-          </a:p>
-          <a:p>
-            <a:endParaRPr lang="en-US" sz="1600" dirty="0"/>
-          </a:p>
-          <a:p>
-            <a:r>
-              <a:rPr lang="en-US" sz="1600" dirty="0"/>
-              <a:t>Can1: normal vs. others</a:t>
-            </a:r>
-          </a:p>
-          <a:p>
-            <a:r>
-              <a:rPr lang="en-US" sz="1600" dirty="0"/>
-              <a:t>All </a:t>
-            </a:r>
-            <a:r>
-              <a:rPr lang="en-US" sz="1600" dirty="0" err="1"/>
-              <a:t>vars</a:t>
-            </a:r>
-            <a:r>
-              <a:rPr lang="en-US" sz="1600" dirty="0"/>
-              <a:t> highly correlated; </a:t>
-            </a:r>
-          </a:p>
-          <a:p>
-            <a:endParaRPr lang="en-US" sz="1600" dirty="0"/>
-          </a:p>
-          <a:p>
-            <a:r>
-              <a:rPr lang="en-US" sz="1600" dirty="0"/>
-              <a:t>Can2: only 1.5%, NS; but perhaps suggestive </a:t>
-            </a:r>
-          </a:p>
-        </p:txBody>
-      </p:sp>
-    </p:spTree>
-    <p:extLst>
-      <p:ext uri="{BB962C8B-B14F-4D97-AF65-F5344CB8AC3E}">
-        <p14:creationId xmlns:p14="http://schemas.microsoft.com/office/powerpoint/2010/main" val="2638531879"/>
-      </p:ext>
-    </p:extLst>
-  </p:cSld>
-  <p:clrMapOvr>
-    <a:masterClrMapping/>
-  </p:clrMapOvr>
-</p:sld>
-</file>
-
-<file path=ppt/slides/slide9.xml><?xml version="1.0" encoding="utf-8"?>
-<p:sld xmlns:a="http://schemas.openxmlformats.org/drawingml/2006/main" xmlns:r="http://schemas.openxmlformats.org/officeDocument/2006/relationships" xmlns:p="http://schemas.openxmlformats.org/presentationml/2006/main">
-  <p:cSld>
-    <p:spTree>
-      <p:nvGrpSpPr>
-        <p:cNvPr id="1" name=""/>
-        <p:cNvGrpSpPr/>
-        <p:nvPr/>
-      </p:nvGrpSpPr>
-      <p:grpSpPr>
-        <a:xfrm>
-          <a:off x="0" y="0"/>
-          <a:ext cx="0" cy="0"/>
-          <a:chOff x="0" y="0"/>
-          <a:chExt cx="0" cy="0"/>
-        </a:xfrm>
-      </p:grpSpPr>
-      <p:sp>
-        <p:nvSpPr>
-          <p:cNvPr id="2" name="Title 1"/>
-          <p:cNvSpPr>
-            <a:spLocks noGrp="1"/>
-          </p:cNvSpPr>
-          <p:nvPr>
-            <p:ph type="title"/>
-          </p:nvPr>
-        </p:nvSpPr>
-        <p:spPr/>
-        <p:txBody>
-          <a:bodyPr>
-            <a:normAutofit/>
-          </a:bodyPr>
-          <a:lstStyle/>
-          <a:p>
-            <a:r>
-              <a:rPr lang="en-US" dirty="0"/>
-              <a:t>Visualize me: canonical HE plots</a:t>
-            </a:r>
-          </a:p>
-        </p:txBody>
-      </p:sp>
-      <p:pic>
-        <p:nvPicPr>
-          <p:cNvPr id="3" name="Picture 2"/>
-          <p:cNvPicPr>
-            <a:picLocks noChangeAspect="1"/>
-          </p:cNvPicPr>
-          <p:nvPr/>
-        </p:nvPicPr>
-        <p:blipFill>
-          <a:blip r:embed="rId2">
-            <a:extLst>
-              <a:ext uri="{28A0092B-C50C-407E-A947-70E740481C1C}">
-                <a14:useLocalDpi xmlns:a14="http://schemas.microsoft.com/office/drawing/2010/main" val="0"/>
-              </a:ext>
-            </a:extLst>
-          </a:blip>
-          <a:stretch>
-            <a:fillRect/>
-          </a:stretch>
-        </p:blipFill>
-        <p:spPr>
-          <a:xfrm>
-            <a:off x="411480" y="1143000"/>
-            <a:ext cx="7779525" cy="1748572"/>
-          </a:xfrm>
-          <a:prstGeom prst="rect">
-            <a:avLst/>
-          </a:prstGeom>
-        </p:spPr>
-      </p:pic>
-      <p:pic>
-        <p:nvPicPr>
-          <p:cNvPr id="4" name="Picture 3"/>
-          <p:cNvPicPr>
-            <a:picLocks noChangeAspect="1"/>
-          </p:cNvPicPr>
-          <p:nvPr/>
-        </p:nvPicPr>
-        <p:blipFill>
-          <a:blip r:embed="rId3">
-            <a:extLst>
-              <a:ext uri="{28A0092B-C50C-407E-A947-70E740481C1C}">
-                <a14:useLocalDpi xmlns:a14="http://schemas.microsoft.com/office/drawing/2010/main" val="0"/>
-              </a:ext>
-            </a:extLst>
-          </a:blip>
-          <a:stretch>
-            <a:fillRect/>
-          </a:stretch>
-        </p:blipFill>
-        <p:spPr>
-          <a:xfrm>
-            <a:off x="685800" y="3124200"/>
-            <a:ext cx="5405714" cy="3434286"/>
-          </a:xfrm>
-          <a:prstGeom prst="rect">
-            <a:avLst/>
-          </a:prstGeom>
-        </p:spPr>
-      </p:pic>
-      <p:sp>
-        <p:nvSpPr>
-          <p:cNvPr id="5" name="Slide Number Placeholder 4"/>
-          <p:cNvSpPr>
-            <a:spLocks noGrp="1"/>
-          </p:cNvSpPr>
-          <p:nvPr>
-            <p:ph type="sldNum" sz="quarter" idx="12"/>
-          </p:nvPr>
-        </p:nvSpPr>
-        <p:spPr/>
-        <p:txBody>
-          <a:bodyPr/>
-          <a:lstStyle/>
-          <a:p>
-            <a:fld id="{621225AB-15B9-4C79-A121-04D1DC7E2307}" type="slidenum">
-              <a:rPr lang="en-US" smtClean="0"/>
-              <a:t>9</a:t>
-            </a:fld>
-            <a:endParaRPr lang="en-US"/>
-          </a:p>
-        </p:txBody>
-      </p:sp>
-      <p:sp>
-        <p:nvSpPr>
-          <p:cNvPr id="6" name="TextBox 5"/>
-          <p:cNvSpPr txBox="1"/>
-          <p:nvPr/>
-        </p:nvSpPr>
-        <p:spPr>
-          <a:xfrm>
-            <a:off x="6248400" y="3276600"/>
-            <a:ext cx="2438400" cy="2339102"/>
-          </a:xfrm>
-          <a:prstGeom prst="rect">
-            <a:avLst/>
-          </a:prstGeom>
-          <a:noFill/>
-        </p:spPr>
-        <p:txBody>
-          <a:bodyPr wrap="square" rtlCol="0">
-            <a:spAutoFit/>
-          </a:bodyPr>
-          <a:lstStyle/>
-          <a:p>
-            <a:r>
-              <a:rPr lang="en-US" sz="1600" dirty="0"/>
-              <a:t>The multivariate “juicer”</a:t>
-            </a:r>
-          </a:p>
-          <a:p>
-            <a:endParaRPr lang="en-US" sz="1600" dirty="0"/>
-          </a:p>
-          <a:p>
-            <a:r>
-              <a:rPr lang="en-US" sz="1600" dirty="0"/>
-              <a:t>Shows just group means, H ellipse &amp; E ellipse </a:t>
-            </a:r>
-          </a:p>
-          <a:p>
-            <a:endParaRPr lang="en-US" sz="1600" dirty="0"/>
-          </a:p>
-          <a:p>
-            <a:r>
-              <a:rPr lang="en-US" sz="1600" dirty="0"/>
-              <a:t>Variable vectors offer interpretation of Can dimensions.</a:t>
-            </a:r>
-          </a:p>
-          <a:p>
-            <a:endParaRPr lang="en-US" dirty="0"/>
-          </a:p>
-        </p:txBody>
-      </p:sp>
-    </p:spTree>
-    <p:extLst>
-      <p:ext uri="{BB962C8B-B14F-4D97-AF65-F5344CB8AC3E}">
-        <p14:creationId xmlns:p14="http://schemas.microsoft.com/office/powerpoint/2010/main" val="2977873038"/>
-      </p:ext>
-    </p:extLst>
-  </p:cSld>
-  <p:clrMapOvr>
-    <a:masterClrMapping/>
-  </p:clrMapOvr>
 </p:sld>
 </file>
 

--- a/docs/lectures/lecture3.pptx
+++ b/docs/lectures/lecture3.pptx
@@ -1,6 +1,6 @@
 
 <file path=ppt/presentation.xml><?xml version="1.0" encoding="utf-8"?>
-<p:presentation xmlns:a="http://schemas.openxmlformats.org/drawingml/2006/main" xmlns:r="http://schemas.openxmlformats.org/officeDocument/2006/relationships" xmlns:p="http://schemas.openxmlformats.org/presentationml/2006/main" saveSubsetFonts="1">
+<p:presentation xmlns:a="http://schemas.openxmlformats.org/drawingml/2006/main" xmlns:r="http://schemas.openxmlformats.org/officeDocument/2006/relationships" xmlns:p="http://schemas.openxmlformats.org/presentationml/2006/main" embedTrueTypeFonts="1" saveSubsetFonts="1">
   <p:sldMasterIdLst>
     <p:sldMasterId id="2147483660" r:id="rId1"/>
   </p:sldMasterIdLst>
@@ -57,6 +57,27 @@
   </p:sldIdLst>
   <p:sldSz cx="9144000" cy="6858000" type="screen4x3"/>
   <p:notesSz cx="6858000" cy="9144000"/>
+  <p:embeddedFontLst>
+    <p:embeddedFont>
+      <p:font typeface="Calibri" panose="020F0502020204030204" pitchFamily="34" charset="0"/>
+      <p:regular r:id="rId49"/>
+      <p:bold r:id="rId50"/>
+      <p:italic r:id="rId51"/>
+      <p:boldItalic r:id="rId52"/>
+    </p:embeddedFont>
+    <p:embeddedFont>
+      <p:font typeface="Cambria Math" panose="02040503050406030204" pitchFamily="18" charset="0"/>
+      <p:regular r:id="rId53"/>
+    </p:embeddedFont>
+    <p:embeddedFont>
+      <p:font typeface="Lucida Console" panose="020B0609040504020204" pitchFamily="49" charset="0"/>
+      <p:regular r:id="rId54"/>
+    </p:embeddedFont>
+    <p:embeddedFont>
+      <p:font typeface="SAS Monospace" panose="020B0609020202020204" pitchFamily="49" charset="0"/>
+      <p:regular r:id="rId55"/>
+    </p:embeddedFont>
+  </p:embeddedFontLst>
   <p:defaultTextStyle>
     <a:defPPr>
       <a:defRPr lang="en-US"/>
@@ -347,7 +368,7 @@
           <a:p>
             <a:fld id="{88225CEC-B4DB-421E-BD7D-F5D0F79EA658}" type="datetimeFigureOut">
               <a:rPr lang="en-US" smtClean="0"/>
-              <a:t>11/9/2021</a:t>
+              <a:t>11/10/2021</a:t>
             </a:fld>
             <a:endParaRPr lang="en-US"/>
           </a:p>
@@ -961,7 +982,7 @@
           <a:p>
             <a:fld id="{2F895662-E2E6-47BC-B493-3EA4FCF734B6}" type="datetime1">
               <a:rPr lang="en-US" smtClean="0"/>
-              <a:t>11/9/2021</a:t>
+              <a:t>11/10/2021</a:t>
             </a:fld>
             <a:endParaRPr lang="en-US"/>
           </a:p>
@@ -1129,7 +1150,7 @@
           <a:p>
             <a:fld id="{0F4BFD65-5602-4172-B54C-6A65165A1845}" type="datetime1">
               <a:rPr lang="en-US" smtClean="0"/>
-              <a:t>11/9/2021</a:t>
+              <a:t>11/10/2021</a:t>
             </a:fld>
             <a:endParaRPr lang="en-US"/>
           </a:p>
@@ -1307,7 +1328,7 @@
           <a:p>
             <a:fld id="{6CA290DE-8138-4626-BC3F-DF68A3BD09D8}" type="datetime1">
               <a:rPr lang="en-US" smtClean="0"/>
-              <a:t>11/9/2021</a:t>
+              <a:t>11/10/2021</a:t>
             </a:fld>
             <a:endParaRPr lang="en-US"/>
           </a:p>
@@ -1475,7 +1496,7 @@
           <a:p>
             <a:fld id="{E1BE8E3F-75DF-45E8-9F6B-4F2E22494A32}" type="datetime1">
               <a:rPr lang="en-US" smtClean="0"/>
-              <a:t>11/9/2021</a:t>
+              <a:t>11/10/2021</a:t>
             </a:fld>
             <a:endParaRPr lang="en-US"/>
           </a:p>
@@ -1720,7 +1741,7 @@
           <a:p>
             <a:fld id="{82F4DA82-3E7C-4CFB-A30B-53D3893EF32E}" type="datetime1">
               <a:rPr lang="en-US" smtClean="0"/>
-              <a:t>11/9/2021</a:t>
+              <a:t>11/10/2021</a:t>
             </a:fld>
             <a:endParaRPr lang="en-US"/>
           </a:p>
@@ -2005,7 +2026,7 @@
           <a:p>
             <a:fld id="{36B3D8AD-4C83-4D73-AEE7-5E801ED5356C}" type="datetime1">
               <a:rPr lang="en-US" smtClean="0"/>
-              <a:t>11/9/2021</a:t>
+              <a:t>11/10/2021</a:t>
             </a:fld>
             <a:endParaRPr lang="en-US"/>
           </a:p>
@@ -2424,7 +2445,7 @@
           <a:p>
             <a:fld id="{7E6893DB-DD64-49D6-A5C2-F6ACE2B1530B}" type="datetime1">
               <a:rPr lang="en-US" smtClean="0"/>
-              <a:t>11/9/2021</a:t>
+              <a:t>11/10/2021</a:t>
             </a:fld>
             <a:endParaRPr lang="en-US"/>
           </a:p>
@@ -2541,7 +2562,7 @@
           <a:p>
             <a:fld id="{FC0A94C3-7A0F-4E28-9A06-985C13FFBB01}" type="datetime1">
               <a:rPr lang="en-US" smtClean="0"/>
-              <a:t>11/9/2021</a:t>
+              <a:t>11/10/2021</a:t>
             </a:fld>
             <a:endParaRPr lang="en-US"/>
           </a:p>
@@ -2636,7 +2657,7 @@
           <a:p>
             <a:fld id="{8587B2D3-0011-41C0-B2C5-6B713844DB1C}" type="datetime1">
               <a:rPr lang="en-US" smtClean="0"/>
-              <a:t>11/9/2021</a:t>
+              <a:t>11/10/2021</a:t>
             </a:fld>
             <a:endParaRPr lang="en-US"/>
           </a:p>
@@ -2911,7 +2932,7 @@
           <a:p>
             <a:fld id="{B53EE19A-9EFD-417C-93CE-FC2F485F3533}" type="datetime1">
               <a:rPr lang="en-US" smtClean="0"/>
-              <a:t>11/9/2021</a:t>
+              <a:t>11/10/2021</a:t>
             </a:fld>
             <a:endParaRPr lang="en-US"/>
           </a:p>
@@ -3166,7 +3187,7 @@
           <a:p>
             <a:fld id="{87D9954C-8CD1-4968-8DFE-C7948C62F830}" type="datetime1">
               <a:rPr lang="en-US" smtClean="0"/>
-              <a:t>11/9/2021</a:t>
+              <a:t>11/10/2021</a:t>
             </a:fld>
             <a:endParaRPr lang="en-US"/>
           </a:p>
@@ -3382,7 +3403,7 @@
           <a:p>
             <a:fld id="{B4BF092D-FE75-4F27-B0C3-A897761F708C}" type="datetime1">
               <a:rPr lang="en-US" smtClean="0"/>
-              <a:t>11/9/2021</a:t>
+              <a:t>11/10/2021</a:t>
             </a:fld>
             <a:endParaRPr lang="en-US"/>
           </a:p>
@@ -5472,6 +5493,60 @@
           </a:fontRef>
         </p:style>
       </p:cxnSp>
+      <p:sp>
+        <p:nvSpPr>
+          <p:cNvPr id="6" name="Rectangle 5">
+            <a:extLst>
+              <a:ext uri="{FF2B5EF4-FFF2-40B4-BE49-F238E27FC236}">
+                <a16:creationId xmlns:a16="http://schemas.microsoft.com/office/drawing/2014/main" id="{539EBE0A-B1FD-43DD-8F62-DD3B8C1AAA03}"/>
+              </a:ext>
+            </a:extLst>
+          </p:cNvPr>
+          <p:cNvSpPr/>
+          <p:nvPr/>
+        </p:nvSpPr>
+        <p:spPr>
+          <a:xfrm>
+            <a:off x="762000" y="5638800"/>
+            <a:ext cx="3505185" cy="717550"/>
+          </a:xfrm>
+          <a:prstGeom prst="rect">
+            <a:avLst/>
+          </a:prstGeom>
+          <a:solidFill>
+            <a:srgbClr val="FFFF00">
+              <a:alpha val="20000"/>
+            </a:srgbClr>
+          </a:solidFill>
+          <a:ln>
+            <a:noFill/>
+          </a:ln>
+        </p:spPr>
+        <p:style>
+          <a:lnRef idx="2">
+            <a:schemeClr val="accent1">
+              <a:shade val="50000"/>
+            </a:schemeClr>
+          </a:lnRef>
+          <a:fillRef idx="1">
+            <a:schemeClr val="accent1"/>
+          </a:fillRef>
+          <a:effectRef idx="0">
+            <a:schemeClr val="accent1"/>
+          </a:effectRef>
+          <a:fontRef idx="minor">
+            <a:schemeClr val="lt1"/>
+          </a:fontRef>
+        </p:style>
+        <p:txBody>
+          <a:bodyPr rtlCol="0" anchor="ctr"/>
+          <a:lstStyle/>
+          <a:p>
+            <a:pPr algn="ctr"/>
+            <a:endParaRPr lang="en-US"/>
+          </a:p>
+        </p:txBody>
+      </p:sp>
     </p:spTree>
     <p:extLst>
       <p:ext uri="{BB962C8B-B14F-4D97-AF65-F5344CB8AC3E}">
@@ -7711,7 +7786,16 @@
               <a:rPr lang="en-US" sz="2400" dirty="0">
                 <a:sym typeface="Symbol"/>
               </a:rPr>
-              <a:t>  should plot as straight line</a:t>
+              <a:t>  should plot as </a:t>
+            </a:r>
+            <a:r>
+              <a:rPr lang="en-US" sz="2400" dirty="0">
+                <a:solidFill>
+                  <a:srgbClr val="FF0000"/>
+                </a:solidFill>
+                <a:sym typeface="Symbol"/>
+              </a:rPr>
+              <a:t>straight line</a:t>
             </a:r>
           </a:p>
           <a:p>
@@ -7908,24 +7992,48 @@
           <a:p>
             <a:r>
               <a:rPr lang="en-US" sz="1600" dirty="0" err="1">
+                <a:solidFill>
+                  <a:schemeClr val="tx2">
+                    <a:lumMod val="60000"/>
+                    <a:lumOff val="40000"/>
+                  </a:schemeClr>
+                </a:solidFill>
                 <a:latin typeface="Lucida Console" pitchFamily="49" charset="0"/>
               </a:rPr>
               <a:t>heplots</a:t>
             </a:r>
             <a:r>
               <a:rPr lang="en-US" sz="1600" dirty="0">
+                <a:solidFill>
+                  <a:schemeClr val="tx2">
+                    <a:lumMod val="60000"/>
+                    <a:lumOff val="40000"/>
+                  </a:schemeClr>
+                </a:solidFill>
                 <a:latin typeface="Lucida Console" pitchFamily="49" charset="0"/>
               </a:rPr>
               <a:t>::</a:t>
             </a:r>
             <a:r>
               <a:rPr lang="en-US" sz="1600" dirty="0" err="1">
+                <a:solidFill>
+                  <a:schemeClr val="tx2">
+                    <a:lumMod val="60000"/>
+                    <a:lumOff val="40000"/>
+                  </a:schemeClr>
+                </a:solidFill>
                 <a:latin typeface="Lucida Console" pitchFamily="49" charset="0"/>
               </a:rPr>
               <a:t>cqplot</a:t>
             </a:r>
             <a:r>
               <a:rPr lang="en-US" sz="1600" dirty="0">
+                <a:solidFill>
+                  <a:schemeClr val="tx2">
+                    <a:lumMod val="60000"/>
+                    <a:lumOff val="40000"/>
+                  </a:schemeClr>
+                </a:solidFill>
                 <a:latin typeface="Lucida Console" pitchFamily="49" charset="0"/>
               </a:rPr>
               <a:t>() </a:t>
@@ -8297,20 +8405,52 @@
           <a:lstStyle/>
           <a:p>
             <a:r>
-              <a:rPr lang="en-US" dirty="0" err="1"/>
+              <a:rPr lang="en-US" dirty="0" err="1">
+                <a:solidFill>
+                  <a:schemeClr val="tx2">
+                    <a:lumMod val="60000"/>
+                    <a:lumOff val="40000"/>
+                  </a:schemeClr>
+                </a:solidFill>
+              </a:rPr>
               <a:t>mvinfluence</a:t>
             </a:r>
             <a:r>
+              <a:rPr lang="en-US" dirty="0">
+                <a:solidFill>
+                  <a:schemeClr val="tx2">
+                    <a:lumMod val="60000"/>
+                    <a:lumOff val="40000"/>
+                  </a:schemeClr>
+                </a:solidFill>
+              </a:rPr>
+              <a:t>::</a:t>
+            </a:r>
+            <a:r>
+              <a:rPr lang="en-US" dirty="0" err="1">
+                <a:solidFill>
+                  <a:schemeClr val="tx2">
+                    <a:lumMod val="60000"/>
+                    <a:lumOff val="40000"/>
+                  </a:schemeClr>
+                </a:solidFill>
+              </a:rPr>
+              <a:t>influencePlot</a:t>
+            </a:r>
+            <a:r>
+              <a:rPr lang="en-US" dirty="0">
+                <a:solidFill>
+                  <a:schemeClr val="tx2">
+                    <a:lumMod val="60000"/>
+                    <a:lumOff val="40000"/>
+                  </a:schemeClr>
+                </a:solidFill>
+              </a:rPr>
+              <a:t>() </a:t>
+            </a:r>
+            <a:r>
               <a:rPr lang="en-US" dirty="0"/>
-              <a:t>::</a:t>
-            </a:r>
-            <a:r>
-              <a:rPr lang="en-US" dirty="0" err="1"/>
-              <a:t>influencePlot</a:t>
-            </a:r>
-            <a:r>
-              <a:rPr lang="en-US" dirty="0"/>
-              <a:t>() creates a multivariate analog of an influence plot</a:t>
+              <a:t>creates a multivariate analog of an influence plot</a:t>
             </a:r>
           </a:p>
         </p:txBody>
@@ -8532,12 +8672,8 @@
           <a:lstStyle/>
           <a:p>
             <a:r>
-              <a:rPr lang="en-US" dirty="0" err="1"/>
-              <a:t>Manova</a:t>
-            </a:r>
-            <a:r>
               <a:rPr lang="en-US" dirty="0"/>
-              <a:t> examples</a:t>
+              <a:t>MANOVA examples</a:t>
             </a:r>
           </a:p>
           <a:p>
@@ -8551,7 +8687,7 @@
             <a:pPr lvl="1"/>
             <a:r>
               <a:rPr lang="en-US" dirty="0"/>
-              <a:t>Robust MLMs</a:t>
+              <a:t>Robust MLMs: down-weighting outliers</a:t>
             </a:r>
           </a:p>
           <a:p>
@@ -8584,7 +8720,22 @@
           <a:p>
             <a:r>
               <a:rPr lang="en-US" dirty="0"/>
-              <a:t>Homogeneity of variance</a:t>
+              <a:t>Homogeneity of (co)variance</a:t>
+            </a:r>
+          </a:p>
+          <a:p>
+            <a:pPr lvl="1"/>
+            <a:r>
+              <a:rPr lang="en-US" dirty="0"/>
+              <a:t>Visualizing Box’s </a:t>
+            </a:r>
+            <a:r>
+              <a:rPr lang="en-US" i="1" dirty="0"/>
+              <a:t>M</a:t>
+            </a:r>
+            <a:r>
+              <a:rPr lang="en-US" dirty="0"/>
+              <a:t> test</a:t>
             </a:r>
           </a:p>
         </p:txBody>
@@ -8936,7 +9087,7 @@
           <a:graphicData uri="http://schemas.openxmlformats.org/presentationml/2006/ole">
             <mc:AlternateContent xmlns:mc="http://schemas.openxmlformats.org/markup-compatibility/2006">
               <mc:Choice xmlns:v="urn:schemas-microsoft-com:vml" Requires="v">
-                <p:oleObj spid="_x0000_s1085" name="Equation" r:id="rId3" imgW="2070000" imgH="253800" progId="Equation.DSMT4">
+                <p:oleObj spid="_x0000_s1089" name="Equation" r:id="rId3" imgW="2070000" imgH="253800" progId="Equation.DSMT4">
                   <p:embed/>
                 </p:oleObj>
               </mc:Choice>
@@ -10535,6 +10686,41 @@
             <a:r>
               <a:rPr lang="en-US" altLang="en-US"/>
               <a:t>overlaid HE plots</a:t>
+            </a:r>
+          </a:p>
+        </p:txBody>
+      </p:sp>
+      <p:sp>
+        <p:nvSpPr>
+          <p:cNvPr id="2" name="TextBox 1">
+            <a:extLst>
+              <a:ext uri="{FF2B5EF4-FFF2-40B4-BE49-F238E27FC236}">
+                <a16:creationId xmlns:a16="http://schemas.microsoft.com/office/drawing/2014/main" id="{5B90DC24-9A75-48D9-BE81-7439D3B2F6B7}"/>
+              </a:ext>
+            </a:extLst>
+          </p:cNvPr>
+          <p:cNvSpPr txBox="1"/>
+          <p:nvPr/>
+        </p:nvSpPr>
+        <p:spPr>
+          <a:xfrm>
+            <a:off x="4800600" y="2057400"/>
+            <a:ext cx="3695700" cy="338554"/>
+          </a:xfrm>
+          <a:prstGeom prst="rect">
+            <a:avLst/>
+          </a:prstGeom>
+          <a:noFill/>
+        </p:spPr>
+        <p:txBody>
+          <a:bodyPr wrap="square" rtlCol="0">
+            <a:spAutoFit/>
+          </a:bodyPr>
+          <a:lstStyle/>
+          <a:p>
+            <a:r>
+              <a:rPr lang="en-US" sz="1600" dirty="0"/>
+              <a:t>residual E ellipse shrinks a lot</a:t>
             </a:r>
           </a:p>
         </p:txBody>
@@ -11926,7 +12112,10 @@
               <a:avLst/>
             </a:prstGeom>
             <a:solidFill>
-              <a:srgbClr val="FFFF00"/>
+              <a:schemeClr val="tx2">
+                <a:lumMod val="20000"/>
+                <a:lumOff val="80000"/>
+              </a:schemeClr>
             </a:solidFill>
           </p:spPr>
           <p:txBody>
@@ -12254,7 +12443,10 @@
               <a:avLst/>
             </a:prstGeom>
             <a:solidFill>
-              <a:srgbClr val="FFFF00"/>
+              <a:schemeClr val="tx2">
+                <a:lumMod val="20000"/>
+                <a:lumOff val="80000"/>
+              </a:schemeClr>
             </a:solidFill>
           </p:spPr>
           <p:txBody>
@@ -14866,7 +15058,19 @@
             <a:pPr lvl="1"/>
             <a:r>
               <a:rPr lang="en-US" sz="1800" dirty="0"/>
-              <a:t>This assumes that slopes (B) are the same for both groups (homogeneity of regression)</a:t>
+              <a:t>This assumes that slopes (B) are the </a:t>
+            </a:r>
+            <a:r>
+              <a:rPr lang="en-US" sz="1800" dirty="0">
+                <a:solidFill>
+                  <a:srgbClr val="FF0000"/>
+                </a:solidFill>
+              </a:rPr>
+              <a:t>same</a:t>
+            </a:r>
+            <a:r>
+              <a:rPr lang="en-US" sz="1800" dirty="0"/>
+              <a:t> for both groups (homogeneity of regression)</a:t>
             </a:r>
           </a:p>
           <a:p>
@@ -14980,7 +15184,11 @@
           <a:prstGeom prst="rect">
             <a:avLst/>
           </a:prstGeom>
-          <a:noFill/>
+          <a:solidFill>
+            <a:srgbClr val="FFFF00">
+              <a:alpha val="20000"/>
+            </a:srgbClr>
+          </a:solidFill>
         </p:spPr>
         <p:txBody>
           <a:bodyPr wrap="square" rtlCol="0">
@@ -16339,7 +16547,10 @@
             <a:avLst/>
           </a:prstGeom>
           <a:solidFill>
-            <a:srgbClr val="FFFF00"/>
+            <a:schemeClr val="tx2">
+              <a:lumMod val="20000"/>
+              <a:lumOff val="80000"/>
+            </a:schemeClr>
           </a:solidFill>
         </p:spPr>
         <p:txBody>
@@ -16458,7 +16669,10 @@
             <a:avLst/>
           </a:prstGeom>
           <a:solidFill>
-            <a:srgbClr val="FFFF00"/>
+            <a:schemeClr val="tx2">
+              <a:lumMod val="20000"/>
+              <a:lumOff val="80000"/>
+            </a:schemeClr>
           </a:solidFill>
         </p:spPr>
         <p:txBody>
@@ -16608,15 +16822,7 @@
           <a:p>
             <a:r>
               <a:rPr lang="en-US" dirty="0"/>
-              <a:t>I use ‘</a:t>
-            </a:r>
-            <a:r>
-              <a:rPr lang="en-US" dirty="0" err="1"/>
-              <a:t>grep</a:t>
-            </a:r>
-            <a:r>
-              <a:rPr lang="en-US" dirty="0"/>
-              <a:t>’ trick here to find the names of coefficients like ‘SES:’ containing a ‘:’ </a:t>
+              <a:t>I use a ‘grep’ trick here to find the names of coefficients like ‘SES:’ containing a ‘:’ </a:t>
             </a:r>
           </a:p>
         </p:txBody>
@@ -19242,7 +19448,7 @@
         </p:blipFill>
         <p:spPr>
           <a:xfrm>
-            <a:off x="792480" y="1565860"/>
+            <a:off x="792480" y="2023065"/>
             <a:ext cx="7559040" cy="4251960"/>
           </a:xfrm>
           <a:prstGeom prst="rect">
@@ -19265,7 +19471,7 @@
         <p:spPr>
           <a:xfrm>
             <a:off x="685800" y="381000"/>
-            <a:ext cx="7848600" cy="646331"/>
+            <a:ext cx="7848600" cy="923330"/>
           </a:xfrm>
           <a:prstGeom prst="rect">
             <a:avLst/>
@@ -19279,8 +19485,30 @@
           <a:lstStyle/>
           <a:p>
             <a:r>
+              <a:rPr lang="en-US" dirty="0">
+                <a:solidFill>
+                  <a:srgbClr val="FF0000"/>
+                </a:solidFill>
+              </a:rPr>
+              <a:t>Schizophrenia</a:t>
+            </a:r>
+            <a:r>
               <a:rPr lang="en-US" dirty="0"/>
-              <a:t>Schizoaffective disorder combines symptoms of schizophrenia with mood disorder (bipolar or depression)</a:t>
+              <a:t> symptoms: Hallucinations, disorganized thinking, delusions, …</a:t>
+            </a:r>
+          </a:p>
+          <a:p>
+            <a:r>
+              <a:rPr lang="en-US" dirty="0">
+                <a:solidFill>
+                  <a:srgbClr val="FF0000"/>
+                </a:solidFill>
+              </a:rPr>
+              <a:t>Schizoaffective</a:t>
+            </a:r>
+            <a:r>
+              <a:rPr lang="en-US" dirty="0"/>
+              <a:t> disorder combines symptoms of schizophrenia with mood disorder (bipolar or depression)</a:t>
             </a:r>
           </a:p>
         </p:txBody>
@@ -19399,7 +19627,19 @@
           <a:p>
             <a:r>
               <a:rPr lang="en-US" dirty="0"/>
-              <a:t>Surprisingly, the small dimensions contribute  largely to Box’s </a:t>
+              <a:t>Surprisingly, the </a:t>
+            </a:r>
+            <a:r>
+              <a:rPr lang="en-US" dirty="0">
+                <a:solidFill>
+                  <a:srgbClr val="FF0000"/>
+                </a:solidFill>
+              </a:rPr>
+              <a:t>small</a:t>
+            </a:r>
+            <a:r>
+              <a:rPr lang="en-US" dirty="0"/>
+              <a:t> dimensions contribute  largely to Box’s </a:t>
             </a:r>
             <a:r>
               <a:rPr lang="en-US" i="1" dirty="0"/>
@@ -23088,7 +23328,7 @@
             <a:p>
               <a:r>
                 <a:rPr lang="en-US" sz="1600" dirty="0"/>
-                <a:t>    diagnostic group           ------------- neuro-cognitive measures -----------------------     -- ignored --</a:t>
+                <a:t>    diagnostic group         --------------- neuro-cognitive measures -------------------------   -- ignored --</a:t>
               </a:r>
             </a:p>
           </p:txBody>
@@ -23443,63 +23683,42 @@
             <a:pPr lvl="1"/>
             <a:r>
               <a:rPr lang="en-US" sz="1400" dirty="0">
-                <a:highlight>
-                  <a:srgbClr val="FFFF00"/>
-                </a:highlight>
                 <a:latin typeface="Lucida Console" panose="020B0609040504020204" pitchFamily="49" charset="0"/>
               </a:rPr>
               <a:t>car::</a:t>
             </a:r>
             <a:r>
               <a:rPr lang="en-US" sz="1400" dirty="0" err="1">
-                <a:highlight>
-                  <a:srgbClr val="FFFF00"/>
-                </a:highlight>
                 <a:latin typeface="Lucida Console" panose="020B0609040504020204" pitchFamily="49" charset="0"/>
               </a:rPr>
               <a:t>Anova</a:t>
             </a:r>
             <a:r>
               <a:rPr lang="en-US" sz="1400" dirty="0">
-                <a:highlight>
-                  <a:srgbClr val="FFFF00"/>
-                </a:highlight>
                 <a:latin typeface="Lucida Console" panose="020B0609040504020204" pitchFamily="49" charset="0"/>
               </a:rPr>
               <a:t>(NC.mlm1 &lt;- </a:t>
             </a:r>
             <a:r>
               <a:rPr lang="en-US" sz="1400" dirty="0" err="1">
-                <a:highlight>
-                  <a:srgbClr val="FFFF00"/>
-                </a:highlight>
                 <a:latin typeface="Lucida Console" panose="020B0609040504020204" pitchFamily="49" charset="0"/>
               </a:rPr>
               <a:t>lm</a:t>
             </a:r>
             <a:r>
               <a:rPr lang="en-US" sz="1400" dirty="0">
-                <a:highlight>
-                  <a:srgbClr val="FFFF00"/>
-                </a:highlight>
                 <a:latin typeface="Lucida Console" panose="020B0609040504020204" pitchFamily="49" charset="0"/>
               </a:rPr>
               <a:t> (Speed ~ DX, data=</a:t>
             </a:r>
             <a:r>
               <a:rPr lang="en-US" sz="1400" dirty="0" err="1">
-                <a:highlight>
-                  <a:srgbClr val="FFFF00"/>
-                </a:highlight>
                 <a:latin typeface="Lucida Console" panose="020B0609040504020204" pitchFamily="49" charset="0"/>
               </a:rPr>
               <a:t>NeuroCog</a:t>
             </a:r>
             <a:r>
               <a:rPr lang="en-US" sz="1400" dirty="0">
-                <a:highlight>
-                  <a:srgbClr val="FFFF00"/>
-                </a:highlight>
                 <a:latin typeface="Lucida Console" panose="020B0609040504020204" pitchFamily="49" charset="0"/>
               </a:rPr>
               <a:t>))</a:t>
@@ -23509,63 +23728,42 @@
             <a:pPr lvl="1"/>
             <a:r>
               <a:rPr lang="en-US" sz="1400" dirty="0">
-                <a:highlight>
-                  <a:srgbClr val="FFFF00"/>
-                </a:highlight>
                 <a:latin typeface="Lucida Console" panose="020B0609040504020204" pitchFamily="49" charset="0"/>
               </a:rPr>
               <a:t>car::</a:t>
             </a:r>
             <a:r>
               <a:rPr lang="en-US" sz="1400" dirty="0" err="1">
-                <a:highlight>
-                  <a:srgbClr val="FFFF00"/>
-                </a:highlight>
                 <a:latin typeface="Lucida Console" panose="020B0609040504020204" pitchFamily="49" charset="0"/>
               </a:rPr>
               <a:t>Anova</a:t>
             </a:r>
             <a:r>
               <a:rPr lang="en-US" sz="1400" dirty="0">
-                <a:highlight>
-                  <a:srgbClr val="FFFF00"/>
-                </a:highlight>
                 <a:latin typeface="Lucida Console" panose="020B0609040504020204" pitchFamily="49" charset="0"/>
               </a:rPr>
               <a:t>(NC.mlm2 &lt;- </a:t>
             </a:r>
             <a:r>
               <a:rPr lang="en-US" sz="1400" dirty="0" err="1">
-                <a:highlight>
-                  <a:srgbClr val="FFFF00"/>
-                </a:highlight>
                 <a:latin typeface="Lucida Console" panose="020B0609040504020204" pitchFamily="49" charset="0"/>
               </a:rPr>
               <a:t>lm</a:t>
             </a:r>
             <a:r>
               <a:rPr lang="en-US" sz="1400" dirty="0">
-                <a:highlight>
-                  <a:srgbClr val="FFFF00"/>
-                </a:highlight>
                 <a:latin typeface="Lucida Console" panose="020B0609040504020204" pitchFamily="49" charset="0"/>
               </a:rPr>
               <a:t> (Attention ~ DX, data=</a:t>
             </a:r>
             <a:r>
               <a:rPr lang="en-US" sz="1400" dirty="0" err="1">
-                <a:highlight>
-                  <a:srgbClr val="FFFF00"/>
-                </a:highlight>
                 <a:latin typeface="Lucida Console" panose="020B0609040504020204" pitchFamily="49" charset="0"/>
               </a:rPr>
               <a:t>NeuroCog</a:t>
             </a:r>
             <a:r>
               <a:rPr lang="en-US" sz="1400" dirty="0">
-                <a:highlight>
-                  <a:srgbClr val="FFFF00"/>
-                </a:highlight>
                 <a:latin typeface="Lucida Console" panose="020B0609040504020204" pitchFamily="49" charset="0"/>
               </a:rPr>
               <a:t>))</a:t>
@@ -23575,63 +23773,42 @@
             <a:pPr lvl="1"/>
             <a:r>
               <a:rPr lang="en-US" sz="1400" dirty="0">
-                <a:highlight>
-                  <a:srgbClr val="FFFF00"/>
-                </a:highlight>
                 <a:latin typeface="Lucida Console" panose="020B0609040504020204" pitchFamily="49" charset="0"/>
               </a:rPr>
               <a:t>car::</a:t>
             </a:r>
             <a:r>
               <a:rPr lang="en-US" sz="1400" dirty="0" err="1">
-                <a:highlight>
-                  <a:srgbClr val="FFFF00"/>
-                </a:highlight>
                 <a:latin typeface="Lucida Console" panose="020B0609040504020204" pitchFamily="49" charset="0"/>
               </a:rPr>
               <a:t>Anova</a:t>
             </a:r>
             <a:r>
               <a:rPr lang="en-US" sz="1400" dirty="0">
-                <a:highlight>
-                  <a:srgbClr val="FFFF00"/>
-                </a:highlight>
                 <a:latin typeface="Lucida Console" panose="020B0609040504020204" pitchFamily="49" charset="0"/>
               </a:rPr>
               <a:t>(NC.mlm3 &lt;- </a:t>
             </a:r>
             <a:r>
               <a:rPr lang="en-US" sz="1400" dirty="0" err="1">
-                <a:highlight>
-                  <a:srgbClr val="FFFF00"/>
-                </a:highlight>
                 <a:latin typeface="Lucida Console" panose="020B0609040504020204" pitchFamily="49" charset="0"/>
               </a:rPr>
               <a:t>lm</a:t>
             </a:r>
             <a:r>
               <a:rPr lang="en-US" sz="1400" dirty="0">
-                <a:highlight>
-                  <a:srgbClr val="FFFF00"/>
-                </a:highlight>
                 <a:latin typeface="Lucida Console" panose="020B0609040504020204" pitchFamily="49" charset="0"/>
               </a:rPr>
               <a:t> (Memory ~ DX, data=</a:t>
             </a:r>
             <a:r>
               <a:rPr lang="en-US" sz="1400" dirty="0" err="1">
-                <a:highlight>
-                  <a:srgbClr val="FFFF00"/>
-                </a:highlight>
                 <a:latin typeface="Lucida Console" panose="020B0609040504020204" pitchFamily="49" charset="0"/>
               </a:rPr>
               <a:t>NeuroCog</a:t>
             </a:r>
             <a:r>
               <a:rPr lang="en-US" sz="1400" dirty="0">
-                <a:highlight>
-                  <a:srgbClr val="FFFF00"/>
-                </a:highlight>
                 <a:latin typeface="Lucida Console" panose="020B0609040504020204" pitchFamily="49" charset="0"/>
               </a:rPr>
               <a:t>))</a:t>
@@ -23673,83 +23850,43 @@
           <a:p>
             <a:pPr lvl="1"/>
             <a:r>
-              <a:rPr lang="en-US" sz="1600" dirty="0" err="1">
-                <a:highlight>
-                  <a:srgbClr val="FFFF00"/>
-                </a:highlight>
-              </a:rPr>
+              <a:rPr lang="en-US" sz="1600" dirty="0" err="1"/>
               <a:t>Anova</a:t>
             </a:r>
             <a:r>
-              <a:rPr lang="en-US" sz="1600" dirty="0">
-                <a:highlight>
-                  <a:srgbClr val="FFFF00"/>
-                </a:highlight>
-              </a:rPr>
+              <a:rPr lang="en-US" sz="1600" dirty="0"/>
               <a:t>(</a:t>
             </a:r>
             <a:r>
-              <a:rPr lang="en-US" sz="1600" dirty="0" err="1">
-                <a:highlight>
-                  <a:srgbClr val="FFFF00"/>
-                </a:highlight>
-              </a:rPr>
+              <a:rPr lang="en-US" sz="1600" dirty="0" err="1"/>
               <a:t>NC.mlm</a:t>
             </a:r>
             <a:r>
-              <a:rPr lang="en-US" sz="1600" dirty="0">
-                <a:highlight>
-                  <a:srgbClr val="FFFF00"/>
-                </a:highlight>
-              </a:rPr>
+              <a:rPr lang="en-US" sz="1600" dirty="0"/>
               <a:t> = </a:t>
             </a:r>
             <a:r>
-              <a:rPr lang="en-US" sz="1600" dirty="0" err="1">
-                <a:highlight>
-                  <a:srgbClr val="FFFF00"/>
-                </a:highlight>
-              </a:rPr>
+              <a:rPr lang="en-US" sz="1600" dirty="0" err="1"/>
               <a:t>lm</a:t>
             </a:r>
             <a:r>
-              <a:rPr lang="en-US" sz="1600" dirty="0">
-                <a:highlight>
-                  <a:srgbClr val="FFFF00"/>
-                </a:highlight>
-              </a:rPr>
+              <a:rPr lang="en-US" sz="1600" dirty="0"/>
               <a:t>(</a:t>
             </a:r>
             <a:r>
-              <a:rPr lang="en-US" sz="1600" dirty="0" err="1">
-                <a:highlight>
-                  <a:srgbClr val="FFFF00"/>
-                </a:highlight>
-              </a:rPr>
+              <a:rPr lang="en-US" sz="1600" dirty="0" err="1"/>
               <a:t>cbind</a:t>
             </a:r>
             <a:r>
-              <a:rPr lang="en-US" sz="1600" dirty="0">
-                <a:highlight>
-                  <a:srgbClr val="FFFF00"/>
-                </a:highlight>
-              </a:rPr>
+              <a:rPr lang="en-US" sz="1600" dirty="0"/>
               <a:t>(Speed, Attention, Memory, …) ~ Dx, data=</a:t>
             </a:r>
             <a:r>
-              <a:rPr lang="en-US" sz="1600" dirty="0" err="1">
-                <a:highlight>
-                  <a:srgbClr val="FFFF00"/>
-                </a:highlight>
-              </a:rPr>
+              <a:rPr lang="en-US" sz="1600" dirty="0" err="1"/>
               <a:t>SocialCog</a:t>
             </a:r>
             <a:r>
-              <a:rPr lang="en-US" sz="1600" dirty="0">
-                <a:highlight>
-                  <a:srgbClr val="FFFF00"/>
-                </a:highlight>
-              </a:rPr>
+              <a:rPr lang="en-US" sz="1600" dirty="0"/>
               <a:t> )</a:t>
             </a:r>
           </a:p>
@@ -23793,36 +23930,24 @@
             </a:r>
             <a:r>
               <a:rPr lang="en-US" sz="1400" dirty="0" err="1">
-                <a:highlight>
-                  <a:srgbClr val="FFFF00"/>
-                </a:highlight>
                 <a:latin typeface="Lucida Console" panose="020B0609040504020204" pitchFamily="49" charset="0"/>
               </a:rPr>
               <a:t>linearHypotheses</a:t>
             </a:r>
             <a:r>
               <a:rPr lang="en-US" sz="1400" dirty="0">
-                <a:highlight>
-                  <a:srgbClr val="FFFF00"/>
-                </a:highlight>
                 <a:latin typeface="Lucida Console" panose="020B0609040504020204" pitchFamily="49" charset="0"/>
               </a:rPr>
               <a:t>(</a:t>
             </a:r>
             <a:r>
               <a:rPr lang="en-US" sz="1400" dirty="0" err="1">
-                <a:highlight>
-                  <a:srgbClr val="FFFF00"/>
-                </a:highlight>
                 <a:latin typeface="Lucida Console" panose="020B0609040504020204" pitchFamily="49" charset="0"/>
               </a:rPr>
               <a:t>NC.mlm</a:t>
             </a:r>
             <a:r>
               <a:rPr lang="en-US" sz="1400" dirty="0">
-                <a:highlight>
-                  <a:srgbClr val="FFFF00"/>
-                </a:highlight>
                 <a:latin typeface="Lucida Console" panose="020B0609040504020204" pitchFamily="49" charset="0"/>
               </a:rPr>
               <a:t>, “Dx1”)          </a:t>
@@ -23862,36 +23987,24 @@
             </a:r>
             <a:r>
               <a:rPr lang="en-US" sz="1400" dirty="0" err="1">
-                <a:highlight>
-                  <a:srgbClr val="FFFF00"/>
-                </a:highlight>
                 <a:latin typeface="Lucida Console" panose="020B0609040504020204" pitchFamily="49" charset="0"/>
               </a:rPr>
               <a:t>linearHypotheses</a:t>
             </a:r>
             <a:r>
               <a:rPr lang="en-US" sz="1400" dirty="0">
-                <a:highlight>
-                  <a:srgbClr val="FFFF00"/>
-                </a:highlight>
                 <a:latin typeface="Lucida Console" panose="020B0609040504020204" pitchFamily="49" charset="0"/>
               </a:rPr>
               <a:t>(</a:t>
             </a:r>
             <a:r>
               <a:rPr lang="en-US" sz="1400" dirty="0" err="1">
-                <a:highlight>
-                  <a:srgbClr val="FFFF00"/>
-                </a:highlight>
                 <a:latin typeface="Lucida Console" panose="020B0609040504020204" pitchFamily="49" charset="0"/>
               </a:rPr>
               <a:t>NC.mlm</a:t>
             </a:r>
             <a:r>
               <a:rPr lang="en-US" sz="1400" dirty="0">
-                <a:highlight>
-                  <a:srgbClr val="FFFF00"/>
-                </a:highlight>
                 <a:latin typeface="Lucida Console" panose="020B0609040504020204" pitchFamily="49" charset="0"/>
               </a:rPr>
               <a:t>, “Dx2”)</a:t>
@@ -23921,72 +24034,48 @@
             </a:r>
             <a:r>
               <a:rPr lang="en-US" sz="1400" dirty="0" err="1">
-                <a:highlight>
-                  <a:srgbClr val="FFFF00"/>
-                </a:highlight>
                 <a:latin typeface="Lucida Console" panose="020B0609040504020204" pitchFamily="49" charset="0"/>
               </a:rPr>
               <a:t>NC.can</a:t>
             </a:r>
             <a:r>
               <a:rPr lang="en-US" sz="1400" dirty="0">
-                <a:highlight>
-                  <a:srgbClr val="FFFF00"/>
-                </a:highlight>
                 <a:latin typeface="Lucida Console" panose="020B0609040504020204" pitchFamily="49" charset="0"/>
               </a:rPr>
               <a:t> &lt;- </a:t>
             </a:r>
             <a:r>
               <a:rPr lang="en-US" sz="1400" dirty="0" err="1">
-                <a:highlight>
-                  <a:srgbClr val="FFFF00"/>
-                </a:highlight>
                 <a:latin typeface="Lucida Console" panose="020B0609040504020204" pitchFamily="49" charset="0"/>
               </a:rPr>
               <a:t>candisc</a:t>
             </a:r>
             <a:r>
               <a:rPr lang="en-US" sz="1400" dirty="0">
-                <a:highlight>
-                  <a:srgbClr val="FFFF00"/>
-                </a:highlight>
                 <a:latin typeface="Lucida Console" panose="020B0609040504020204" pitchFamily="49" charset="0"/>
               </a:rPr>
               <a:t>(</a:t>
             </a:r>
             <a:r>
               <a:rPr lang="en-US" sz="1400" dirty="0" err="1">
-                <a:highlight>
-                  <a:srgbClr val="FFFF00"/>
-                </a:highlight>
                 <a:latin typeface="Lucida Console" panose="020B0609040504020204" pitchFamily="49" charset="0"/>
               </a:rPr>
               <a:t>NC.mlm</a:t>
             </a:r>
             <a:r>
               <a:rPr lang="en-US" sz="1400" dirty="0">
-                <a:highlight>
-                  <a:srgbClr val="FFFF00"/>
-                </a:highlight>
                 <a:latin typeface="Lucida Console" panose="020B0609040504020204" pitchFamily="49" charset="0"/>
               </a:rPr>
               <a:t>); plot(</a:t>
             </a:r>
             <a:r>
               <a:rPr lang="en-US" sz="1400" dirty="0" err="1">
-                <a:highlight>
-                  <a:srgbClr val="FFFF00"/>
-                </a:highlight>
                 <a:latin typeface="Lucida Console" panose="020B0609040504020204" pitchFamily="49" charset="0"/>
               </a:rPr>
               <a:t>NC.can</a:t>
             </a:r>
             <a:r>
               <a:rPr lang="en-US" sz="1400" dirty="0">
-                <a:highlight>
-                  <a:srgbClr val="FFFF00"/>
-                </a:highlight>
                 <a:latin typeface="Lucida Console" panose="020B0609040504020204" pitchFamily="49" charset="0"/>
               </a:rPr>
               <a:t>)</a:t>
@@ -24010,36 +24099,24 @@
             </a:r>
             <a:r>
               <a:rPr lang="en-US" sz="1600" dirty="0" err="1">
-                <a:highlight>
-                  <a:srgbClr val="FFFF00"/>
-                </a:highlight>
                 <a:latin typeface="Lucida Console" panose="020B0609040504020204" pitchFamily="49" charset="0"/>
               </a:rPr>
               <a:t>heplot</a:t>
             </a:r>
             <a:r>
               <a:rPr lang="en-US" sz="1600" dirty="0">
-                <a:highlight>
-                  <a:srgbClr val="FFFF00"/>
-                </a:highlight>
                 <a:latin typeface="Lucida Console" panose="020B0609040504020204" pitchFamily="49" charset="0"/>
               </a:rPr>
               <a:t>(</a:t>
             </a:r>
             <a:r>
               <a:rPr lang="en-US" sz="1600" dirty="0" err="1">
-                <a:highlight>
-                  <a:srgbClr val="FFFF00"/>
-                </a:highlight>
                 <a:latin typeface="Lucida Console" panose="020B0609040504020204" pitchFamily="49" charset="0"/>
               </a:rPr>
               <a:t>NC.can</a:t>
             </a:r>
             <a:r>
               <a:rPr lang="en-US" sz="1600" dirty="0">
-                <a:highlight>
-                  <a:srgbClr val="FFFF00"/>
-                </a:highlight>
                 <a:latin typeface="Lucida Console" panose="020B0609040504020204" pitchFamily="49" charset="0"/>
               </a:rPr>
               <a:t>)</a:t>
@@ -24165,6 +24242,349 @@
               <a:t>6</a:t>
             </a:fld>
             <a:endParaRPr lang="en-US"/>
+          </a:p>
+        </p:txBody>
+      </p:sp>
+      <p:sp>
+        <p:nvSpPr>
+          <p:cNvPr id="4" name="Rectangle 3">
+            <a:extLst>
+              <a:ext uri="{FF2B5EF4-FFF2-40B4-BE49-F238E27FC236}">
+                <a16:creationId xmlns:a16="http://schemas.microsoft.com/office/drawing/2014/main" id="{7FA22BC2-9305-4BA6-B612-E4ABC6DE76D6}"/>
+              </a:ext>
+            </a:extLst>
+          </p:cNvPr>
+          <p:cNvSpPr/>
+          <p:nvPr/>
+        </p:nvSpPr>
+        <p:spPr>
+          <a:xfrm>
+            <a:off x="1219200" y="1524000"/>
+            <a:ext cx="6172200" cy="792162"/>
+          </a:xfrm>
+          <a:prstGeom prst="rect">
+            <a:avLst/>
+          </a:prstGeom>
+          <a:solidFill>
+            <a:srgbClr val="FFFF00">
+              <a:alpha val="20000"/>
+            </a:srgbClr>
+          </a:solidFill>
+          <a:ln>
+            <a:noFill/>
+          </a:ln>
+        </p:spPr>
+        <p:style>
+          <a:lnRef idx="2">
+            <a:schemeClr val="accent1">
+              <a:shade val="50000"/>
+            </a:schemeClr>
+          </a:lnRef>
+          <a:fillRef idx="1">
+            <a:schemeClr val="accent1"/>
+          </a:fillRef>
+          <a:effectRef idx="0">
+            <a:schemeClr val="accent1"/>
+          </a:effectRef>
+          <a:fontRef idx="minor">
+            <a:schemeClr val="lt1"/>
+          </a:fontRef>
+        </p:style>
+        <p:txBody>
+          <a:bodyPr rtlCol="0" anchor="ctr"/>
+          <a:lstStyle/>
+          <a:p>
+            <a:pPr algn="ctr"/>
+            <a:endParaRPr lang="en-US"/>
+          </a:p>
+        </p:txBody>
+      </p:sp>
+      <p:sp>
+        <p:nvSpPr>
+          <p:cNvPr id="6" name="Rectangle 5">
+            <a:extLst>
+              <a:ext uri="{FF2B5EF4-FFF2-40B4-BE49-F238E27FC236}">
+                <a16:creationId xmlns:a16="http://schemas.microsoft.com/office/drawing/2014/main" id="{8667BAD8-89AD-4B40-A9E4-DE1D3315C28B}"/>
+              </a:ext>
+            </a:extLst>
+          </p:cNvPr>
+          <p:cNvSpPr/>
+          <p:nvPr/>
+        </p:nvSpPr>
+        <p:spPr>
+          <a:xfrm>
+            <a:off x="4953000" y="3581400"/>
+            <a:ext cx="3429000" cy="533400"/>
+          </a:xfrm>
+          <a:prstGeom prst="rect">
+            <a:avLst/>
+          </a:prstGeom>
+          <a:solidFill>
+            <a:srgbClr val="FFFF00">
+              <a:alpha val="20000"/>
+            </a:srgbClr>
+          </a:solidFill>
+          <a:ln>
+            <a:noFill/>
+          </a:ln>
+        </p:spPr>
+        <p:style>
+          <a:lnRef idx="2">
+            <a:schemeClr val="accent1">
+              <a:shade val="50000"/>
+            </a:schemeClr>
+          </a:lnRef>
+          <a:fillRef idx="1">
+            <a:schemeClr val="accent1"/>
+          </a:fillRef>
+          <a:effectRef idx="0">
+            <a:schemeClr val="accent1"/>
+          </a:effectRef>
+          <a:fontRef idx="minor">
+            <a:schemeClr val="lt1"/>
+          </a:fontRef>
+        </p:style>
+        <p:txBody>
+          <a:bodyPr rtlCol="0" anchor="ctr"/>
+          <a:lstStyle/>
+          <a:p>
+            <a:pPr algn="ctr"/>
+            <a:endParaRPr lang="en-US"/>
+          </a:p>
+        </p:txBody>
+      </p:sp>
+      <p:sp>
+        <p:nvSpPr>
+          <p:cNvPr id="7" name="Rectangle 6">
+            <a:extLst>
+              <a:ext uri="{FF2B5EF4-FFF2-40B4-BE49-F238E27FC236}">
+                <a16:creationId xmlns:a16="http://schemas.microsoft.com/office/drawing/2014/main" id="{9D1FE68F-3744-4621-B9CF-E4AB2FCDE520}"/>
+              </a:ext>
+            </a:extLst>
+          </p:cNvPr>
+          <p:cNvSpPr/>
+          <p:nvPr/>
+        </p:nvSpPr>
+        <p:spPr>
+          <a:xfrm>
+            <a:off x="3276600" y="4495800"/>
+            <a:ext cx="4419600" cy="533400"/>
+          </a:xfrm>
+          <a:prstGeom prst="rect">
+            <a:avLst/>
+          </a:prstGeom>
+          <a:solidFill>
+            <a:srgbClr val="FFFF00">
+              <a:alpha val="20000"/>
+            </a:srgbClr>
+          </a:solidFill>
+          <a:ln>
+            <a:noFill/>
+          </a:ln>
+        </p:spPr>
+        <p:style>
+          <a:lnRef idx="2">
+            <a:schemeClr val="accent1">
+              <a:shade val="50000"/>
+            </a:schemeClr>
+          </a:lnRef>
+          <a:fillRef idx="1">
+            <a:schemeClr val="accent1"/>
+          </a:fillRef>
+          <a:effectRef idx="0">
+            <a:schemeClr val="accent1"/>
+          </a:effectRef>
+          <a:fontRef idx="minor">
+            <a:schemeClr val="lt1"/>
+          </a:fontRef>
+        </p:style>
+        <p:txBody>
+          <a:bodyPr rtlCol="0" anchor="ctr"/>
+          <a:lstStyle/>
+          <a:p>
+            <a:pPr algn="ctr"/>
+            <a:endParaRPr lang="en-US"/>
+          </a:p>
+        </p:txBody>
+      </p:sp>
+      <p:sp>
+        <p:nvSpPr>
+          <p:cNvPr id="8" name="Rectangle 7">
+            <a:extLst>
+              <a:ext uri="{FF2B5EF4-FFF2-40B4-BE49-F238E27FC236}">
+                <a16:creationId xmlns:a16="http://schemas.microsoft.com/office/drawing/2014/main" id="{195A874B-CE51-4024-A7E0-0B007C8B5500}"/>
+              </a:ext>
+            </a:extLst>
+          </p:cNvPr>
+          <p:cNvSpPr/>
+          <p:nvPr/>
+        </p:nvSpPr>
+        <p:spPr>
+          <a:xfrm>
+            <a:off x="1219200" y="2895600"/>
+            <a:ext cx="6629400" cy="304800"/>
+          </a:xfrm>
+          <a:prstGeom prst="rect">
+            <a:avLst/>
+          </a:prstGeom>
+          <a:solidFill>
+            <a:srgbClr val="FFFF00">
+              <a:alpha val="20000"/>
+            </a:srgbClr>
+          </a:solidFill>
+          <a:ln>
+            <a:noFill/>
+          </a:ln>
+        </p:spPr>
+        <p:style>
+          <a:lnRef idx="2">
+            <a:schemeClr val="accent1">
+              <a:shade val="50000"/>
+            </a:schemeClr>
+          </a:lnRef>
+          <a:fillRef idx="1">
+            <a:schemeClr val="accent1"/>
+          </a:fillRef>
+          <a:effectRef idx="0">
+            <a:schemeClr val="accent1"/>
+          </a:effectRef>
+          <a:fontRef idx="minor">
+            <a:schemeClr val="lt1"/>
+          </a:fontRef>
+        </p:style>
+        <p:txBody>
+          <a:bodyPr rtlCol="0" anchor="ctr"/>
+          <a:lstStyle/>
+          <a:p>
+            <a:pPr algn="ctr"/>
+            <a:endParaRPr lang="en-US"/>
+          </a:p>
+        </p:txBody>
+      </p:sp>
+      <p:sp>
+        <p:nvSpPr>
+          <p:cNvPr id="9" name="Rectangle 8">
+            <a:extLst>
+              <a:ext uri="{FF2B5EF4-FFF2-40B4-BE49-F238E27FC236}">
+                <a16:creationId xmlns:a16="http://schemas.microsoft.com/office/drawing/2014/main" id="{01BA6F93-9DE3-4B42-AC18-4E35326D78FD}"/>
+              </a:ext>
+            </a:extLst>
+          </p:cNvPr>
+          <p:cNvSpPr/>
+          <p:nvPr/>
+        </p:nvSpPr>
+        <p:spPr>
+          <a:xfrm>
+            <a:off x="8356260" y="5345668"/>
+            <a:ext cx="330540" cy="369332"/>
+          </a:xfrm>
+          <a:prstGeom prst="rect">
+            <a:avLst/>
+          </a:prstGeom>
+        </p:spPr>
+        <p:txBody>
+          <a:bodyPr wrap="none">
+            <a:spAutoFit/>
+          </a:bodyPr>
+          <a:lstStyle/>
+          <a:p>
+            <a:pPr lvl="0" algn="ctr"/>
+            <a:r>
+              <a:rPr lang="en-US" dirty="0">
+                <a:solidFill>
+                  <a:srgbClr val="FF0000"/>
+                </a:solidFill>
+                <a:sym typeface="Wingdings"/>
+              </a:rPr>
+              <a:t></a:t>
+            </a:r>
+            <a:endParaRPr lang="en-US" dirty="0">
+              <a:solidFill>
+                <a:srgbClr val="FF0000"/>
+              </a:solidFill>
+            </a:endParaRPr>
+          </a:p>
+        </p:txBody>
+      </p:sp>
+      <p:sp>
+        <p:nvSpPr>
+          <p:cNvPr id="10" name="Rectangle 9">
+            <a:extLst>
+              <a:ext uri="{FF2B5EF4-FFF2-40B4-BE49-F238E27FC236}">
+                <a16:creationId xmlns:a16="http://schemas.microsoft.com/office/drawing/2014/main" id="{E5196655-41B4-4AAE-ADE9-02EE666588F1}"/>
+              </a:ext>
+            </a:extLst>
+          </p:cNvPr>
+          <p:cNvSpPr/>
+          <p:nvPr/>
+        </p:nvSpPr>
+        <p:spPr>
+          <a:xfrm>
+            <a:off x="8377337" y="5650468"/>
+            <a:ext cx="365805" cy="369332"/>
+          </a:xfrm>
+          <a:prstGeom prst="rect">
+            <a:avLst/>
+          </a:prstGeom>
+        </p:spPr>
+        <p:txBody>
+          <a:bodyPr wrap="none">
+            <a:spAutoFit/>
+          </a:bodyPr>
+          <a:lstStyle/>
+          <a:p>
+            <a:pPr algn="ctr"/>
+            <a:r>
+              <a:rPr lang="en-US" dirty="0">
+                <a:solidFill>
+                  <a:srgbClr val="00B050"/>
+                </a:solidFill>
+                <a:sym typeface="Wingdings"/>
+              </a:rPr>
+              <a:t></a:t>
+            </a:r>
+            <a:endParaRPr lang="en-US" dirty="0"/>
+          </a:p>
+        </p:txBody>
+      </p:sp>
+      <p:sp>
+        <p:nvSpPr>
+          <p:cNvPr id="11" name="Rectangle 10">
+            <a:extLst>
+              <a:ext uri="{FF2B5EF4-FFF2-40B4-BE49-F238E27FC236}">
+                <a16:creationId xmlns:a16="http://schemas.microsoft.com/office/drawing/2014/main" id="{B177DFDA-F89E-4402-AE45-CA38BC61A193}"/>
+              </a:ext>
+            </a:extLst>
+          </p:cNvPr>
+          <p:cNvSpPr/>
+          <p:nvPr/>
+        </p:nvSpPr>
+        <p:spPr>
+          <a:xfrm>
+            <a:off x="8377337" y="5923002"/>
+            <a:ext cx="365805" cy="369332"/>
+          </a:xfrm>
+          <a:prstGeom prst="rect">
+            <a:avLst/>
+          </a:prstGeom>
+        </p:spPr>
+        <p:txBody>
+          <a:bodyPr wrap="none">
+            <a:spAutoFit/>
+          </a:bodyPr>
+          <a:lstStyle/>
+          <a:p>
+            <a:pPr algn="ctr"/>
+            <a:r>
+              <a:rPr lang="en-US" dirty="0">
+                <a:solidFill>
+                  <a:srgbClr val="00B050"/>
+                </a:solidFill>
+                <a:sym typeface="Wingdings"/>
+              </a:rPr>
+              <a:t></a:t>
+            </a:r>
+            <a:endParaRPr lang="en-US" dirty="0"/>
           </a:p>
         </p:txBody>
       </p:sp>
@@ -25117,7 +25537,7 @@
               <a:p>
                 <a:r>
                   <a:rPr lang="en-US" dirty="0"/>
-                  <a:t>Dx1 = Control – (</a:t>
+                  <a:t>Dx1: Control – (</a:t>
                 </a:r>
                 <a:r>
                   <a:rPr lang="en-US" dirty="0" err="1"/>
@@ -25133,7 +25553,7 @@
                 </a:r>
                 <a:r>
                   <a:rPr lang="en-US" dirty="0"/>
-                  <a:t>)/2</a:t>
+                  <a:t>)/2 = 0</a:t>
                 </a:r>
               </a:p>
             </p:txBody>
